--- a/Documentation/Team Presentation.pptx
+++ b/Documentation/Team Presentation.pptx
@@ -11,14 +11,17 @@
     <p:sldId id="260" r:id="rId5"/>
     <p:sldId id="258" r:id="rId6"/>
     <p:sldId id="262" r:id="rId7"/>
-    <p:sldId id="263" r:id="rId8"/>
-    <p:sldId id="264" r:id="rId9"/>
+    <p:sldId id="271" r:id="rId8"/>
+    <p:sldId id="263" r:id="rId9"/>
     <p:sldId id="265" r:id="rId10"/>
-    <p:sldId id="266" r:id="rId11"/>
-    <p:sldId id="267" r:id="rId12"/>
-    <p:sldId id="268" r:id="rId13"/>
-    <p:sldId id="271" r:id="rId14"/>
-    <p:sldId id="270" r:id="rId15"/>
+    <p:sldId id="264" r:id="rId11"/>
+    <p:sldId id="273" r:id="rId12"/>
+    <p:sldId id="267" r:id="rId13"/>
+    <p:sldId id="266" r:id="rId14"/>
+    <p:sldId id="268" r:id="rId15"/>
+    <p:sldId id="272" r:id="rId16"/>
+    <p:sldId id="270" r:id="rId17"/>
+    <p:sldId id="274" r:id="rId18"/>
   </p:sldIdLst>
   <p:sldSz cx="12192000" cy="6858000"/>
   <p:notesSz cx="6858000" cy="9144000"/>
@@ -117,7 +120,3305 @@
       </a:defRPr>
     </a:lvl9pPr>
   </p:defaultTextStyle>
+  <p:extLst>
+    <p:ext uri="{EFAFB233-063F-42B5-8137-9DF3F51BA10A}">
+      <p15:sldGuideLst xmlns:p15="http://schemas.microsoft.com/office/powerpoint/2012/main"/>
+    </p:ext>
+  </p:extLst>
 </p:presentation>
+</file>
+
+<file path=ppt/commentAuthors.xml><?xml version="1.0" encoding="utf-8"?>
+<p:cmAuthorLst xmlns:a="http://schemas.openxmlformats.org/drawingml/2006/main" xmlns:r="http://schemas.openxmlformats.org/officeDocument/2006/relationships" xmlns:p="http://schemas.openxmlformats.org/presentationml/2006/main">
+  <p:cmAuthor id="1" name="Josie Wood" initials="JW" lastIdx="24" clrIdx="0">
+    <p:extLst>
+      <p:ext uri="{19B8F6BF-5375-455C-9EA6-DF929625EA0E}">
+        <p15:presenceInfo xmlns:p15="http://schemas.microsoft.com/office/powerpoint/2012/main" userId="d639d1f29621d1e9" providerId="Windows Live"/>
+      </p:ext>
+    </p:extLst>
+  </p:cmAuthor>
+</p:cmAuthorLst>
+</file>
+
+<file path=ppt/comments/comment1.xml><?xml version="1.0" encoding="utf-8"?>
+<p:cmLst xmlns:a="http://schemas.openxmlformats.org/drawingml/2006/main" xmlns:r="http://schemas.openxmlformats.org/officeDocument/2006/relationships" xmlns:p="http://schemas.openxmlformats.org/presentationml/2006/main">
+  <p:cm authorId="1" dt="2020-05-10T11:36:03.292" idx="3">
+    <p:pos x="6879" y="1399"/>
+    <p:text>[ZACK]</p:text>
+    <p:extLst>
+      <p:ext uri="{C676402C-5697-4E1C-873F-D02D1690AC5C}">
+        <p15:threadingInfo xmlns:p15="http://schemas.microsoft.com/office/powerpoint/2012/main" timeZoneBias="-60"/>
+      </p:ext>
+    </p:extLst>
+  </p:cm>
+  <p:cm authorId="1" dt="2020-05-10T11:36:16.918" idx="4">
+    <p:pos x="6879" y="1535"/>
+    <p:text>Introduce the client (formally!) what problem did the present, what solution did you propose (include a mugshot, title and URL if you have these details - look them up on linked in, connect with them) provide a little background; client needed x for purpose y targeting audience/platform z etc</p:text>
+    <p:extLst>
+      <p:ext uri="{C676402C-5697-4E1C-873F-D02D1690AC5C}">
+        <p15:threadingInfo xmlns:p15="http://schemas.microsoft.com/office/powerpoint/2012/main" timeZoneBias="-60">
+          <p15:parentCm authorId="1" idx="3"/>
+        </p15:threadingInfo>
+      </p:ext>
+    </p:extLst>
+  </p:cm>
+  <p:cm authorId="1" dt="2020-05-10T11:36:30.625" idx="5">
+    <p:pos x="6879" y="1671"/>
+    <p:text>GDD for ref:
+A game that isn’t too simple or easy. Adults are the primary audience. 
+The game should be playable without the child being present, and gameplay should not be dependent on their involvement, rather improved by. 
+The game should be developed in Unity, as the client has experience in this engine. He did not express a preference of 2D or 3D. 
+We, the developers, have creative freedom in terms of gameplay/mechanics/story/genre. However, the client did show preference towards dungeon crawlers, zombie shooters and Jackbox games. 
+The game needs to be engaging and replayable. 
+The child plays an unkillable character that has influence over the outcome of the game, without holding the parent back. 
+The game needs to be suitable for young children, and so should have limited amounts of text, should have easy controls and should not be too graphic.</p:text>
+    <p:extLst>
+      <p:ext uri="{C676402C-5697-4E1C-873F-D02D1690AC5C}">
+        <p15:threadingInfo xmlns:p15="http://schemas.microsoft.com/office/powerpoint/2012/main" timeZoneBias="-60">
+          <p15:parentCm authorId="1" idx="3"/>
+        </p15:threadingInfo>
+      </p:ext>
+    </p:extLst>
+  </p:cm>
+</p:cmLst>
+</file>
+
+<file path=ppt/comments/comment10.xml><?xml version="1.0" encoding="utf-8"?>
+<p:cmLst xmlns:a="http://schemas.openxmlformats.org/drawingml/2006/main" xmlns:r="http://schemas.openxmlformats.org/officeDocument/2006/relationships" xmlns:p="http://schemas.openxmlformats.org/presentationml/2006/main">
+  <p:cm authorId="1" dt="2020-05-10T11:39:25.709" idx="20">
+    <p:pos x="960" y="1799"/>
+    <p:text>[SOLOMON]</p:text>
+    <p:extLst>
+      <p:ext uri="{C676402C-5697-4E1C-873F-D02D1690AC5C}">
+        <p15:threadingInfo xmlns:p15="http://schemas.microsoft.com/office/powerpoint/2012/main" timeZoneBias="-60"/>
+      </p:ext>
+    </p:extLst>
+  </p:cm>
+  <p:cm authorId="1" dt="2020-05-10T11:39:31.524" idx="21">
+    <p:pos x="960" y="1935"/>
+    <p:text>use of repo, version control, branches/subbranches commenting  (show screenshot of repo/detail of repo etc
+TIP: Even a repo can be visualised to look amazing, extra credit for using https://gource.io/</p:text>
+    <p:extLst>
+      <p:ext uri="{C676402C-5697-4E1C-873F-D02D1690AC5C}">
+        <p15:threadingInfo xmlns:p15="http://schemas.microsoft.com/office/powerpoint/2012/main" timeZoneBias="-60">
+          <p15:parentCm authorId="1" idx="20"/>
+        </p15:threadingInfo>
+      </p:ext>
+    </p:extLst>
+  </p:cm>
+</p:cmLst>
+</file>
+
+<file path=ppt/comments/comment11.xml><?xml version="1.0" encoding="utf-8"?>
+<p:cmLst xmlns:a="http://schemas.openxmlformats.org/drawingml/2006/main" xmlns:r="http://schemas.openxmlformats.org/officeDocument/2006/relationships" xmlns:p="http://schemas.openxmlformats.org/presentationml/2006/main">
+  <p:cm authorId="1" dt="2020-05-10T11:39:41.510" idx="22">
+    <p:pos x="960" y="1283"/>
+    <p:text>[EVERYONE]</p:text>
+    <p:extLst>
+      <p:ext uri="{C676402C-5697-4E1C-873F-D02D1690AC5C}">
+        <p15:threadingInfo xmlns:p15="http://schemas.microsoft.com/office/powerpoint/2012/main" timeZoneBias="-60"/>
+      </p:ext>
+    </p:extLst>
+  </p:cm>
+  <p:cm authorId="1" dt="2020-05-10T11:39:49.140" idx="23">
+    <p:pos x="960" y="1419"/>
+    <p:text>what went well, what could have been better, what went wrong, how did you address it, what compromises/changes did you have to make/how did you agree/decide this, what recommendations for improvement... 
+TIP: Don't whinge or blame each other or worse blame the client! think 'As a team we could have handled this aspect better... we recommend x and y etc' 'As a team we underestimate x and if we were to repeat the process we would definitely y and z.</p:text>
+    <p:extLst>
+      <p:ext uri="{C676402C-5697-4E1C-873F-D02D1690AC5C}">
+        <p15:threadingInfo xmlns:p15="http://schemas.microsoft.com/office/powerpoint/2012/main" timeZoneBias="-60">
+          <p15:parentCm authorId="1" idx="22"/>
+        </p15:threadingInfo>
+      </p:ext>
+    </p:extLst>
+  </p:cm>
+</p:cmLst>
+</file>
+
+<file path=ppt/comments/comment12.xml><?xml version="1.0" encoding="utf-8"?>
+<p:cmLst xmlns:a="http://schemas.openxmlformats.org/drawingml/2006/main" xmlns:r="http://schemas.openxmlformats.org/officeDocument/2006/relationships" xmlns:p="http://schemas.openxmlformats.org/presentationml/2006/main">
+  <p:cm authorId="1" dt="2020-05-10T11:39:56.342" idx="24">
+    <p:pos x="1647" y="485"/>
+    <p:text>[everyone]</p:text>
+    <p:extLst>
+      <p:ext uri="{C676402C-5697-4E1C-873F-D02D1690AC5C}">
+        <p15:threadingInfo xmlns:p15="http://schemas.microsoft.com/office/powerpoint/2012/main" timeZoneBias="-60"/>
+      </p:ext>
+    </p:extLst>
+  </p:cm>
+</p:cmLst>
+</file>
+
+<file path=ppt/comments/comment2.xml><?xml version="1.0" encoding="utf-8"?>
+<p:cmLst xmlns:a="http://schemas.openxmlformats.org/drawingml/2006/main" xmlns:r="http://schemas.openxmlformats.org/officeDocument/2006/relationships" xmlns:p="http://schemas.openxmlformats.org/presentationml/2006/main">
+  <p:cm authorId="1" dt="2020-05-10T11:35:30.628" idx="2">
+    <p:pos x="10" y="10"/>
+    <p:text>[ZACK]
+How effectively did you work with the client, evidence of this process (screenshots meeting notes/email comments/client feedback or a nice flow diagram)
+TIP: if your client is happy ask for a testimonial you can use in the presentation/on your portfolio...</p:text>
+    <p:extLst>
+      <p:ext uri="{C676402C-5697-4E1C-873F-D02D1690AC5C}">
+        <p15:threadingInfo xmlns:p15="http://schemas.microsoft.com/office/powerpoint/2012/main" timeZoneBias="-60"/>
+      </p:ext>
+    </p:extLst>
+  </p:cm>
+</p:cmLst>
+</file>
+
+<file path=ppt/comments/comment3.xml><?xml version="1.0" encoding="utf-8"?>
+<p:cmLst xmlns:a="http://schemas.openxmlformats.org/drawingml/2006/main" xmlns:r="http://schemas.openxmlformats.org/officeDocument/2006/relationships" xmlns:p="http://schemas.openxmlformats.org/presentationml/2006/main">
+  <p:cm authorId="1" dt="2020-05-10T11:34:55.364" idx="1">
+    <p:pos x="10" y="10"/>
+    <p:text>[Josie]
+Use GDD for reference
+Use SMART objectives</p:text>
+    <p:extLst>
+      <p:ext uri="{C676402C-5697-4E1C-873F-D02D1690AC5C}">
+        <p15:threadingInfo xmlns:p15="http://schemas.microsoft.com/office/powerpoint/2012/main" timeZoneBias="-60"/>
+      </p:ext>
+    </p:extLst>
+  </p:cm>
+</p:cmLst>
+</file>
+
+<file path=ppt/comments/comment4.xml><?xml version="1.0" encoding="utf-8"?>
+<p:cmLst xmlns:a="http://schemas.openxmlformats.org/drawingml/2006/main" xmlns:r="http://schemas.openxmlformats.org/officeDocument/2006/relationships" xmlns:p="http://schemas.openxmlformats.org/presentationml/2006/main">
+  <p:cm authorId="1" dt="2020-05-10T11:37:15.427" idx="6">
+    <p:pos x="6871" y="1498"/>
+    <p:text>[JOSIE]</p:text>
+    <p:extLst>
+      <p:ext uri="{C676402C-5697-4E1C-873F-D02D1690AC5C}">
+        <p15:threadingInfo xmlns:p15="http://schemas.microsoft.com/office/powerpoint/2012/main" timeZoneBias="-60"/>
+      </p:ext>
+    </p:extLst>
+  </p:cm>
+  <p:cm authorId="1" dt="2020-05-10T11:37:23.535" idx="7">
+    <p:pos x="6871" y="1634"/>
+    <p:text>quickly clickthrough evidence/screenshots or bullet points of team process: management process, client communication process, agreed SOPS, backlog/list of requirements, sprints planning, sprint reviews, risks identified and action taken, stages of development (screenshots or screen caps) showing sprint or stage completion etc  - if you are proud of an aspect you created for the project add a link to that service/document/asset maybe the team remote working was really effective after you agreed to... use x for y and scheduled z etc. TIP: You could use a diagram to show the typical workflow...</p:text>
+    <p:extLst>
+      <p:ext uri="{C676402C-5697-4E1C-873F-D02D1690AC5C}">
+        <p15:threadingInfo xmlns:p15="http://schemas.microsoft.com/office/powerpoint/2012/main" timeZoneBias="-60">
+          <p15:parentCm authorId="1" idx="6"/>
+        </p15:threadingInfo>
+      </p:ext>
+    </p:extLst>
+  </p:cm>
+</p:cmLst>
+</file>
+
+<file path=ppt/comments/comment5.xml><?xml version="1.0" encoding="utf-8"?>
+<p:cmLst xmlns:a="http://schemas.openxmlformats.org/drawingml/2006/main" xmlns:r="http://schemas.openxmlformats.org/officeDocument/2006/relationships" xmlns:p="http://schemas.openxmlformats.org/presentationml/2006/main">
+  <p:cm authorId="1" dt="2020-05-10T11:37:39.548" idx="8">
+    <p:pos x="10" y="10"/>
+    <p:text>[JOSIE]</p:text>
+    <p:extLst>
+      <p:ext uri="{C676402C-5697-4E1C-873F-D02D1690AC5C}">
+        <p15:threadingInfo xmlns:p15="http://schemas.microsoft.com/office/powerpoint/2012/main" timeZoneBias="-60"/>
+      </p:ext>
+    </p:extLst>
+  </p:cm>
+  <p:cm authorId="1" dt="2020-05-10T11:37:48.691" idx="9">
+    <p:pos x="10" y="146"/>
+    <p:text>Embedded videos of gameplay
+Photo of 2 people playing, one on pc one on tablet
+Go through each point in objectives, explain how they were met</p:text>
+    <p:extLst>
+      <p:ext uri="{C676402C-5697-4E1C-873F-D02D1690AC5C}">
+        <p15:threadingInfo xmlns:p15="http://schemas.microsoft.com/office/powerpoint/2012/main" timeZoneBias="-60">
+          <p15:parentCm authorId="1" idx="8"/>
+        </p15:threadingInfo>
+      </p:ext>
+    </p:extLst>
+  </p:cm>
+</p:cmLst>
+</file>
+
+<file path=ppt/comments/comment6.xml><?xml version="1.0" encoding="utf-8"?>
+<p:cmLst xmlns:a="http://schemas.openxmlformats.org/drawingml/2006/main" xmlns:r="http://schemas.openxmlformats.org/officeDocument/2006/relationships" xmlns:p="http://schemas.openxmlformats.org/presentationml/2006/main">
+  <p:cm authorId="1" dt="2020-05-10T11:37:58.011" idx="10">
+    <p:pos x="10" y="10"/>
+    <p:text>[ALEX]</p:text>
+    <p:extLst>
+      <p:ext uri="{C676402C-5697-4E1C-873F-D02D1690AC5C}">
+        <p15:threadingInfo xmlns:p15="http://schemas.microsoft.com/office/powerpoint/2012/main" timeZoneBias="-60"/>
+      </p:ext>
+    </p:extLst>
+  </p:cm>
+  <p:cm authorId="1" dt="2020-05-10T11:38:10.542" idx="11">
+    <p:pos x="10" y="146"/>
+    <p:text>Unity side</p:text>
+    <p:extLst>
+      <p:ext uri="{C676402C-5697-4E1C-873F-D02D1690AC5C}">
+        <p15:threadingInfo xmlns:p15="http://schemas.microsoft.com/office/powerpoint/2012/main" timeZoneBias="-60">
+          <p15:parentCm authorId="1" idx="10"/>
+        </p15:threadingInfo>
+      </p:ext>
+    </p:extLst>
+  </p:cm>
+  <p:cm authorId="1" dt="2020-05-10T11:38:13.401" idx="12">
+    <p:pos x="10" y="282"/>
+    <p:text>what methods, technologies, tools, languages did you use and why? (summarise, the detail should be covered in your reports - you can comment more detail is in the report, if the reports are written you could even link to them from the presentation for extra kudos!</p:text>
+    <p:extLst>
+      <p:ext uri="{C676402C-5697-4E1C-873F-D02D1690AC5C}">
+        <p15:threadingInfo xmlns:p15="http://schemas.microsoft.com/office/powerpoint/2012/main" timeZoneBias="-60">
+          <p15:parentCm authorId="1" idx="10"/>
+        </p15:threadingInfo>
+      </p:ext>
+    </p:extLst>
+  </p:cm>
+</p:cmLst>
+</file>
+
+<file path=ppt/comments/comment7.xml><?xml version="1.0" encoding="utf-8"?>
+<p:cmLst xmlns:a="http://schemas.openxmlformats.org/drawingml/2006/main" xmlns:r="http://schemas.openxmlformats.org/officeDocument/2006/relationships" xmlns:p="http://schemas.openxmlformats.org/presentationml/2006/main">
+  <p:cm authorId="1" dt="2020-05-10T11:38:22.132" idx="13">
+    <p:pos x="6791" y="1283"/>
+    <p:text>[SOLOMON]</p:text>
+    <p:extLst>
+      <p:ext uri="{C676402C-5697-4E1C-873F-D02D1690AC5C}">
+        <p15:threadingInfo xmlns:p15="http://schemas.microsoft.com/office/powerpoint/2012/main" timeZoneBias="-60"/>
+      </p:ext>
+    </p:extLst>
+  </p:cm>
+  <p:cm authorId="1" dt="2020-05-10T11:38:29.820" idx="14">
+    <p:pos x="6791" y="1419"/>
+    <p:text>Web side</p:text>
+    <p:extLst>
+      <p:ext uri="{C676402C-5697-4E1C-873F-D02D1690AC5C}">
+        <p15:threadingInfo xmlns:p15="http://schemas.microsoft.com/office/powerpoint/2012/main" timeZoneBias="-60">
+          <p15:parentCm authorId="1" idx="13"/>
+        </p15:threadingInfo>
+      </p:ext>
+    </p:extLst>
+  </p:cm>
+  <p:cm authorId="1" dt="2020-05-10T11:38:32.779" idx="15">
+    <p:pos x="6791" y="1555"/>
+    <p:text>what methods, technologies, tools, languages did you use and why? (summarise, the detail should be covered in your reports - you can comment more detail is in the report, if the reports are written you could even link to them from the presentation for extra kudos!</p:text>
+    <p:extLst>
+      <p:ext uri="{C676402C-5697-4E1C-873F-D02D1690AC5C}">
+        <p15:threadingInfo xmlns:p15="http://schemas.microsoft.com/office/powerpoint/2012/main" timeZoneBias="-60">
+          <p15:parentCm authorId="1" idx="13"/>
+        </p15:threadingInfo>
+      </p:ext>
+    </p:extLst>
+  </p:cm>
+</p:cmLst>
+</file>
+
+<file path=ppt/comments/comment8.xml><?xml version="1.0" encoding="utf-8"?>
+<p:cmLst xmlns:a="http://schemas.openxmlformats.org/drawingml/2006/main" xmlns:r="http://schemas.openxmlformats.org/officeDocument/2006/relationships" xmlns:p="http://schemas.openxmlformats.org/presentationml/2006/main">
+  <p:cm authorId="1" dt="2020-05-10T11:38:44.100" idx="16">
+    <p:pos x="6700" y="1496"/>
+    <p:text>[ZACK]</p:text>
+    <p:extLst>
+      <p:ext uri="{C676402C-5697-4E1C-873F-D02D1690AC5C}">
+        <p15:threadingInfo xmlns:p15="http://schemas.microsoft.com/office/powerpoint/2012/main" timeZoneBias="-60"/>
+      </p:ext>
+    </p:extLst>
+  </p:cm>
+  <p:cm authorId="1" dt="2020-05-10T11:38:49.830" idx="17">
+    <p:pos x="6700" y="1632"/>
+    <p:text>How did you test and validate the project: (show evidence of functional tests (features tested by team), usability testing (user testing/feedback), deployment testing (works on target platform/device) does it meet the agreed objectives
+TIP: You could use a road map to show what was achieved by when against objectives...</p:text>
+    <p:extLst>
+      <p:ext uri="{C676402C-5697-4E1C-873F-D02D1690AC5C}">
+        <p15:threadingInfo xmlns:p15="http://schemas.microsoft.com/office/powerpoint/2012/main" timeZoneBias="-60">
+          <p15:parentCm authorId="1" idx="16"/>
+        </p15:threadingInfo>
+      </p:ext>
+    </p:extLst>
+  </p:cm>
+</p:cmLst>
+</file>
+
+<file path=ppt/comments/comment9.xml><?xml version="1.0" encoding="utf-8"?>
+<p:cmLst xmlns:a="http://schemas.openxmlformats.org/drawingml/2006/main" xmlns:r="http://schemas.openxmlformats.org/officeDocument/2006/relationships" xmlns:p="http://schemas.openxmlformats.org/presentationml/2006/main">
+  <p:cm authorId="1" dt="2020-05-10T11:38:59.395" idx="18">
+    <p:pos x="3678" y="1496"/>
+    <p:text>[ALEX]</p:text>
+    <p:extLst>
+      <p:ext uri="{C676402C-5697-4E1C-873F-D02D1690AC5C}">
+        <p15:threadingInfo xmlns:p15="http://schemas.microsoft.com/office/powerpoint/2012/main" timeZoneBias="-60"/>
+      </p:ext>
+    </p:extLst>
+  </p:cm>
+  <p:cm authorId="1" dt="2020-05-10T11:39:12.423" idx="19">
+    <p:pos x="3678" y="1632"/>
+    <p:text>Code standards, agreed conventions,</p:text>
+    <p:extLst>
+      <p:ext uri="{C676402C-5697-4E1C-873F-D02D1690AC5C}">
+        <p15:threadingInfo xmlns:p15="http://schemas.microsoft.com/office/powerpoint/2012/main" timeZoneBias="-60">
+          <p15:parentCm authorId="1" idx="18"/>
+        </p15:threadingInfo>
+      </p:ext>
+    </p:extLst>
+  </p:cm>
+</p:cmLst>
+</file>
+
+<file path=ppt/diagrams/colors1.xml><?xml version="1.0" encoding="utf-8"?>
+<dgm:colorsDef xmlns:dgm="http://schemas.openxmlformats.org/drawingml/2006/diagram" xmlns:a="http://schemas.openxmlformats.org/drawingml/2006/main" uniqueId="urn:microsoft.com/office/officeart/2005/8/colors/colorful2">
+  <dgm:title val=""/>
+  <dgm:desc val=""/>
+  <dgm:catLst>
+    <dgm:cat type="colorful" pri="10200"/>
+  </dgm:catLst>
+  <dgm:styleLbl name="node0">
+    <dgm:fillClrLst meth="repeat">
+      <a:schemeClr val="accent1"/>
+    </dgm:fillClrLst>
+    <dgm:linClrLst meth="repeat">
+      <a:schemeClr val="lt1"/>
+    </dgm:linClrLst>
+    <dgm:effectClrLst/>
+    <dgm:txLinClrLst/>
+    <dgm:txFillClrLst/>
+    <dgm:txEffectClrLst/>
+  </dgm:styleLbl>
+  <dgm:styleLbl name="node1">
+    <dgm:fillClrLst>
+      <a:schemeClr val="accent2"/>
+      <a:schemeClr val="accent3"/>
+    </dgm:fillClrLst>
+    <dgm:linClrLst meth="repeat">
+      <a:schemeClr val="lt1"/>
+    </dgm:linClrLst>
+    <dgm:effectClrLst/>
+    <dgm:txLinClrLst/>
+    <dgm:txFillClrLst/>
+    <dgm:txEffectClrLst/>
+  </dgm:styleLbl>
+  <dgm:styleLbl name="alignNode1">
+    <dgm:fillClrLst>
+      <a:schemeClr val="accent2"/>
+      <a:schemeClr val="accent3"/>
+    </dgm:fillClrLst>
+    <dgm:linClrLst>
+      <a:schemeClr val="accent2"/>
+      <a:schemeClr val="accent3"/>
+    </dgm:linClrLst>
+    <dgm:effectClrLst/>
+    <dgm:txLinClrLst/>
+    <dgm:txFillClrLst/>
+    <dgm:txEffectClrLst/>
+  </dgm:styleLbl>
+  <dgm:styleLbl name="lnNode1">
+    <dgm:fillClrLst>
+      <a:schemeClr val="accent2"/>
+      <a:schemeClr val="accent3"/>
+    </dgm:fillClrLst>
+    <dgm:linClrLst meth="repeat">
+      <a:schemeClr val="lt1"/>
+    </dgm:linClrLst>
+    <dgm:effectClrLst/>
+    <dgm:txLinClrLst/>
+    <dgm:txFillClrLst/>
+    <dgm:txEffectClrLst/>
+  </dgm:styleLbl>
+  <dgm:styleLbl name="vennNode1">
+    <dgm:fillClrLst>
+      <a:schemeClr val="accent2">
+        <a:alpha val="50000"/>
+      </a:schemeClr>
+      <a:schemeClr val="accent3">
+        <a:alpha val="50000"/>
+      </a:schemeClr>
+    </dgm:fillClrLst>
+    <dgm:linClrLst meth="repeat">
+      <a:schemeClr val="lt1"/>
+    </dgm:linClrLst>
+    <dgm:effectClrLst/>
+    <dgm:txLinClrLst/>
+    <dgm:txFillClrLst/>
+    <dgm:txEffectClrLst/>
+  </dgm:styleLbl>
+  <dgm:styleLbl name="node2">
+    <dgm:fillClrLst>
+      <a:schemeClr val="accent3"/>
+    </dgm:fillClrLst>
+    <dgm:linClrLst meth="repeat">
+      <a:schemeClr val="lt1"/>
+    </dgm:linClrLst>
+    <dgm:effectClrLst/>
+    <dgm:txLinClrLst/>
+    <dgm:txFillClrLst/>
+    <dgm:txEffectClrLst/>
+  </dgm:styleLbl>
+  <dgm:styleLbl name="node3">
+    <dgm:fillClrLst>
+      <a:schemeClr val="accent4"/>
+    </dgm:fillClrLst>
+    <dgm:linClrLst meth="repeat">
+      <a:schemeClr val="lt1"/>
+    </dgm:linClrLst>
+    <dgm:effectClrLst/>
+    <dgm:txLinClrLst/>
+    <dgm:txFillClrLst/>
+    <dgm:txEffectClrLst/>
+  </dgm:styleLbl>
+  <dgm:styleLbl name="node4">
+    <dgm:fillClrLst>
+      <a:schemeClr val="accent5"/>
+    </dgm:fillClrLst>
+    <dgm:linClrLst meth="repeat">
+      <a:schemeClr val="lt1"/>
+    </dgm:linClrLst>
+    <dgm:effectClrLst/>
+    <dgm:txLinClrLst/>
+    <dgm:txFillClrLst/>
+    <dgm:txEffectClrLst/>
+  </dgm:styleLbl>
+  <dgm:styleLbl name="fgImgPlace1">
+    <dgm:fillClrLst>
+      <a:schemeClr val="accent2">
+        <a:tint val="50000"/>
+      </a:schemeClr>
+      <a:schemeClr val="accent3">
+        <a:tint val="50000"/>
+      </a:schemeClr>
+    </dgm:fillClrLst>
+    <dgm:linClrLst meth="repeat">
+      <a:schemeClr val="lt1"/>
+    </dgm:linClrLst>
+    <dgm:effectClrLst/>
+    <dgm:txLinClrLst/>
+    <dgm:txFillClrLst meth="repeat">
+      <a:schemeClr val="lt1"/>
+    </dgm:txFillClrLst>
+    <dgm:txEffectClrLst/>
+  </dgm:styleLbl>
+  <dgm:styleLbl name="alignImgPlace1">
+    <dgm:fillClrLst>
+      <a:schemeClr val="accent2">
+        <a:tint val="50000"/>
+      </a:schemeClr>
+      <a:schemeClr val="accent3">
+        <a:tint val="20000"/>
+      </a:schemeClr>
+    </dgm:fillClrLst>
+    <dgm:linClrLst meth="repeat">
+      <a:schemeClr val="lt1"/>
+    </dgm:linClrLst>
+    <dgm:effectClrLst/>
+    <dgm:txLinClrLst/>
+    <dgm:txFillClrLst meth="repeat">
+      <a:schemeClr val="lt1"/>
+    </dgm:txFillClrLst>
+    <dgm:txEffectClrLst/>
+  </dgm:styleLbl>
+  <dgm:styleLbl name="bgImgPlace1">
+    <dgm:fillClrLst>
+      <a:schemeClr val="accent2">
+        <a:tint val="50000"/>
+      </a:schemeClr>
+      <a:schemeClr val="accent3">
+        <a:tint val="20000"/>
+      </a:schemeClr>
+    </dgm:fillClrLst>
+    <dgm:linClrLst meth="repeat">
+      <a:schemeClr val="lt1"/>
+    </dgm:linClrLst>
+    <dgm:effectClrLst/>
+    <dgm:txLinClrLst/>
+    <dgm:txFillClrLst meth="repeat">
+      <a:schemeClr val="lt1"/>
+    </dgm:txFillClrLst>
+    <dgm:txEffectClrLst/>
+  </dgm:styleLbl>
+  <dgm:styleLbl name="sibTrans2D1">
+    <dgm:fillClrLst>
+      <a:schemeClr val="accent2"/>
+      <a:schemeClr val="accent3"/>
+    </dgm:fillClrLst>
+    <dgm:linClrLst meth="repeat">
+      <a:schemeClr val="lt1"/>
+    </dgm:linClrLst>
+    <dgm:effectClrLst/>
+    <dgm:txLinClrLst/>
+    <dgm:txFillClrLst/>
+    <dgm:txEffectClrLst/>
+  </dgm:styleLbl>
+  <dgm:styleLbl name="fgSibTrans2D1">
+    <dgm:fillClrLst>
+      <a:schemeClr val="accent2"/>
+      <a:schemeClr val="accent3"/>
+    </dgm:fillClrLst>
+    <dgm:linClrLst meth="repeat">
+      <a:schemeClr val="lt1"/>
+    </dgm:linClrLst>
+    <dgm:effectClrLst/>
+    <dgm:txLinClrLst/>
+    <dgm:txFillClrLst meth="repeat">
+      <a:schemeClr val="lt1"/>
+    </dgm:txFillClrLst>
+    <dgm:txEffectClrLst/>
+  </dgm:styleLbl>
+  <dgm:styleLbl name="bgSibTrans2D1">
+    <dgm:fillClrLst>
+      <a:schemeClr val="accent2"/>
+      <a:schemeClr val="accent3"/>
+    </dgm:fillClrLst>
+    <dgm:linClrLst meth="repeat">
+      <a:schemeClr val="lt1"/>
+    </dgm:linClrLst>
+    <dgm:effectClrLst/>
+    <dgm:txLinClrLst/>
+    <dgm:txFillClrLst meth="repeat">
+      <a:schemeClr val="lt1"/>
+    </dgm:txFillClrLst>
+    <dgm:txEffectClrLst/>
+  </dgm:styleLbl>
+  <dgm:styleLbl name="sibTrans1D1">
+    <dgm:fillClrLst/>
+    <dgm:linClrLst>
+      <a:schemeClr val="accent2"/>
+      <a:schemeClr val="accent3"/>
+    </dgm:linClrLst>
+    <dgm:effectClrLst/>
+    <dgm:txLinClrLst/>
+    <dgm:txFillClrLst meth="repeat">
+      <a:schemeClr val="tx1"/>
+    </dgm:txFillClrLst>
+    <dgm:txEffectClrLst/>
+  </dgm:styleLbl>
+  <dgm:styleLbl name="callout">
+    <dgm:fillClrLst meth="repeat">
+      <a:schemeClr val="accent2"/>
+    </dgm:fillClrLst>
+    <dgm:linClrLst meth="repeat">
+      <a:schemeClr val="accent2">
+        <a:tint val="50000"/>
+      </a:schemeClr>
+    </dgm:linClrLst>
+    <dgm:effectClrLst/>
+    <dgm:txLinClrLst/>
+    <dgm:txFillClrLst meth="repeat">
+      <a:schemeClr val="tx1"/>
+    </dgm:txFillClrLst>
+    <dgm:txEffectClrLst/>
+  </dgm:styleLbl>
+  <dgm:styleLbl name="asst0">
+    <dgm:fillClrLst meth="repeat">
+      <a:schemeClr val="accent2"/>
+    </dgm:fillClrLst>
+    <dgm:linClrLst meth="repeat">
+      <a:schemeClr val="lt1">
+        <a:shade val="80000"/>
+      </a:schemeClr>
+    </dgm:linClrLst>
+    <dgm:effectClrLst/>
+    <dgm:txLinClrLst/>
+    <dgm:txFillClrLst/>
+    <dgm:txEffectClrLst/>
+  </dgm:styleLbl>
+  <dgm:styleLbl name="asst1">
+    <dgm:fillClrLst meth="repeat">
+      <a:schemeClr val="accent3"/>
+    </dgm:fillClrLst>
+    <dgm:linClrLst meth="repeat">
+      <a:schemeClr val="lt1">
+        <a:shade val="80000"/>
+      </a:schemeClr>
+    </dgm:linClrLst>
+    <dgm:effectClrLst/>
+    <dgm:txLinClrLst/>
+    <dgm:txFillClrLst/>
+    <dgm:txEffectClrLst/>
+  </dgm:styleLbl>
+  <dgm:styleLbl name="asst2">
+    <dgm:fillClrLst>
+      <a:schemeClr val="accent4"/>
+    </dgm:fillClrLst>
+    <dgm:linClrLst meth="repeat">
+      <a:schemeClr val="lt1"/>
+    </dgm:linClrLst>
+    <dgm:effectClrLst/>
+    <dgm:txLinClrLst/>
+    <dgm:txFillClrLst/>
+    <dgm:txEffectClrLst/>
+  </dgm:styleLbl>
+  <dgm:styleLbl name="asst3">
+    <dgm:fillClrLst>
+      <a:schemeClr val="accent5"/>
+    </dgm:fillClrLst>
+    <dgm:linClrLst meth="repeat">
+      <a:schemeClr val="lt1"/>
+    </dgm:linClrLst>
+    <dgm:effectClrLst/>
+    <dgm:txLinClrLst/>
+    <dgm:txFillClrLst/>
+    <dgm:txEffectClrLst/>
+  </dgm:styleLbl>
+  <dgm:styleLbl name="asst4">
+    <dgm:fillClrLst>
+      <a:schemeClr val="accent6"/>
+    </dgm:fillClrLst>
+    <dgm:linClrLst meth="repeat">
+      <a:schemeClr val="lt1"/>
+    </dgm:linClrLst>
+    <dgm:effectClrLst/>
+    <dgm:txLinClrLst/>
+    <dgm:txFillClrLst/>
+    <dgm:txEffectClrLst/>
+  </dgm:styleLbl>
+  <dgm:styleLbl name="parChTrans2D1">
+    <dgm:fillClrLst meth="repeat">
+      <a:schemeClr val="accent2"/>
+    </dgm:fillClrLst>
+    <dgm:linClrLst meth="repeat">
+      <a:schemeClr val="lt1"/>
+    </dgm:linClrLst>
+    <dgm:effectClrLst/>
+    <dgm:txLinClrLst/>
+    <dgm:txFillClrLst meth="repeat">
+      <a:schemeClr val="lt1"/>
+    </dgm:txFillClrLst>
+    <dgm:txEffectClrLst/>
+  </dgm:styleLbl>
+  <dgm:styleLbl name="parChTrans2D2">
+    <dgm:fillClrLst meth="repeat">
+      <a:schemeClr val="accent3"/>
+    </dgm:fillClrLst>
+    <dgm:linClrLst meth="repeat">
+      <a:schemeClr val="lt1"/>
+    </dgm:linClrLst>
+    <dgm:effectClrLst/>
+    <dgm:txLinClrLst/>
+    <dgm:txFillClrLst/>
+    <dgm:txEffectClrLst/>
+  </dgm:styleLbl>
+  <dgm:styleLbl name="parChTrans2D3">
+    <dgm:fillClrLst meth="repeat">
+      <a:schemeClr val="accent4"/>
+    </dgm:fillClrLst>
+    <dgm:linClrLst meth="repeat">
+      <a:schemeClr val="lt1"/>
+    </dgm:linClrLst>
+    <dgm:effectClrLst/>
+    <dgm:txLinClrLst/>
+    <dgm:txFillClrLst/>
+    <dgm:txEffectClrLst/>
+  </dgm:styleLbl>
+  <dgm:styleLbl name="parChTrans2D4">
+    <dgm:fillClrLst meth="repeat">
+      <a:schemeClr val="accent5"/>
+    </dgm:fillClrLst>
+    <dgm:linClrLst meth="repeat">
+      <a:schemeClr val="lt1"/>
+    </dgm:linClrLst>
+    <dgm:effectClrLst/>
+    <dgm:txLinClrLst/>
+    <dgm:txFillClrLst meth="repeat">
+      <a:schemeClr val="lt1"/>
+    </dgm:txFillClrLst>
+    <dgm:txEffectClrLst/>
+  </dgm:styleLbl>
+  <dgm:styleLbl name="parChTrans1D1">
+    <dgm:fillClrLst meth="repeat">
+      <a:schemeClr val="accent2"/>
+    </dgm:fillClrLst>
+    <dgm:linClrLst meth="repeat">
+      <a:schemeClr val="accent2"/>
+    </dgm:linClrLst>
+    <dgm:effectClrLst/>
+    <dgm:txLinClrLst/>
+    <dgm:txFillClrLst meth="repeat">
+      <a:schemeClr val="tx1"/>
+    </dgm:txFillClrLst>
+    <dgm:txEffectClrLst/>
+  </dgm:styleLbl>
+  <dgm:styleLbl name="parChTrans1D2">
+    <dgm:fillClrLst meth="repeat">
+      <a:schemeClr val="accent2">
+        <a:tint val="90000"/>
+      </a:schemeClr>
+    </dgm:fillClrLst>
+    <dgm:linClrLst meth="repeat">
+      <a:schemeClr val="accent3"/>
+    </dgm:linClrLst>
+    <dgm:effectClrLst/>
+    <dgm:txLinClrLst/>
+    <dgm:txFillClrLst meth="repeat">
+      <a:schemeClr val="tx1"/>
+    </dgm:txFillClrLst>
+    <dgm:txEffectClrLst/>
+  </dgm:styleLbl>
+  <dgm:styleLbl name="parChTrans1D3">
+    <dgm:fillClrLst meth="repeat">
+      <a:schemeClr val="accent2">
+        <a:tint val="70000"/>
+      </a:schemeClr>
+    </dgm:fillClrLst>
+    <dgm:linClrLst meth="repeat">
+      <a:schemeClr val="accent4"/>
+    </dgm:linClrLst>
+    <dgm:effectClrLst/>
+    <dgm:txLinClrLst/>
+    <dgm:txFillClrLst meth="repeat">
+      <a:schemeClr val="tx1"/>
+    </dgm:txFillClrLst>
+    <dgm:txEffectClrLst/>
+  </dgm:styleLbl>
+  <dgm:styleLbl name="parChTrans1D4">
+    <dgm:fillClrLst meth="repeat">
+      <a:schemeClr val="accent2">
+        <a:tint val="50000"/>
+      </a:schemeClr>
+    </dgm:fillClrLst>
+    <dgm:linClrLst meth="repeat">
+      <a:schemeClr val="accent5"/>
+    </dgm:linClrLst>
+    <dgm:effectClrLst/>
+    <dgm:txLinClrLst/>
+    <dgm:txFillClrLst meth="repeat">
+      <a:schemeClr val="tx1"/>
+    </dgm:txFillClrLst>
+    <dgm:txEffectClrLst/>
+  </dgm:styleLbl>
+  <dgm:styleLbl name="fgAcc1">
+    <dgm:fillClrLst meth="repeat">
+      <a:schemeClr val="lt1">
+        <a:alpha val="90000"/>
+      </a:schemeClr>
+    </dgm:fillClrLst>
+    <dgm:linClrLst>
+      <a:schemeClr val="accent2"/>
+      <a:schemeClr val="accent3"/>
+    </dgm:linClrLst>
+    <dgm:effectClrLst/>
+    <dgm:txLinClrLst/>
+    <dgm:txFillClrLst meth="repeat">
+      <a:schemeClr val="dk1"/>
+    </dgm:txFillClrLst>
+    <dgm:txEffectClrLst/>
+  </dgm:styleLbl>
+  <dgm:styleLbl name="conFgAcc1">
+    <dgm:fillClrLst meth="repeat">
+      <a:schemeClr val="lt1">
+        <a:alpha val="90000"/>
+      </a:schemeClr>
+    </dgm:fillClrLst>
+    <dgm:linClrLst>
+      <a:schemeClr val="accent2"/>
+      <a:schemeClr val="accent3"/>
+    </dgm:linClrLst>
+    <dgm:effectClrLst/>
+    <dgm:txLinClrLst/>
+    <dgm:txFillClrLst meth="repeat">
+      <a:schemeClr val="dk1"/>
+    </dgm:txFillClrLst>
+    <dgm:txEffectClrLst/>
+  </dgm:styleLbl>
+  <dgm:styleLbl name="alignAcc1">
+    <dgm:fillClrLst meth="repeat">
+      <a:schemeClr val="lt1">
+        <a:alpha val="90000"/>
+      </a:schemeClr>
+    </dgm:fillClrLst>
+    <dgm:linClrLst>
+      <a:schemeClr val="accent2"/>
+      <a:schemeClr val="accent3"/>
+    </dgm:linClrLst>
+    <dgm:effectClrLst/>
+    <dgm:txLinClrLst/>
+    <dgm:txFillClrLst meth="repeat">
+      <a:schemeClr val="dk1"/>
+    </dgm:txFillClrLst>
+    <dgm:txEffectClrLst/>
+  </dgm:styleLbl>
+  <dgm:styleLbl name="trAlignAcc1">
+    <dgm:fillClrLst meth="repeat">
+      <a:schemeClr val="lt1">
+        <a:alpha val="40000"/>
+      </a:schemeClr>
+    </dgm:fillClrLst>
+    <dgm:linClrLst meth="repeat">
+      <a:schemeClr val="accent2"/>
+    </dgm:linClrLst>
+    <dgm:effectClrLst/>
+    <dgm:txLinClrLst/>
+    <dgm:txFillClrLst meth="repeat">
+      <a:schemeClr val="dk1"/>
+    </dgm:txFillClrLst>
+    <dgm:txEffectClrLst/>
+  </dgm:styleLbl>
+  <dgm:styleLbl name="bgAcc1">
+    <dgm:fillClrLst meth="repeat">
+      <a:schemeClr val="lt1">
+        <a:alpha val="90000"/>
+      </a:schemeClr>
+    </dgm:fillClrLst>
+    <dgm:linClrLst>
+      <a:schemeClr val="accent2"/>
+      <a:schemeClr val="accent3"/>
+    </dgm:linClrLst>
+    <dgm:effectClrLst/>
+    <dgm:txLinClrLst/>
+    <dgm:txFillClrLst meth="repeat">
+      <a:schemeClr val="dk1"/>
+    </dgm:txFillClrLst>
+    <dgm:txEffectClrLst/>
+  </dgm:styleLbl>
+  <dgm:styleLbl name="solidFgAcc1">
+    <dgm:fillClrLst meth="repeat">
+      <a:schemeClr val="lt1"/>
+    </dgm:fillClrLst>
+    <dgm:linClrLst>
+      <a:schemeClr val="accent2"/>
+      <a:schemeClr val="accent3"/>
+    </dgm:linClrLst>
+    <dgm:effectClrLst/>
+    <dgm:txLinClrLst/>
+    <dgm:txFillClrLst meth="repeat">
+      <a:schemeClr val="dk1"/>
+    </dgm:txFillClrLst>
+    <dgm:txEffectClrLst/>
+  </dgm:styleLbl>
+  <dgm:styleLbl name="solidAlignAcc1">
+    <dgm:fillClrLst meth="repeat">
+      <a:schemeClr val="lt1"/>
+    </dgm:fillClrLst>
+    <dgm:linClrLst>
+      <a:schemeClr val="accent2"/>
+      <a:schemeClr val="accent3"/>
+    </dgm:linClrLst>
+    <dgm:effectClrLst/>
+    <dgm:txLinClrLst/>
+    <dgm:txFillClrLst meth="repeat">
+      <a:schemeClr val="dk1"/>
+    </dgm:txFillClrLst>
+    <dgm:txEffectClrLst/>
+  </dgm:styleLbl>
+  <dgm:styleLbl name="solidBgAcc1">
+    <dgm:fillClrLst meth="repeat">
+      <a:schemeClr val="lt1"/>
+    </dgm:fillClrLst>
+    <dgm:linClrLst>
+      <a:schemeClr val="accent2"/>
+      <a:schemeClr val="accent3"/>
+    </dgm:linClrLst>
+    <dgm:effectClrLst/>
+    <dgm:txLinClrLst/>
+    <dgm:txFillClrLst meth="repeat">
+      <a:schemeClr val="dk1"/>
+    </dgm:txFillClrLst>
+    <dgm:txEffectClrLst/>
+  </dgm:styleLbl>
+  <dgm:styleLbl name="fgAccFollowNode1">
+    <dgm:fillClrLst>
+      <a:schemeClr val="accent2">
+        <a:tint val="40000"/>
+        <a:alpha val="90000"/>
+      </a:schemeClr>
+      <a:schemeClr val="accent3">
+        <a:tint val="40000"/>
+        <a:alpha val="90000"/>
+      </a:schemeClr>
+    </dgm:fillClrLst>
+    <dgm:linClrLst>
+      <a:schemeClr val="accent2">
+        <a:tint val="40000"/>
+        <a:alpha val="90000"/>
+      </a:schemeClr>
+      <a:schemeClr val="accent3">
+        <a:tint val="40000"/>
+        <a:alpha val="90000"/>
+      </a:schemeClr>
+    </dgm:linClrLst>
+    <dgm:effectClrLst/>
+    <dgm:txLinClrLst/>
+    <dgm:txFillClrLst meth="repeat">
+      <a:schemeClr val="dk1"/>
+    </dgm:txFillClrLst>
+    <dgm:txEffectClrLst/>
+  </dgm:styleLbl>
+  <dgm:styleLbl name="alignAccFollowNode1">
+    <dgm:fillClrLst>
+      <a:schemeClr val="accent2">
+        <a:tint val="40000"/>
+        <a:alpha val="90000"/>
+      </a:schemeClr>
+      <a:schemeClr val="accent3">
+        <a:tint val="40000"/>
+        <a:alpha val="90000"/>
+      </a:schemeClr>
+    </dgm:fillClrLst>
+    <dgm:linClrLst>
+      <a:schemeClr val="accent2">
+        <a:tint val="40000"/>
+        <a:alpha val="90000"/>
+      </a:schemeClr>
+      <a:schemeClr val="accent3">
+        <a:tint val="40000"/>
+        <a:alpha val="90000"/>
+      </a:schemeClr>
+    </dgm:linClrLst>
+    <dgm:effectClrLst/>
+    <dgm:txLinClrLst/>
+    <dgm:txFillClrLst meth="repeat">
+      <a:schemeClr val="dk1"/>
+    </dgm:txFillClrLst>
+    <dgm:txEffectClrLst/>
+  </dgm:styleLbl>
+  <dgm:styleLbl name="bgAccFollowNode1">
+    <dgm:fillClrLst>
+      <a:schemeClr val="accent2">
+        <a:tint val="40000"/>
+        <a:alpha val="90000"/>
+      </a:schemeClr>
+      <a:schemeClr val="accent3">
+        <a:tint val="40000"/>
+        <a:alpha val="90000"/>
+      </a:schemeClr>
+    </dgm:fillClrLst>
+    <dgm:linClrLst>
+      <a:schemeClr val="accent2">
+        <a:tint val="40000"/>
+        <a:alpha val="90000"/>
+      </a:schemeClr>
+      <a:schemeClr val="accent3">
+        <a:tint val="40000"/>
+        <a:alpha val="90000"/>
+      </a:schemeClr>
+    </dgm:linClrLst>
+    <dgm:effectClrLst/>
+    <dgm:txLinClrLst/>
+    <dgm:txFillClrLst meth="repeat">
+      <a:schemeClr val="dk1"/>
+    </dgm:txFillClrLst>
+    <dgm:txEffectClrLst/>
+  </dgm:styleLbl>
+  <dgm:styleLbl name="fgAcc0">
+    <dgm:fillClrLst meth="repeat">
+      <a:schemeClr val="lt1">
+        <a:alpha val="90000"/>
+      </a:schemeClr>
+    </dgm:fillClrLst>
+    <dgm:linClrLst>
+      <a:schemeClr val="accent1"/>
+    </dgm:linClrLst>
+    <dgm:effectClrLst/>
+    <dgm:txLinClrLst/>
+    <dgm:txFillClrLst meth="repeat">
+      <a:schemeClr val="dk1"/>
+    </dgm:txFillClrLst>
+    <dgm:txEffectClrLst/>
+  </dgm:styleLbl>
+  <dgm:styleLbl name="fgAcc2">
+    <dgm:fillClrLst meth="repeat">
+      <a:schemeClr val="lt1">
+        <a:alpha val="90000"/>
+      </a:schemeClr>
+    </dgm:fillClrLst>
+    <dgm:linClrLst>
+      <a:schemeClr val="accent3"/>
+    </dgm:linClrLst>
+    <dgm:effectClrLst/>
+    <dgm:txLinClrLst/>
+    <dgm:txFillClrLst meth="repeat">
+      <a:schemeClr val="dk1"/>
+    </dgm:txFillClrLst>
+    <dgm:txEffectClrLst/>
+  </dgm:styleLbl>
+  <dgm:styleLbl name="fgAcc3">
+    <dgm:fillClrLst meth="repeat">
+      <a:schemeClr val="lt1">
+        <a:alpha val="90000"/>
+      </a:schemeClr>
+    </dgm:fillClrLst>
+    <dgm:linClrLst>
+      <a:schemeClr val="accent4"/>
+    </dgm:linClrLst>
+    <dgm:effectClrLst/>
+    <dgm:txLinClrLst/>
+    <dgm:txFillClrLst meth="repeat">
+      <a:schemeClr val="dk1"/>
+    </dgm:txFillClrLst>
+    <dgm:txEffectClrLst/>
+  </dgm:styleLbl>
+  <dgm:styleLbl name="fgAcc4">
+    <dgm:fillClrLst meth="repeat">
+      <a:schemeClr val="lt1">
+        <a:alpha val="90000"/>
+      </a:schemeClr>
+    </dgm:fillClrLst>
+    <dgm:linClrLst>
+      <a:schemeClr val="accent5"/>
+    </dgm:linClrLst>
+    <dgm:effectClrLst/>
+    <dgm:txLinClrLst/>
+    <dgm:txFillClrLst meth="repeat">
+      <a:schemeClr val="dk1"/>
+    </dgm:txFillClrLst>
+    <dgm:txEffectClrLst/>
+  </dgm:styleLbl>
+  <dgm:styleLbl name="bgShp">
+    <dgm:fillClrLst meth="repeat">
+      <a:schemeClr val="accent2">
+        <a:tint val="40000"/>
+      </a:schemeClr>
+    </dgm:fillClrLst>
+    <dgm:linClrLst meth="repeat">
+      <a:schemeClr val="dk1"/>
+    </dgm:linClrLst>
+    <dgm:effectClrLst/>
+    <dgm:txLinClrLst/>
+    <dgm:txFillClrLst meth="repeat">
+      <a:schemeClr val="dk1"/>
+    </dgm:txFillClrLst>
+    <dgm:txEffectClrLst/>
+  </dgm:styleLbl>
+  <dgm:styleLbl name="dkBgShp">
+    <dgm:fillClrLst meth="repeat">
+      <a:schemeClr val="accent2">
+        <a:shade val="90000"/>
+      </a:schemeClr>
+    </dgm:fillClrLst>
+    <dgm:linClrLst meth="repeat">
+      <a:schemeClr val="dk1"/>
+    </dgm:linClrLst>
+    <dgm:effectClrLst/>
+    <dgm:txLinClrLst/>
+    <dgm:txFillClrLst meth="repeat">
+      <a:schemeClr val="lt1"/>
+    </dgm:txFillClrLst>
+    <dgm:txEffectClrLst/>
+  </dgm:styleLbl>
+  <dgm:styleLbl name="trBgShp">
+    <dgm:fillClrLst meth="repeat">
+      <a:schemeClr val="accent2">
+        <a:tint val="50000"/>
+        <a:alpha val="40000"/>
+      </a:schemeClr>
+    </dgm:fillClrLst>
+    <dgm:linClrLst meth="repeat">
+      <a:schemeClr val="accent2"/>
+    </dgm:linClrLst>
+    <dgm:effectClrLst/>
+    <dgm:txLinClrLst/>
+    <dgm:txFillClrLst meth="repeat">
+      <a:schemeClr val="lt1"/>
+    </dgm:txFillClrLst>
+    <dgm:txEffectClrLst/>
+  </dgm:styleLbl>
+  <dgm:styleLbl name="fgShp">
+    <dgm:fillClrLst meth="repeat">
+      <a:schemeClr val="accent2">
+        <a:tint val="40000"/>
+      </a:schemeClr>
+    </dgm:fillClrLst>
+    <dgm:linClrLst meth="repeat">
+      <a:schemeClr val="lt1"/>
+    </dgm:linClrLst>
+    <dgm:effectClrLst/>
+    <dgm:txLinClrLst/>
+    <dgm:txFillClrLst meth="repeat">
+      <a:schemeClr val="dk1"/>
+    </dgm:txFillClrLst>
+    <dgm:txEffectClrLst/>
+  </dgm:styleLbl>
+  <dgm:styleLbl name="revTx">
+    <dgm:fillClrLst meth="repeat">
+      <a:schemeClr val="lt1">
+        <a:alpha val="0"/>
+      </a:schemeClr>
+    </dgm:fillClrLst>
+    <dgm:linClrLst meth="repeat">
+      <a:schemeClr val="dk1">
+        <a:alpha val="0"/>
+      </a:schemeClr>
+    </dgm:linClrLst>
+    <dgm:effectClrLst/>
+    <dgm:txLinClrLst/>
+    <dgm:txFillClrLst meth="repeat">
+      <a:schemeClr val="tx1"/>
+    </dgm:txFillClrLst>
+    <dgm:txEffectClrLst/>
+  </dgm:styleLbl>
+</dgm:colorsDef>
+</file>
+
+<file path=ppt/diagrams/data1.xml><?xml version="1.0" encoding="utf-8"?>
+<dgm:dataModel xmlns:dgm="http://schemas.openxmlformats.org/drawingml/2006/diagram" xmlns:a="http://schemas.openxmlformats.org/drawingml/2006/main">
+  <dgm:ptLst>
+    <dgm:pt modelId="{1399077D-786A-4A8B-96FF-069E374D53A4}" type="doc">
+      <dgm:prSet loTypeId="urn:microsoft.com/office/officeart/2005/8/layout/vList2" loCatId="list" qsTypeId="urn:microsoft.com/office/officeart/2005/8/quickstyle/simple1" qsCatId="simple" csTypeId="urn:microsoft.com/office/officeart/2005/8/colors/colorful2" csCatId="colorful" phldr="1"/>
+      <dgm:spPr/>
+      <dgm:t>
+        <a:bodyPr/>
+        <a:lstStyle/>
+        <a:p>
+          <a:endParaRPr lang="en-US"/>
+        </a:p>
+      </dgm:t>
+    </dgm:pt>
+    <dgm:pt modelId="{C1351C93-E590-457C-9D65-C35D0BF68CC0}">
+      <dgm:prSet/>
+      <dgm:spPr/>
+      <dgm:t>
+        <a:bodyPr/>
+        <a:lstStyle/>
+        <a:p>
+          <a:r>
+            <a:rPr lang="en-GB" dirty="0"/>
+            <a:t>Dungeon Crawler game which works as a single player game (</a:t>
+          </a:r>
+          <a:r>
+            <a:rPr lang="en-GB" dirty="0" err="1"/>
+            <a:t>gameloop</a:t>
+          </a:r>
+          <a:r>
+            <a:rPr lang="en-GB" dirty="0"/>
+            <a:t> isn’t dependant on player 2, can still win or lose without them)</a:t>
+          </a:r>
+          <a:endParaRPr lang="en-US" dirty="0"/>
+        </a:p>
+      </dgm:t>
+    </dgm:pt>
+    <dgm:pt modelId="{A03DF863-6B74-45C7-9827-558392FBF48C}" type="parTrans" cxnId="{B9683CA2-4D99-4F86-8785-878076F5D587}">
+      <dgm:prSet/>
+      <dgm:spPr/>
+      <dgm:t>
+        <a:bodyPr/>
+        <a:lstStyle/>
+        <a:p>
+          <a:endParaRPr lang="en-US"/>
+        </a:p>
+      </dgm:t>
+    </dgm:pt>
+    <dgm:pt modelId="{EB8891D4-789E-4ADE-A679-9ACA27C476D5}" type="sibTrans" cxnId="{B9683CA2-4D99-4F86-8785-878076F5D587}">
+      <dgm:prSet/>
+      <dgm:spPr/>
+      <dgm:t>
+        <a:bodyPr/>
+        <a:lstStyle/>
+        <a:p>
+          <a:endParaRPr lang="en-US"/>
+        </a:p>
+      </dgm:t>
+    </dgm:pt>
+    <dgm:pt modelId="{A97F382E-B46E-4B12-AFF9-C171B34D570D}">
+      <dgm:prSet/>
+      <dgm:spPr/>
+      <dgm:t>
+        <a:bodyPr/>
+        <a:lstStyle/>
+        <a:p>
+          <a:r>
+            <a:rPr lang="en-GB" dirty="0"/>
+            <a:t>Child can connect to game using a webapp on a tablet with a unique code, like Jackbox games</a:t>
+          </a:r>
+          <a:endParaRPr lang="en-US" dirty="0"/>
+        </a:p>
+      </dgm:t>
+    </dgm:pt>
+    <dgm:pt modelId="{E1B6F5AA-8ECB-453A-8AB2-F8EEC09303E7}" type="parTrans" cxnId="{36918A9E-33FE-4F4B-8072-D75DA79E183F}">
+      <dgm:prSet/>
+      <dgm:spPr/>
+      <dgm:t>
+        <a:bodyPr/>
+        <a:lstStyle/>
+        <a:p>
+          <a:endParaRPr lang="en-US"/>
+        </a:p>
+      </dgm:t>
+    </dgm:pt>
+    <dgm:pt modelId="{0E4ADDD4-ACA6-4BC5-8841-A56C2BC59A57}" type="sibTrans" cxnId="{36918A9E-33FE-4F4B-8072-D75DA79E183F}">
+      <dgm:prSet/>
+      <dgm:spPr/>
+      <dgm:t>
+        <a:bodyPr/>
+        <a:lstStyle/>
+        <a:p>
+          <a:endParaRPr lang="en-US"/>
+        </a:p>
+      </dgm:t>
+    </dgm:pt>
+    <dgm:pt modelId="{DA7A2490-46D7-4DF8-ABD8-87418D4B2495}">
+      <dgm:prSet/>
+      <dgm:spPr/>
+      <dgm:t>
+        <a:bodyPr/>
+        <a:lstStyle/>
+        <a:p>
+          <a:r>
+            <a:rPr lang="en-GB"/>
+            <a:t>At least 3 levels of varying difficulty to keep gameplay interesting</a:t>
+          </a:r>
+          <a:endParaRPr lang="en-US"/>
+        </a:p>
+      </dgm:t>
+    </dgm:pt>
+    <dgm:pt modelId="{A0088338-F937-4DFD-BD92-056BC1050153}" type="parTrans" cxnId="{618CBC57-B66C-4BCA-9B9F-8C70431F07BD}">
+      <dgm:prSet/>
+      <dgm:spPr/>
+      <dgm:t>
+        <a:bodyPr/>
+        <a:lstStyle/>
+        <a:p>
+          <a:endParaRPr lang="en-US"/>
+        </a:p>
+      </dgm:t>
+    </dgm:pt>
+    <dgm:pt modelId="{49CF1918-330B-42E1-B11D-DD018F493333}" type="sibTrans" cxnId="{618CBC57-B66C-4BCA-9B9F-8C70431F07BD}">
+      <dgm:prSet/>
+      <dgm:spPr/>
+      <dgm:t>
+        <a:bodyPr/>
+        <a:lstStyle/>
+        <a:p>
+          <a:endParaRPr lang="en-US"/>
+        </a:p>
+      </dgm:t>
+    </dgm:pt>
+    <dgm:pt modelId="{D35016B1-1E58-49A6-A90F-AE164845F484}">
+      <dgm:prSet/>
+      <dgm:spPr/>
+      <dgm:t>
+        <a:bodyPr/>
+        <a:lstStyle/>
+        <a:p>
+          <a:r>
+            <a:rPr lang="en-GB"/>
+            <a:t>Random generation of rooms to vary gameplay</a:t>
+          </a:r>
+          <a:endParaRPr lang="en-US"/>
+        </a:p>
+      </dgm:t>
+    </dgm:pt>
+    <dgm:pt modelId="{F5BCEC52-3827-497E-9913-5B11897E8705}" type="parTrans" cxnId="{514F6B5E-7D1E-42B4-BFB5-47566781C3FE}">
+      <dgm:prSet/>
+      <dgm:spPr/>
+      <dgm:t>
+        <a:bodyPr/>
+        <a:lstStyle/>
+        <a:p>
+          <a:endParaRPr lang="en-US"/>
+        </a:p>
+      </dgm:t>
+    </dgm:pt>
+    <dgm:pt modelId="{4D21F759-526B-4D9C-A30C-8F75A23453D6}" type="sibTrans" cxnId="{514F6B5E-7D1E-42B4-BFB5-47566781C3FE}">
+      <dgm:prSet/>
+      <dgm:spPr/>
+      <dgm:t>
+        <a:bodyPr/>
+        <a:lstStyle/>
+        <a:p>
+          <a:endParaRPr lang="en-US"/>
+        </a:p>
+      </dgm:t>
+    </dgm:pt>
+    <dgm:pt modelId="{1464B62F-AD34-4446-A166-B5AC6A86121F}">
+      <dgm:prSet/>
+      <dgm:spPr/>
+      <dgm:t>
+        <a:bodyPr/>
+        <a:lstStyle/>
+        <a:p>
+          <a:r>
+            <a:rPr lang="en-GB"/>
+            <a:t>At least 2 variants of enemies, with animations </a:t>
+          </a:r>
+          <a:endParaRPr lang="en-US"/>
+        </a:p>
+      </dgm:t>
+    </dgm:pt>
+    <dgm:pt modelId="{70397BED-57B6-49F0-93DA-6EBE599BB5C6}" type="parTrans" cxnId="{6D4C4DF6-1E54-42F9-AE7A-FCA0B647D196}">
+      <dgm:prSet/>
+      <dgm:spPr/>
+      <dgm:t>
+        <a:bodyPr/>
+        <a:lstStyle/>
+        <a:p>
+          <a:endParaRPr lang="en-US"/>
+        </a:p>
+      </dgm:t>
+    </dgm:pt>
+    <dgm:pt modelId="{53ACF281-4F7B-4212-9A18-F0C8234509C6}" type="sibTrans" cxnId="{6D4C4DF6-1E54-42F9-AE7A-FCA0B647D196}">
+      <dgm:prSet/>
+      <dgm:spPr/>
+      <dgm:t>
+        <a:bodyPr/>
+        <a:lstStyle/>
+        <a:p>
+          <a:endParaRPr lang="en-US"/>
+        </a:p>
+      </dgm:t>
+    </dgm:pt>
+    <dgm:pt modelId="{AAA63983-D68E-4A8B-B03B-3C1FFF76F581}">
+      <dgm:prSet/>
+      <dgm:spPr/>
+      <dgm:t>
+        <a:bodyPr/>
+        <a:lstStyle/>
+        <a:p>
+          <a:r>
+            <a:rPr lang="en-GB" dirty="0"/>
+            <a:t>Webapp has limited text and basic controls so it’s easy for young children to understand</a:t>
+          </a:r>
+          <a:endParaRPr lang="en-US" dirty="0"/>
+        </a:p>
+      </dgm:t>
+    </dgm:pt>
+    <dgm:pt modelId="{5E7AE698-1A13-4559-A5B2-496E37CA8EB5}" type="parTrans" cxnId="{D7359991-6172-4228-A54B-423423ABA43E}">
+      <dgm:prSet/>
+      <dgm:spPr/>
+      <dgm:t>
+        <a:bodyPr/>
+        <a:lstStyle/>
+        <a:p>
+          <a:endParaRPr lang="en-GB"/>
+        </a:p>
+      </dgm:t>
+    </dgm:pt>
+    <dgm:pt modelId="{E208EA3F-3668-403E-BDC2-EEADFB43121B}" type="sibTrans" cxnId="{D7359991-6172-4228-A54B-423423ABA43E}">
+      <dgm:prSet/>
+      <dgm:spPr/>
+      <dgm:t>
+        <a:bodyPr/>
+        <a:lstStyle/>
+        <a:p>
+          <a:endParaRPr lang="en-GB"/>
+        </a:p>
+      </dgm:t>
+    </dgm:pt>
+    <dgm:pt modelId="{5584A5D7-B605-44C9-955D-3F896FD47551}">
+      <dgm:prSet/>
+      <dgm:spPr/>
+      <dgm:t>
+        <a:bodyPr/>
+        <a:lstStyle/>
+        <a:p>
+          <a:r>
+            <a:rPr lang="en-US" dirty="0"/>
+            <a:t>Child-friendly gameplay – no graphic violence </a:t>
+          </a:r>
+        </a:p>
+      </dgm:t>
+    </dgm:pt>
+    <dgm:pt modelId="{C0791B48-3D26-43B4-95AF-1E6FFEEFB813}" type="parTrans" cxnId="{472443F4-ABFB-43BD-918E-976A2CE01493}">
+      <dgm:prSet/>
+      <dgm:spPr/>
+      <dgm:t>
+        <a:bodyPr/>
+        <a:lstStyle/>
+        <a:p>
+          <a:endParaRPr lang="en-GB"/>
+        </a:p>
+      </dgm:t>
+    </dgm:pt>
+    <dgm:pt modelId="{4FD54D5D-668A-46B5-B271-283C1D3B1F1F}" type="sibTrans" cxnId="{472443F4-ABFB-43BD-918E-976A2CE01493}">
+      <dgm:prSet/>
+      <dgm:spPr/>
+      <dgm:t>
+        <a:bodyPr/>
+        <a:lstStyle/>
+        <a:p>
+          <a:endParaRPr lang="en-GB"/>
+        </a:p>
+      </dgm:t>
+    </dgm:pt>
+    <dgm:pt modelId="{12C1BE6B-9C21-4880-AEEB-69E89095A044}" type="pres">
+      <dgm:prSet presAssocID="{1399077D-786A-4A8B-96FF-069E374D53A4}" presName="linear" presStyleCnt="0">
+        <dgm:presLayoutVars>
+          <dgm:animLvl val="lvl"/>
+          <dgm:resizeHandles val="exact"/>
+        </dgm:presLayoutVars>
+      </dgm:prSet>
+      <dgm:spPr/>
+    </dgm:pt>
+    <dgm:pt modelId="{579B61E3-97D9-4014-B3F7-2ECFE58C6DAC}" type="pres">
+      <dgm:prSet presAssocID="{C1351C93-E590-457C-9D65-C35D0BF68CC0}" presName="parentText" presStyleLbl="node1" presStyleIdx="0" presStyleCnt="7">
+        <dgm:presLayoutVars>
+          <dgm:chMax val="0"/>
+          <dgm:bulletEnabled val="1"/>
+        </dgm:presLayoutVars>
+      </dgm:prSet>
+      <dgm:spPr/>
+    </dgm:pt>
+    <dgm:pt modelId="{8299C7DE-BD4D-4958-93F6-F5258074CC2B}" type="pres">
+      <dgm:prSet presAssocID="{EB8891D4-789E-4ADE-A679-9ACA27C476D5}" presName="spacer" presStyleCnt="0"/>
+      <dgm:spPr/>
+    </dgm:pt>
+    <dgm:pt modelId="{B2C7831D-91AA-4608-A9F2-D7744E57A1E0}" type="pres">
+      <dgm:prSet presAssocID="{A97F382E-B46E-4B12-AFF9-C171B34D570D}" presName="parentText" presStyleLbl="node1" presStyleIdx="1" presStyleCnt="7">
+        <dgm:presLayoutVars>
+          <dgm:chMax val="0"/>
+          <dgm:bulletEnabled val="1"/>
+        </dgm:presLayoutVars>
+      </dgm:prSet>
+      <dgm:spPr/>
+    </dgm:pt>
+    <dgm:pt modelId="{A58B1F16-1AA2-418B-9526-C8441DEBDFEB}" type="pres">
+      <dgm:prSet presAssocID="{0E4ADDD4-ACA6-4BC5-8841-A56C2BC59A57}" presName="spacer" presStyleCnt="0"/>
+      <dgm:spPr/>
+    </dgm:pt>
+    <dgm:pt modelId="{C8DAC8D9-9149-4362-BF7E-15A36EC0D026}" type="pres">
+      <dgm:prSet presAssocID="{AAA63983-D68E-4A8B-B03B-3C1FFF76F581}" presName="parentText" presStyleLbl="node1" presStyleIdx="2" presStyleCnt="7">
+        <dgm:presLayoutVars>
+          <dgm:chMax val="0"/>
+          <dgm:bulletEnabled val="1"/>
+        </dgm:presLayoutVars>
+      </dgm:prSet>
+      <dgm:spPr/>
+    </dgm:pt>
+    <dgm:pt modelId="{BAE5A896-8A9B-4511-9AC4-435624B97DAA}" type="pres">
+      <dgm:prSet presAssocID="{E208EA3F-3668-403E-BDC2-EEADFB43121B}" presName="spacer" presStyleCnt="0"/>
+      <dgm:spPr/>
+    </dgm:pt>
+    <dgm:pt modelId="{ACC9DE83-3321-4C36-A664-56ED41D8F075}" type="pres">
+      <dgm:prSet presAssocID="{5584A5D7-B605-44C9-955D-3F896FD47551}" presName="parentText" presStyleLbl="node1" presStyleIdx="3" presStyleCnt="7">
+        <dgm:presLayoutVars>
+          <dgm:chMax val="0"/>
+          <dgm:bulletEnabled val="1"/>
+        </dgm:presLayoutVars>
+      </dgm:prSet>
+      <dgm:spPr/>
+    </dgm:pt>
+    <dgm:pt modelId="{37D24F4E-2FD4-41C0-88D7-874333AA76CE}" type="pres">
+      <dgm:prSet presAssocID="{4FD54D5D-668A-46B5-B271-283C1D3B1F1F}" presName="spacer" presStyleCnt="0"/>
+      <dgm:spPr/>
+    </dgm:pt>
+    <dgm:pt modelId="{1A927C6C-BE6F-498A-8253-F9FFC1C8FAE9}" type="pres">
+      <dgm:prSet presAssocID="{DA7A2490-46D7-4DF8-ABD8-87418D4B2495}" presName="parentText" presStyleLbl="node1" presStyleIdx="4" presStyleCnt="7">
+        <dgm:presLayoutVars>
+          <dgm:chMax val="0"/>
+          <dgm:bulletEnabled val="1"/>
+        </dgm:presLayoutVars>
+      </dgm:prSet>
+      <dgm:spPr/>
+    </dgm:pt>
+    <dgm:pt modelId="{9A3CC798-18BE-43CB-B5B0-21845E52891B}" type="pres">
+      <dgm:prSet presAssocID="{49CF1918-330B-42E1-B11D-DD018F493333}" presName="spacer" presStyleCnt="0"/>
+      <dgm:spPr/>
+    </dgm:pt>
+    <dgm:pt modelId="{E9D7CDE4-31A3-4EA3-9AA5-9F1E46B4D453}" type="pres">
+      <dgm:prSet presAssocID="{D35016B1-1E58-49A6-A90F-AE164845F484}" presName="parentText" presStyleLbl="node1" presStyleIdx="5" presStyleCnt="7">
+        <dgm:presLayoutVars>
+          <dgm:chMax val="0"/>
+          <dgm:bulletEnabled val="1"/>
+        </dgm:presLayoutVars>
+      </dgm:prSet>
+      <dgm:spPr/>
+    </dgm:pt>
+    <dgm:pt modelId="{927C8E09-9A8F-48A4-B16A-9361783B18F9}" type="pres">
+      <dgm:prSet presAssocID="{4D21F759-526B-4D9C-A30C-8F75A23453D6}" presName="spacer" presStyleCnt="0"/>
+      <dgm:spPr/>
+    </dgm:pt>
+    <dgm:pt modelId="{13C36F74-2D6C-45C2-A57B-6728B59BBE28}" type="pres">
+      <dgm:prSet presAssocID="{1464B62F-AD34-4446-A166-B5AC6A86121F}" presName="parentText" presStyleLbl="node1" presStyleIdx="6" presStyleCnt="7">
+        <dgm:presLayoutVars>
+          <dgm:chMax val="0"/>
+          <dgm:bulletEnabled val="1"/>
+        </dgm:presLayoutVars>
+      </dgm:prSet>
+      <dgm:spPr/>
+    </dgm:pt>
+  </dgm:ptLst>
+  <dgm:cxnLst>
+    <dgm:cxn modelId="{A73E1E02-A971-4CE6-88B8-0C3CDDA11D02}" type="presOf" srcId="{AAA63983-D68E-4A8B-B03B-3C1FFF76F581}" destId="{C8DAC8D9-9149-4362-BF7E-15A36EC0D026}" srcOrd="0" destOrd="0" presId="urn:microsoft.com/office/officeart/2005/8/layout/vList2"/>
+    <dgm:cxn modelId="{76B2151B-AFE0-4C96-8D4C-C1C93E24AD52}" type="presOf" srcId="{D35016B1-1E58-49A6-A90F-AE164845F484}" destId="{E9D7CDE4-31A3-4EA3-9AA5-9F1E46B4D453}" srcOrd="0" destOrd="0" presId="urn:microsoft.com/office/officeart/2005/8/layout/vList2"/>
+    <dgm:cxn modelId="{514F6B5E-7D1E-42B4-BFB5-47566781C3FE}" srcId="{1399077D-786A-4A8B-96FF-069E374D53A4}" destId="{D35016B1-1E58-49A6-A90F-AE164845F484}" srcOrd="5" destOrd="0" parTransId="{F5BCEC52-3827-497E-9913-5B11897E8705}" sibTransId="{4D21F759-526B-4D9C-A30C-8F75A23453D6}"/>
+    <dgm:cxn modelId="{B4C5CA5E-67C0-4FF0-8E4C-8988B9A6A6FF}" type="presOf" srcId="{A97F382E-B46E-4B12-AFF9-C171B34D570D}" destId="{B2C7831D-91AA-4608-A9F2-D7744E57A1E0}" srcOrd="0" destOrd="0" presId="urn:microsoft.com/office/officeart/2005/8/layout/vList2"/>
+    <dgm:cxn modelId="{7B62C962-134D-43F1-8959-05C07C26F7CE}" type="presOf" srcId="{5584A5D7-B605-44C9-955D-3F896FD47551}" destId="{ACC9DE83-3321-4C36-A664-56ED41D8F075}" srcOrd="0" destOrd="0" presId="urn:microsoft.com/office/officeart/2005/8/layout/vList2"/>
+    <dgm:cxn modelId="{7AB02045-C918-48AF-84E8-540E49876297}" type="presOf" srcId="{1399077D-786A-4A8B-96FF-069E374D53A4}" destId="{12C1BE6B-9C21-4880-AEEB-69E89095A044}" srcOrd="0" destOrd="0" presId="urn:microsoft.com/office/officeart/2005/8/layout/vList2"/>
+    <dgm:cxn modelId="{618CBC57-B66C-4BCA-9B9F-8C70431F07BD}" srcId="{1399077D-786A-4A8B-96FF-069E374D53A4}" destId="{DA7A2490-46D7-4DF8-ABD8-87418D4B2495}" srcOrd="4" destOrd="0" parTransId="{A0088338-F937-4DFD-BD92-056BC1050153}" sibTransId="{49CF1918-330B-42E1-B11D-DD018F493333}"/>
+    <dgm:cxn modelId="{D7359991-6172-4228-A54B-423423ABA43E}" srcId="{1399077D-786A-4A8B-96FF-069E374D53A4}" destId="{AAA63983-D68E-4A8B-B03B-3C1FFF76F581}" srcOrd="2" destOrd="0" parTransId="{5E7AE698-1A13-4559-A5B2-496E37CA8EB5}" sibTransId="{E208EA3F-3668-403E-BDC2-EEADFB43121B}"/>
+    <dgm:cxn modelId="{31DA9B9A-5B3B-42CD-96BA-E4464C03DCBC}" type="presOf" srcId="{1464B62F-AD34-4446-A166-B5AC6A86121F}" destId="{13C36F74-2D6C-45C2-A57B-6728B59BBE28}" srcOrd="0" destOrd="0" presId="urn:microsoft.com/office/officeart/2005/8/layout/vList2"/>
+    <dgm:cxn modelId="{36918A9E-33FE-4F4B-8072-D75DA79E183F}" srcId="{1399077D-786A-4A8B-96FF-069E374D53A4}" destId="{A97F382E-B46E-4B12-AFF9-C171B34D570D}" srcOrd="1" destOrd="0" parTransId="{E1B6F5AA-8ECB-453A-8AB2-F8EEC09303E7}" sibTransId="{0E4ADDD4-ACA6-4BC5-8841-A56C2BC59A57}"/>
+    <dgm:cxn modelId="{B9683CA2-4D99-4F86-8785-878076F5D587}" srcId="{1399077D-786A-4A8B-96FF-069E374D53A4}" destId="{C1351C93-E590-457C-9D65-C35D0BF68CC0}" srcOrd="0" destOrd="0" parTransId="{A03DF863-6B74-45C7-9827-558392FBF48C}" sibTransId="{EB8891D4-789E-4ADE-A679-9ACA27C476D5}"/>
+    <dgm:cxn modelId="{7F197DAB-A9A0-4A9D-A737-54446BE5DBB6}" type="presOf" srcId="{DA7A2490-46D7-4DF8-ABD8-87418D4B2495}" destId="{1A927C6C-BE6F-498A-8253-F9FFC1C8FAE9}" srcOrd="0" destOrd="0" presId="urn:microsoft.com/office/officeart/2005/8/layout/vList2"/>
+    <dgm:cxn modelId="{044946C3-251E-41E2-A229-A672902EE134}" type="presOf" srcId="{C1351C93-E590-457C-9D65-C35D0BF68CC0}" destId="{579B61E3-97D9-4014-B3F7-2ECFE58C6DAC}" srcOrd="0" destOrd="0" presId="urn:microsoft.com/office/officeart/2005/8/layout/vList2"/>
+    <dgm:cxn modelId="{472443F4-ABFB-43BD-918E-976A2CE01493}" srcId="{1399077D-786A-4A8B-96FF-069E374D53A4}" destId="{5584A5D7-B605-44C9-955D-3F896FD47551}" srcOrd="3" destOrd="0" parTransId="{C0791B48-3D26-43B4-95AF-1E6FFEEFB813}" sibTransId="{4FD54D5D-668A-46B5-B271-283C1D3B1F1F}"/>
+    <dgm:cxn modelId="{6D4C4DF6-1E54-42F9-AE7A-FCA0B647D196}" srcId="{1399077D-786A-4A8B-96FF-069E374D53A4}" destId="{1464B62F-AD34-4446-A166-B5AC6A86121F}" srcOrd="6" destOrd="0" parTransId="{70397BED-57B6-49F0-93DA-6EBE599BB5C6}" sibTransId="{53ACF281-4F7B-4212-9A18-F0C8234509C6}"/>
+    <dgm:cxn modelId="{E66D18D9-4B7B-41CC-B019-5D8B4261C8FB}" type="presParOf" srcId="{12C1BE6B-9C21-4880-AEEB-69E89095A044}" destId="{579B61E3-97D9-4014-B3F7-2ECFE58C6DAC}" srcOrd="0" destOrd="0" presId="urn:microsoft.com/office/officeart/2005/8/layout/vList2"/>
+    <dgm:cxn modelId="{C1076882-8AC1-47A6-BE26-D40E7CEEF66F}" type="presParOf" srcId="{12C1BE6B-9C21-4880-AEEB-69E89095A044}" destId="{8299C7DE-BD4D-4958-93F6-F5258074CC2B}" srcOrd="1" destOrd="0" presId="urn:microsoft.com/office/officeart/2005/8/layout/vList2"/>
+    <dgm:cxn modelId="{F738D6C3-84C7-4E69-BA43-D55C76BC54A4}" type="presParOf" srcId="{12C1BE6B-9C21-4880-AEEB-69E89095A044}" destId="{B2C7831D-91AA-4608-A9F2-D7744E57A1E0}" srcOrd="2" destOrd="0" presId="urn:microsoft.com/office/officeart/2005/8/layout/vList2"/>
+    <dgm:cxn modelId="{7BDFF23E-AB20-4C61-8A57-DE01C9E43D97}" type="presParOf" srcId="{12C1BE6B-9C21-4880-AEEB-69E89095A044}" destId="{A58B1F16-1AA2-418B-9526-C8441DEBDFEB}" srcOrd="3" destOrd="0" presId="urn:microsoft.com/office/officeart/2005/8/layout/vList2"/>
+    <dgm:cxn modelId="{69B5205D-BE8A-453C-9A52-0885DB96C955}" type="presParOf" srcId="{12C1BE6B-9C21-4880-AEEB-69E89095A044}" destId="{C8DAC8D9-9149-4362-BF7E-15A36EC0D026}" srcOrd="4" destOrd="0" presId="urn:microsoft.com/office/officeart/2005/8/layout/vList2"/>
+    <dgm:cxn modelId="{F197677C-A228-4BB6-91EA-6BC0BF204D21}" type="presParOf" srcId="{12C1BE6B-9C21-4880-AEEB-69E89095A044}" destId="{BAE5A896-8A9B-4511-9AC4-435624B97DAA}" srcOrd="5" destOrd="0" presId="urn:microsoft.com/office/officeart/2005/8/layout/vList2"/>
+    <dgm:cxn modelId="{72530042-92B1-4378-95D2-4D73F84AD6F7}" type="presParOf" srcId="{12C1BE6B-9C21-4880-AEEB-69E89095A044}" destId="{ACC9DE83-3321-4C36-A664-56ED41D8F075}" srcOrd="6" destOrd="0" presId="urn:microsoft.com/office/officeart/2005/8/layout/vList2"/>
+    <dgm:cxn modelId="{F6BBBC13-07B6-4598-811F-08399764084E}" type="presParOf" srcId="{12C1BE6B-9C21-4880-AEEB-69E89095A044}" destId="{37D24F4E-2FD4-41C0-88D7-874333AA76CE}" srcOrd="7" destOrd="0" presId="urn:microsoft.com/office/officeart/2005/8/layout/vList2"/>
+    <dgm:cxn modelId="{32030724-C50F-4839-A918-70862462E049}" type="presParOf" srcId="{12C1BE6B-9C21-4880-AEEB-69E89095A044}" destId="{1A927C6C-BE6F-498A-8253-F9FFC1C8FAE9}" srcOrd="8" destOrd="0" presId="urn:microsoft.com/office/officeart/2005/8/layout/vList2"/>
+    <dgm:cxn modelId="{986B8633-4BD5-4038-9A71-E9B21F8FB7F8}" type="presParOf" srcId="{12C1BE6B-9C21-4880-AEEB-69E89095A044}" destId="{9A3CC798-18BE-43CB-B5B0-21845E52891B}" srcOrd="9" destOrd="0" presId="urn:microsoft.com/office/officeart/2005/8/layout/vList2"/>
+    <dgm:cxn modelId="{1AE2F43E-65A4-4101-A48F-A59A19495BF9}" type="presParOf" srcId="{12C1BE6B-9C21-4880-AEEB-69E89095A044}" destId="{E9D7CDE4-31A3-4EA3-9AA5-9F1E46B4D453}" srcOrd="10" destOrd="0" presId="urn:microsoft.com/office/officeart/2005/8/layout/vList2"/>
+    <dgm:cxn modelId="{8F5E6B6B-A3F7-42BF-ADE2-45FF2CBCF4BC}" type="presParOf" srcId="{12C1BE6B-9C21-4880-AEEB-69E89095A044}" destId="{927C8E09-9A8F-48A4-B16A-9361783B18F9}" srcOrd="11" destOrd="0" presId="urn:microsoft.com/office/officeart/2005/8/layout/vList2"/>
+    <dgm:cxn modelId="{23F5F31C-CF3D-4A93-91C1-7FC4D821A88F}" type="presParOf" srcId="{12C1BE6B-9C21-4880-AEEB-69E89095A044}" destId="{13C36F74-2D6C-45C2-A57B-6728B59BBE28}" srcOrd="12" destOrd="0" presId="urn:microsoft.com/office/officeart/2005/8/layout/vList2"/>
+  </dgm:cxnLst>
+  <dgm:bg/>
+  <dgm:whole/>
+  <dgm:extLst>
+    <a:ext uri="http://schemas.microsoft.com/office/drawing/2008/diagram">
+      <dsp:dataModelExt xmlns:dsp="http://schemas.microsoft.com/office/drawing/2008/diagram" relId="rId6" minVer="http://schemas.openxmlformats.org/drawingml/2006/diagram"/>
+    </a:ext>
+  </dgm:extLst>
+</dgm:dataModel>
+</file>
+
+<file path=ppt/diagrams/drawing1.xml><?xml version="1.0" encoding="utf-8"?>
+<dsp:drawing xmlns:dgm="http://schemas.openxmlformats.org/drawingml/2006/diagram" xmlns:dsp="http://schemas.microsoft.com/office/drawing/2008/diagram" xmlns:a="http://schemas.openxmlformats.org/drawingml/2006/main">
+  <dsp:spTree>
+    <dsp:nvGrpSpPr>
+      <dsp:cNvPr id="0" name=""/>
+      <dsp:cNvGrpSpPr/>
+    </dsp:nvGrpSpPr>
+    <dsp:grpSpPr/>
+    <dsp:sp modelId="{579B61E3-97D9-4014-B3F7-2ECFE58C6DAC}">
+      <dsp:nvSpPr>
+        <dsp:cNvPr id="0" name=""/>
+        <dsp:cNvSpPr/>
+      </dsp:nvSpPr>
+      <dsp:spPr>
+        <a:xfrm>
+          <a:off x="0" y="713829"/>
+          <a:ext cx="6261099" cy="636480"/>
+        </a:xfrm>
+        <a:prstGeom prst="roundRect">
+          <a:avLst/>
+        </a:prstGeom>
+        <a:solidFill>
+          <a:schemeClr val="accent2">
+            <a:hueOff val="0"/>
+            <a:satOff val="0"/>
+            <a:lumOff val="0"/>
+            <a:alphaOff val="0"/>
+          </a:schemeClr>
+        </a:solidFill>
+        <a:ln w="12700" cap="flat" cmpd="sng" algn="ctr">
+          <a:solidFill>
+            <a:schemeClr val="lt1">
+              <a:hueOff val="0"/>
+              <a:satOff val="0"/>
+              <a:lumOff val="0"/>
+              <a:alphaOff val="0"/>
+            </a:schemeClr>
+          </a:solidFill>
+          <a:prstDash val="solid"/>
+        </a:ln>
+        <a:effectLst/>
+      </dsp:spPr>
+      <dsp:style>
+        <a:lnRef idx="2">
+          <a:scrgbClr r="0" g="0" b="0"/>
+        </a:lnRef>
+        <a:fillRef idx="1">
+          <a:scrgbClr r="0" g="0" b="0"/>
+        </a:fillRef>
+        <a:effectRef idx="0">
+          <a:scrgbClr r="0" g="0" b="0"/>
+        </a:effectRef>
+        <a:fontRef idx="minor">
+          <a:schemeClr val="lt1"/>
+        </a:fontRef>
+      </dsp:style>
+      <dsp:txBody>
+        <a:bodyPr spcFirstLastPara="0" vert="horz" wrap="square" lIns="60960" tIns="60960" rIns="60960" bIns="60960" numCol="1" spcCol="1270" anchor="ctr" anchorCtr="0">
+          <a:noAutofit/>
+        </a:bodyPr>
+        <a:lstStyle/>
+        <a:p>
+          <a:pPr marL="0" lvl="0" indent="0" algn="l" defTabSz="711200">
+            <a:lnSpc>
+              <a:spcPct val="90000"/>
+            </a:lnSpc>
+            <a:spcBef>
+              <a:spcPct val="0"/>
+            </a:spcBef>
+            <a:spcAft>
+              <a:spcPct val="35000"/>
+            </a:spcAft>
+            <a:buNone/>
+          </a:pPr>
+          <a:r>
+            <a:rPr lang="en-GB" sz="1600" kern="1200" dirty="0"/>
+            <a:t>Dungeon Crawler game which works as a single player game (</a:t>
+          </a:r>
+          <a:r>
+            <a:rPr lang="en-GB" sz="1600" kern="1200" dirty="0" err="1"/>
+            <a:t>gameloop</a:t>
+          </a:r>
+          <a:r>
+            <a:rPr lang="en-GB" sz="1600" kern="1200" dirty="0"/>
+            <a:t> isn’t dependant on player 2, can still win or lose without them)</a:t>
+          </a:r>
+          <a:endParaRPr lang="en-US" sz="1600" kern="1200" dirty="0"/>
+        </a:p>
+      </dsp:txBody>
+      <dsp:txXfrm>
+        <a:off x="31070" y="744899"/>
+        <a:ext cx="6198959" cy="574340"/>
+      </dsp:txXfrm>
+    </dsp:sp>
+    <dsp:sp modelId="{B2C7831D-91AA-4608-A9F2-D7744E57A1E0}">
+      <dsp:nvSpPr>
+        <dsp:cNvPr id="0" name=""/>
+        <dsp:cNvSpPr/>
+      </dsp:nvSpPr>
+      <dsp:spPr>
+        <a:xfrm>
+          <a:off x="0" y="1396389"/>
+          <a:ext cx="6261099" cy="636480"/>
+        </a:xfrm>
+        <a:prstGeom prst="roundRect">
+          <a:avLst/>
+        </a:prstGeom>
+        <a:solidFill>
+          <a:schemeClr val="accent2">
+            <a:hueOff val="789273"/>
+            <a:satOff val="4118"/>
+            <a:lumOff val="-1176"/>
+            <a:alphaOff val="0"/>
+          </a:schemeClr>
+        </a:solidFill>
+        <a:ln w="12700" cap="flat" cmpd="sng" algn="ctr">
+          <a:solidFill>
+            <a:schemeClr val="lt1">
+              <a:hueOff val="0"/>
+              <a:satOff val="0"/>
+              <a:lumOff val="0"/>
+              <a:alphaOff val="0"/>
+            </a:schemeClr>
+          </a:solidFill>
+          <a:prstDash val="solid"/>
+        </a:ln>
+        <a:effectLst/>
+      </dsp:spPr>
+      <dsp:style>
+        <a:lnRef idx="2">
+          <a:scrgbClr r="0" g="0" b="0"/>
+        </a:lnRef>
+        <a:fillRef idx="1">
+          <a:scrgbClr r="0" g="0" b="0"/>
+        </a:fillRef>
+        <a:effectRef idx="0">
+          <a:scrgbClr r="0" g="0" b="0"/>
+        </a:effectRef>
+        <a:fontRef idx="minor">
+          <a:schemeClr val="lt1"/>
+        </a:fontRef>
+      </dsp:style>
+      <dsp:txBody>
+        <a:bodyPr spcFirstLastPara="0" vert="horz" wrap="square" lIns="60960" tIns="60960" rIns="60960" bIns="60960" numCol="1" spcCol="1270" anchor="ctr" anchorCtr="0">
+          <a:noAutofit/>
+        </a:bodyPr>
+        <a:lstStyle/>
+        <a:p>
+          <a:pPr marL="0" lvl="0" indent="0" algn="l" defTabSz="711200">
+            <a:lnSpc>
+              <a:spcPct val="90000"/>
+            </a:lnSpc>
+            <a:spcBef>
+              <a:spcPct val="0"/>
+            </a:spcBef>
+            <a:spcAft>
+              <a:spcPct val="35000"/>
+            </a:spcAft>
+            <a:buNone/>
+          </a:pPr>
+          <a:r>
+            <a:rPr lang="en-GB" sz="1600" kern="1200" dirty="0"/>
+            <a:t>Child can connect to game using a webapp on a tablet with a unique code, like Jackbox games</a:t>
+          </a:r>
+          <a:endParaRPr lang="en-US" sz="1600" kern="1200" dirty="0"/>
+        </a:p>
+      </dsp:txBody>
+      <dsp:txXfrm>
+        <a:off x="31070" y="1427459"/>
+        <a:ext cx="6198959" cy="574340"/>
+      </dsp:txXfrm>
+    </dsp:sp>
+    <dsp:sp modelId="{C8DAC8D9-9149-4362-BF7E-15A36EC0D026}">
+      <dsp:nvSpPr>
+        <dsp:cNvPr id="0" name=""/>
+        <dsp:cNvSpPr/>
+      </dsp:nvSpPr>
+      <dsp:spPr>
+        <a:xfrm>
+          <a:off x="0" y="2078949"/>
+          <a:ext cx="6261099" cy="636480"/>
+        </a:xfrm>
+        <a:prstGeom prst="roundRect">
+          <a:avLst/>
+        </a:prstGeom>
+        <a:solidFill>
+          <a:schemeClr val="accent2">
+            <a:hueOff val="1578546"/>
+            <a:satOff val="8236"/>
+            <a:lumOff val="-2353"/>
+            <a:alphaOff val="0"/>
+          </a:schemeClr>
+        </a:solidFill>
+        <a:ln w="12700" cap="flat" cmpd="sng" algn="ctr">
+          <a:solidFill>
+            <a:schemeClr val="lt1">
+              <a:hueOff val="0"/>
+              <a:satOff val="0"/>
+              <a:lumOff val="0"/>
+              <a:alphaOff val="0"/>
+            </a:schemeClr>
+          </a:solidFill>
+          <a:prstDash val="solid"/>
+        </a:ln>
+        <a:effectLst/>
+      </dsp:spPr>
+      <dsp:style>
+        <a:lnRef idx="2">
+          <a:scrgbClr r="0" g="0" b="0"/>
+        </a:lnRef>
+        <a:fillRef idx="1">
+          <a:scrgbClr r="0" g="0" b="0"/>
+        </a:fillRef>
+        <a:effectRef idx="0">
+          <a:scrgbClr r="0" g="0" b="0"/>
+        </a:effectRef>
+        <a:fontRef idx="minor">
+          <a:schemeClr val="lt1"/>
+        </a:fontRef>
+      </dsp:style>
+      <dsp:txBody>
+        <a:bodyPr spcFirstLastPara="0" vert="horz" wrap="square" lIns="60960" tIns="60960" rIns="60960" bIns="60960" numCol="1" spcCol="1270" anchor="ctr" anchorCtr="0">
+          <a:noAutofit/>
+        </a:bodyPr>
+        <a:lstStyle/>
+        <a:p>
+          <a:pPr marL="0" lvl="0" indent="0" algn="l" defTabSz="711200">
+            <a:lnSpc>
+              <a:spcPct val="90000"/>
+            </a:lnSpc>
+            <a:spcBef>
+              <a:spcPct val="0"/>
+            </a:spcBef>
+            <a:spcAft>
+              <a:spcPct val="35000"/>
+            </a:spcAft>
+            <a:buNone/>
+          </a:pPr>
+          <a:r>
+            <a:rPr lang="en-GB" sz="1600" kern="1200" dirty="0"/>
+            <a:t>Webapp has limited text and basic controls so it’s easy for young children to understand</a:t>
+          </a:r>
+          <a:endParaRPr lang="en-US" sz="1600" kern="1200" dirty="0"/>
+        </a:p>
+      </dsp:txBody>
+      <dsp:txXfrm>
+        <a:off x="31070" y="2110019"/>
+        <a:ext cx="6198959" cy="574340"/>
+      </dsp:txXfrm>
+    </dsp:sp>
+    <dsp:sp modelId="{ACC9DE83-3321-4C36-A664-56ED41D8F075}">
+      <dsp:nvSpPr>
+        <dsp:cNvPr id="0" name=""/>
+        <dsp:cNvSpPr/>
+      </dsp:nvSpPr>
+      <dsp:spPr>
+        <a:xfrm>
+          <a:off x="0" y="2761509"/>
+          <a:ext cx="6261099" cy="636480"/>
+        </a:xfrm>
+        <a:prstGeom prst="roundRect">
+          <a:avLst/>
+        </a:prstGeom>
+        <a:solidFill>
+          <a:schemeClr val="accent2">
+            <a:hueOff val="2367819"/>
+            <a:satOff val="12354"/>
+            <a:lumOff val="-3529"/>
+            <a:alphaOff val="0"/>
+          </a:schemeClr>
+        </a:solidFill>
+        <a:ln w="12700" cap="flat" cmpd="sng" algn="ctr">
+          <a:solidFill>
+            <a:schemeClr val="lt1">
+              <a:hueOff val="0"/>
+              <a:satOff val="0"/>
+              <a:lumOff val="0"/>
+              <a:alphaOff val="0"/>
+            </a:schemeClr>
+          </a:solidFill>
+          <a:prstDash val="solid"/>
+        </a:ln>
+        <a:effectLst/>
+      </dsp:spPr>
+      <dsp:style>
+        <a:lnRef idx="2">
+          <a:scrgbClr r="0" g="0" b="0"/>
+        </a:lnRef>
+        <a:fillRef idx="1">
+          <a:scrgbClr r="0" g="0" b="0"/>
+        </a:fillRef>
+        <a:effectRef idx="0">
+          <a:scrgbClr r="0" g="0" b="0"/>
+        </a:effectRef>
+        <a:fontRef idx="minor">
+          <a:schemeClr val="lt1"/>
+        </a:fontRef>
+      </dsp:style>
+      <dsp:txBody>
+        <a:bodyPr spcFirstLastPara="0" vert="horz" wrap="square" lIns="60960" tIns="60960" rIns="60960" bIns="60960" numCol="1" spcCol="1270" anchor="ctr" anchorCtr="0">
+          <a:noAutofit/>
+        </a:bodyPr>
+        <a:lstStyle/>
+        <a:p>
+          <a:pPr marL="0" lvl="0" indent="0" algn="l" defTabSz="711200">
+            <a:lnSpc>
+              <a:spcPct val="90000"/>
+            </a:lnSpc>
+            <a:spcBef>
+              <a:spcPct val="0"/>
+            </a:spcBef>
+            <a:spcAft>
+              <a:spcPct val="35000"/>
+            </a:spcAft>
+            <a:buNone/>
+          </a:pPr>
+          <a:r>
+            <a:rPr lang="en-US" sz="1600" kern="1200" dirty="0"/>
+            <a:t>Child-friendly gameplay – no graphic violence </a:t>
+          </a:r>
+        </a:p>
+      </dsp:txBody>
+      <dsp:txXfrm>
+        <a:off x="31070" y="2792579"/>
+        <a:ext cx="6198959" cy="574340"/>
+      </dsp:txXfrm>
+    </dsp:sp>
+    <dsp:sp modelId="{1A927C6C-BE6F-498A-8253-F9FFC1C8FAE9}">
+      <dsp:nvSpPr>
+        <dsp:cNvPr id="0" name=""/>
+        <dsp:cNvSpPr/>
+      </dsp:nvSpPr>
+      <dsp:spPr>
+        <a:xfrm>
+          <a:off x="0" y="3444069"/>
+          <a:ext cx="6261099" cy="636480"/>
+        </a:xfrm>
+        <a:prstGeom prst="roundRect">
+          <a:avLst/>
+        </a:prstGeom>
+        <a:solidFill>
+          <a:schemeClr val="accent2">
+            <a:hueOff val="3157092"/>
+            <a:satOff val="16471"/>
+            <a:lumOff val="-4705"/>
+            <a:alphaOff val="0"/>
+          </a:schemeClr>
+        </a:solidFill>
+        <a:ln w="12700" cap="flat" cmpd="sng" algn="ctr">
+          <a:solidFill>
+            <a:schemeClr val="lt1">
+              <a:hueOff val="0"/>
+              <a:satOff val="0"/>
+              <a:lumOff val="0"/>
+              <a:alphaOff val="0"/>
+            </a:schemeClr>
+          </a:solidFill>
+          <a:prstDash val="solid"/>
+        </a:ln>
+        <a:effectLst/>
+      </dsp:spPr>
+      <dsp:style>
+        <a:lnRef idx="2">
+          <a:scrgbClr r="0" g="0" b="0"/>
+        </a:lnRef>
+        <a:fillRef idx="1">
+          <a:scrgbClr r="0" g="0" b="0"/>
+        </a:fillRef>
+        <a:effectRef idx="0">
+          <a:scrgbClr r="0" g="0" b="0"/>
+        </a:effectRef>
+        <a:fontRef idx="minor">
+          <a:schemeClr val="lt1"/>
+        </a:fontRef>
+      </dsp:style>
+      <dsp:txBody>
+        <a:bodyPr spcFirstLastPara="0" vert="horz" wrap="square" lIns="60960" tIns="60960" rIns="60960" bIns="60960" numCol="1" spcCol="1270" anchor="ctr" anchorCtr="0">
+          <a:noAutofit/>
+        </a:bodyPr>
+        <a:lstStyle/>
+        <a:p>
+          <a:pPr marL="0" lvl="0" indent="0" algn="l" defTabSz="711200">
+            <a:lnSpc>
+              <a:spcPct val="90000"/>
+            </a:lnSpc>
+            <a:spcBef>
+              <a:spcPct val="0"/>
+            </a:spcBef>
+            <a:spcAft>
+              <a:spcPct val="35000"/>
+            </a:spcAft>
+            <a:buNone/>
+          </a:pPr>
+          <a:r>
+            <a:rPr lang="en-GB" sz="1600" kern="1200"/>
+            <a:t>At least 3 levels of varying difficulty to keep gameplay interesting</a:t>
+          </a:r>
+          <a:endParaRPr lang="en-US" sz="1600" kern="1200"/>
+        </a:p>
+      </dsp:txBody>
+      <dsp:txXfrm>
+        <a:off x="31070" y="3475139"/>
+        <a:ext cx="6198959" cy="574340"/>
+      </dsp:txXfrm>
+    </dsp:sp>
+    <dsp:sp modelId="{E9D7CDE4-31A3-4EA3-9AA5-9F1E46B4D453}">
+      <dsp:nvSpPr>
+        <dsp:cNvPr id="0" name=""/>
+        <dsp:cNvSpPr/>
+      </dsp:nvSpPr>
+      <dsp:spPr>
+        <a:xfrm>
+          <a:off x="0" y="4126629"/>
+          <a:ext cx="6261099" cy="636480"/>
+        </a:xfrm>
+        <a:prstGeom prst="roundRect">
+          <a:avLst/>
+        </a:prstGeom>
+        <a:solidFill>
+          <a:schemeClr val="accent2">
+            <a:hueOff val="3946365"/>
+            <a:satOff val="20589"/>
+            <a:lumOff val="-5882"/>
+            <a:alphaOff val="0"/>
+          </a:schemeClr>
+        </a:solidFill>
+        <a:ln w="12700" cap="flat" cmpd="sng" algn="ctr">
+          <a:solidFill>
+            <a:schemeClr val="lt1">
+              <a:hueOff val="0"/>
+              <a:satOff val="0"/>
+              <a:lumOff val="0"/>
+              <a:alphaOff val="0"/>
+            </a:schemeClr>
+          </a:solidFill>
+          <a:prstDash val="solid"/>
+        </a:ln>
+        <a:effectLst/>
+      </dsp:spPr>
+      <dsp:style>
+        <a:lnRef idx="2">
+          <a:scrgbClr r="0" g="0" b="0"/>
+        </a:lnRef>
+        <a:fillRef idx="1">
+          <a:scrgbClr r="0" g="0" b="0"/>
+        </a:fillRef>
+        <a:effectRef idx="0">
+          <a:scrgbClr r="0" g="0" b="0"/>
+        </a:effectRef>
+        <a:fontRef idx="minor">
+          <a:schemeClr val="lt1"/>
+        </a:fontRef>
+      </dsp:style>
+      <dsp:txBody>
+        <a:bodyPr spcFirstLastPara="0" vert="horz" wrap="square" lIns="60960" tIns="60960" rIns="60960" bIns="60960" numCol="1" spcCol="1270" anchor="ctr" anchorCtr="0">
+          <a:noAutofit/>
+        </a:bodyPr>
+        <a:lstStyle/>
+        <a:p>
+          <a:pPr marL="0" lvl="0" indent="0" algn="l" defTabSz="711200">
+            <a:lnSpc>
+              <a:spcPct val="90000"/>
+            </a:lnSpc>
+            <a:spcBef>
+              <a:spcPct val="0"/>
+            </a:spcBef>
+            <a:spcAft>
+              <a:spcPct val="35000"/>
+            </a:spcAft>
+            <a:buNone/>
+          </a:pPr>
+          <a:r>
+            <a:rPr lang="en-GB" sz="1600" kern="1200"/>
+            <a:t>Random generation of rooms to vary gameplay</a:t>
+          </a:r>
+          <a:endParaRPr lang="en-US" sz="1600" kern="1200"/>
+        </a:p>
+      </dsp:txBody>
+      <dsp:txXfrm>
+        <a:off x="31070" y="4157699"/>
+        <a:ext cx="6198959" cy="574340"/>
+      </dsp:txXfrm>
+    </dsp:sp>
+    <dsp:sp modelId="{13C36F74-2D6C-45C2-A57B-6728B59BBE28}">
+      <dsp:nvSpPr>
+        <dsp:cNvPr id="0" name=""/>
+        <dsp:cNvSpPr/>
+      </dsp:nvSpPr>
+      <dsp:spPr>
+        <a:xfrm>
+          <a:off x="0" y="4809189"/>
+          <a:ext cx="6261099" cy="636480"/>
+        </a:xfrm>
+        <a:prstGeom prst="roundRect">
+          <a:avLst/>
+        </a:prstGeom>
+        <a:solidFill>
+          <a:schemeClr val="accent2">
+            <a:hueOff val="4735638"/>
+            <a:satOff val="24707"/>
+            <a:lumOff val="-7058"/>
+            <a:alphaOff val="0"/>
+          </a:schemeClr>
+        </a:solidFill>
+        <a:ln w="12700" cap="flat" cmpd="sng" algn="ctr">
+          <a:solidFill>
+            <a:schemeClr val="lt1">
+              <a:hueOff val="0"/>
+              <a:satOff val="0"/>
+              <a:lumOff val="0"/>
+              <a:alphaOff val="0"/>
+            </a:schemeClr>
+          </a:solidFill>
+          <a:prstDash val="solid"/>
+        </a:ln>
+        <a:effectLst/>
+      </dsp:spPr>
+      <dsp:style>
+        <a:lnRef idx="2">
+          <a:scrgbClr r="0" g="0" b="0"/>
+        </a:lnRef>
+        <a:fillRef idx="1">
+          <a:scrgbClr r="0" g="0" b="0"/>
+        </a:fillRef>
+        <a:effectRef idx="0">
+          <a:scrgbClr r="0" g="0" b="0"/>
+        </a:effectRef>
+        <a:fontRef idx="minor">
+          <a:schemeClr val="lt1"/>
+        </a:fontRef>
+      </dsp:style>
+      <dsp:txBody>
+        <a:bodyPr spcFirstLastPara="0" vert="horz" wrap="square" lIns="60960" tIns="60960" rIns="60960" bIns="60960" numCol="1" spcCol="1270" anchor="ctr" anchorCtr="0">
+          <a:noAutofit/>
+        </a:bodyPr>
+        <a:lstStyle/>
+        <a:p>
+          <a:pPr marL="0" lvl="0" indent="0" algn="l" defTabSz="711200">
+            <a:lnSpc>
+              <a:spcPct val="90000"/>
+            </a:lnSpc>
+            <a:spcBef>
+              <a:spcPct val="0"/>
+            </a:spcBef>
+            <a:spcAft>
+              <a:spcPct val="35000"/>
+            </a:spcAft>
+            <a:buNone/>
+          </a:pPr>
+          <a:r>
+            <a:rPr lang="en-GB" sz="1600" kern="1200"/>
+            <a:t>At least 2 variants of enemies, with animations </a:t>
+          </a:r>
+          <a:endParaRPr lang="en-US" sz="1600" kern="1200"/>
+        </a:p>
+      </dsp:txBody>
+      <dsp:txXfrm>
+        <a:off x="31070" y="4840259"/>
+        <a:ext cx="6198959" cy="574340"/>
+      </dsp:txXfrm>
+    </dsp:sp>
+  </dsp:spTree>
+</dsp:drawing>
+</file>
+
+<file path=ppt/diagrams/layout1.xml><?xml version="1.0" encoding="utf-8"?>
+<dgm:layoutDef xmlns:dgm="http://schemas.openxmlformats.org/drawingml/2006/diagram" xmlns:a="http://schemas.openxmlformats.org/drawingml/2006/main" uniqueId="urn:microsoft.com/office/officeart/2005/8/layout/vList2">
+  <dgm:title val=""/>
+  <dgm:desc val=""/>
+  <dgm:catLst>
+    <dgm:cat type="list" pri="3000"/>
+    <dgm:cat type="convert" pri="1000"/>
+  </dgm:catLst>
+  <dgm:sampData>
+    <dgm:dataModel>
+      <dgm:ptLst>
+        <dgm:pt modelId="0" type="doc"/>
+        <dgm:pt modelId="1">
+          <dgm:prSet phldr="1"/>
+        </dgm:pt>
+        <dgm:pt modelId="11">
+          <dgm:prSet phldr="1"/>
+        </dgm:pt>
+        <dgm:pt modelId="2">
+          <dgm:prSet phldr="1"/>
+        </dgm:pt>
+        <dgm:pt modelId="21">
+          <dgm:prSet phldr="1"/>
+        </dgm:pt>
+      </dgm:ptLst>
+      <dgm:cxnLst>
+        <dgm:cxn modelId="4" srcId="0" destId="1" srcOrd="0" destOrd="0"/>
+        <dgm:cxn modelId="5" srcId="0" destId="2" srcOrd="1" destOrd="0"/>
+        <dgm:cxn modelId="12" srcId="1" destId="11" srcOrd="0" destOrd="0"/>
+        <dgm:cxn modelId="23" srcId="2" destId="21" srcOrd="0" destOrd="0"/>
+      </dgm:cxnLst>
+      <dgm:bg/>
+      <dgm:whole/>
+    </dgm:dataModel>
+  </dgm:sampData>
+  <dgm:styleData>
+    <dgm:dataModel>
+      <dgm:ptLst>
+        <dgm:pt modelId="0" type="doc"/>
+        <dgm:pt modelId="1"/>
+        <dgm:pt modelId="2"/>
+      </dgm:ptLst>
+      <dgm:cxnLst>
+        <dgm:cxn modelId="3" srcId="0" destId="1" srcOrd="0" destOrd="0"/>
+        <dgm:cxn modelId="4" srcId="0" destId="2" srcOrd="1" destOrd="0"/>
+      </dgm:cxnLst>
+      <dgm:bg/>
+      <dgm:whole/>
+    </dgm:dataModel>
+  </dgm:styleData>
+  <dgm:clrData>
+    <dgm:dataModel>
+      <dgm:ptLst>
+        <dgm:pt modelId="0" type="doc"/>
+        <dgm:pt modelId="1"/>
+        <dgm:pt modelId="2"/>
+        <dgm:pt modelId="3"/>
+        <dgm:pt modelId="4"/>
+      </dgm:ptLst>
+      <dgm:cxnLst>
+        <dgm:cxn modelId="5" srcId="0" destId="1" srcOrd="0" destOrd="0"/>
+        <dgm:cxn modelId="6" srcId="0" destId="2" srcOrd="1" destOrd="0"/>
+        <dgm:cxn modelId="7" srcId="0" destId="3" srcOrd="2" destOrd="0"/>
+        <dgm:cxn modelId="8" srcId="0" destId="4" srcOrd="3" destOrd="0"/>
+      </dgm:cxnLst>
+      <dgm:bg/>
+      <dgm:whole/>
+    </dgm:dataModel>
+  </dgm:clrData>
+  <dgm:layoutNode name="linear">
+    <dgm:varLst>
+      <dgm:animLvl val="lvl"/>
+      <dgm:resizeHandles val="exact"/>
+    </dgm:varLst>
+    <dgm:alg type="lin">
+      <dgm:param type="linDir" val="fromT"/>
+      <dgm:param type="vertAlign" val="mid"/>
+    </dgm:alg>
+    <dgm:shape xmlns:r="http://schemas.openxmlformats.org/officeDocument/2006/relationships" r:blip="">
+      <dgm:adjLst/>
+    </dgm:shape>
+    <dgm:presOf/>
+    <dgm:constrLst>
+      <dgm:constr type="w" for="ch" forName="parentText" refType="w"/>
+      <dgm:constr type="h" for="ch" forName="parentText" refType="primFontSz" refFor="ch" refForName="parentText" fact="0.52"/>
+      <dgm:constr type="w" for="ch" forName="childText" refType="w"/>
+      <dgm:constr type="h" for="ch" forName="childText" refType="primFontSz" refFor="ch" refForName="parentText" fact="0.46"/>
+      <dgm:constr type="h" for="ch" forName="parentText" op="equ"/>
+      <dgm:constr type="primFontSz" for="ch" forName="parentText" op="equ" val="65"/>
+      <dgm:constr type="primFontSz" for="ch" forName="childText" refType="primFontSz" refFor="ch" refForName="parentText" op="equ"/>
+      <dgm:constr type="h" for="ch" forName="spacer" refType="primFontSz" refFor="ch" refForName="parentText" fact="0.08"/>
+    </dgm:constrLst>
+    <dgm:ruleLst>
+      <dgm:rule type="primFontSz" for="ch" forName="parentText" val="5" fact="NaN" max="NaN"/>
+    </dgm:ruleLst>
+    <dgm:forEach name="Name0" axis="ch" ptType="node">
+      <dgm:layoutNode name="parentText" styleLbl="node1">
+        <dgm:varLst>
+          <dgm:chMax val="0"/>
+          <dgm:bulletEnabled val="1"/>
+        </dgm:varLst>
+        <dgm:alg type="tx">
+          <dgm:param type="parTxLTRAlign" val="l"/>
+          <dgm:param type="parTxRTLAlign" val="r"/>
+        </dgm:alg>
+        <dgm:shape xmlns:r="http://schemas.openxmlformats.org/officeDocument/2006/relationships" type="roundRect" r:blip="">
+          <dgm:adjLst/>
+        </dgm:shape>
+        <dgm:presOf axis="self"/>
+        <dgm:constrLst>
+          <dgm:constr type="tMarg" refType="primFontSz" fact="0.3"/>
+          <dgm:constr type="bMarg" refType="primFontSz" fact="0.3"/>
+          <dgm:constr type="lMarg" refType="primFontSz" fact="0.3"/>
+          <dgm:constr type="rMarg" refType="primFontSz" fact="0.3"/>
+        </dgm:constrLst>
+        <dgm:ruleLst>
+          <dgm:rule type="h" val="INF" fact="NaN" max="NaN"/>
+        </dgm:ruleLst>
+      </dgm:layoutNode>
+      <dgm:choose name="Name1">
+        <dgm:if name="Name2" axis="ch" ptType="node" func="cnt" op="gte" val="1">
+          <dgm:layoutNode name="childText" styleLbl="revTx">
+            <dgm:varLst>
+              <dgm:bulletEnabled val="1"/>
+            </dgm:varLst>
+            <dgm:alg type="tx">
+              <dgm:param type="stBulletLvl" val="1"/>
+              <dgm:param type="lnSpAfChP" val="20"/>
+            </dgm:alg>
+            <dgm:shape xmlns:r="http://schemas.openxmlformats.org/officeDocument/2006/relationships" type="rect" r:blip="">
+              <dgm:adjLst/>
+            </dgm:shape>
+            <dgm:presOf axis="des" ptType="node"/>
+            <dgm:constrLst>
+              <dgm:constr type="tMarg" refType="primFontSz" fact="0.1"/>
+              <dgm:constr type="bMarg" refType="primFontSz" fact="0.1"/>
+              <dgm:constr type="lMarg" refType="w" fact="0.09"/>
+            </dgm:constrLst>
+            <dgm:ruleLst>
+              <dgm:rule type="h" val="INF" fact="NaN" max="NaN"/>
+            </dgm:ruleLst>
+          </dgm:layoutNode>
+        </dgm:if>
+        <dgm:else name="Name3">
+          <dgm:choose name="Name4">
+            <dgm:if name="Name5" axis="par ch" ptType="doc node" func="cnt" op="gte" val="2">
+              <dgm:forEach name="Name6" axis="followSib" ptType="sibTrans" cnt="1">
+                <dgm:layoutNode name="spacer">
+                  <dgm:alg type="sp"/>
+                  <dgm:shape xmlns:r="http://schemas.openxmlformats.org/officeDocument/2006/relationships" r:blip="">
+                    <dgm:adjLst/>
+                  </dgm:shape>
+                  <dgm:presOf/>
+                  <dgm:constrLst/>
+                  <dgm:ruleLst/>
+                </dgm:layoutNode>
+              </dgm:forEach>
+            </dgm:if>
+            <dgm:else name="Name7"/>
+          </dgm:choose>
+        </dgm:else>
+      </dgm:choose>
+    </dgm:forEach>
+  </dgm:layoutNode>
+</dgm:layoutDef>
+</file>
+
+<file path=ppt/diagrams/quickStyle1.xml><?xml version="1.0" encoding="utf-8"?>
+<dgm:styleDef xmlns:dgm="http://schemas.openxmlformats.org/drawingml/2006/diagram" xmlns:a="http://schemas.openxmlformats.org/drawingml/2006/main" uniqueId="urn:microsoft.com/office/officeart/2005/8/quickstyle/simple1">
+  <dgm:title val=""/>
+  <dgm:desc val=""/>
+  <dgm:catLst>
+    <dgm:cat type="simple" pri="10100"/>
+  </dgm:catLst>
+  <dgm:scene3d>
+    <a:camera prst="orthographicFront"/>
+    <a:lightRig rig="threePt" dir="t"/>
+  </dgm:scene3d>
+  <dgm:styleLbl name="node0">
+    <dgm:scene3d>
+      <a:camera prst="orthographicFront"/>
+      <a:lightRig rig="threePt" dir="t"/>
+    </dgm:scene3d>
+    <dgm:sp3d/>
+    <dgm:txPr/>
+    <dgm:style>
+      <a:lnRef idx="2">
+        <a:scrgbClr r="0" g="0" b="0"/>
+      </a:lnRef>
+      <a:fillRef idx="1">
+        <a:scrgbClr r="0" g="0" b="0"/>
+      </a:fillRef>
+      <a:effectRef idx="0">
+        <a:scrgbClr r="0" g="0" b="0"/>
+      </a:effectRef>
+      <a:fontRef idx="minor">
+        <a:schemeClr val="lt1"/>
+      </a:fontRef>
+    </dgm:style>
+  </dgm:styleLbl>
+  <dgm:styleLbl name="lnNode1">
+    <dgm:scene3d>
+      <a:camera prst="orthographicFront"/>
+      <a:lightRig rig="threePt" dir="t"/>
+    </dgm:scene3d>
+    <dgm:sp3d/>
+    <dgm:txPr/>
+    <dgm:style>
+      <a:lnRef idx="2">
+        <a:scrgbClr r="0" g="0" b="0"/>
+      </a:lnRef>
+      <a:fillRef idx="1">
+        <a:scrgbClr r="0" g="0" b="0"/>
+      </a:fillRef>
+      <a:effectRef idx="0">
+        <a:scrgbClr r="0" g="0" b="0"/>
+      </a:effectRef>
+      <a:fontRef idx="minor">
+        <a:schemeClr val="lt1"/>
+      </a:fontRef>
+    </dgm:style>
+  </dgm:styleLbl>
+  <dgm:styleLbl name="vennNode1">
+    <dgm:scene3d>
+      <a:camera prst="orthographicFront"/>
+      <a:lightRig rig="threePt" dir="t"/>
+    </dgm:scene3d>
+    <dgm:sp3d/>
+    <dgm:txPr/>
+    <dgm:style>
+      <a:lnRef idx="2">
+        <a:scrgbClr r="0" g="0" b="0"/>
+      </a:lnRef>
+      <a:fillRef idx="1">
+        <a:scrgbClr r="0" g="0" b="0"/>
+      </a:fillRef>
+      <a:effectRef idx="0">
+        <a:scrgbClr r="0" g="0" b="0"/>
+      </a:effectRef>
+      <a:fontRef idx="minor">
+        <a:schemeClr val="tx1"/>
+      </a:fontRef>
+    </dgm:style>
+  </dgm:styleLbl>
+  <dgm:styleLbl name="alignNode1">
+    <dgm:scene3d>
+      <a:camera prst="orthographicFront"/>
+      <a:lightRig rig="threePt" dir="t"/>
+    </dgm:scene3d>
+    <dgm:sp3d/>
+    <dgm:txPr/>
+    <dgm:style>
+      <a:lnRef idx="2">
+        <a:scrgbClr r="0" g="0" b="0"/>
+      </a:lnRef>
+      <a:fillRef idx="1">
+        <a:scrgbClr r="0" g="0" b="0"/>
+      </a:fillRef>
+      <a:effectRef idx="0">
+        <a:scrgbClr r="0" g="0" b="0"/>
+      </a:effectRef>
+      <a:fontRef idx="minor">
+        <a:schemeClr val="lt1"/>
+      </a:fontRef>
+    </dgm:style>
+  </dgm:styleLbl>
+  <dgm:styleLbl name="node1">
+    <dgm:scene3d>
+      <a:camera prst="orthographicFront"/>
+      <a:lightRig rig="threePt" dir="t"/>
+    </dgm:scene3d>
+    <dgm:sp3d/>
+    <dgm:txPr/>
+    <dgm:style>
+      <a:lnRef idx="2">
+        <a:scrgbClr r="0" g="0" b="0"/>
+      </a:lnRef>
+      <a:fillRef idx="1">
+        <a:scrgbClr r="0" g="0" b="0"/>
+      </a:fillRef>
+      <a:effectRef idx="0">
+        <a:scrgbClr r="0" g="0" b="0"/>
+      </a:effectRef>
+      <a:fontRef idx="minor">
+        <a:schemeClr val="lt1"/>
+      </a:fontRef>
+    </dgm:style>
+  </dgm:styleLbl>
+  <dgm:styleLbl name="node2">
+    <dgm:scene3d>
+      <a:camera prst="orthographicFront"/>
+      <a:lightRig rig="threePt" dir="t"/>
+    </dgm:scene3d>
+    <dgm:sp3d/>
+    <dgm:txPr/>
+    <dgm:style>
+      <a:lnRef idx="2">
+        <a:scrgbClr r="0" g="0" b="0"/>
+      </a:lnRef>
+      <a:fillRef idx="1">
+        <a:scrgbClr r="0" g="0" b="0"/>
+      </a:fillRef>
+      <a:effectRef idx="0">
+        <a:scrgbClr r="0" g="0" b="0"/>
+      </a:effectRef>
+      <a:fontRef idx="minor">
+        <a:schemeClr val="lt1"/>
+      </a:fontRef>
+    </dgm:style>
+  </dgm:styleLbl>
+  <dgm:styleLbl name="node3">
+    <dgm:scene3d>
+      <a:camera prst="orthographicFront"/>
+      <a:lightRig rig="threePt" dir="t"/>
+    </dgm:scene3d>
+    <dgm:sp3d/>
+    <dgm:txPr/>
+    <dgm:style>
+      <a:lnRef idx="2">
+        <a:scrgbClr r="0" g="0" b="0"/>
+      </a:lnRef>
+      <a:fillRef idx="1">
+        <a:scrgbClr r="0" g="0" b="0"/>
+      </a:fillRef>
+      <a:effectRef idx="0">
+        <a:scrgbClr r="0" g="0" b="0"/>
+      </a:effectRef>
+      <a:fontRef idx="minor">
+        <a:schemeClr val="lt1"/>
+      </a:fontRef>
+    </dgm:style>
+  </dgm:styleLbl>
+  <dgm:styleLbl name="node4">
+    <dgm:scene3d>
+      <a:camera prst="orthographicFront"/>
+      <a:lightRig rig="threePt" dir="t"/>
+    </dgm:scene3d>
+    <dgm:sp3d/>
+    <dgm:txPr/>
+    <dgm:style>
+      <a:lnRef idx="2">
+        <a:scrgbClr r="0" g="0" b="0"/>
+      </a:lnRef>
+      <a:fillRef idx="1">
+        <a:scrgbClr r="0" g="0" b="0"/>
+      </a:fillRef>
+      <a:effectRef idx="0">
+        <a:scrgbClr r="0" g="0" b="0"/>
+      </a:effectRef>
+      <a:fontRef idx="minor">
+        <a:schemeClr val="lt1"/>
+      </a:fontRef>
+    </dgm:style>
+  </dgm:styleLbl>
+  <dgm:styleLbl name="fgImgPlace1">
+    <dgm:scene3d>
+      <a:camera prst="orthographicFront"/>
+      <a:lightRig rig="threePt" dir="t"/>
+    </dgm:scene3d>
+    <dgm:sp3d/>
+    <dgm:txPr/>
+    <dgm:style>
+      <a:lnRef idx="2">
+        <a:scrgbClr r="0" g="0" b="0"/>
+      </a:lnRef>
+      <a:fillRef idx="1">
+        <a:scrgbClr r="0" g="0" b="0"/>
+      </a:fillRef>
+      <a:effectRef idx="0">
+        <a:scrgbClr r="0" g="0" b="0"/>
+      </a:effectRef>
+      <a:fontRef idx="minor"/>
+    </dgm:style>
+  </dgm:styleLbl>
+  <dgm:styleLbl name="alignImgPlace1">
+    <dgm:scene3d>
+      <a:camera prst="orthographicFront"/>
+      <a:lightRig rig="threePt" dir="t"/>
+    </dgm:scene3d>
+    <dgm:sp3d/>
+    <dgm:txPr/>
+    <dgm:style>
+      <a:lnRef idx="2">
+        <a:scrgbClr r="0" g="0" b="0"/>
+      </a:lnRef>
+      <a:fillRef idx="1">
+        <a:scrgbClr r="0" g="0" b="0"/>
+      </a:fillRef>
+      <a:effectRef idx="0">
+        <a:scrgbClr r="0" g="0" b="0"/>
+      </a:effectRef>
+      <a:fontRef idx="minor"/>
+    </dgm:style>
+  </dgm:styleLbl>
+  <dgm:styleLbl name="bgImgPlace1">
+    <dgm:scene3d>
+      <a:camera prst="orthographicFront"/>
+      <a:lightRig rig="threePt" dir="t"/>
+    </dgm:scene3d>
+    <dgm:sp3d/>
+    <dgm:txPr/>
+    <dgm:style>
+      <a:lnRef idx="2">
+        <a:scrgbClr r="0" g="0" b="0"/>
+      </a:lnRef>
+      <a:fillRef idx="1">
+        <a:scrgbClr r="0" g="0" b="0"/>
+      </a:fillRef>
+      <a:effectRef idx="0">
+        <a:scrgbClr r="0" g="0" b="0"/>
+      </a:effectRef>
+      <a:fontRef idx="minor"/>
+    </dgm:style>
+  </dgm:styleLbl>
+  <dgm:styleLbl name="sibTrans2D1">
+    <dgm:scene3d>
+      <a:camera prst="orthographicFront"/>
+      <a:lightRig rig="threePt" dir="t"/>
+    </dgm:scene3d>
+    <dgm:sp3d/>
+    <dgm:txPr/>
+    <dgm:style>
+      <a:lnRef idx="0">
+        <a:scrgbClr r="0" g="0" b="0"/>
+      </a:lnRef>
+      <a:fillRef idx="1">
+        <a:scrgbClr r="0" g="0" b="0"/>
+      </a:fillRef>
+      <a:effectRef idx="0">
+        <a:scrgbClr r="0" g="0" b="0"/>
+      </a:effectRef>
+      <a:fontRef idx="minor">
+        <a:schemeClr val="lt1"/>
+      </a:fontRef>
+    </dgm:style>
+  </dgm:styleLbl>
+  <dgm:styleLbl name="fgSibTrans2D1">
+    <dgm:scene3d>
+      <a:camera prst="orthographicFront"/>
+      <a:lightRig rig="threePt" dir="t"/>
+    </dgm:scene3d>
+    <dgm:sp3d/>
+    <dgm:txPr/>
+    <dgm:style>
+      <a:lnRef idx="0">
+        <a:scrgbClr r="0" g="0" b="0"/>
+      </a:lnRef>
+      <a:fillRef idx="1">
+        <a:scrgbClr r="0" g="0" b="0"/>
+      </a:fillRef>
+      <a:effectRef idx="0">
+        <a:scrgbClr r="0" g="0" b="0"/>
+      </a:effectRef>
+      <a:fontRef idx="minor">
+        <a:schemeClr val="lt1"/>
+      </a:fontRef>
+    </dgm:style>
+  </dgm:styleLbl>
+  <dgm:styleLbl name="bgSibTrans2D1">
+    <dgm:scene3d>
+      <a:camera prst="orthographicFront"/>
+      <a:lightRig rig="threePt" dir="t"/>
+    </dgm:scene3d>
+    <dgm:sp3d/>
+    <dgm:txPr/>
+    <dgm:style>
+      <a:lnRef idx="0">
+        <a:scrgbClr r="0" g="0" b="0"/>
+      </a:lnRef>
+      <a:fillRef idx="1">
+        <a:scrgbClr r="0" g="0" b="0"/>
+      </a:fillRef>
+      <a:effectRef idx="0">
+        <a:scrgbClr r="0" g="0" b="0"/>
+      </a:effectRef>
+      <a:fontRef idx="minor">
+        <a:schemeClr val="lt1"/>
+      </a:fontRef>
+    </dgm:style>
+  </dgm:styleLbl>
+  <dgm:styleLbl name="sibTrans1D1">
+    <dgm:scene3d>
+      <a:camera prst="orthographicFront"/>
+      <a:lightRig rig="threePt" dir="t"/>
+    </dgm:scene3d>
+    <dgm:sp3d/>
+    <dgm:txPr/>
+    <dgm:style>
+      <a:lnRef idx="1">
+        <a:scrgbClr r="0" g="0" b="0"/>
+      </a:lnRef>
+      <a:fillRef idx="0">
+        <a:scrgbClr r="0" g="0" b="0"/>
+      </a:fillRef>
+      <a:effectRef idx="0">
+        <a:scrgbClr r="0" g="0" b="0"/>
+      </a:effectRef>
+      <a:fontRef idx="minor"/>
+    </dgm:style>
+  </dgm:styleLbl>
+  <dgm:styleLbl name="callout">
+    <dgm:scene3d>
+      <a:camera prst="orthographicFront"/>
+      <a:lightRig rig="threePt" dir="t"/>
+    </dgm:scene3d>
+    <dgm:sp3d/>
+    <dgm:txPr/>
+    <dgm:style>
+      <a:lnRef idx="2">
+        <a:scrgbClr r="0" g="0" b="0"/>
+      </a:lnRef>
+      <a:fillRef idx="1">
+        <a:scrgbClr r="0" g="0" b="0"/>
+      </a:fillRef>
+      <a:effectRef idx="0">
+        <a:scrgbClr r="0" g="0" b="0"/>
+      </a:effectRef>
+      <a:fontRef idx="minor"/>
+    </dgm:style>
+  </dgm:styleLbl>
+  <dgm:styleLbl name="asst0">
+    <dgm:scene3d>
+      <a:camera prst="orthographicFront"/>
+      <a:lightRig rig="threePt" dir="t"/>
+    </dgm:scene3d>
+    <dgm:sp3d/>
+    <dgm:txPr/>
+    <dgm:style>
+      <a:lnRef idx="2">
+        <a:scrgbClr r="0" g="0" b="0"/>
+      </a:lnRef>
+      <a:fillRef idx="1">
+        <a:scrgbClr r="0" g="0" b="0"/>
+      </a:fillRef>
+      <a:effectRef idx="0">
+        <a:scrgbClr r="0" g="0" b="0"/>
+      </a:effectRef>
+      <a:fontRef idx="minor">
+        <a:schemeClr val="lt1"/>
+      </a:fontRef>
+    </dgm:style>
+  </dgm:styleLbl>
+  <dgm:styleLbl name="asst1">
+    <dgm:scene3d>
+      <a:camera prst="orthographicFront"/>
+      <a:lightRig rig="threePt" dir="t"/>
+    </dgm:scene3d>
+    <dgm:sp3d/>
+    <dgm:txPr/>
+    <dgm:style>
+      <a:lnRef idx="2">
+        <a:scrgbClr r="0" g="0" b="0"/>
+      </a:lnRef>
+      <a:fillRef idx="1">
+        <a:scrgbClr r="0" g="0" b="0"/>
+      </a:fillRef>
+      <a:effectRef idx="0">
+        <a:scrgbClr r="0" g="0" b="0"/>
+      </a:effectRef>
+      <a:fontRef idx="minor">
+        <a:schemeClr val="lt1"/>
+      </a:fontRef>
+    </dgm:style>
+  </dgm:styleLbl>
+  <dgm:styleLbl name="asst2">
+    <dgm:scene3d>
+      <a:camera prst="orthographicFront"/>
+      <a:lightRig rig="threePt" dir="t"/>
+    </dgm:scene3d>
+    <dgm:sp3d/>
+    <dgm:txPr/>
+    <dgm:style>
+      <a:lnRef idx="2">
+        <a:scrgbClr r="0" g="0" b="0"/>
+      </a:lnRef>
+      <a:fillRef idx="1">
+        <a:scrgbClr r="0" g="0" b="0"/>
+      </a:fillRef>
+      <a:effectRef idx="0">
+        <a:scrgbClr r="0" g="0" b="0"/>
+      </a:effectRef>
+      <a:fontRef idx="minor">
+        <a:schemeClr val="lt1"/>
+      </a:fontRef>
+    </dgm:style>
+  </dgm:styleLbl>
+  <dgm:styleLbl name="asst3">
+    <dgm:scene3d>
+      <a:camera prst="orthographicFront"/>
+      <a:lightRig rig="threePt" dir="t"/>
+    </dgm:scene3d>
+    <dgm:sp3d/>
+    <dgm:txPr/>
+    <dgm:style>
+      <a:lnRef idx="2">
+        <a:scrgbClr r="0" g="0" b="0"/>
+      </a:lnRef>
+      <a:fillRef idx="1">
+        <a:scrgbClr r="0" g="0" b="0"/>
+      </a:fillRef>
+      <a:effectRef idx="0">
+        <a:scrgbClr r="0" g="0" b="0"/>
+      </a:effectRef>
+      <a:fontRef idx="minor">
+        <a:schemeClr val="lt1"/>
+      </a:fontRef>
+    </dgm:style>
+  </dgm:styleLbl>
+  <dgm:styleLbl name="asst4">
+    <dgm:scene3d>
+      <a:camera prst="orthographicFront"/>
+      <a:lightRig rig="threePt" dir="t"/>
+    </dgm:scene3d>
+    <dgm:sp3d/>
+    <dgm:txPr/>
+    <dgm:style>
+      <a:lnRef idx="2">
+        <a:scrgbClr r="0" g="0" b="0"/>
+      </a:lnRef>
+      <a:fillRef idx="1">
+        <a:scrgbClr r="0" g="0" b="0"/>
+      </a:fillRef>
+      <a:effectRef idx="0">
+        <a:scrgbClr r="0" g="0" b="0"/>
+      </a:effectRef>
+      <a:fontRef idx="minor">
+        <a:schemeClr val="lt1"/>
+      </a:fontRef>
+    </dgm:style>
+  </dgm:styleLbl>
+  <dgm:styleLbl name="parChTrans2D1">
+    <dgm:scene3d>
+      <a:camera prst="orthographicFront"/>
+      <a:lightRig rig="threePt" dir="t"/>
+    </dgm:scene3d>
+    <dgm:sp3d/>
+    <dgm:txPr/>
+    <dgm:style>
+      <a:lnRef idx="2">
+        <a:scrgbClr r="0" g="0" b="0"/>
+      </a:lnRef>
+      <a:fillRef idx="1">
+        <a:scrgbClr r="0" g="0" b="0"/>
+      </a:fillRef>
+      <a:effectRef idx="0">
+        <a:scrgbClr r="0" g="0" b="0"/>
+      </a:effectRef>
+      <a:fontRef idx="minor">
+        <a:schemeClr val="lt1"/>
+      </a:fontRef>
+    </dgm:style>
+  </dgm:styleLbl>
+  <dgm:styleLbl name="parChTrans2D2">
+    <dgm:scene3d>
+      <a:camera prst="orthographicFront"/>
+      <a:lightRig rig="threePt" dir="t"/>
+    </dgm:scene3d>
+    <dgm:sp3d/>
+    <dgm:txPr/>
+    <dgm:style>
+      <a:lnRef idx="2">
+        <a:scrgbClr r="0" g="0" b="0"/>
+      </a:lnRef>
+      <a:fillRef idx="1">
+        <a:scrgbClr r="0" g="0" b="0"/>
+      </a:fillRef>
+      <a:effectRef idx="0">
+        <a:scrgbClr r="0" g="0" b="0"/>
+      </a:effectRef>
+      <a:fontRef idx="minor">
+        <a:schemeClr val="lt1"/>
+      </a:fontRef>
+    </dgm:style>
+  </dgm:styleLbl>
+  <dgm:styleLbl name="parChTrans2D3">
+    <dgm:scene3d>
+      <a:camera prst="orthographicFront"/>
+      <a:lightRig rig="threePt" dir="t"/>
+    </dgm:scene3d>
+    <dgm:sp3d/>
+    <dgm:txPr/>
+    <dgm:style>
+      <a:lnRef idx="2">
+        <a:scrgbClr r="0" g="0" b="0"/>
+      </a:lnRef>
+      <a:fillRef idx="1">
+        <a:scrgbClr r="0" g="0" b="0"/>
+      </a:fillRef>
+      <a:effectRef idx="0">
+        <a:scrgbClr r="0" g="0" b="0"/>
+      </a:effectRef>
+      <a:fontRef idx="minor">
+        <a:schemeClr val="lt1"/>
+      </a:fontRef>
+    </dgm:style>
+  </dgm:styleLbl>
+  <dgm:styleLbl name="parChTrans2D4">
+    <dgm:scene3d>
+      <a:camera prst="orthographicFront"/>
+      <a:lightRig rig="threePt" dir="t"/>
+    </dgm:scene3d>
+    <dgm:sp3d/>
+    <dgm:txPr/>
+    <dgm:style>
+      <a:lnRef idx="2">
+        <a:scrgbClr r="0" g="0" b="0"/>
+      </a:lnRef>
+      <a:fillRef idx="1">
+        <a:scrgbClr r="0" g="0" b="0"/>
+      </a:fillRef>
+      <a:effectRef idx="0">
+        <a:scrgbClr r="0" g="0" b="0"/>
+      </a:effectRef>
+      <a:fontRef idx="minor">
+        <a:schemeClr val="lt1"/>
+      </a:fontRef>
+    </dgm:style>
+  </dgm:styleLbl>
+  <dgm:styleLbl name="parChTrans1D1">
+    <dgm:scene3d>
+      <a:camera prst="orthographicFront"/>
+      <a:lightRig rig="threePt" dir="t"/>
+    </dgm:scene3d>
+    <dgm:sp3d/>
+    <dgm:txPr/>
+    <dgm:style>
+      <a:lnRef idx="2">
+        <a:scrgbClr r="0" g="0" b="0"/>
+      </a:lnRef>
+      <a:fillRef idx="0">
+        <a:scrgbClr r="0" g="0" b="0"/>
+      </a:fillRef>
+      <a:effectRef idx="0">
+        <a:scrgbClr r="0" g="0" b="0"/>
+      </a:effectRef>
+      <a:fontRef idx="minor"/>
+    </dgm:style>
+  </dgm:styleLbl>
+  <dgm:styleLbl name="parChTrans1D2">
+    <dgm:scene3d>
+      <a:camera prst="orthographicFront"/>
+      <a:lightRig rig="threePt" dir="t"/>
+    </dgm:scene3d>
+    <dgm:sp3d/>
+    <dgm:txPr/>
+    <dgm:style>
+      <a:lnRef idx="2">
+        <a:scrgbClr r="0" g="0" b="0"/>
+      </a:lnRef>
+      <a:fillRef idx="0">
+        <a:scrgbClr r="0" g="0" b="0"/>
+      </a:fillRef>
+      <a:effectRef idx="0">
+        <a:scrgbClr r="0" g="0" b="0"/>
+      </a:effectRef>
+      <a:fontRef idx="minor"/>
+    </dgm:style>
+  </dgm:styleLbl>
+  <dgm:styleLbl name="parChTrans1D3">
+    <dgm:scene3d>
+      <a:camera prst="orthographicFront"/>
+      <a:lightRig rig="threePt" dir="t"/>
+    </dgm:scene3d>
+    <dgm:sp3d/>
+    <dgm:txPr/>
+    <dgm:style>
+      <a:lnRef idx="2">
+        <a:scrgbClr r="0" g="0" b="0"/>
+      </a:lnRef>
+      <a:fillRef idx="0">
+        <a:scrgbClr r="0" g="0" b="0"/>
+      </a:fillRef>
+      <a:effectRef idx="0">
+        <a:scrgbClr r="0" g="0" b="0"/>
+      </a:effectRef>
+      <a:fontRef idx="minor"/>
+    </dgm:style>
+  </dgm:styleLbl>
+  <dgm:styleLbl name="parChTrans1D4">
+    <dgm:scene3d>
+      <a:camera prst="orthographicFront"/>
+      <a:lightRig rig="threePt" dir="t"/>
+    </dgm:scene3d>
+    <dgm:sp3d/>
+    <dgm:txPr/>
+    <dgm:style>
+      <a:lnRef idx="2">
+        <a:scrgbClr r="0" g="0" b="0"/>
+      </a:lnRef>
+      <a:fillRef idx="0">
+        <a:scrgbClr r="0" g="0" b="0"/>
+      </a:fillRef>
+      <a:effectRef idx="0">
+        <a:scrgbClr r="0" g="0" b="0"/>
+      </a:effectRef>
+      <a:fontRef idx="minor"/>
+    </dgm:style>
+  </dgm:styleLbl>
+  <dgm:styleLbl name="fgAcc1">
+    <dgm:scene3d>
+      <a:camera prst="orthographicFront"/>
+      <a:lightRig rig="threePt" dir="t"/>
+    </dgm:scene3d>
+    <dgm:sp3d/>
+    <dgm:txPr/>
+    <dgm:style>
+      <a:lnRef idx="2">
+        <a:scrgbClr r="0" g="0" b="0"/>
+      </a:lnRef>
+      <a:fillRef idx="1">
+        <a:scrgbClr r="0" g="0" b="0"/>
+      </a:fillRef>
+      <a:effectRef idx="0">
+        <a:scrgbClr r="0" g="0" b="0"/>
+      </a:effectRef>
+      <a:fontRef idx="minor"/>
+    </dgm:style>
+  </dgm:styleLbl>
+  <dgm:styleLbl name="conFgAcc1">
+    <dgm:scene3d>
+      <a:camera prst="orthographicFront"/>
+      <a:lightRig rig="threePt" dir="t"/>
+    </dgm:scene3d>
+    <dgm:sp3d/>
+    <dgm:txPr/>
+    <dgm:style>
+      <a:lnRef idx="2">
+        <a:scrgbClr r="0" g="0" b="0"/>
+      </a:lnRef>
+      <a:fillRef idx="1">
+        <a:scrgbClr r="0" g="0" b="0"/>
+      </a:fillRef>
+      <a:effectRef idx="0">
+        <a:scrgbClr r="0" g="0" b="0"/>
+      </a:effectRef>
+      <a:fontRef idx="minor"/>
+    </dgm:style>
+  </dgm:styleLbl>
+  <dgm:styleLbl name="alignAcc1">
+    <dgm:scene3d>
+      <a:camera prst="orthographicFront"/>
+      <a:lightRig rig="threePt" dir="t"/>
+    </dgm:scene3d>
+    <dgm:sp3d/>
+    <dgm:txPr/>
+    <dgm:style>
+      <a:lnRef idx="2">
+        <a:scrgbClr r="0" g="0" b="0"/>
+      </a:lnRef>
+      <a:fillRef idx="1">
+        <a:scrgbClr r="0" g="0" b="0"/>
+      </a:fillRef>
+      <a:effectRef idx="0">
+        <a:scrgbClr r="0" g="0" b="0"/>
+      </a:effectRef>
+      <a:fontRef idx="minor"/>
+    </dgm:style>
+  </dgm:styleLbl>
+  <dgm:styleLbl name="trAlignAcc1">
+    <dgm:scene3d>
+      <a:camera prst="orthographicFront"/>
+      <a:lightRig rig="threePt" dir="t"/>
+    </dgm:scene3d>
+    <dgm:sp3d/>
+    <dgm:txPr/>
+    <dgm:style>
+      <a:lnRef idx="1">
+        <a:scrgbClr r="0" g="0" b="0"/>
+      </a:lnRef>
+      <a:fillRef idx="1">
+        <a:scrgbClr r="0" g="0" b="0"/>
+      </a:fillRef>
+      <a:effectRef idx="0">
+        <a:scrgbClr r="0" g="0" b="0"/>
+      </a:effectRef>
+      <a:fontRef idx="minor"/>
+    </dgm:style>
+  </dgm:styleLbl>
+  <dgm:styleLbl name="bgAcc1">
+    <dgm:scene3d>
+      <a:camera prst="orthographicFront"/>
+      <a:lightRig rig="threePt" dir="t"/>
+    </dgm:scene3d>
+    <dgm:sp3d/>
+    <dgm:txPr/>
+    <dgm:style>
+      <a:lnRef idx="2">
+        <a:scrgbClr r="0" g="0" b="0"/>
+      </a:lnRef>
+      <a:fillRef idx="1">
+        <a:scrgbClr r="0" g="0" b="0"/>
+      </a:fillRef>
+      <a:effectRef idx="0">
+        <a:scrgbClr r="0" g="0" b="0"/>
+      </a:effectRef>
+      <a:fontRef idx="minor"/>
+    </dgm:style>
+  </dgm:styleLbl>
+  <dgm:styleLbl name="solidFgAcc1">
+    <dgm:scene3d>
+      <a:camera prst="orthographicFront"/>
+      <a:lightRig rig="threePt" dir="t"/>
+    </dgm:scene3d>
+    <dgm:sp3d/>
+    <dgm:txPr/>
+    <dgm:style>
+      <a:lnRef idx="2">
+        <a:scrgbClr r="0" g="0" b="0"/>
+      </a:lnRef>
+      <a:fillRef idx="1">
+        <a:scrgbClr r="0" g="0" b="0"/>
+      </a:fillRef>
+      <a:effectRef idx="0">
+        <a:scrgbClr r="0" g="0" b="0"/>
+      </a:effectRef>
+      <a:fontRef idx="minor"/>
+    </dgm:style>
+  </dgm:styleLbl>
+  <dgm:styleLbl name="solidAlignAcc1">
+    <dgm:scene3d>
+      <a:camera prst="orthographicFront"/>
+      <a:lightRig rig="threePt" dir="t"/>
+    </dgm:scene3d>
+    <dgm:sp3d/>
+    <dgm:txPr/>
+    <dgm:style>
+      <a:lnRef idx="2">
+        <a:scrgbClr r="0" g="0" b="0"/>
+      </a:lnRef>
+      <a:fillRef idx="1">
+        <a:scrgbClr r="0" g="0" b="0"/>
+      </a:fillRef>
+      <a:effectRef idx="0">
+        <a:scrgbClr r="0" g="0" b="0"/>
+      </a:effectRef>
+      <a:fontRef idx="minor"/>
+    </dgm:style>
+  </dgm:styleLbl>
+  <dgm:styleLbl name="solidBgAcc1">
+    <dgm:scene3d>
+      <a:camera prst="orthographicFront"/>
+      <a:lightRig rig="threePt" dir="t"/>
+    </dgm:scene3d>
+    <dgm:sp3d/>
+    <dgm:txPr/>
+    <dgm:style>
+      <a:lnRef idx="2">
+        <a:scrgbClr r="0" g="0" b="0"/>
+      </a:lnRef>
+      <a:fillRef idx="1">
+        <a:scrgbClr r="0" g="0" b="0"/>
+      </a:fillRef>
+      <a:effectRef idx="0">
+        <a:scrgbClr r="0" g="0" b="0"/>
+      </a:effectRef>
+      <a:fontRef idx="minor"/>
+    </dgm:style>
+  </dgm:styleLbl>
+  <dgm:styleLbl name="fgAccFollowNode1">
+    <dgm:scene3d>
+      <a:camera prst="orthographicFront"/>
+      <a:lightRig rig="threePt" dir="t"/>
+    </dgm:scene3d>
+    <dgm:sp3d/>
+    <dgm:txPr/>
+    <dgm:style>
+      <a:lnRef idx="2">
+        <a:scrgbClr r="0" g="0" b="0"/>
+      </a:lnRef>
+      <a:fillRef idx="1">
+        <a:scrgbClr r="0" g="0" b="0"/>
+      </a:fillRef>
+      <a:effectRef idx="0">
+        <a:scrgbClr r="0" g="0" b="0"/>
+      </a:effectRef>
+      <a:fontRef idx="minor"/>
+    </dgm:style>
+  </dgm:styleLbl>
+  <dgm:styleLbl name="alignAccFollowNode1">
+    <dgm:scene3d>
+      <a:camera prst="orthographicFront"/>
+      <a:lightRig rig="threePt" dir="t"/>
+    </dgm:scene3d>
+    <dgm:sp3d/>
+    <dgm:txPr/>
+    <dgm:style>
+      <a:lnRef idx="2">
+        <a:scrgbClr r="0" g="0" b="0"/>
+      </a:lnRef>
+      <a:fillRef idx="1">
+        <a:scrgbClr r="0" g="0" b="0"/>
+      </a:fillRef>
+      <a:effectRef idx="0">
+        <a:scrgbClr r="0" g="0" b="0"/>
+      </a:effectRef>
+      <a:fontRef idx="minor"/>
+    </dgm:style>
+  </dgm:styleLbl>
+  <dgm:styleLbl name="bgAccFollowNode1">
+    <dgm:scene3d>
+      <a:camera prst="orthographicFront"/>
+      <a:lightRig rig="threePt" dir="t"/>
+    </dgm:scene3d>
+    <dgm:sp3d/>
+    <dgm:txPr/>
+    <dgm:style>
+      <a:lnRef idx="2">
+        <a:scrgbClr r="0" g="0" b="0"/>
+      </a:lnRef>
+      <a:fillRef idx="1">
+        <a:scrgbClr r="0" g="0" b="0"/>
+      </a:fillRef>
+      <a:effectRef idx="0">
+        <a:scrgbClr r="0" g="0" b="0"/>
+      </a:effectRef>
+      <a:fontRef idx="minor"/>
+    </dgm:style>
+  </dgm:styleLbl>
+  <dgm:styleLbl name="fgAcc0">
+    <dgm:scene3d>
+      <a:camera prst="orthographicFront"/>
+      <a:lightRig rig="threePt" dir="t"/>
+    </dgm:scene3d>
+    <dgm:sp3d/>
+    <dgm:txPr/>
+    <dgm:style>
+      <a:lnRef idx="2">
+        <a:scrgbClr r="0" g="0" b="0"/>
+      </a:lnRef>
+      <a:fillRef idx="1">
+        <a:scrgbClr r="0" g="0" b="0"/>
+      </a:fillRef>
+      <a:effectRef idx="0">
+        <a:scrgbClr r="0" g="0" b="0"/>
+      </a:effectRef>
+      <a:fontRef idx="minor"/>
+    </dgm:style>
+  </dgm:styleLbl>
+  <dgm:styleLbl name="fgAcc2">
+    <dgm:scene3d>
+      <a:camera prst="orthographicFront"/>
+      <a:lightRig rig="threePt" dir="t"/>
+    </dgm:scene3d>
+    <dgm:sp3d/>
+    <dgm:txPr/>
+    <dgm:style>
+      <a:lnRef idx="2">
+        <a:scrgbClr r="0" g="0" b="0"/>
+      </a:lnRef>
+      <a:fillRef idx="1">
+        <a:scrgbClr r="0" g="0" b="0"/>
+      </a:fillRef>
+      <a:effectRef idx="0">
+        <a:scrgbClr r="0" g="0" b="0"/>
+      </a:effectRef>
+      <a:fontRef idx="minor"/>
+    </dgm:style>
+  </dgm:styleLbl>
+  <dgm:styleLbl name="fgAcc3">
+    <dgm:scene3d>
+      <a:camera prst="orthographicFront"/>
+      <a:lightRig rig="threePt" dir="t"/>
+    </dgm:scene3d>
+    <dgm:sp3d/>
+    <dgm:txPr/>
+    <dgm:style>
+      <a:lnRef idx="2">
+        <a:scrgbClr r="0" g="0" b="0"/>
+      </a:lnRef>
+      <a:fillRef idx="1">
+        <a:scrgbClr r="0" g="0" b="0"/>
+      </a:fillRef>
+      <a:effectRef idx="0">
+        <a:scrgbClr r="0" g="0" b="0"/>
+      </a:effectRef>
+      <a:fontRef idx="minor"/>
+    </dgm:style>
+  </dgm:styleLbl>
+  <dgm:styleLbl name="fgAcc4">
+    <dgm:scene3d>
+      <a:camera prst="orthographicFront"/>
+      <a:lightRig rig="threePt" dir="t"/>
+    </dgm:scene3d>
+    <dgm:sp3d/>
+    <dgm:txPr/>
+    <dgm:style>
+      <a:lnRef idx="2">
+        <a:scrgbClr r="0" g="0" b="0"/>
+      </a:lnRef>
+      <a:fillRef idx="1">
+        <a:scrgbClr r="0" g="0" b="0"/>
+      </a:fillRef>
+      <a:effectRef idx="0">
+        <a:scrgbClr r="0" g="0" b="0"/>
+      </a:effectRef>
+      <a:fontRef idx="minor"/>
+    </dgm:style>
+  </dgm:styleLbl>
+  <dgm:styleLbl name="bgShp">
+    <dgm:scene3d>
+      <a:camera prst="orthographicFront"/>
+      <a:lightRig rig="threePt" dir="t"/>
+    </dgm:scene3d>
+    <dgm:sp3d/>
+    <dgm:txPr/>
+    <dgm:style>
+      <a:lnRef idx="0">
+        <a:scrgbClr r="0" g="0" b="0"/>
+      </a:lnRef>
+      <a:fillRef idx="1">
+        <a:scrgbClr r="0" g="0" b="0"/>
+      </a:fillRef>
+      <a:effectRef idx="0">
+        <a:scrgbClr r="0" g="0" b="0"/>
+      </a:effectRef>
+      <a:fontRef idx="minor"/>
+    </dgm:style>
+  </dgm:styleLbl>
+  <dgm:styleLbl name="dkBgShp">
+    <dgm:scene3d>
+      <a:camera prst="orthographicFront"/>
+      <a:lightRig rig="threePt" dir="t"/>
+    </dgm:scene3d>
+    <dgm:sp3d/>
+    <dgm:txPr/>
+    <dgm:style>
+      <a:lnRef idx="0">
+        <a:scrgbClr r="0" g="0" b="0"/>
+      </a:lnRef>
+      <a:fillRef idx="1">
+        <a:scrgbClr r="0" g="0" b="0"/>
+      </a:fillRef>
+      <a:effectRef idx="0">
+        <a:scrgbClr r="0" g="0" b="0"/>
+      </a:effectRef>
+      <a:fontRef idx="minor"/>
+    </dgm:style>
+  </dgm:styleLbl>
+  <dgm:styleLbl name="trBgShp">
+    <dgm:scene3d>
+      <a:camera prst="orthographicFront"/>
+      <a:lightRig rig="threePt" dir="t"/>
+    </dgm:scene3d>
+    <dgm:sp3d/>
+    <dgm:txPr/>
+    <dgm:style>
+      <a:lnRef idx="0">
+        <a:scrgbClr r="0" g="0" b="0"/>
+      </a:lnRef>
+      <a:fillRef idx="1">
+        <a:scrgbClr r="0" g="0" b="0"/>
+      </a:fillRef>
+      <a:effectRef idx="0">
+        <a:scrgbClr r="0" g="0" b="0"/>
+      </a:effectRef>
+      <a:fontRef idx="minor"/>
+    </dgm:style>
+  </dgm:styleLbl>
+  <dgm:styleLbl name="fgShp">
+    <dgm:scene3d>
+      <a:camera prst="orthographicFront"/>
+      <a:lightRig rig="threePt" dir="t"/>
+    </dgm:scene3d>
+    <dgm:sp3d/>
+    <dgm:txPr/>
+    <dgm:style>
+      <a:lnRef idx="2">
+        <a:scrgbClr r="0" g="0" b="0"/>
+      </a:lnRef>
+      <a:fillRef idx="1">
+        <a:scrgbClr r="0" g="0" b="0"/>
+      </a:fillRef>
+      <a:effectRef idx="0">
+        <a:scrgbClr r="0" g="0" b="0"/>
+      </a:effectRef>
+      <a:fontRef idx="minor"/>
+    </dgm:style>
+  </dgm:styleLbl>
+  <dgm:styleLbl name="revTx">
+    <dgm:scene3d>
+      <a:camera prst="orthographicFront"/>
+      <a:lightRig rig="threePt" dir="t"/>
+    </dgm:scene3d>
+    <dgm:sp3d/>
+    <dgm:txPr/>
+    <dgm:style>
+      <a:lnRef idx="0">
+        <a:scrgbClr r="0" g="0" b="0"/>
+      </a:lnRef>
+      <a:fillRef idx="0">
+        <a:scrgbClr r="0" g="0" b="0"/>
+      </a:fillRef>
+      <a:effectRef idx="0">
+        <a:scrgbClr r="0" g="0" b="0"/>
+      </a:effectRef>
+      <a:fontRef idx="minor"/>
+    </dgm:style>
+  </dgm:styleLbl>
+</dgm:styleDef>
 </file>
 
 <file path=ppt/slideLayouts/slideLayout1.xml><?xml version="1.0" encoding="utf-8"?>
@@ -296,7 +3597,7 @@
           <a:p>
             <a:fld id="{B4D26D11-37B6-4505-85ED-985B1D1F4AD9}" type="datetimeFigureOut">
               <a:rPr lang="en-GB" smtClean="0"/>
-              <a:t>08/05/2020</a:t>
+              <a:t>10/05/2020</a:t>
             </a:fld>
             <a:endParaRPr lang="en-GB"/>
           </a:p>
@@ -466,7 +3767,7 @@
           <a:p>
             <a:fld id="{B4D26D11-37B6-4505-85ED-985B1D1F4AD9}" type="datetimeFigureOut">
               <a:rPr lang="en-GB" smtClean="0"/>
-              <a:t>08/05/2020</a:t>
+              <a:t>10/05/2020</a:t>
             </a:fld>
             <a:endParaRPr lang="en-GB"/>
           </a:p>
@@ -689,7 +3990,7 @@
           <a:p>
             <a:fld id="{B4D26D11-37B6-4505-85ED-985B1D1F4AD9}" type="datetimeFigureOut">
               <a:rPr lang="en-GB" smtClean="0"/>
-              <a:t>08/05/2020</a:t>
+              <a:t>10/05/2020</a:t>
             </a:fld>
             <a:endParaRPr lang="en-GB"/>
           </a:p>
@@ -869,7 +4170,7 @@
           <a:p>
             <a:fld id="{B4D26D11-37B6-4505-85ED-985B1D1F4AD9}" type="datetimeFigureOut">
               <a:rPr lang="en-GB" smtClean="0"/>
-              <a:t>08/05/2020</a:t>
+              <a:t>10/05/2020</a:t>
             </a:fld>
             <a:endParaRPr lang="en-GB"/>
           </a:p>
@@ -1175,7 +4476,7 @@
           <a:p>
             <a:fld id="{B4D26D11-37B6-4505-85ED-985B1D1F4AD9}" type="datetimeFigureOut">
               <a:rPr lang="en-GB" smtClean="0"/>
-              <a:t>08/05/2020</a:t>
+              <a:t>10/05/2020</a:t>
             </a:fld>
             <a:endParaRPr lang="en-GB"/>
           </a:p>
@@ -1479,7 +4780,7 @@
           <a:p>
             <a:fld id="{B4D26D11-37B6-4505-85ED-985B1D1F4AD9}" type="datetimeFigureOut">
               <a:rPr lang="en-GB" smtClean="0"/>
-              <a:t>08/05/2020</a:t>
+              <a:t>10/05/2020</a:t>
             </a:fld>
             <a:endParaRPr lang="en-GB"/>
           </a:p>
@@ -1901,7 +5202,7 @@
           <a:p>
             <a:fld id="{B4D26D11-37B6-4505-85ED-985B1D1F4AD9}" type="datetimeFigureOut">
               <a:rPr lang="en-GB" smtClean="0"/>
-              <a:t>08/05/2020</a:t>
+              <a:t>10/05/2020</a:t>
             </a:fld>
             <a:endParaRPr lang="en-GB"/>
           </a:p>
@@ -2019,7 +5320,7 @@
           <a:p>
             <a:fld id="{B4D26D11-37B6-4505-85ED-985B1D1F4AD9}" type="datetimeFigureOut">
               <a:rPr lang="en-GB" smtClean="0"/>
-              <a:t>08/05/2020</a:t>
+              <a:t>10/05/2020</a:t>
             </a:fld>
             <a:endParaRPr lang="en-GB"/>
           </a:p>
@@ -2114,7 +5415,7 @@
           <a:p>
             <a:fld id="{B4D26D11-37B6-4505-85ED-985B1D1F4AD9}" type="datetimeFigureOut">
               <a:rPr lang="en-GB" smtClean="0"/>
-              <a:t>08/05/2020</a:t>
+              <a:t>10/05/2020</a:t>
             </a:fld>
             <a:endParaRPr lang="en-GB"/>
           </a:p>
@@ -2387,7 +5688,7 @@
           <a:p>
             <a:fld id="{B4D26D11-37B6-4505-85ED-985B1D1F4AD9}" type="datetimeFigureOut">
               <a:rPr lang="en-GB" smtClean="0"/>
-              <a:t>08/05/2020</a:t>
+              <a:t>10/05/2020</a:t>
             </a:fld>
             <a:endParaRPr lang="en-GB"/>
           </a:p>
@@ -2652,7 +5953,7 @@
           <a:p>
             <a:fld id="{B4D26D11-37B6-4505-85ED-985B1D1F4AD9}" type="datetimeFigureOut">
               <a:rPr lang="en-GB" smtClean="0"/>
-              <a:t>08/05/2020</a:t>
+              <a:t>10/05/2020</a:t>
             </a:fld>
             <a:endParaRPr lang="en-GB"/>
           </a:p>
@@ -2901,7 +6202,7 @@
           <a:p>
             <a:fld id="{B4D26D11-37B6-4505-85ED-985B1D1F4AD9}" type="datetimeFigureOut">
               <a:rPr lang="en-GB" smtClean="0"/>
-              <a:t>08/05/2020</a:t>
+              <a:t>10/05/2020</a:t>
             </a:fld>
             <a:endParaRPr lang="en-GB"/>
           </a:p>
@@ -3342,6 +6643,14 @@
 <file path=ppt/slides/slide1.xml><?xml version="1.0" encoding="utf-8"?>
 <p:sld xmlns:a="http://schemas.openxmlformats.org/drawingml/2006/main" xmlns:r="http://schemas.openxmlformats.org/officeDocument/2006/relationships" xmlns:p="http://schemas.openxmlformats.org/presentationml/2006/main">
   <p:cSld>
+    <p:bg>
+      <p:bgPr>
+        <a:solidFill>
+          <a:schemeClr val="bg1"/>
+        </a:solidFill>
+        <a:effectLst/>
+      </p:bgPr>
+    </p:bg>
     <p:spTree>
       <p:nvGrpSpPr>
         <p:cNvPr id="1" name=""/>
@@ -3358,6 +6667,132 @@
       </p:grpSpPr>
       <p:sp>
         <p:nvSpPr>
+          <p:cNvPr id="10" name="Rectangle 9">
+            <a:extLst>
+              <a:ext uri="{FF2B5EF4-FFF2-40B4-BE49-F238E27FC236}">
+                <a16:creationId xmlns:a16="http://schemas.microsoft.com/office/drawing/2014/main" id="{8B3AE79A-6B95-44C3-B0A5-80E2F3E60606}"/>
+              </a:ext>
+              <a:ext uri="{C183D7F6-B498-43B3-948B-1728B52AA6E4}">
+                <adec:decorative xmlns:adec="http://schemas.microsoft.com/office/drawing/2017/decorative" val="1"/>
+              </a:ext>
+            </a:extLst>
+          </p:cNvPr>
+          <p:cNvSpPr>
+            <a:spLocks noGrp="1" noRot="1" noChangeAspect="1" noMove="1" noResize="1" noEditPoints="1" noAdjustHandles="1" noChangeArrowheads="1" noChangeShapeType="1" noTextEdit="1"/>
+          </p:cNvSpPr>
+          <p:nvPr>
+            <p:extLst>
+              <p:ext uri="{386F3935-93C4-4BCD-93E2-E3B085C9AB24}">
+                <p16:designElem xmlns:p16="http://schemas.microsoft.com/office/powerpoint/2015/main" val="1"/>
+              </p:ext>
+            </p:extLst>
+          </p:nvPr>
+        </p:nvSpPr>
+        <p:spPr>
+          <a:xfrm>
+            <a:off x="7540358" y="0"/>
+            <a:ext cx="4651642" cy="6858000"/>
+          </a:xfrm>
+          <a:prstGeom prst="rect">
+            <a:avLst/>
+          </a:prstGeom>
+          <a:solidFill>
+            <a:schemeClr val="tx2"/>
+          </a:solidFill>
+          <a:ln>
+            <a:noFill/>
+          </a:ln>
+        </p:spPr>
+        <p:style>
+          <a:lnRef idx="2">
+            <a:schemeClr val="accent1">
+              <a:shade val="50000"/>
+            </a:schemeClr>
+          </a:lnRef>
+          <a:fillRef idx="1">
+            <a:schemeClr val="accent1"/>
+          </a:fillRef>
+          <a:effectRef idx="0">
+            <a:schemeClr val="accent1"/>
+          </a:effectRef>
+          <a:fontRef idx="minor">
+            <a:schemeClr val="lt1"/>
+          </a:fontRef>
+        </p:style>
+        <p:txBody>
+          <a:bodyPr rtlCol="0" anchor="ctr"/>
+          <a:lstStyle/>
+          <a:p>
+            <a:pPr algn="ctr"/>
+            <a:endParaRPr lang="en-US"/>
+          </a:p>
+        </p:txBody>
+      </p:sp>
+      <p:sp>
+        <p:nvSpPr>
+          <p:cNvPr id="12" name="Rectangle 11">
+            <a:extLst>
+              <a:ext uri="{FF2B5EF4-FFF2-40B4-BE49-F238E27FC236}">
+                <a16:creationId xmlns:a16="http://schemas.microsoft.com/office/drawing/2014/main" id="{4A49FE10-080D-48D7-80FF-9A64D270AD87}"/>
+              </a:ext>
+              <a:ext uri="{C183D7F6-B498-43B3-948B-1728B52AA6E4}">
+                <adec:decorative xmlns:adec="http://schemas.microsoft.com/office/drawing/2017/decorative" val="1"/>
+              </a:ext>
+            </a:extLst>
+          </p:cNvPr>
+          <p:cNvSpPr>
+            <a:spLocks noGrp="1" noRot="1" noChangeAspect="1" noMove="1" noResize="1" noEditPoints="1" noAdjustHandles="1" noChangeArrowheads="1" noChangeShapeType="1" noTextEdit="1"/>
+          </p:cNvSpPr>
+          <p:nvPr>
+            <p:extLst>
+              <p:ext uri="{386F3935-93C4-4BCD-93E2-E3B085C9AB24}">
+                <p16:designElem xmlns:p16="http://schemas.microsoft.com/office/powerpoint/2015/main" val="1"/>
+              </p:ext>
+            </p:extLst>
+          </p:nvPr>
+        </p:nvSpPr>
+        <p:spPr>
+          <a:xfrm>
+            <a:off x="7534551" y="2054942"/>
+            <a:ext cx="4657449" cy="1828799"/>
+          </a:xfrm>
+          <a:prstGeom prst="rect">
+            <a:avLst/>
+          </a:prstGeom>
+          <a:solidFill>
+            <a:schemeClr val="bg1"/>
+          </a:solidFill>
+          <a:ln>
+            <a:noFill/>
+          </a:ln>
+        </p:spPr>
+        <p:style>
+          <a:lnRef idx="2">
+            <a:schemeClr val="accent1">
+              <a:shade val="50000"/>
+            </a:schemeClr>
+          </a:lnRef>
+          <a:fillRef idx="1">
+            <a:schemeClr val="accent1"/>
+          </a:fillRef>
+          <a:effectRef idx="0">
+            <a:schemeClr val="accent1"/>
+          </a:effectRef>
+          <a:fontRef idx="minor">
+            <a:schemeClr val="lt1"/>
+          </a:fontRef>
+        </p:style>
+        <p:txBody>
+          <a:bodyPr rtlCol="0" anchor="ctr"/>
+          <a:lstStyle/>
+          <a:p>
+            <a:pPr algn="ctr"/>
+            <a:endParaRPr lang="en-US"/>
+          </a:p>
+        </p:txBody>
+      </p:sp>
+      <p:sp>
+        <p:nvSpPr>
           <p:cNvPr id="2" name="Title 1">
             <a:extLst>
               <a:ext uri="{FF2B5EF4-FFF2-40B4-BE49-F238E27FC236}">
@@ -3372,12 +6807,31 @@
             <p:ph type="ctrTitle"/>
           </p:nvPr>
         </p:nvSpPr>
-        <p:spPr/>
-        <p:txBody>
-          <a:bodyPr/>
+        <p:spPr>
+          <a:xfrm>
+            <a:off x="7865806" y="2194560"/>
+            <a:ext cx="4001729" cy="1739347"/>
+          </a:xfrm>
+        </p:spPr>
+        <p:txBody>
+          <a:bodyPr>
+            <a:normAutofit/>
+          </a:bodyPr>
           <a:lstStyle/>
           <a:p>
-            <a:endParaRPr lang="en-GB"/>
+            <a:r>
+              <a:rPr lang="en-US" sz="4100">
+                <a:solidFill>
+                  <a:schemeClr val="tx2"/>
+                </a:solidFill>
+              </a:rPr>
+              <a:t>Supine – team presentation</a:t>
+            </a:r>
+            <a:endParaRPr lang="en-GB" sz="4100">
+              <a:solidFill>
+                <a:schemeClr val="tx2"/>
+              </a:solidFill>
+            </a:endParaRPr>
           </a:p>
         </p:txBody>
       </p:sp>
@@ -3397,15 +6851,163 @@
             <p:ph type="subTitle" idx="1"/>
           </p:nvPr>
         </p:nvSpPr>
-        <p:spPr/>
-        <p:txBody>
-          <a:bodyPr/>
+        <p:spPr>
+          <a:xfrm>
+            <a:off x="7865806" y="3996250"/>
+            <a:ext cx="4003106" cy="1942434"/>
+          </a:xfrm>
+        </p:spPr>
+        <p:txBody>
+          <a:bodyPr>
+            <a:normAutofit/>
+          </a:bodyPr>
           <a:lstStyle/>
           <a:p>
-            <a:endParaRPr lang="en-GB"/>
-          </a:p>
-        </p:txBody>
-      </p:sp>
+            <a:r>
+              <a:rPr lang="en-US" sz="1800">
+                <a:solidFill>
+                  <a:schemeClr val="bg2"/>
+                </a:solidFill>
+              </a:rPr>
+              <a:t>Alexander Pritchard</a:t>
+            </a:r>
+          </a:p>
+          <a:p>
+            <a:r>
+              <a:rPr lang="en-US" sz="1800">
+                <a:solidFill>
+                  <a:schemeClr val="bg2"/>
+                </a:solidFill>
+              </a:rPr>
+              <a:t>Solomon Cammack</a:t>
+            </a:r>
+          </a:p>
+          <a:p>
+            <a:r>
+              <a:rPr lang="en-US" sz="1800">
+                <a:solidFill>
+                  <a:schemeClr val="bg2"/>
+                </a:solidFill>
+              </a:rPr>
+              <a:t>Josie Wood</a:t>
+            </a:r>
+          </a:p>
+          <a:p>
+            <a:r>
+              <a:rPr lang="en-US" sz="1800">
+                <a:solidFill>
+                  <a:schemeClr val="bg2"/>
+                </a:solidFill>
+              </a:rPr>
+              <a:t>Zack Hawkins</a:t>
+            </a:r>
+            <a:endParaRPr lang="en-GB" sz="1800">
+              <a:solidFill>
+                <a:schemeClr val="bg2"/>
+              </a:solidFill>
+            </a:endParaRPr>
+          </a:p>
+        </p:txBody>
+      </p:sp>
+      <p:sp>
+        <p:nvSpPr>
+          <p:cNvPr id="14" name="Rectangle 13">
+            <a:extLst>
+              <a:ext uri="{FF2B5EF4-FFF2-40B4-BE49-F238E27FC236}">
+                <a16:creationId xmlns:a16="http://schemas.microsoft.com/office/drawing/2014/main" id="{60A9E987-6859-4A62-922F-51B47D50D793}"/>
+              </a:ext>
+              <a:ext uri="{C183D7F6-B498-43B3-948B-1728B52AA6E4}">
+                <adec:decorative xmlns:adec="http://schemas.microsoft.com/office/drawing/2017/decorative" val="1"/>
+              </a:ext>
+            </a:extLst>
+          </p:cNvPr>
+          <p:cNvSpPr>
+            <a:spLocks noGrp="1" noRot="1" noChangeAspect="1" noMove="1" noResize="1" noEditPoints="1" noAdjustHandles="1" noChangeArrowheads="1" noChangeShapeType="1" noTextEdit="1"/>
+          </p:cNvSpPr>
+          <p:nvPr>
+            <p:extLst>
+              <p:ext uri="{386F3935-93C4-4BCD-93E2-E3B085C9AB24}">
+                <p16:designElem xmlns:p16="http://schemas.microsoft.com/office/powerpoint/2015/main" val="1"/>
+              </p:ext>
+            </p:extLst>
+          </p:nvPr>
+        </p:nvSpPr>
+        <p:spPr>
+          <a:xfrm>
+            <a:off x="0" y="0"/>
+            <a:ext cx="7540358" cy="6858000"/>
+          </a:xfrm>
+          <a:prstGeom prst="rect">
+            <a:avLst/>
+          </a:prstGeom>
+          <a:solidFill>
+            <a:schemeClr val="bg1"/>
+          </a:solidFill>
+          <a:ln>
+            <a:noFill/>
+          </a:ln>
+        </p:spPr>
+        <p:style>
+          <a:lnRef idx="2">
+            <a:schemeClr val="accent1">
+              <a:shade val="50000"/>
+            </a:schemeClr>
+          </a:lnRef>
+          <a:fillRef idx="1001">
+            <a:schemeClr val="lt1"/>
+          </a:fillRef>
+          <a:effectRef idx="0">
+            <a:schemeClr val="accent1"/>
+          </a:effectRef>
+          <a:fontRef idx="minor">
+            <a:schemeClr val="lt1"/>
+          </a:fontRef>
+        </p:style>
+        <p:txBody>
+          <a:bodyPr rtlCol="0" anchor="ctr"/>
+          <a:lstStyle/>
+          <a:p>
+            <a:pPr algn="ctr"/>
+            <a:endParaRPr lang="en-US" dirty="0"/>
+          </a:p>
+        </p:txBody>
+      </p:sp>
+      <p:pic>
+        <p:nvPicPr>
+          <p:cNvPr id="5" name="Picture 4" descr="A picture containing drawing&#10;&#10;Description automatically generated">
+            <a:extLst>
+              <a:ext uri="{FF2B5EF4-FFF2-40B4-BE49-F238E27FC236}">
+                <a16:creationId xmlns:a16="http://schemas.microsoft.com/office/drawing/2014/main" id="{F050D59D-CFEA-44C0-A050-CBA4C11F3047}"/>
+              </a:ext>
+            </a:extLst>
+          </p:cNvPr>
+          <p:cNvPicPr>
+            <a:picLocks noChangeAspect="1"/>
+          </p:cNvPicPr>
+          <p:nvPr/>
+        </p:nvPicPr>
+        <p:blipFill>
+          <a:blip r:embed="rId2">
+            <a:extLst>
+              <a:ext uri="{28A0092B-C50C-407E-A947-70E740481C1C}">
+                <a14:useLocalDpi xmlns:a14="http://schemas.microsoft.com/office/drawing/2010/main" val="0"/>
+              </a:ext>
+            </a:extLst>
+          </a:blip>
+          <a:stretch>
+            <a:fillRect/>
+          </a:stretch>
+        </p:blipFill>
+        <p:spPr>
+          <a:xfrm>
+            <a:off x="957632" y="598634"/>
+            <a:ext cx="5619286" cy="5619286"/>
+          </a:xfrm>
+          <a:prstGeom prst="rect">
+            <a:avLst/>
+          </a:prstGeom>
+        </p:spPr>
+      </p:pic>
     </p:spTree>
     <p:extLst>
       <p:ext uri="{BB962C8B-B14F-4D97-AF65-F5344CB8AC3E}">
@@ -3414,7 +7016,7 @@
     </p:extLst>
   </p:cSld>
   <p:clrMapOvr>
-    <a:masterClrMapping/>
+    <a:overrideClrMapping bg1="lt1" tx1="dk1" bg2="lt2" tx2="dk2" accent1="accent1" accent2="accent2" accent3="accent3" accent4="accent4" accent5="accent5" accent6="accent6" hlink="hlink" folHlink="folHlink"/>
   </p:clrMapOvr>
 </p:sld>
 </file>
@@ -3441,7 +7043,7 @@
           <p:cNvPr id="2" name="Title 1">
             <a:extLst>
               <a:ext uri="{FF2B5EF4-FFF2-40B4-BE49-F238E27FC236}">
-                <a16:creationId xmlns:a16="http://schemas.microsoft.com/office/drawing/2014/main" id="{6B44341E-E031-4A8D-99BD-9FB408E120E9}"/>
+                <a16:creationId xmlns:a16="http://schemas.microsoft.com/office/drawing/2014/main" id="{347036CF-2EA7-403C-BF79-0263FA2B88D9}"/>
               </a:ext>
             </a:extLst>
           </p:cNvPr>
@@ -3459,7 +7061,7 @@
           <a:p>
             <a:r>
               <a:rPr lang="en-US" dirty="0"/>
-              <a:t>testing</a:t>
+              <a:t>The final product</a:t>
             </a:r>
             <a:endParaRPr lang="en-GB" dirty="0"/>
           </a:p>
@@ -3470,7 +7072,7 @@
           <p:cNvPr id="3" name="Content Placeholder 2">
             <a:extLst>
               <a:ext uri="{FF2B5EF4-FFF2-40B4-BE49-F238E27FC236}">
-                <a16:creationId xmlns:a16="http://schemas.microsoft.com/office/drawing/2014/main" id="{6C734979-286C-4451-9260-52CD0AF4750B}"/>
+                <a16:creationId xmlns:a16="http://schemas.microsoft.com/office/drawing/2014/main" id="{344F2F2B-7FAA-4F5C-A01C-0C2860A19226}"/>
               </a:ext>
             </a:extLst>
           </p:cNvPr>
@@ -3486,14 +7088,50 @@
           <a:bodyPr/>
           <a:lstStyle/>
           <a:p>
-            <a:endParaRPr lang="en-GB"/>
-          </a:p>
-        </p:txBody>
-      </p:sp>
+            <a:endParaRPr lang="en-GB" dirty="0"/>
+          </a:p>
+        </p:txBody>
+      </p:sp>
+      <p:pic>
+        <p:nvPicPr>
+          <p:cNvPr id="4" name="Picture 3" descr="A picture containing drawing&#10;&#10;Description automatically generated">
+            <a:extLst>
+              <a:ext uri="{FF2B5EF4-FFF2-40B4-BE49-F238E27FC236}">
+                <a16:creationId xmlns:a16="http://schemas.microsoft.com/office/drawing/2014/main" id="{F801DA52-5213-4246-815B-4C161A98712C}"/>
+              </a:ext>
+            </a:extLst>
+          </p:cNvPr>
+          <p:cNvPicPr>
+            <a:picLocks noChangeAspect="1"/>
+          </p:cNvPicPr>
+          <p:nvPr/>
+        </p:nvPicPr>
+        <p:blipFill>
+          <a:blip r:embed="rId2">
+            <a:extLst>
+              <a:ext uri="{28A0092B-C50C-407E-A947-70E740481C1C}">
+                <a14:useLocalDpi xmlns:a14="http://schemas.microsoft.com/office/drawing/2010/main" val="0"/>
+              </a:ext>
+            </a:extLst>
+          </a:blip>
+          <a:stretch>
+            <a:fillRect/>
+          </a:stretch>
+        </p:blipFill>
+        <p:spPr>
+          <a:xfrm>
+            <a:off x="10588487" y="284176"/>
+            <a:ext cx="1506507" cy="1506507"/>
+          </a:xfrm>
+          <a:prstGeom prst="rect">
+            <a:avLst/>
+          </a:prstGeom>
+        </p:spPr>
+      </p:pic>
     </p:spTree>
     <p:extLst>
       <p:ext uri="{BB962C8B-B14F-4D97-AF65-F5344CB8AC3E}">
-        <p14:creationId xmlns:p14="http://schemas.microsoft.com/office/powerpoint/2010/main" val="1718819674"/>
+        <p14:creationId xmlns:p14="http://schemas.microsoft.com/office/powerpoint/2010/main" val="2447720909"/>
       </p:ext>
     </p:extLst>
   </p:cSld>
@@ -3545,6 +7183,9 @@
               <a:rPr lang="en-US" dirty="0"/>
               <a:t>implementation</a:t>
             </a:r>
+            <a:br>
+              <a:rPr lang="en-US" dirty="0"/>
+            </a:br>
             <a:endParaRPr lang="en-GB" dirty="0"/>
           </a:p>
         </p:txBody>
@@ -3570,14 +7211,50 @@
           <a:bodyPr/>
           <a:lstStyle/>
           <a:p>
-            <a:endParaRPr lang="en-GB"/>
-          </a:p>
-        </p:txBody>
-      </p:sp>
+            <a:endParaRPr lang="en-GB" dirty="0"/>
+          </a:p>
+        </p:txBody>
+      </p:sp>
+      <p:pic>
+        <p:nvPicPr>
+          <p:cNvPr id="4" name="Picture 3" descr="A picture containing drawing&#10;&#10;Description automatically generated">
+            <a:extLst>
+              <a:ext uri="{FF2B5EF4-FFF2-40B4-BE49-F238E27FC236}">
+                <a16:creationId xmlns:a16="http://schemas.microsoft.com/office/drawing/2014/main" id="{46A69DF9-F9CC-45E4-A833-EF8BA0D9E26D}"/>
+              </a:ext>
+            </a:extLst>
+          </p:cNvPr>
+          <p:cNvPicPr>
+            <a:picLocks noChangeAspect="1"/>
+          </p:cNvPicPr>
+          <p:nvPr/>
+        </p:nvPicPr>
+        <p:blipFill>
+          <a:blip r:embed="rId2">
+            <a:extLst>
+              <a:ext uri="{28A0092B-C50C-407E-A947-70E740481C1C}">
+                <a14:useLocalDpi xmlns:a14="http://schemas.microsoft.com/office/drawing/2010/main" val="0"/>
+              </a:ext>
+            </a:extLst>
+          </a:blip>
+          <a:stretch>
+            <a:fillRect/>
+          </a:stretch>
+        </p:blipFill>
+        <p:spPr>
+          <a:xfrm>
+            <a:off x="10588487" y="284176"/>
+            <a:ext cx="1506507" cy="1506507"/>
+          </a:xfrm>
+          <a:prstGeom prst="rect">
+            <a:avLst/>
+          </a:prstGeom>
+        </p:spPr>
+      </p:pic>
     </p:spTree>
     <p:extLst>
       <p:ext uri="{BB962C8B-B14F-4D97-AF65-F5344CB8AC3E}">
-        <p14:creationId xmlns:p14="http://schemas.microsoft.com/office/powerpoint/2010/main" val="2061204374"/>
+        <p14:creationId xmlns:p14="http://schemas.microsoft.com/office/powerpoint/2010/main" val="2838390230"/>
       </p:ext>
     </p:extLst>
   </p:cSld>
@@ -3609,7 +7286,7 @@
           <p:cNvPr id="2" name="Title 1">
             <a:extLst>
               <a:ext uri="{FF2B5EF4-FFF2-40B4-BE49-F238E27FC236}">
-                <a16:creationId xmlns:a16="http://schemas.microsoft.com/office/drawing/2014/main" id="{0EB377F7-ABCB-4D40-8A6B-639AFE1354B0}"/>
+                <a16:creationId xmlns:a16="http://schemas.microsoft.com/office/drawing/2014/main" id="{4823A2CD-4651-4296-A5A4-57F0809F31F5}"/>
               </a:ext>
             </a:extLst>
           </p:cNvPr>
@@ -3627,8 +7304,11 @@
           <a:p>
             <a:r>
               <a:rPr lang="en-US" dirty="0"/>
-              <a:t>Code standards and version control</a:t>
+              <a:t>implementation [ALEX AND SOLOMON]</a:t>
             </a:r>
+            <a:br>
+              <a:rPr lang="en-US" dirty="0"/>
+            </a:br>
             <a:endParaRPr lang="en-GB" dirty="0"/>
           </a:p>
         </p:txBody>
@@ -3638,7 +7318,7 @@
           <p:cNvPr id="3" name="Content Placeholder 2">
             <a:extLst>
               <a:ext uri="{FF2B5EF4-FFF2-40B4-BE49-F238E27FC236}">
-                <a16:creationId xmlns:a16="http://schemas.microsoft.com/office/drawing/2014/main" id="{15BCF725-4CC5-4CFF-BD19-C7BEEBD96D1D}"/>
+                <a16:creationId xmlns:a16="http://schemas.microsoft.com/office/drawing/2014/main" id="{567A108B-73D6-441A-ADF6-5FE86480F32B}"/>
               </a:ext>
             </a:extLst>
           </p:cNvPr>
@@ -3654,14 +7334,50 @@
           <a:bodyPr/>
           <a:lstStyle/>
           <a:p>
-            <a:endParaRPr lang="en-GB"/>
-          </a:p>
-        </p:txBody>
-      </p:sp>
+            <a:endParaRPr lang="en-GB" dirty="0"/>
+          </a:p>
+        </p:txBody>
+      </p:sp>
+      <p:pic>
+        <p:nvPicPr>
+          <p:cNvPr id="11" name="Picture 10" descr="A picture containing drawing&#10;&#10;Description automatically generated">
+            <a:extLst>
+              <a:ext uri="{FF2B5EF4-FFF2-40B4-BE49-F238E27FC236}">
+                <a16:creationId xmlns:a16="http://schemas.microsoft.com/office/drawing/2014/main" id="{BAA6A4FF-7FC3-4360-9007-94EF1D7425D8}"/>
+              </a:ext>
+            </a:extLst>
+          </p:cNvPr>
+          <p:cNvPicPr>
+            <a:picLocks noChangeAspect="1"/>
+          </p:cNvPicPr>
+          <p:nvPr/>
+        </p:nvPicPr>
+        <p:blipFill>
+          <a:blip r:embed="rId2">
+            <a:extLst>
+              <a:ext uri="{28A0092B-C50C-407E-A947-70E740481C1C}">
+                <a14:useLocalDpi xmlns:a14="http://schemas.microsoft.com/office/drawing/2010/main" val="0"/>
+              </a:ext>
+            </a:extLst>
+          </a:blip>
+          <a:stretch>
+            <a:fillRect/>
+          </a:stretch>
+        </p:blipFill>
+        <p:spPr>
+          <a:xfrm>
+            <a:off x="10588487" y="284176"/>
+            <a:ext cx="1506507" cy="1506507"/>
+          </a:xfrm>
+          <a:prstGeom prst="rect">
+            <a:avLst/>
+          </a:prstGeom>
+        </p:spPr>
+      </p:pic>
     </p:spTree>
     <p:extLst>
       <p:ext uri="{BB962C8B-B14F-4D97-AF65-F5344CB8AC3E}">
-        <p14:creationId xmlns:p14="http://schemas.microsoft.com/office/powerpoint/2010/main" val="1750595534"/>
+        <p14:creationId xmlns:p14="http://schemas.microsoft.com/office/powerpoint/2010/main" val="2061204374"/>
       </p:ext>
     </p:extLst>
   </p:cSld>
@@ -3693,7 +7409,7 @@
           <p:cNvPr id="2" name="Title 1">
             <a:extLst>
               <a:ext uri="{FF2B5EF4-FFF2-40B4-BE49-F238E27FC236}">
-                <a16:creationId xmlns:a16="http://schemas.microsoft.com/office/drawing/2014/main" id="{6919854E-0C5D-4C19-93D6-47F2105787CB}"/>
+                <a16:creationId xmlns:a16="http://schemas.microsoft.com/office/drawing/2014/main" id="{6B44341E-E031-4A8D-99BD-9FB408E120E9}"/>
               </a:ext>
             </a:extLst>
           </p:cNvPr>
@@ -3711,7 +7427,7 @@
           <a:p>
             <a:r>
               <a:rPr lang="en-US" dirty="0"/>
-              <a:t>Communication – with the client</a:t>
+              <a:t>testing</a:t>
             </a:r>
             <a:endParaRPr lang="en-GB" dirty="0"/>
           </a:p>
@@ -3722,7 +7438,7 @@
           <p:cNvPr id="3" name="Content Placeholder 2">
             <a:extLst>
               <a:ext uri="{FF2B5EF4-FFF2-40B4-BE49-F238E27FC236}">
-                <a16:creationId xmlns:a16="http://schemas.microsoft.com/office/drawing/2014/main" id="{3675BAFC-68F7-4D2D-8CE5-8551AD2A5BFC}"/>
+                <a16:creationId xmlns:a16="http://schemas.microsoft.com/office/drawing/2014/main" id="{6C734979-286C-4451-9260-52CD0AF4750B}"/>
               </a:ext>
             </a:extLst>
           </p:cNvPr>
@@ -3738,14 +7454,50 @@
           <a:bodyPr/>
           <a:lstStyle/>
           <a:p>
-            <a:endParaRPr lang="en-GB"/>
-          </a:p>
-        </p:txBody>
-      </p:sp>
+            <a:endParaRPr lang="en-GB" dirty="0"/>
+          </a:p>
+        </p:txBody>
+      </p:sp>
+      <p:pic>
+        <p:nvPicPr>
+          <p:cNvPr id="4" name="Picture 3" descr="A picture containing drawing&#10;&#10;Description automatically generated">
+            <a:extLst>
+              <a:ext uri="{FF2B5EF4-FFF2-40B4-BE49-F238E27FC236}">
+                <a16:creationId xmlns:a16="http://schemas.microsoft.com/office/drawing/2014/main" id="{183863FB-AD96-46BB-AF09-E0D2C8E387FC}"/>
+              </a:ext>
+            </a:extLst>
+          </p:cNvPr>
+          <p:cNvPicPr>
+            <a:picLocks noChangeAspect="1"/>
+          </p:cNvPicPr>
+          <p:nvPr/>
+        </p:nvPicPr>
+        <p:blipFill>
+          <a:blip r:embed="rId2">
+            <a:extLst>
+              <a:ext uri="{28A0092B-C50C-407E-A947-70E740481C1C}">
+                <a14:useLocalDpi xmlns:a14="http://schemas.microsoft.com/office/drawing/2010/main" val="0"/>
+              </a:ext>
+            </a:extLst>
+          </a:blip>
+          <a:stretch>
+            <a:fillRect/>
+          </a:stretch>
+        </p:blipFill>
+        <p:spPr>
+          <a:xfrm>
+            <a:off x="10588487" y="284176"/>
+            <a:ext cx="1506507" cy="1506507"/>
+          </a:xfrm>
+          <a:prstGeom prst="rect">
+            <a:avLst/>
+          </a:prstGeom>
+        </p:spPr>
+      </p:pic>
     </p:spTree>
     <p:extLst>
       <p:ext uri="{BB962C8B-B14F-4D97-AF65-F5344CB8AC3E}">
-        <p14:creationId xmlns:p14="http://schemas.microsoft.com/office/powerpoint/2010/main" val="3516837171"/>
+        <p14:creationId xmlns:p14="http://schemas.microsoft.com/office/powerpoint/2010/main" val="1718819674"/>
       </p:ext>
     </p:extLst>
   </p:cSld>
@@ -3777,6 +7529,249 @@
           <p:cNvPr id="2" name="Title 1">
             <a:extLst>
               <a:ext uri="{FF2B5EF4-FFF2-40B4-BE49-F238E27FC236}">
+                <a16:creationId xmlns:a16="http://schemas.microsoft.com/office/drawing/2014/main" id="{0EB377F7-ABCB-4D40-8A6B-639AFE1354B0}"/>
+              </a:ext>
+            </a:extLst>
+          </p:cNvPr>
+          <p:cNvSpPr>
+            <a:spLocks noGrp="1"/>
+          </p:cNvSpPr>
+          <p:nvPr>
+            <p:ph type="title"/>
+          </p:nvPr>
+        </p:nvSpPr>
+        <p:spPr/>
+        <p:txBody>
+          <a:bodyPr/>
+          <a:lstStyle/>
+          <a:p>
+            <a:r>
+              <a:rPr lang="en-US" dirty="0"/>
+              <a:t>Code standards</a:t>
+            </a:r>
+            <a:endParaRPr lang="en-GB" dirty="0"/>
+          </a:p>
+        </p:txBody>
+      </p:sp>
+      <p:sp>
+        <p:nvSpPr>
+          <p:cNvPr id="3" name="Content Placeholder 2">
+            <a:extLst>
+              <a:ext uri="{FF2B5EF4-FFF2-40B4-BE49-F238E27FC236}">
+                <a16:creationId xmlns:a16="http://schemas.microsoft.com/office/drawing/2014/main" id="{15BCF725-4CC5-4CFF-BD19-C7BEEBD96D1D}"/>
+              </a:ext>
+            </a:extLst>
+          </p:cNvPr>
+          <p:cNvSpPr>
+            <a:spLocks noGrp="1"/>
+          </p:cNvSpPr>
+          <p:nvPr>
+            <p:ph idx="1"/>
+          </p:nvPr>
+        </p:nvSpPr>
+        <p:spPr/>
+        <p:txBody>
+          <a:bodyPr/>
+          <a:lstStyle/>
+          <a:p>
+            <a:endParaRPr lang="en-US" dirty="0"/>
+          </a:p>
+        </p:txBody>
+      </p:sp>
+      <p:pic>
+        <p:nvPicPr>
+          <p:cNvPr id="4" name="Picture 3" descr="A picture containing drawing&#10;&#10;Description automatically generated">
+            <a:extLst>
+              <a:ext uri="{FF2B5EF4-FFF2-40B4-BE49-F238E27FC236}">
+                <a16:creationId xmlns:a16="http://schemas.microsoft.com/office/drawing/2014/main" id="{03CEB154-1E7F-4EC5-9E65-82E3BC3F39C7}"/>
+              </a:ext>
+            </a:extLst>
+          </p:cNvPr>
+          <p:cNvPicPr>
+            <a:picLocks noChangeAspect="1"/>
+          </p:cNvPicPr>
+          <p:nvPr/>
+        </p:nvPicPr>
+        <p:blipFill>
+          <a:blip r:embed="rId2">
+            <a:extLst>
+              <a:ext uri="{28A0092B-C50C-407E-A947-70E740481C1C}">
+                <a14:useLocalDpi xmlns:a14="http://schemas.microsoft.com/office/drawing/2010/main" val="0"/>
+              </a:ext>
+            </a:extLst>
+          </a:blip>
+          <a:stretch>
+            <a:fillRect/>
+          </a:stretch>
+        </p:blipFill>
+        <p:spPr>
+          <a:xfrm>
+            <a:off x="10588487" y="284176"/>
+            <a:ext cx="1506507" cy="1506507"/>
+          </a:xfrm>
+          <a:prstGeom prst="rect">
+            <a:avLst/>
+          </a:prstGeom>
+        </p:spPr>
+      </p:pic>
+    </p:spTree>
+    <p:extLst>
+      <p:ext uri="{BB962C8B-B14F-4D97-AF65-F5344CB8AC3E}">
+        <p14:creationId xmlns:p14="http://schemas.microsoft.com/office/powerpoint/2010/main" val="1750595534"/>
+      </p:ext>
+    </p:extLst>
+  </p:cSld>
+  <p:clrMapOvr>
+    <a:masterClrMapping/>
+  </p:clrMapOvr>
+</p:sld>
+</file>
+
+<file path=ppt/slides/slide15.xml><?xml version="1.0" encoding="utf-8"?>
+<p:sld xmlns:a="http://schemas.openxmlformats.org/drawingml/2006/main" xmlns:r="http://schemas.openxmlformats.org/officeDocument/2006/relationships" xmlns:p="http://schemas.openxmlformats.org/presentationml/2006/main">
+  <p:cSld>
+    <p:spTree>
+      <p:nvGrpSpPr>
+        <p:cNvPr id="1" name=""/>
+        <p:cNvGrpSpPr/>
+        <p:nvPr/>
+      </p:nvGrpSpPr>
+      <p:grpSpPr>
+        <a:xfrm>
+          <a:off x="0" y="0"/>
+          <a:ext cx="0" cy="0"/>
+          <a:chOff x="0" y="0"/>
+          <a:chExt cx="0" cy="0"/>
+        </a:xfrm>
+      </p:grpSpPr>
+      <p:sp>
+        <p:nvSpPr>
+          <p:cNvPr id="2" name="Title 1">
+            <a:extLst>
+              <a:ext uri="{FF2B5EF4-FFF2-40B4-BE49-F238E27FC236}">
+                <a16:creationId xmlns:a16="http://schemas.microsoft.com/office/drawing/2014/main" id="{0EB377F7-ABCB-4D40-8A6B-639AFE1354B0}"/>
+              </a:ext>
+            </a:extLst>
+          </p:cNvPr>
+          <p:cNvSpPr>
+            <a:spLocks noGrp="1"/>
+          </p:cNvSpPr>
+          <p:nvPr>
+            <p:ph type="title"/>
+          </p:nvPr>
+        </p:nvSpPr>
+        <p:spPr/>
+        <p:txBody>
+          <a:bodyPr/>
+          <a:lstStyle/>
+          <a:p>
+            <a:r>
+              <a:rPr lang="en-US" dirty="0"/>
+              <a:t>version control</a:t>
+            </a:r>
+            <a:endParaRPr lang="en-GB" dirty="0"/>
+          </a:p>
+        </p:txBody>
+      </p:sp>
+      <p:sp>
+        <p:nvSpPr>
+          <p:cNvPr id="3" name="Content Placeholder 2">
+            <a:extLst>
+              <a:ext uri="{FF2B5EF4-FFF2-40B4-BE49-F238E27FC236}">
+                <a16:creationId xmlns:a16="http://schemas.microsoft.com/office/drawing/2014/main" id="{15BCF725-4CC5-4CFF-BD19-C7BEEBD96D1D}"/>
+              </a:ext>
+            </a:extLst>
+          </p:cNvPr>
+          <p:cNvSpPr>
+            <a:spLocks noGrp="1"/>
+          </p:cNvSpPr>
+          <p:nvPr>
+            <p:ph idx="1"/>
+          </p:nvPr>
+        </p:nvSpPr>
+        <p:spPr/>
+        <p:txBody>
+          <a:bodyPr/>
+          <a:lstStyle/>
+          <a:p>
+            <a:endParaRPr lang="en-US" dirty="0"/>
+          </a:p>
+          <a:p>
+            <a:endParaRPr lang="en-GB" dirty="0"/>
+          </a:p>
+        </p:txBody>
+      </p:sp>
+      <p:pic>
+        <p:nvPicPr>
+          <p:cNvPr id="4" name="Picture 3" descr="A picture containing drawing&#10;&#10;Description automatically generated">
+            <a:extLst>
+              <a:ext uri="{FF2B5EF4-FFF2-40B4-BE49-F238E27FC236}">
+                <a16:creationId xmlns:a16="http://schemas.microsoft.com/office/drawing/2014/main" id="{C7954B39-8189-4B79-85A9-9BB370C25C87}"/>
+              </a:ext>
+            </a:extLst>
+          </p:cNvPr>
+          <p:cNvPicPr>
+            <a:picLocks noChangeAspect="1"/>
+          </p:cNvPicPr>
+          <p:nvPr/>
+        </p:nvPicPr>
+        <p:blipFill>
+          <a:blip r:embed="rId2">
+            <a:extLst>
+              <a:ext uri="{28A0092B-C50C-407E-A947-70E740481C1C}">
+                <a14:useLocalDpi xmlns:a14="http://schemas.microsoft.com/office/drawing/2010/main" val="0"/>
+              </a:ext>
+            </a:extLst>
+          </a:blip>
+          <a:stretch>
+            <a:fillRect/>
+          </a:stretch>
+        </p:blipFill>
+        <p:spPr>
+          <a:xfrm>
+            <a:off x="10588487" y="284176"/>
+            <a:ext cx="1506507" cy="1506507"/>
+          </a:xfrm>
+          <a:prstGeom prst="rect">
+            <a:avLst/>
+          </a:prstGeom>
+        </p:spPr>
+      </p:pic>
+    </p:spTree>
+    <p:extLst>
+      <p:ext uri="{BB962C8B-B14F-4D97-AF65-F5344CB8AC3E}">
+        <p14:creationId xmlns:p14="http://schemas.microsoft.com/office/powerpoint/2010/main" val="1346526105"/>
+      </p:ext>
+    </p:extLst>
+  </p:cSld>
+  <p:clrMapOvr>
+    <a:masterClrMapping/>
+  </p:clrMapOvr>
+</p:sld>
+</file>
+
+<file path=ppt/slides/slide16.xml><?xml version="1.0" encoding="utf-8"?>
+<p:sld xmlns:a="http://schemas.openxmlformats.org/drawingml/2006/main" xmlns:r="http://schemas.openxmlformats.org/officeDocument/2006/relationships" xmlns:p="http://schemas.openxmlformats.org/presentationml/2006/main">
+  <p:cSld>
+    <p:spTree>
+      <p:nvGrpSpPr>
+        <p:cNvPr id="1" name=""/>
+        <p:cNvGrpSpPr/>
+        <p:nvPr/>
+      </p:nvGrpSpPr>
+      <p:grpSpPr>
+        <a:xfrm>
+          <a:off x="0" y="0"/>
+          <a:ext cx="0" cy="0"/>
+          <a:chOff x="0" y="0"/>
+          <a:chExt cx="0" cy="0"/>
+        </a:xfrm>
+      </p:grpSpPr>
+      <p:sp>
+        <p:nvSpPr>
+          <p:cNvPr id="2" name="Title 1">
+            <a:extLst>
+              <a:ext uri="{FF2B5EF4-FFF2-40B4-BE49-F238E27FC236}">
                 <a16:creationId xmlns:a16="http://schemas.microsoft.com/office/drawing/2014/main" id="{1984DAF6-107C-44A2-804D-A973EA6E37CE}"/>
               </a:ext>
             </a:extLst>
@@ -3822,14 +7817,134 @@
           <a:bodyPr/>
           <a:lstStyle/>
           <a:p>
-            <a:endParaRPr lang="en-GB"/>
-          </a:p>
-        </p:txBody>
-      </p:sp>
+            <a:endParaRPr lang="en-GB" dirty="0"/>
+          </a:p>
+        </p:txBody>
+      </p:sp>
+      <p:pic>
+        <p:nvPicPr>
+          <p:cNvPr id="4" name="Picture 3" descr="A picture containing drawing&#10;&#10;Description automatically generated">
+            <a:extLst>
+              <a:ext uri="{FF2B5EF4-FFF2-40B4-BE49-F238E27FC236}">
+                <a16:creationId xmlns:a16="http://schemas.microsoft.com/office/drawing/2014/main" id="{4F9F1A79-4A39-4366-8692-B38CE637E331}"/>
+              </a:ext>
+            </a:extLst>
+          </p:cNvPr>
+          <p:cNvPicPr>
+            <a:picLocks noChangeAspect="1"/>
+          </p:cNvPicPr>
+          <p:nvPr/>
+        </p:nvPicPr>
+        <p:blipFill>
+          <a:blip r:embed="rId2">
+            <a:extLst>
+              <a:ext uri="{28A0092B-C50C-407E-A947-70E740481C1C}">
+                <a14:useLocalDpi xmlns:a14="http://schemas.microsoft.com/office/drawing/2010/main" val="0"/>
+              </a:ext>
+            </a:extLst>
+          </a:blip>
+          <a:stretch>
+            <a:fillRect/>
+          </a:stretch>
+        </p:blipFill>
+        <p:spPr>
+          <a:xfrm>
+            <a:off x="10588487" y="284176"/>
+            <a:ext cx="1506507" cy="1506507"/>
+          </a:xfrm>
+          <a:prstGeom prst="rect">
+            <a:avLst/>
+          </a:prstGeom>
+        </p:spPr>
+      </p:pic>
     </p:spTree>
     <p:extLst>
       <p:ext uri="{BB962C8B-B14F-4D97-AF65-F5344CB8AC3E}">
         <p14:creationId xmlns:p14="http://schemas.microsoft.com/office/powerpoint/2010/main" val="3127695747"/>
+      </p:ext>
+    </p:extLst>
+  </p:cSld>
+  <p:clrMapOvr>
+    <a:masterClrMapping/>
+  </p:clrMapOvr>
+</p:sld>
+</file>
+
+<file path=ppt/slides/slide17.xml><?xml version="1.0" encoding="utf-8"?>
+<p:sld xmlns:a="http://schemas.openxmlformats.org/drawingml/2006/main" xmlns:r="http://schemas.openxmlformats.org/officeDocument/2006/relationships" xmlns:p="http://schemas.openxmlformats.org/presentationml/2006/main">
+  <p:cSld>
+    <p:spTree>
+      <p:nvGrpSpPr>
+        <p:cNvPr id="1" name=""/>
+        <p:cNvGrpSpPr/>
+        <p:nvPr/>
+      </p:nvGrpSpPr>
+      <p:grpSpPr>
+        <a:xfrm>
+          <a:off x="0" y="0"/>
+          <a:ext cx="0" cy="0"/>
+          <a:chOff x="0" y="0"/>
+          <a:chExt cx="0" cy="0"/>
+        </a:xfrm>
+      </p:grpSpPr>
+      <p:sp>
+        <p:nvSpPr>
+          <p:cNvPr id="2" name="Title 1">
+            <a:extLst>
+              <a:ext uri="{FF2B5EF4-FFF2-40B4-BE49-F238E27FC236}">
+                <a16:creationId xmlns:a16="http://schemas.microsoft.com/office/drawing/2014/main" id="{541D783D-CEE7-407E-8981-C3546C0DD887}"/>
+              </a:ext>
+            </a:extLst>
+          </p:cNvPr>
+          <p:cNvSpPr>
+            <a:spLocks noGrp="1"/>
+          </p:cNvSpPr>
+          <p:nvPr>
+            <p:ph type="title"/>
+          </p:nvPr>
+        </p:nvSpPr>
+        <p:spPr/>
+        <p:txBody>
+          <a:bodyPr/>
+          <a:lstStyle/>
+          <a:p>
+            <a:r>
+              <a:rPr lang="en-US" dirty="0"/>
+              <a:t>links</a:t>
+            </a:r>
+            <a:endParaRPr lang="en-GB" dirty="0"/>
+          </a:p>
+        </p:txBody>
+      </p:sp>
+      <p:sp>
+        <p:nvSpPr>
+          <p:cNvPr id="3" name="Content Placeholder 2">
+            <a:extLst>
+              <a:ext uri="{FF2B5EF4-FFF2-40B4-BE49-F238E27FC236}">
+                <a16:creationId xmlns:a16="http://schemas.microsoft.com/office/drawing/2014/main" id="{39C55B69-8D54-4019-9159-694BB7489D72}"/>
+              </a:ext>
+            </a:extLst>
+          </p:cNvPr>
+          <p:cNvSpPr>
+            <a:spLocks noGrp="1"/>
+          </p:cNvSpPr>
+          <p:nvPr>
+            <p:ph idx="1"/>
+          </p:nvPr>
+        </p:nvSpPr>
+        <p:spPr/>
+        <p:txBody>
+          <a:bodyPr/>
+          <a:lstStyle/>
+          <a:p>
+            <a:endParaRPr lang="en-GB"/>
+          </a:p>
+        </p:txBody>
+      </p:sp>
+    </p:spTree>
+    <p:extLst>
+      <p:ext uri="{BB962C8B-B14F-4D97-AF65-F5344CB8AC3E}">
+        <p14:creationId xmlns:p14="http://schemas.microsoft.com/office/powerpoint/2010/main" val="724613322"/>
       </p:ext>
     </p:extLst>
   </p:cSld>
@@ -4051,7 +8166,30 @@
           </a:bodyPr>
           <a:lstStyle/>
           <a:p>
-            <a:endParaRPr lang="en-GB" sz="2000">
+            <a:r>
+              <a:rPr lang="en-US" sz="2000" dirty="0">
+                <a:solidFill>
+                  <a:schemeClr val="tx2"/>
+                </a:solidFill>
+              </a:rPr>
+              <a:t>-Mug shot</a:t>
+            </a:r>
+          </a:p>
+          <a:p>
+            <a:r>
+              <a:rPr lang="en-US" sz="2000" dirty="0">
+                <a:solidFill>
+                  <a:schemeClr val="tx2"/>
+                </a:solidFill>
+              </a:rPr>
+              <a:t>Primary and secondary roles</a:t>
+            </a:r>
+          </a:p>
+          <a:p>
+            <a:pPr marL="0" indent="0">
+              <a:buNone/>
+            </a:pPr>
+            <a:endParaRPr lang="en-GB" sz="2000" dirty="0">
               <a:solidFill>
                 <a:schemeClr val="tx2"/>
               </a:solidFill>
@@ -4059,6 +8197,42 @@
           </a:p>
         </p:txBody>
       </p:sp>
+      <p:pic>
+        <p:nvPicPr>
+          <p:cNvPr id="6" name="Picture 5" descr="A picture containing drawing&#10;&#10;Description automatically generated">
+            <a:extLst>
+              <a:ext uri="{FF2B5EF4-FFF2-40B4-BE49-F238E27FC236}">
+                <a16:creationId xmlns:a16="http://schemas.microsoft.com/office/drawing/2014/main" id="{B0E9BDB5-DE26-407A-AE6C-E41B6BC86758}"/>
+              </a:ext>
+            </a:extLst>
+          </p:cNvPr>
+          <p:cNvPicPr>
+            <a:picLocks noChangeAspect="1"/>
+          </p:cNvPicPr>
+          <p:nvPr/>
+        </p:nvPicPr>
+        <p:blipFill>
+          <a:blip r:embed="rId2">
+            <a:extLst>
+              <a:ext uri="{28A0092B-C50C-407E-A947-70E740481C1C}">
+                <a14:useLocalDpi xmlns:a14="http://schemas.microsoft.com/office/drawing/2010/main" val="0"/>
+              </a:ext>
+            </a:extLst>
+          </a:blip>
+          <a:stretch>
+            <a:fillRect/>
+          </a:stretch>
+        </p:blipFill>
+        <p:spPr>
+          <a:xfrm>
+            <a:off x="0" y="-23639"/>
+            <a:ext cx="1506507" cy="1506507"/>
+          </a:xfrm>
+          <a:prstGeom prst="rect">
+            <a:avLst/>
+          </a:prstGeom>
+        </p:spPr>
+      </p:pic>
     </p:spTree>
     <p:extLst>
       <p:ext uri="{BB962C8B-B14F-4D97-AF65-F5344CB8AC3E}">
@@ -4284,7 +8458,27 @@
           </a:bodyPr>
           <a:lstStyle/>
           <a:p>
-            <a:endParaRPr lang="en-GB" sz="2000">
+            <a:r>
+              <a:rPr lang="en-US" sz="2000" dirty="0">
+                <a:solidFill>
+                  <a:schemeClr val="tx2"/>
+                </a:solidFill>
+              </a:rPr>
+              <a:t>-Mug shot</a:t>
+            </a:r>
+          </a:p>
+          <a:p>
+            <a:r>
+              <a:rPr lang="en-US" sz="2000" dirty="0">
+                <a:solidFill>
+                  <a:schemeClr val="tx2"/>
+                </a:solidFill>
+              </a:rPr>
+              <a:t>Primary and secondary roles</a:t>
+            </a:r>
+          </a:p>
+          <a:p>
+            <a:endParaRPr lang="en-GB" sz="2000" dirty="0">
               <a:solidFill>
                 <a:schemeClr val="tx2"/>
               </a:solidFill>
@@ -4292,6 +8486,42 @@
           </a:p>
         </p:txBody>
       </p:sp>
+      <p:pic>
+        <p:nvPicPr>
+          <p:cNvPr id="6" name="Picture 5" descr="A picture containing drawing&#10;&#10;Description automatically generated">
+            <a:extLst>
+              <a:ext uri="{FF2B5EF4-FFF2-40B4-BE49-F238E27FC236}">
+                <a16:creationId xmlns:a16="http://schemas.microsoft.com/office/drawing/2014/main" id="{3F35C615-30F3-43F1-888E-75D9E2438A69}"/>
+              </a:ext>
+            </a:extLst>
+          </p:cNvPr>
+          <p:cNvPicPr>
+            <a:picLocks noChangeAspect="1"/>
+          </p:cNvPicPr>
+          <p:nvPr/>
+        </p:nvPicPr>
+        <p:blipFill>
+          <a:blip r:embed="rId2">
+            <a:extLst>
+              <a:ext uri="{28A0092B-C50C-407E-A947-70E740481C1C}">
+                <a14:useLocalDpi xmlns:a14="http://schemas.microsoft.com/office/drawing/2010/main" val="0"/>
+              </a:ext>
+            </a:extLst>
+          </a:blip>
+          <a:stretch>
+            <a:fillRect/>
+          </a:stretch>
+        </p:blipFill>
+        <p:spPr>
+          <a:xfrm>
+            <a:off x="0" y="-23639"/>
+            <a:ext cx="1506507" cy="1506507"/>
+          </a:xfrm>
+          <a:prstGeom prst="rect">
+            <a:avLst/>
+          </a:prstGeom>
+        </p:spPr>
+      </p:pic>
     </p:spTree>
     <p:extLst>
       <p:ext uri="{BB962C8B-B14F-4D97-AF65-F5344CB8AC3E}">
@@ -4521,7 +8751,27 @@
           </a:bodyPr>
           <a:lstStyle/>
           <a:p>
-            <a:endParaRPr lang="en-GB" sz="2000">
+            <a:r>
+              <a:rPr lang="en-US" sz="2000" dirty="0">
+                <a:solidFill>
+                  <a:schemeClr val="tx2"/>
+                </a:solidFill>
+              </a:rPr>
+              <a:t>-Mug shot</a:t>
+            </a:r>
+          </a:p>
+          <a:p>
+            <a:r>
+              <a:rPr lang="en-US" sz="2000" dirty="0">
+                <a:solidFill>
+                  <a:schemeClr val="tx2"/>
+                </a:solidFill>
+              </a:rPr>
+              <a:t>Primary and secondary roles</a:t>
+            </a:r>
+          </a:p>
+          <a:p>
+            <a:endParaRPr lang="en-GB" sz="2000" dirty="0">
               <a:solidFill>
                 <a:schemeClr val="tx2"/>
               </a:solidFill>
@@ -4529,6 +8779,42 @@
           </a:p>
         </p:txBody>
       </p:sp>
+      <p:pic>
+        <p:nvPicPr>
+          <p:cNvPr id="6" name="Picture 5" descr="A picture containing drawing&#10;&#10;Description automatically generated">
+            <a:extLst>
+              <a:ext uri="{FF2B5EF4-FFF2-40B4-BE49-F238E27FC236}">
+                <a16:creationId xmlns:a16="http://schemas.microsoft.com/office/drawing/2014/main" id="{430991FC-D000-4AA6-A9C3-0875854E3B4A}"/>
+              </a:ext>
+            </a:extLst>
+          </p:cNvPr>
+          <p:cNvPicPr>
+            <a:picLocks noChangeAspect="1"/>
+          </p:cNvPicPr>
+          <p:nvPr/>
+        </p:nvPicPr>
+        <p:blipFill>
+          <a:blip r:embed="rId2">
+            <a:extLst>
+              <a:ext uri="{28A0092B-C50C-407E-A947-70E740481C1C}">
+                <a14:useLocalDpi xmlns:a14="http://schemas.microsoft.com/office/drawing/2010/main" val="0"/>
+              </a:ext>
+            </a:extLst>
+          </a:blip>
+          <a:stretch>
+            <a:fillRect/>
+          </a:stretch>
+        </p:blipFill>
+        <p:spPr>
+          <a:xfrm>
+            <a:off x="0" y="-23639"/>
+            <a:ext cx="1506507" cy="1506507"/>
+          </a:xfrm>
+          <a:prstGeom prst="rect">
+            <a:avLst/>
+          </a:prstGeom>
+        </p:spPr>
+      </p:pic>
     </p:spTree>
     <p:extLst>
       <p:ext uri="{BB962C8B-B14F-4D97-AF65-F5344CB8AC3E}">
@@ -4660,7 +8946,7 @@
           <a:p>
             <a:r>
               <a:rPr lang="en-US" sz="3600" dirty="0"/>
-              <a:t>Team intros</a:t>
+              <a:t>Team role introductions</a:t>
             </a:r>
             <a:br>
               <a:rPr lang="en-US" sz="3600" dirty="0"/>
@@ -4765,7 +9051,27 @@
           </a:bodyPr>
           <a:lstStyle/>
           <a:p>
-            <a:endParaRPr lang="en-GB" sz="2000">
+            <a:r>
+              <a:rPr lang="en-US" sz="2000" dirty="0">
+                <a:solidFill>
+                  <a:schemeClr val="tx2"/>
+                </a:solidFill>
+              </a:rPr>
+              <a:t>-Mug shot</a:t>
+            </a:r>
+          </a:p>
+          <a:p>
+            <a:r>
+              <a:rPr lang="en-US" sz="2000" dirty="0">
+                <a:solidFill>
+                  <a:schemeClr val="tx2"/>
+                </a:solidFill>
+              </a:rPr>
+              <a:t>Primary and secondary roles</a:t>
+            </a:r>
+          </a:p>
+          <a:p>
+            <a:endParaRPr lang="en-GB" sz="2000" dirty="0">
               <a:solidFill>
                 <a:schemeClr val="tx2"/>
               </a:solidFill>
@@ -4773,6 +9079,42 @@
           </a:p>
         </p:txBody>
       </p:sp>
+      <p:pic>
+        <p:nvPicPr>
+          <p:cNvPr id="6" name="Picture 5" descr="A picture containing drawing&#10;&#10;Description automatically generated">
+            <a:extLst>
+              <a:ext uri="{FF2B5EF4-FFF2-40B4-BE49-F238E27FC236}">
+                <a16:creationId xmlns:a16="http://schemas.microsoft.com/office/drawing/2014/main" id="{5A70A6DB-3878-413C-A361-C13FEEEB03C5}"/>
+              </a:ext>
+            </a:extLst>
+          </p:cNvPr>
+          <p:cNvPicPr>
+            <a:picLocks noChangeAspect="1"/>
+          </p:cNvPicPr>
+          <p:nvPr/>
+        </p:nvPicPr>
+        <p:blipFill>
+          <a:blip r:embed="rId2">
+            <a:extLst>
+              <a:ext uri="{28A0092B-C50C-407E-A947-70E740481C1C}">
+                <a14:useLocalDpi xmlns:a14="http://schemas.microsoft.com/office/drawing/2010/main" val="0"/>
+              </a:ext>
+            </a:extLst>
+          </a:blip>
+          <a:stretch>
+            <a:fillRect/>
+          </a:stretch>
+        </p:blipFill>
+        <p:spPr>
+          <a:xfrm>
+            <a:off x="0" y="-23639"/>
+            <a:ext cx="1506507" cy="1506507"/>
+          </a:xfrm>
+          <a:prstGeom prst="rect">
+            <a:avLst/>
+          </a:prstGeom>
+        </p:spPr>
+      </p:pic>
     </p:spTree>
     <p:extLst>
       <p:ext uri="{BB962C8B-B14F-4D97-AF65-F5344CB8AC3E}">
@@ -4850,13 +9192,51 @@
         </p:nvSpPr>
         <p:spPr/>
         <p:txBody>
-          <a:bodyPr/>
+          <a:bodyPr>
+            <a:normAutofit/>
+          </a:bodyPr>
           <a:lstStyle/>
           <a:p>
-            <a:endParaRPr lang="en-GB"/>
-          </a:p>
-        </p:txBody>
-      </p:sp>
+            <a:endParaRPr lang="en-GB" dirty="0"/>
+          </a:p>
+        </p:txBody>
+      </p:sp>
+      <p:pic>
+        <p:nvPicPr>
+          <p:cNvPr id="4" name="Picture 3" descr="A picture containing drawing&#10;&#10;Description automatically generated">
+            <a:extLst>
+              <a:ext uri="{FF2B5EF4-FFF2-40B4-BE49-F238E27FC236}">
+                <a16:creationId xmlns:a16="http://schemas.microsoft.com/office/drawing/2014/main" id="{969BF33B-B39F-4E76-9FA2-F9EB37602720}"/>
+              </a:ext>
+            </a:extLst>
+          </p:cNvPr>
+          <p:cNvPicPr>
+            <a:picLocks noChangeAspect="1"/>
+          </p:cNvPicPr>
+          <p:nvPr/>
+        </p:nvPicPr>
+        <p:blipFill>
+          <a:blip r:embed="rId2">
+            <a:extLst>
+              <a:ext uri="{28A0092B-C50C-407E-A947-70E740481C1C}">
+                <a14:useLocalDpi xmlns:a14="http://schemas.microsoft.com/office/drawing/2010/main" val="0"/>
+              </a:ext>
+            </a:extLst>
+          </a:blip>
+          <a:stretch>
+            <a:fillRect/>
+          </a:stretch>
+        </p:blipFill>
+        <p:spPr>
+          <a:xfrm>
+            <a:off x="10429461" y="284176"/>
+            <a:ext cx="1506507" cy="1506507"/>
+          </a:xfrm>
+          <a:prstGeom prst="rect">
+            <a:avLst/>
+          </a:prstGeom>
+        </p:spPr>
+      </p:pic>
     </p:spTree>
     <p:extLst>
       <p:ext uri="{BB962C8B-B14F-4D97-AF65-F5344CB8AC3E}">
@@ -4892,7 +9272,7 @@
           <p:cNvPr id="2" name="Title 1">
             <a:extLst>
               <a:ext uri="{FF2B5EF4-FFF2-40B4-BE49-F238E27FC236}">
-                <a16:creationId xmlns:a16="http://schemas.microsoft.com/office/drawing/2014/main" id="{85F7960B-B6B4-40B7-BEF3-2A6474D5C216}"/>
+                <a16:creationId xmlns:a16="http://schemas.microsoft.com/office/drawing/2014/main" id="{6919854E-0C5D-4C19-93D6-47F2105787CB}"/>
               </a:ext>
             </a:extLst>
           </p:cNvPr>
@@ -4910,11 +9290,8 @@
           <a:p>
             <a:r>
               <a:rPr lang="en-US" dirty="0"/>
-              <a:t>Agreed objectives</a:t>
+              <a:t>Communication – with the client</a:t>
             </a:r>
-            <a:br>
-              <a:rPr lang="en-US" dirty="0"/>
-            </a:br>
             <a:endParaRPr lang="en-GB" dirty="0"/>
           </a:p>
         </p:txBody>
@@ -4924,7 +9301,7 @@
           <p:cNvPr id="3" name="Content Placeholder 2">
             <a:extLst>
               <a:ext uri="{FF2B5EF4-FFF2-40B4-BE49-F238E27FC236}">
-                <a16:creationId xmlns:a16="http://schemas.microsoft.com/office/drawing/2014/main" id="{9613A0D9-C39B-4D02-AB38-EC1BF46DD1CD}"/>
+                <a16:creationId xmlns:a16="http://schemas.microsoft.com/office/drawing/2014/main" id="{3675BAFC-68F7-4D2D-8CE5-8551AD2A5BFC}"/>
               </a:ext>
             </a:extLst>
           </p:cNvPr>
@@ -4940,14 +9317,50 @@
           <a:bodyPr/>
           <a:lstStyle/>
           <a:p>
-            <a:endParaRPr lang="en-GB"/>
-          </a:p>
-        </p:txBody>
-      </p:sp>
+            <a:endParaRPr lang="en-GB" dirty="0"/>
+          </a:p>
+        </p:txBody>
+      </p:sp>
+      <p:pic>
+        <p:nvPicPr>
+          <p:cNvPr id="4" name="Picture 3" descr="A picture containing drawing&#10;&#10;Description automatically generated">
+            <a:extLst>
+              <a:ext uri="{FF2B5EF4-FFF2-40B4-BE49-F238E27FC236}">
+                <a16:creationId xmlns:a16="http://schemas.microsoft.com/office/drawing/2014/main" id="{6E218451-CBF0-4016-ABA1-C8202DFB1AEF}"/>
+              </a:ext>
+            </a:extLst>
+          </p:cNvPr>
+          <p:cNvPicPr>
+            <a:picLocks noChangeAspect="1"/>
+          </p:cNvPicPr>
+          <p:nvPr/>
+        </p:nvPicPr>
+        <p:blipFill>
+          <a:blip r:embed="rId2">
+            <a:extLst>
+              <a:ext uri="{28A0092B-C50C-407E-A947-70E740481C1C}">
+                <a14:useLocalDpi xmlns:a14="http://schemas.microsoft.com/office/drawing/2010/main" val="0"/>
+              </a:ext>
+            </a:extLst>
+          </a:blip>
+          <a:stretch>
+            <a:fillRect/>
+          </a:stretch>
+        </p:blipFill>
+        <p:spPr>
+          <a:xfrm>
+            <a:off x="10588487" y="284176"/>
+            <a:ext cx="1506507" cy="1506507"/>
+          </a:xfrm>
+          <a:prstGeom prst="rect">
+            <a:avLst/>
+          </a:prstGeom>
+        </p:spPr>
+      </p:pic>
     </p:spTree>
     <p:extLst>
       <p:ext uri="{BB962C8B-B14F-4D97-AF65-F5344CB8AC3E}">
-        <p14:creationId xmlns:p14="http://schemas.microsoft.com/office/powerpoint/2010/main" val="1897321623"/>
+        <p14:creationId xmlns:p14="http://schemas.microsoft.com/office/powerpoint/2010/main" val="3516837171"/>
       </p:ext>
     </p:extLst>
   </p:cSld>
@@ -4960,6 +9373,14 @@
 <file path=ppt/slides/slide8.xml><?xml version="1.0" encoding="utf-8"?>
 <p:sld xmlns:a="http://schemas.openxmlformats.org/drawingml/2006/main" xmlns:r="http://schemas.openxmlformats.org/officeDocument/2006/relationships" xmlns:p="http://schemas.openxmlformats.org/presentationml/2006/main">
   <p:cSld>
+    <p:bg>
+      <p:bgPr>
+        <a:solidFill>
+          <a:schemeClr val="bg1"/>
+        </a:solidFill>
+        <a:effectLst/>
+      </p:bgPr>
+    </p:bg>
     <p:spTree>
       <p:nvGrpSpPr>
         <p:cNvPr id="1" name=""/>
@@ -4974,12 +9395,195 @@
           <a:chExt cx="0" cy="0"/>
         </a:xfrm>
       </p:grpSpPr>
+      <p:sp useBgFill="1">
+        <p:nvSpPr>
+          <p:cNvPr id="10" name="Rectangle 9">
+            <a:extLst>
+              <a:ext uri="{FF2B5EF4-FFF2-40B4-BE49-F238E27FC236}">
+                <a16:creationId xmlns:a16="http://schemas.microsoft.com/office/drawing/2014/main" id="{903EC245-C9B2-41DB-AC99-41DB7FC148D7}"/>
+              </a:ext>
+              <a:ext uri="{C183D7F6-B498-43B3-948B-1728B52AA6E4}">
+                <adec:decorative xmlns:adec="http://schemas.microsoft.com/office/drawing/2017/decorative" val="1"/>
+              </a:ext>
+            </a:extLst>
+          </p:cNvPr>
+          <p:cNvSpPr>
+            <a:spLocks noGrp="1" noRot="1" noChangeAspect="1" noMove="1" noResize="1" noEditPoints="1" noAdjustHandles="1" noChangeArrowheads="1" noChangeShapeType="1" noTextEdit="1"/>
+          </p:cNvSpPr>
+          <p:nvPr>
+            <p:extLst>
+              <p:ext uri="{386F3935-93C4-4BCD-93E2-E3B085C9AB24}">
+                <p16:designElem xmlns:p16="http://schemas.microsoft.com/office/powerpoint/2015/main" val="1"/>
+              </p:ext>
+            </p:extLst>
+          </p:nvPr>
+        </p:nvSpPr>
+        <p:spPr>
+          <a:xfrm>
+            <a:off x="0" y="0"/>
+            <a:ext cx="12192000" cy="6858000"/>
+          </a:xfrm>
+          <a:prstGeom prst="rect">
+            <a:avLst/>
+          </a:prstGeom>
+          <a:ln>
+            <a:noFill/>
+          </a:ln>
+        </p:spPr>
+        <p:style>
+          <a:lnRef idx="2">
+            <a:schemeClr val="accent1">
+              <a:shade val="50000"/>
+            </a:schemeClr>
+          </a:lnRef>
+          <a:fillRef idx="1001">
+            <a:schemeClr val="lt1"/>
+          </a:fillRef>
+          <a:effectRef idx="0">
+            <a:schemeClr val="accent1"/>
+          </a:effectRef>
+          <a:fontRef idx="minor">
+            <a:schemeClr val="lt1"/>
+          </a:fontRef>
+        </p:style>
+        <p:txBody>
+          <a:bodyPr rtlCol="0" anchor="ctr"/>
+          <a:lstStyle/>
+          <a:p>
+            <a:pPr algn="ctr"/>
+            <a:endParaRPr lang="en-US" dirty="0"/>
+          </a:p>
+        </p:txBody>
+      </p:sp>
+      <p:sp>
+        <p:nvSpPr>
+          <p:cNvPr id="12" name="Rectangle 11">
+            <a:extLst>
+              <a:ext uri="{FF2B5EF4-FFF2-40B4-BE49-F238E27FC236}">
+                <a16:creationId xmlns:a16="http://schemas.microsoft.com/office/drawing/2014/main" id="{DD006CB6-41D0-433B-A9A4-C3C0695FD141}"/>
+              </a:ext>
+              <a:ext uri="{C183D7F6-B498-43B3-948B-1728B52AA6E4}">
+                <adec:decorative xmlns:adec="http://schemas.microsoft.com/office/drawing/2017/decorative" val="1"/>
+              </a:ext>
+            </a:extLst>
+          </p:cNvPr>
+          <p:cNvSpPr>
+            <a:spLocks noGrp="1" noRot="1" noChangeAspect="1" noMove="1" noResize="1" noEditPoints="1" noAdjustHandles="1" noChangeArrowheads="1" noChangeShapeType="1" noTextEdit="1"/>
+          </p:cNvSpPr>
+          <p:nvPr>
+            <p:extLst>
+              <p:ext uri="{386F3935-93C4-4BCD-93E2-E3B085C9AB24}">
+                <p16:designElem xmlns:p16="http://schemas.microsoft.com/office/powerpoint/2015/main" val="1"/>
+              </p:ext>
+            </p:extLst>
+          </p:nvPr>
+        </p:nvSpPr>
+        <p:spPr>
+          <a:xfrm>
+            <a:off x="7540358" y="0"/>
+            <a:ext cx="4651642" cy="6858000"/>
+          </a:xfrm>
+          <a:prstGeom prst="rect">
+            <a:avLst/>
+          </a:prstGeom>
+          <a:solidFill>
+            <a:schemeClr val="tx2"/>
+          </a:solidFill>
+          <a:ln>
+            <a:noFill/>
+          </a:ln>
+        </p:spPr>
+        <p:style>
+          <a:lnRef idx="2">
+            <a:schemeClr val="accent1">
+              <a:shade val="50000"/>
+            </a:schemeClr>
+          </a:lnRef>
+          <a:fillRef idx="1">
+            <a:schemeClr val="accent1"/>
+          </a:fillRef>
+          <a:effectRef idx="0">
+            <a:schemeClr val="accent1"/>
+          </a:effectRef>
+          <a:fontRef idx="minor">
+            <a:schemeClr val="lt1"/>
+          </a:fontRef>
+        </p:style>
+        <p:txBody>
+          <a:bodyPr rtlCol="0" anchor="ctr"/>
+          <a:lstStyle/>
+          <a:p>
+            <a:pPr algn="ctr"/>
+            <a:endParaRPr lang="en-US"/>
+          </a:p>
+        </p:txBody>
+      </p:sp>
+      <p:sp useBgFill="1">
+        <p:nvSpPr>
+          <p:cNvPr id="14" name="Rectangle 13">
+            <a:extLst>
+              <a:ext uri="{FF2B5EF4-FFF2-40B4-BE49-F238E27FC236}">
+                <a16:creationId xmlns:a16="http://schemas.microsoft.com/office/drawing/2014/main" id="{6B085380-27CE-4E71-AA77-81E6A0399166}"/>
+              </a:ext>
+              <a:ext uri="{C183D7F6-B498-43B3-948B-1728B52AA6E4}">
+                <adec:decorative xmlns:adec="http://schemas.microsoft.com/office/drawing/2017/decorative" val="1"/>
+              </a:ext>
+            </a:extLst>
+          </p:cNvPr>
+          <p:cNvSpPr>
+            <a:spLocks noGrp="1" noRot="1" noChangeAspect="1" noMove="1" noResize="1" noEditPoints="1" noAdjustHandles="1" noChangeArrowheads="1" noChangeShapeType="1" noTextEdit="1"/>
+          </p:cNvSpPr>
+          <p:nvPr>
+            <p:extLst>
+              <p:ext uri="{386F3935-93C4-4BCD-93E2-E3B085C9AB24}">
+                <p16:designElem xmlns:p16="http://schemas.microsoft.com/office/powerpoint/2015/main" val="1"/>
+              </p:ext>
+            </p:extLst>
+          </p:nvPr>
+        </p:nvSpPr>
+        <p:spPr>
+          <a:xfrm>
+            <a:off x="7540358" y="2224216"/>
+            <a:ext cx="4651642" cy="1738184"/>
+          </a:xfrm>
+          <a:prstGeom prst="rect">
+            <a:avLst/>
+          </a:prstGeom>
+          <a:ln>
+            <a:noFill/>
+          </a:ln>
+        </p:spPr>
+        <p:style>
+          <a:lnRef idx="2">
+            <a:schemeClr val="accent1">
+              <a:shade val="50000"/>
+            </a:schemeClr>
+          </a:lnRef>
+          <a:fillRef idx="1">
+            <a:schemeClr val="accent1"/>
+          </a:fillRef>
+          <a:effectRef idx="0">
+            <a:schemeClr val="accent1"/>
+          </a:effectRef>
+          <a:fontRef idx="minor">
+            <a:schemeClr val="lt1"/>
+          </a:fontRef>
+        </p:style>
+        <p:txBody>
+          <a:bodyPr rtlCol="0" anchor="ctr"/>
+          <a:lstStyle/>
+          <a:p>
+            <a:pPr algn="ctr"/>
+            <a:endParaRPr lang="en-US"/>
+          </a:p>
+        </p:txBody>
+      </p:sp>
       <p:sp>
         <p:nvSpPr>
           <p:cNvPr id="2" name="Title 1">
             <a:extLst>
               <a:ext uri="{FF2B5EF4-FFF2-40B4-BE49-F238E27FC236}">
-                <a16:creationId xmlns:a16="http://schemas.microsoft.com/office/drawing/2014/main" id="{347036CF-2EA7-403C-BF79-0263FA2B88D9}"/>
+                <a16:creationId xmlns:a16="http://schemas.microsoft.com/office/drawing/2014/main" id="{85F7960B-B6B4-40B7-BEF3-2A6474D5C216}"/>
               </a:ext>
             </a:extLst>
           </p:cNvPr>
@@ -4990,53 +9594,117 @@
             <p:ph type="title"/>
           </p:nvPr>
         </p:nvSpPr>
-        <p:spPr/>
-        <p:txBody>
-          <a:bodyPr/>
+        <p:spPr>
+          <a:xfrm>
+            <a:off x="7663070" y="2338928"/>
+            <a:ext cx="4134677" cy="1508760"/>
+          </a:xfrm>
+        </p:spPr>
+        <p:txBody>
+          <a:bodyPr>
+            <a:normAutofit/>
+          </a:bodyPr>
           <a:lstStyle/>
           <a:p>
             <a:r>
-              <a:rPr lang="en-US" dirty="0"/>
-              <a:t>Our plan</a:t>
+              <a:rPr lang="en-US" sz="3400">
+                <a:solidFill>
+                  <a:schemeClr val="tx2"/>
+                </a:solidFill>
+              </a:rPr>
+              <a:t>Agreed objectives</a:t>
             </a:r>
-            <a:endParaRPr lang="en-GB" dirty="0"/>
-          </a:p>
-        </p:txBody>
-      </p:sp>
-      <p:sp>
-        <p:nvSpPr>
-          <p:cNvPr id="3" name="Content Placeholder 2">
+            <a:br>
+              <a:rPr lang="en-US" sz="3400">
+                <a:solidFill>
+                  <a:schemeClr val="tx2"/>
+                </a:solidFill>
+              </a:rPr>
+            </a:br>
+            <a:endParaRPr lang="en-GB" sz="3400">
+              <a:solidFill>
+                <a:schemeClr val="tx2"/>
+              </a:solidFill>
+            </a:endParaRPr>
+          </a:p>
+        </p:txBody>
+      </p:sp>
+      <p:graphicFrame>
+        <p:nvGraphicFramePr>
+          <p:cNvPr id="7" name="Content Placeholder 2">
             <a:extLst>
               <a:ext uri="{FF2B5EF4-FFF2-40B4-BE49-F238E27FC236}">
-                <a16:creationId xmlns:a16="http://schemas.microsoft.com/office/drawing/2014/main" id="{344F2F2B-7FAA-4F5C-A01C-0C2860A19226}"/>
+                <a16:creationId xmlns:a16="http://schemas.microsoft.com/office/drawing/2014/main" id="{9A52BCAD-BA26-45B2-AB95-487D53C32A00}"/>
               </a:ext>
             </a:extLst>
           </p:cNvPr>
-          <p:cNvSpPr>
-            <a:spLocks noGrp="1"/>
-          </p:cNvSpPr>
+          <p:cNvGraphicFramePr>
+            <a:graphicFrameLocks noGrp="1"/>
+          </p:cNvGraphicFramePr>
           <p:nvPr>
             <p:ph idx="1"/>
-          </p:nvPr>
-        </p:nvSpPr>
-        <p:spPr/>
-        <p:txBody>
-          <a:bodyPr/>
-          <a:lstStyle/>
-          <a:p>
-            <a:endParaRPr lang="en-GB"/>
-          </a:p>
-        </p:txBody>
-      </p:sp>
+            <p:extLst>
+              <p:ext uri="{D42A27DB-BD31-4B8C-83A1-F6EECF244321}">
+                <p14:modId xmlns:p14="http://schemas.microsoft.com/office/powerpoint/2010/main" val="4155591021"/>
+              </p:ext>
+            </p:extLst>
+          </p:nvPr>
+        </p:nvGraphicFramePr>
+        <p:xfrm>
+          <a:off x="685800" y="266700"/>
+          <a:ext cx="6261099" cy="6159499"/>
+        </p:xfrm>
+        <a:graphic>
+          <a:graphicData uri="http://schemas.openxmlformats.org/drawingml/2006/diagram">
+            <dgm:relIds xmlns:dgm="http://schemas.openxmlformats.org/drawingml/2006/diagram" xmlns:r="http://schemas.openxmlformats.org/officeDocument/2006/relationships" r:dm="rId2" r:lo="rId3" r:qs="rId4" r:cs="rId5"/>
+          </a:graphicData>
+        </a:graphic>
+      </p:graphicFrame>
+      <p:pic>
+        <p:nvPicPr>
+          <p:cNvPr id="9" name="Picture 8" descr="A picture containing drawing&#10;&#10;Description automatically generated">
+            <a:extLst>
+              <a:ext uri="{FF2B5EF4-FFF2-40B4-BE49-F238E27FC236}">
+                <a16:creationId xmlns:a16="http://schemas.microsoft.com/office/drawing/2014/main" id="{54CC03B9-B552-4BD2-A761-FE99832F3683}"/>
+              </a:ext>
+            </a:extLst>
+          </p:cNvPr>
+          <p:cNvPicPr>
+            <a:picLocks noChangeAspect="1"/>
+          </p:cNvPicPr>
+          <p:nvPr/>
+        </p:nvPicPr>
+        <p:blipFill>
+          <a:blip r:embed="rId7">
+            <a:extLst>
+              <a:ext uri="{28A0092B-C50C-407E-A947-70E740481C1C}">
+                <a14:useLocalDpi xmlns:a14="http://schemas.microsoft.com/office/drawing/2010/main" val="0"/>
+              </a:ext>
+            </a:extLst>
+          </a:blip>
+          <a:stretch>
+            <a:fillRect/>
+          </a:stretch>
+        </p:blipFill>
+        <p:spPr>
+          <a:xfrm>
+            <a:off x="10639045" y="0"/>
+            <a:ext cx="1506507" cy="1506507"/>
+          </a:xfrm>
+          <a:prstGeom prst="rect">
+            <a:avLst/>
+          </a:prstGeom>
+        </p:spPr>
+      </p:pic>
     </p:spTree>
     <p:extLst>
       <p:ext uri="{BB962C8B-B14F-4D97-AF65-F5344CB8AC3E}">
-        <p14:creationId xmlns:p14="http://schemas.microsoft.com/office/powerpoint/2010/main" val="2447720909"/>
+        <p14:creationId xmlns:p14="http://schemas.microsoft.com/office/powerpoint/2010/main" val="1897321623"/>
       </p:ext>
     </p:extLst>
   </p:cSld>
   <p:clrMapOvr>
-    <a:masterClrMapping/>
+    <a:overrideClrMapping bg1="lt1" tx1="dk1" bg2="lt2" tx2="dk2" accent1="accent1" accent2="accent2" accent3="accent3" accent4="accent4" accent5="accent5" accent6="accent6" hlink="hlink" folHlink="folHlink"/>
   </p:clrMapOvr>
 </p:sld>
 </file>
@@ -5108,10 +9776,46 @@
           <a:bodyPr/>
           <a:lstStyle/>
           <a:p>
-            <a:endParaRPr lang="en-GB"/>
-          </a:p>
-        </p:txBody>
-      </p:sp>
+            <a:endParaRPr lang="en-GB" dirty="0"/>
+          </a:p>
+        </p:txBody>
+      </p:sp>
+      <p:pic>
+        <p:nvPicPr>
+          <p:cNvPr id="4" name="Picture 3" descr="A picture containing drawing&#10;&#10;Description automatically generated">
+            <a:extLst>
+              <a:ext uri="{FF2B5EF4-FFF2-40B4-BE49-F238E27FC236}">
+                <a16:creationId xmlns:a16="http://schemas.microsoft.com/office/drawing/2014/main" id="{0C72EFB7-E9E3-4B9A-B96F-4F33E41B3944}"/>
+              </a:ext>
+            </a:extLst>
+          </p:cNvPr>
+          <p:cNvPicPr>
+            <a:picLocks noChangeAspect="1"/>
+          </p:cNvPicPr>
+          <p:nvPr/>
+        </p:nvPicPr>
+        <p:blipFill>
+          <a:blip r:embed="rId2">
+            <a:extLst>
+              <a:ext uri="{28A0092B-C50C-407E-A947-70E740481C1C}">
+                <a14:useLocalDpi xmlns:a14="http://schemas.microsoft.com/office/drawing/2010/main" val="0"/>
+              </a:ext>
+            </a:extLst>
+          </a:blip>
+          <a:stretch>
+            <a:fillRect/>
+          </a:stretch>
+        </p:blipFill>
+        <p:spPr>
+          <a:xfrm>
+            <a:off x="10588487" y="284176"/>
+            <a:ext cx="1506507" cy="1506507"/>
+          </a:xfrm>
+          <a:prstGeom prst="rect">
+            <a:avLst/>
+          </a:prstGeom>
+        </p:spPr>
+      </p:pic>
     </p:spTree>
     <p:extLst>
       <p:ext uri="{BB962C8B-B14F-4D97-AF65-F5344CB8AC3E}">

--- a/Documentation/Team Presentation.pptx
+++ b/Documentation/Team Presentation.pptx
@@ -6,22 +6,23 @@
   </p:sldMasterIdLst>
   <p:sldIdLst>
     <p:sldId id="256" r:id="rId2"/>
-    <p:sldId id="259" r:id="rId3"/>
-    <p:sldId id="261" r:id="rId4"/>
-    <p:sldId id="260" r:id="rId5"/>
-    <p:sldId id="258" r:id="rId6"/>
-    <p:sldId id="262" r:id="rId7"/>
-    <p:sldId id="271" r:id="rId8"/>
-    <p:sldId id="263" r:id="rId9"/>
-    <p:sldId id="265" r:id="rId10"/>
-    <p:sldId id="264" r:id="rId11"/>
-    <p:sldId id="273" r:id="rId12"/>
-    <p:sldId id="267" r:id="rId13"/>
-    <p:sldId id="266" r:id="rId14"/>
-    <p:sldId id="268" r:id="rId15"/>
-    <p:sldId id="272" r:id="rId16"/>
-    <p:sldId id="270" r:id="rId17"/>
-    <p:sldId id="274" r:id="rId18"/>
+    <p:sldId id="275" r:id="rId3"/>
+    <p:sldId id="260" r:id="rId4"/>
+    <p:sldId id="276" r:id="rId5"/>
+    <p:sldId id="277" r:id="rId6"/>
+    <p:sldId id="258" r:id="rId7"/>
+    <p:sldId id="262" r:id="rId8"/>
+    <p:sldId id="271" r:id="rId9"/>
+    <p:sldId id="263" r:id="rId10"/>
+    <p:sldId id="265" r:id="rId11"/>
+    <p:sldId id="264" r:id="rId12"/>
+    <p:sldId id="273" r:id="rId13"/>
+    <p:sldId id="267" r:id="rId14"/>
+    <p:sldId id="266" r:id="rId15"/>
+    <p:sldId id="268" r:id="rId16"/>
+    <p:sldId id="272" r:id="rId17"/>
+    <p:sldId id="270" r:id="rId18"/>
+    <p:sldId id="274" r:id="rId19"/>
   </p:sldIdLst>
   <p:sldSz cx="12192000" cy="6858000"/>
   <p:notesSz cx="6858000" cy="9144000"/>
@@ -1618,11 +1619,11 @@
   <dgm:cxnLst>
     <dgm:cxn modelId="{A73E1E02-A971-4CE6-88B8-0C3CDDA11D02}" type="presOf" srcId="{AAA63983-D68E-4A8B-B03B-3C1FFF76F581}" destId="{C8DAC8D9-9149-4362-BF7E-15A36EC0D026}" srcOrd="0" destOrd="0" presId="urn:microsoft.com/office/officeart/2005/8/layout/vList2"/>
     <dgm:cxn modelId="{76B2151B-AFE0-4C96-8D4C-C1C93E24AD52}" type="presOf" srcId="{D35016B1-1E58-49A6-A90F-AE164845F484}" destId="{E9D7CDE4-31A3-4EA3-9AA5-9F1E46B4D453}" srcOrd="0" destOrd="0" presId="urn:microsoft.com/office/officeart/2005/8/layout/vList2"/>
+    <dgm:cxn modelId="{7AB02045-C918-48AF-84E8-540E49876297}" type="presOf" srcId="{1399077D-786A-4A8B-96FF-069E374D53A4}" destId="{12C1BE6B-9C21-4880-AEEB-69E89095A044}" srcOrd="0" destOrd="0" presId="urn:microsoft.com/office/officeart/2005/8/layout/vList2"/>
+    <dgm:cxn modelId="{618CBC57-B66C-4BCA-9B9F-8C70431F07BD}" srcId="{1399077D-786A-4A8B-96FF-069E374D53A4}" destId="{DA7A2490-46D7-4DF8-ABD8-87418D4B2495}" srcOrd="4" destOrd="0" parTransId="{A0088338-F937-4DFD-BD92-056BC1050153}" sibTransId="{49CF1918-330B-42E1-B11D-DD018F493333}"/>
     <dgm:cxn modelId="{514F6B5E-7D1E-42B4-BFB5-47566781C3FE}" srcId="{1399077D-786A-4A8B-96FF-069E374D53A4}" destId="{D35016B1-1E58-49A6-A90F-AE164845F484}" srcOrd="5" destOrd="0" parTransId="{F5BCEC52-3827-497E-9913-5B11897E8705}" sibTransId="{4D21F759-526B-4D9C-A30C-8F75A23453D6}"/>
     <dgm:cxn modelId="{B4C5CA5E-67C0-4FF0-8E4C-8988B9A6A6FF}" type="presOf" srcId="{A97F382E-B46E-4B12-AFF9-C171B34D570D}" destId="{B2C7831D-91AA-4608-A9F2-D7744E57A1E0}" srcOrd="0" destOrd="0" presId="urn:microsoft.com/office/officeart/2005/8/layout/vList2"/>
     <dgm:cxn modelId="{7B62C962-134D-43F1-8959-05C07C26F7CE}" type="presOf" srcId="{5584A5D7-B605-44C9-955D-3F896FD47551}" destId="{ACC9DE83-3321-4C36-A664-56ED41D8F075}" srcOrd="0" destOrd="0" presId="urn:microsoft.com/office/officeart/2005/8/layout/vList2"/>
-    <dgm:cxn modelId="{7AB02045-C918-48AF-84E8-540E49876297}" type="presOf" srcId="{1399077D-786A-4A8B-96FF-069E374D53A4}" destId="{12C1BE6B-9C21-4880-AEEB-69E89095A044}" srcOrd="0" destOrd="0" presId="urn:microsoft.com/office/officeart/2005/8/layout/vList2"/>
-    <dgm:cxn modelId="{618CBC57-B66C-4BCA-9B9F-8C70431F07BD}" srcId="{1399077D-786A-4A8B-96FF-069E374D53A4}" destId="{DA7A2490-46D7-4DF8-ABD8-87418D4B2495}" srcOrd="4" destOrd="0" parTransId="{A0088338-F937-4DFD-BD92-056BC1050153}" sibTransId="{49CF1918-330B-42E1-B11D-DD018F493333}"/>
     <dgm:cxn modelId="{D7359991-6172-4228-A54B-423423ABA43E}" srcId="{1399077D-786A-4A8B-96FF-069E374D53A4}" destId="{AAA63983-D68E-4A8B-B03B-3C1FFF76F581}" srcOrd="2" destOrd="0" parTransId="{5E7AE698-1A13-4559-A5B2-496E37CA8EB5}" sibTransId="{E208EA3F-3668-403E-BDC2-EEADFB43121B}"/>
     <dgm:cxn modelId="{31DA9B9A-5B3B-42CD-96BA-E4464C03DCBC}" type="presOf" srcId="{1464B62F-AD34-4446-A166-B5AC6A86121F}" destId="{13C36F74-2D6C-45C2-A57B-6728B59BBE28}" srcOrd="0" destOrd="0" presId="urn:microsoft.com/office/officeart/2005/8/layout/vList2"/>
     <dgm:cxn modelId="{36918A9E-33FE-4F4B-8072-D75DA79E183F}" srcId="{1399077D-786A-4A8B-96FF-069E374D53A4}" destId="{A97F382E-B46E-4B12-AFF9-C171B34D570D}" srcOrd="1" destOrd="0" parTransId="{E1B6F5AA-8ECB-453A-8AB2-F8EEC09303E7}" sibTransId="{0E4ADDD4-ACA6-4BC5-8841-A56C2BC59A57}"/>
@@ -3597,7 +3598,7 @@
           <a:p>
             <a:fld id="{B4D26D11-37B6-4505-85ED-985B1D1F4AD9}" type="datetimeFigureOut">
               <a:rPr lang="en-GB" smtClean="0"/>
-              <a:t>10/05/2020</a:t>
+              <a:t>11/05/2020</a:t>
             </a:fld>
             <a:endParaRPr lang="en-GB"/>
           </a:p>
@@ -3767,7 +3768,7 @@
           <a:p>
             <a:fld id="{B4D26D11-37B6-4505-85ED-985B1D1F4AD9}" type="datetimeFigureOut">
               <a:rPr lang="en-GB" smtClean="0"/>
-              <a:t>10/05/2020</a:t>
+              <a:t>11/05/2020</a:t>
             </a:fld>
             <a:endParaRPr lang="en-GB"/>
           </a:p>
@@ -3990,7 +3991,7 @@
           <a:p>
             <a:fld id="{B4D26D11-37B6-4505-85ED-985B1D1F4AD9}" type="datetimeFigureOut">
               <a:rPr lang="en-GB" smtClean="0"/>
-              <a:t>10/05/2020</a:t>
+              <a:t>11/05/2020</a:t>
             </a:fld>
             <a:endParaRPr lang="en-GB"/>
           </a:p>
@@ -4170,7 +4171,7 @@
           <a:p>
             <a:fld id="{B4D26D11-37B6-4505-85ED-985B1D1F4AD9}" type="datetimeFigureOut">
               <a:rPr lang="en-GB" smtClean="0"/>
-              <a:t>10/05/2020</a:t>
+              <a:t>11/05/2020</a:t>
             </a:fld>
             <a:endParaRPr lang="en-GB"/>
           </a:p>
@@ -4476,7 +4477,7 @@
           <a:p>
             <a:fld id="{B4D26D11-37B6-4505-85ED-985B1D1F4AD9}" type="datetimeFigureOut">
               <a:rPr lang="en-GB" smtClean="0"/>
-              <a:t>10/05/2020</a:t>
+              <a:t>11/05/2020</a:t>
             </a:fld>
             <a:endParaRPr lang="en-GB"/>
           </a:p>
@@ -4780,7 +4781,7 @@
           <a:p>
             <a:fld id="{B4D26D11-37B6-4505-85ED-985B1D1F4AD9}" type="datetimeFigureOut">
               <a:rPr lang="en-GB" smtClean="0"/>
-              <a:t>10/05/2020</a:t>
+              <a:t>11/05/2020</a:t>
             </a:fld>
             <a:endParaRPr lang="en-GB"/>
           </a:p>
@@ -5202,7 +5203,7 @@
           <a:p>
             <a:fld id="{B4D26D11-37B6-4505-85ED-985B1D1F4AD9}" type="datetimeFigureOut">
               <a:rPr lang="en-GB" smtClean="0"/>
-              <a:t>10/05/2020</a:t>
+              <a:t>11/05/2020</a:t>
             </a:fld>
             <a:endParaRPr lang="en-GB"/>
           </a:p>
@@ -5320,7 +5321,7 @@
           <a:p>
             <a:fld id="{B4D26D11-37B6-4505-85ED-985B1D1F4AD9}" type="datetimeFigureOut">
               <a:rPr lang="en-GB" smtClean="0"/>
-              <a:t>10/05/2020</a:t>
+              <a:t>11/05/2020</a:t>
             </a:fld>
             <a:endParaRPr lang="en-GB"/>
           </a:p>
@@ -5415,7 +5416,7 @@
           <a:p>
             <a:fld id="{B4D26D11-37B6-4505-85ED-985B1D1F4AD9}" type="datetimeFigureOut">
               <a:rPr lang="en-GB" smtClean="0"/>
-              <a:t>10/05/2020</a:t>
+              <a:t>11/05/2020</a:t>
             </a:fld>
             <a:endParaRPr lang="en-GB"/>
           </a:p>
@@ -5688,7 +5689,7 @@
           <a:p>
             <a:fld id="{B4D26D11-37B6-4505-85ED-985B1D1F4AD9}" type="datetimeFigureOut">
               <a:rPr lang="en-GB" smtClean="0"/>
-              <a:t>10/05/2020</a:t>
+              <a:t>11/05/2020</a:t>
             </a:fld>
             <a:endParaRPr lang="en-GB"/>
           </a:p>
@@ -5953,7 +5954,7 @@
           <a:p>
             <a:fld id="{B4D26D11-37B6-4505-85ED-985B1D1F4AD9}" type="datetimeFigureOut">
               <a:rPr lang="en-GB" smtClean="0"/>
-              <a:t>10/05/2020</a:t>
+              <a:t>11/05/2020</a:t>
             </a:fld>
             <a:endParaRPr lang="en-GB"/>
           </a:p>
@@ -6202,7 +6203,7 @@
           <a:p>
             <a:fld id="{B4D26D11-37B6-4505-85ED-985B1D1F4AD9}" type="datetimeFigureOut">
               <a:rPr lang="en-GB" smtClean="0"/>
-              <a:t>10/05/2020</a:t>
+              <a:t>11/05/2020</a:t>
             </a:fld>
             <a:endParaRPr lang="en-GB"/>
           </a:p>
@@ -6820,14 +6821,14 @@
           <a:lstStyle/>
           <a:p>
             <a:r>
-              <a:rPr lang="en-US" sz="4100">
+              <a:rPr lang="en-US" sz="4100" dirty="0">
                 <a:solidFill>
                   <a:schemeClr val="tx2"/>
                 </a:solidFill>
               </a:rPr>
-              <a:t>Supine – team presentation</a:t>
+              <a:t>Supine - team presentation</a:t>
             </a:r>
-            <a:endParaRPr lang="en-GB" sz="4100">
+            <a:endParaRPr lang="en-GB" sz="4100" dirty="0">
               <a:solidFill>
                 <a:schemeClr val="tx2"/>
               </a:solidFill>
@@ -6853,7 +6854,7 @@
         </p:nvSpPr>
         <p:spPr>
           <a:xfrm>
-            <a:off x="7865806" y="3996250"/>
+            <a:off x="7861722" y="4275486"/>
             <a:ext cx="4003106" cy="1942434"/>
           </a:xfrm>
         </p:spPr>
@@ -6864,7 +6865,7 @@
           <a:lstStyle/>
           <a:p>
             <a:r>
-              <a:rPr lang="en-US" sz="1800">
+              <a:rPr lang="en-US" sz="1800" dirty="0">
                 <a:solidFill>
                   <a:schemeClr val="bg2"/>
                 </a:solidFill>
@@ -6874,17 +6875,30 @@
           </a:p>
           <a:p>
             <a:r>
-              <a:rPr lang="en-US" sz="1800">
+              <a:rPr lang="en-US" sz="1800" dirty="0">
                 <a:solidFill>
                   <a:schemeClr val="bg2"/>
                 </a:solidFill>
               </a:rPr>
-              <a:t>Solomon Cammack</a:t>
+              <a:t>Solomon </a:t>
             </a:r>
-          </a:p>
-          <a:p>
             <a:r>
-              <a:rPr lang="en-US" sz="1800">
+              <a:rPr lang="en-US" sz="1800" dirty="0" err="1">
+                <a:solidFill>
+                  <a:schemeClr val="bg2"/>
+                </a:solidFill>
+              </a:rPr>
+              <a:t>Cammack</a:t>
+            </a:r>
+            <a:endParaRPr lang="en-US" sz="1800" dirty="0">
+              <a:solidFill>
+                <a:schemeClr val="bg2"/>
+              </a:solidFill>
+            </a:endParaRPr>
+          </a:p>
+          <a:p>
+            <a:r>
+              <a:rPr lang="en-US" sz="1800" dirty="0">
                 <a:solidFill>
                   <a:schemeClr val="bg2"/>
                 </a:solidFill>
@@ -6894,14 +6908,14 @@
           </a:p>
           <a:p>
             <a:r>
-              <a:rPr lang="en-US" sz="1800">
+              <a:rPr lang="en-US" sz="1800" dirty="0">
                 <a:solidFill>
                   <a:schemeClr val="bg2"/>
                 </a:solidFill>
               </a:rPr>
               <a:t>Zack Hawkins</a:t>
             </a:r>
-            <a:endParaRPr lang="en-GB" sz="1800">
+            <a:endParaRPr lang="en-GB" sz="1800" dirty="0">
               <a:solidFill>
                 <a:schemeClr val="bg2"/>
               </a:solidFill>
@@ -7043,6 +7057,126 @@
           <p:cNvPr id="2" name="Title 1">
             <a:extLst>
               <a:ext uri="{FF2B5EF4-FFF2-40B4-BE49-F238E27FC236}">
+                <a16:creationId xmlns:a16="http://schemas.microsoft.com/office/drawing/2014/main" id="{2BD3129F-8361-4AE5-B2A4-0C52571BB84E}"/>
+              </a:ext>
+            </a:extLst>
+          </p:cNvPr>
+          <p:cNvSpPr>
+            <a:spLocks noGrp="1"/>
+          </p:cNvSpPr>
+          <p:nvPr>
+            <p:ph type="title"/>
+          </p:nvPr>
+        </p:nvSpPr>
+        <p:spPr/>
+        <p:txBody>
+          <a:bodyPr/>
+          <a:lstStyle/>
+          <a:p>
+            <a:r>
+              <a:rPr lang="en-US" dirty="0"/>
+              <a:t>Processes used</a:t>
+            </a:r>
+            <a:endParaRPr lang="en-GB" dirty="0"/>
+          </a:p>
+        </p:txBody>
+      </p:sp>
+      <p:sp>
+        <p:nvSpPr>
+          <p:cNvPr id="3" name="Content Placeholder 2">
+            <a:extLst>
+              <a:ext uri="{FF2B5EF4-FFF2-40B4-BE49-F238E27FC236}">
+                <a16:creationId xmlns:a16="http://schemas.microsoft.com/office/drawing/2014/main" id="{E6490FFA-79CB-4876-8987-89C5113E0593}"/>
+              </a:ext>
+            </a:extLst>
+          </p:cNvPr>
+          <p:cNvSpPr>
+            <a:spLocks noGrp="1"/>
+          </p:cNvSpPr>
+          <p:nvPr>
+            <p:ph idx="1"/>
+          </p:nvPr>
+        </p:nvSpPr>
+        <p:spPr/>
+        <p:txBody>
+          <a:bodyPr/>
+          <a:lstStyle/>
+          <a:p>
+            <a:endParaRPr lang="en-GB" dirty="0"/>
+          </a:p>
+        </p:txBody>
+      </p:sp>
+      <p:pic>
+        <p:nvPicPr>
+          <p:cNvPr id="4" name="Picture 3" descr="A picture containing drawing&#10;&#10;Description automatically generated">
+            <a:extLst>
+              <a:ext uri="{FF2B5EF4-FFF2-40B4-BE49-F238E27FC236}">
+                <a16:creationId xmlns:a16="http://schemas.microsoft.com/office/drawing/2014/main" id="{0C72EFB7-E9E3-4B9A-B96F-4F33E41B3944}"/>
+              </a:ext>
+            </a:extLst>
+          </p:cNvPr>
+          <p:cNvPicPr>
+            <a:picLocks noChangeAspect="1"/>
+          </p:cNvPicPr>
+          <p:nvPr/>
+        </p:nvPicPr>
+        <p:blipFill>
+          <a:blip r:embed="rId2">
+            <a:extLst>
+              <a:ext uri="{28A0092B-C50C-407E-A947-70E740481C1C}">
+                <a14:useLocalDpi xmlns:a14="http://schemas.microsoft.com/office/drawing/2010/main" val="0"/>
+              </a:ext>
+            </a:extLst>
+          </a:blip>
+          <a:stretch>
+            <a:fillRect/>
+          </a:stretch>
+        </p:blipFill>
+        <p:spPr>
+          <a:xfrm>
+            <a:off x="10588487" y="284176"/>
+            <a:ext cx="1506507" cy="1506507"/>
+          </a:xfrm>
+          <a:prstGeom prst="rect">
+            <a:avLst/>
+          </a:prstGeom>
+        </p:spPr>
+      </p:pic>
+    </p:spTree>
+    <p:extLst>
+      <p:ext uri="{BB962C8B-B14F-4D97-AF65-F5344CB8AC3E}">
+        <p14:creationId xmlns:p14="http://schemas.microsoft.com/office/powerpoint/2010/main" val="1207510954"/>
+      </p:ext>
+    </p:extLst>
+  </p:cSld>
+  <p:clrMapOvr>
+    <a:masterClrMapping/>
+  </p:clrMapOvr>
+</p:sld>
+</file>
+
+<file path=ppt/slides/slide11.xml><?xml version="1.0" encoding="utf-8"?>
+<p:sld xmlns:a="http://schemas.openxmlformats.org/drawingml/2006/main" xmlns:r="http://schemas.openxmlformats.org/officeDocument/2006/relationships" xmlns:p="http://schemas.openxmlformats.org/presentationml/2006/main">
+  <p:cSld>
+    <p:spTree>
+      <p:nvGrpSpPr>
+        <p:cNvPr id="1" name=""/>
+        <p:cNvGrpSpPr/>
+        <p:nvPr/>
+      </p:nvGrpSpPr>
+      <p:grpSpPr>
+        <a:xfrm>
+          <a:off x="0" y="0"/>
+          <a:ext cx="0" cy="0"/>
+          <a:chOff x="0" y="0"/>
+          <a:chExt cx="0" cy="0"/>
+        </a:xfrm>
+      </p:grpSpPr>
+      <p:sp>
+        <p:nvSpPr>
+          <p:cNvPr id="2" name="Title 1">
+            <a:extLst>
+              <a:ext uri="{FF2B5EF4-FFF2-40B4-BE49-F238E27FC236}">
                 <a16:creationId xmlns:a16="http://schemas.microsoft.com/office/drawing/2014/main" id="{347036CF-2EA7-403C-BF79-0263FA2B88D9}"/>
               </a:ext>
             </a:extLst>
@@ -7141,7 +7275,7 @@
 </p:sld>
 </file>
 
-<file path=ppt/slides/slide11.xml><?xml version="1.0" encoding="utf-8"?>
+<file path=ppt/slides/slide12.xml><?xml version="1.0" encoding="utf-8"?>
 <p:sld xmlns:a="http://schemas.openxmlformats.org/drawingml/2006/main" xmlns:r="http://schemas.openxmlformats.org/officeDocument/2006/relationships" xmlns:p="http://schemas.openxmlformats.org/presentationml/2006/main">
   <p:cSld>
     <p:spTree>
@@ -7183,9 +7317,6 @@
               <a:rPr lang="en-US" dirty="0"/>
               <a:t>implementation</a:t>
             </a:r>
-            <a:br>
-              <a:rPr lang="en-US" dirty="0"/>
-            </a:br>
             <a:endParaRPr lang="en-GB" dirty="0"/>
           </a:p>
         </p:txBody>
@@ -7264,7 +7395,7 @@
 </p:sld>
 </file>
 
-<file path=ppt/slides/slide12.xml><?xml version="1.0" encoding="utf-8"?>
+<file path=ppt/slides/slide13.xml><?xml version="1.0" encoding="utf-8"?>
 <p:sld xmlns:a="http://schemas.openxmlformats.org/drawingml/2006/main" xmlns:r="http://schemas.openxmlformats.org/officeDocument/2006/relationships" xmlns:p="http://schemas.openxmlformats.org/presentationml/2006/main">
   <p:cSld>
     <p:spTree>
@@ -7306,9 +7437,6 @@
               <a:rPr lang="en-US" dirty="0"/>
               <a:t>implementation [ALEX AND SOLOMON]</a:t>
             </a:r>
-            <a:br>
-              <a:rPr lang="en-US" dirty="0"/>
-            </a:br>
             <a:endParaRPr lang="en-GB" dirty="0"/>
           </a:p>
         </p:txBody>
@@ -7387,7 +7515,7 @@
 </p:sld>
 </file>
 
-<file path=ppt/slides/slide13.xml><?xml version="1.0" encoding="utf-8"?>
+<file path=ppt/slides/slide14.xml><?xml version="1.0" encoding="utf-8"?>
 <p:sld xmlns:a="http://schemas.openxmlformats.org/drawingml/2006/main" xmlns:r="http://schemas.openxmlformats.org/officeDocument/2006/relationships" xmlns:p="http://schemas.openxmlformats.org/presentationml/2006/main">
   <p:cSld>
     <p:spTree>
@@ -7507,7 +7635,7 @@
 </p:sld>
 </file>
 
-<file path=ppt/slides/slide14.xml><?xml version="1.0" encoding="utf-8"?>
+<file path=ppt/slides/slide15.xml><?xml version="1.0" encoding="utf-8"?>
 <p:sld xmlns:a="http://schemas.openxmlformats.org/drawingml/2006/main" xmlns:r="http://schemas.openxmlformats.org/officeDocument/2006/relationships" xmlns:p="http://schemas.openxmlformats.org/presentationml/2006/main">
   <p:cSld>
     <p:spTree>
@@ -7627,7 +7755,7 @@
 </p:sld>
 </file>
 
-<file path=ppt/slides/slide15.xml><?xml version="1.0" encoding="utf-8"?>
+<file path=ppt/slides/slide16.xml><?xml version="1.0" encoding="utf-8"?>
 <p:sld xmlns:a="http://schemas.openxmlformats.org/drawingml/2006/main" xmlns:r="http://schemas.openxmlformats.org/officeDocument/2006/relationships" xmlns:p="http://schemas.openxmlformats.org/presentationml/2006/main">
   <p:cSld>
     <p:spTree>
@@ -7750,7 +7878,7 @@
 </p:sld>
 </file>
 
-<file path=ppt/slides/slide16.xml><?xml version="1.0" encoding="utf-8"?>
+<file path=ppt/slides/slide17.xml><?xml version="1.0" encoding="utf-8"?>
 <p:sld xmlns:a="http://schemas.openxmlformats.org/drawingml/2006/main" xmlns:r="http://schemas.openxmlformats.org/officeDocument/2006/relationships" xmlns:p="http://schemas.openxmlformats.org/presentationml/2006/main">
   <p:cSld>
     <p:spTree>
@@ -7870,7 +7998,7 @@
 </p:sld>
 </file>
 
-<file path=ppt/slides/slide17.xml><?xml version="1.0" encoding="utf-8"?>
+<file path=ppt/slides/slide18.xml><?xml version="1.0" encoding="utf-8"?>
 <p:sld xmlns:a="http://schemas.openxmlformats.org/drawingml/2006/main" xmlns:r="http://schemas.openxmlformats.org/officeDocument/2006/relationships" xmlns:p="http://schemas.openxmlformats.org/presentationml/2006/main">
   <p:cSld>
     <p:spTree>
@@ -7909,7 +8037,7 @@
           <a:lstStyle/>
           <a:p>
             <a:r>
-              <a:rPr lang="en-US" dirty="0"/>
+              <a:rPr lang="en-US"/>
               <a:t>links</a:t>
             </a:r>
             <a:endParaRPr lang="en-GB" dirty="0"/>
@@ -7941,268 +8069,12 @@
           </a:p>
         </p:txBody>
       </p:sp>
-    </p:spTree>
-    <p:extLst>
-      <p:ext uri="{BB962C8B-B14F-4D97-AF65-F5344CB8AC3E}">
-        <p14:creationId xmlns:p14="http://schemas.microsoft.com/office/powerpoint/2010/main" val="724613322"/>
-      </p:ext>
-    </p:extLst>
-  </p:cSld>
-  <p:clrMapOvr>
-    <a:masterClrMapping/>
-  </p:clrMapOvr>
-</p:sld>
-</file>
-
-<file path=ppt/slides/slide2.xml><?xml version="1.0" encoding="utf-8"?>
-<p:sld xmlns:a="http://schemas.openxmlformats.org/drawingml/2006/main" xmlns:r="http://schemas.openxmlformats.org/officeDocument/2006/relationships" xmlns:p="http://schemas.openxmlformats.org/presentationml/2006/main">
-  <p:cSld>
-    <p:bg>
-      <p:bgPr>
-        <a:solidFill>
-          <a:schemeClr val="bg1"/>
-        </a:solidFill>
-        <a:effectLst/>
-      </p:bgPr>
-    </p:bg>
-    <p:spTree>
-      <p:nvGrpSpPr>
-        <p:cNvPr id="1" name=""/>
-        <p:cNvGrpSpPr/>
-        <p:nvPr/>
-      </p:nvGrpSpPr>
-      <p:grpSpPr>
-        <a:xfrm>
-          <a:off x="0" y="0"/>
-          <a:ext cx="0" cy="0"/>
-          <a:chOff x="0" y="0"/>
-          <a:chExt cx="0" cy="0"/>
-        </a:xfrm>
-      </p:grpSpPr>
-      <p:sp>
-        <p:nvSpPr>
-          <p:cNvPr id="8" name="Rectangle 7">
+      <p:pic>
+        <p:nvPicPr>
+          <p:cNvPr id="4" name="Picture 3" descr="A picture containing drawing&#10;&#10;Description automatically generated">
             <a:extLst>
               <a:ext uri="{FF2B5EF4-FFF2-40B4-BE49-F238E27FC236}">
-                <a16:creationId xmlns:a16="http://schemas.microsoft.com/office/drawing/2014/main" id="{1A6D86F0-98E0-4468-9315-41BF7B0F2E68}"/>
-              </a:ext>
-              <a:ext uri="{C183D7F6-B498-43B3-948B-1728B52AA6E4}">
-                <adec:decorative xmlns:adec="http://schemas.microsoft.com/office/drawing/2017/decorative" val="1"/>
-              </a:ext>
-            </a:extLst>
-          </p:cNvPr>
-          <p:cNvSpPr>
-            <a:spLocks noGrp="1" noRot="1" noChangeAspect="1" noMove="1" noResize="1" noEditPoints="1" noAdjustHandles="1" noChangeArrowheads="1" noChangeShapeType="1" noTextEdit="1"/>
-          </p:cNvSpPr>
-          <p:nvPr>
-            <p:extLst>
-              <p:ext uri="{386F3935-93C4-4BCD-93E2-E3B085C9AB24}">
-                <p16:designElem xmlns:p16="http://schemas.microsoft.com/office/powerpoint/2015/main" val="1"/>
-              </p:ext>
-            </p:extLst>
-          </p:nvPr>
-        </p:nvSpPr>
-        <p:spPr>
-          <a:xfrm>
-            <a:off x="0" y="0"/>
-            <a:ext cx="4654296" cy="6858000"/>
-          </a:xfrm>
-          <a:prstGeom prst="rect">
-            <a:avLst/>
-          </a:prstGeom>
-          <a:solidFill>
-            <a:schemeClr val="tx2"/>
-          </a:solidFill>
-          <a:ln>
-            <a:noFill/>
-          </a:ln>
-        </p:spPr>
-        <p:style>
-          <a:lnRef idx="2">
-            <a:schemeClr val="accent1">
-              <a:shade val="50000"/>
-            </a:schemeClr>
-          </a:lnRef>
-          <a:fillRef idx="1">
-            <a:schemeClr val="accent1"/>
-          </a:fillRef>
-          <a:effectRef idx="0">
-            <a:schemeClr val="accent1"/>
-          </a:effectRef>
-          <a:fontRef idx="minor">
-            <a:schemeClr val="lt1"/>
-          </a:fontRef>
-        </p:style>
-        <p:txBody>
-          <a:bodyPr rtlCol="0" anchor="ctr"/>
-          <a:lstStyle/>
-          <a:p>
-            <a:pPr algn="ctr"/>
-            <a:endParaRPr lang="en-US"/>
-          </a:p>
-        </p:txBody>
-      </p:sp>
-      <p:sp>
-        <p:nvSpPr>
-          <p:cNvPr id="2" name="Title 1">
-            <a:extLst>
-              <a:ext uri="{FF2B5EF4-FFF2-40B4-BE49-F238E27FC236}">
-                <a16:creationId xmlns:a16="http://schemas.microsoft.com/office/drawing/2014/main" id="{242AAF47-7888-478B-96F0-BEB85F97CDA6}"/>
-              </a:ext>
-            </a:extLst>
-          </p:cNvPr>
-          <p:cNvSpPr>
-            <a:spLocks noGrp="1"/>
-          </p:cNvSpPr>
-          <p:nvPr>
-            <p:ph type="title"/>
-          </p:nvPr>
-        </p:nvSpPr>
-        <p:spPr>
-          <a:xfrm>
-            <a:off x="622570" y="838646"/>
-            <a:ext cx="3709991" cy="5180709"/>
-          </a:xfrm>
-        </p:spPr>
-        <p:txBody>
-          <a:bodyPr>
-            <a:normAutofit/>
-          </a:bodyPr>
-          <a:lstStyle/>
-          <a:p>
-            <a:r>
-              <a:rPr lang="en-US" sz="3600"/>
-              <a:t>Team role introductions - Zack</a:t>
-            </a:r>
-            <a:endParaRPr lang="en-GB" sz="3600"/>
-          </a:p>
-        </p:txBody>
-      </p:sp>
-      <p:sp useBgFill="1">
-        <p:nvSpPr>
-          <p:cNvPr id="10" name="Rectangle 9">
-            <a:extLst>
-              <a:ext uri="{FF2B5EF4-FFF2-40B4-BE49-F238E27FC236}">
-                <a16:creationId xmlns:a16="http://schemas.microsoft.com/office/drawing/2014/main" id="{CE957058-57AD-46A9-BAE9-7145CB3504F9}"/>
-              </a:ext>
-              <a:ext uri="{C183D7F6-B498-43B3-948B-1728B52AA6E4}">
-                <adec:decorative xmlns:adec="http://schemas.microsoft.com/office/drawing/2017/decorative" val="1"/>
-              </a:ext>
-            </a:extLst>
-          </p:cNvPr>
-          <p:cNvSpPr>
-            <a:spLocks noGrp="1" noRot="1" noChangeAspect="1" noMove="1" noResize="1" noEditPoints="1" noAdjustHandles="1" noChangeArrowheads="1" noChangeShapeType="1" noTextEdit="1"/>
-          </p:cNvSpPr>
-          <p:nvPr>
-            <p:extLst>
-              <p:ext uri="{386F3935-93C4-4BCD-93E2-E3B085C9AB24}">
-                <p16:designElem xmlns:p16="http://schemas.microsoft.com/office/powerpoint/2015/main" val="1"/>
-              </p:ext>
-            </p:extLst>
-          </p:nvPr>
-        </p:nvSpPr>
-        <p:spPr>
-          <a:xfrm>
-            <a:off x="4654295" y="-2"/>
-            <a:ext cx="7537703" cy="6858002"/>
-          </a:xfrm>
-          <a:prstGeom prst="rect">
-            <a:avLst/>
-          </a:prstGeom>
-          <a:ln>
-            <a:noFill/>
-          </a:ln>
-        </p:spPr>
-        <p:style>
-          <a:lnRef idx="2">
-            <a:schemeClr val="accent1">
-              <a:shade val="50000"/>
-            </a:schemeClr>
-          </a:lnRef>
-          <a:fillRef idx="1">
-            <a:schemeClr val="accent1"/>
-          </a:fillRef>
-          <a:effectRef idx="0">
-            <a:schemeClr val="accent1"/>
-          </a:effectRef>
-          <a:fontRef idx="minor">
-            <a:schemeClr val="lt1"/>
-          </a:fontRef>
-        </p:style>
-        <p:txBody>
-          <a:bodyPr rtlCol="0" anchor="ctr"/>
-          <a:lstStyle/>
-          <a:p>
-            <a:pPr algn="ctr"/>
-            <a:endParaRPr lang="en-US"/>
-          </a:p>
-        </p:txBody>
-      </p:sp>
-      <p:sp>
-        <p:nvSpPr>
-          <p:cNvPr id="3" name="Content Placeholder 2">
-            <a:extLst>
-              <a:ext uri="{FF2B5EF4-FFF2-40B4-BE49-F238E27FC236}">
-                <a16:creationId xmlns:a16="http://schemas.microsoft.com/office/drawing/2014/main" id="{471CCB88-6F1D-47AA-8042-15BB4B335CD2}"/>
-              </a:ext>
-            </a:extLst>
-          </p:cNvPr>
-          <p:cNvSpPr>
-            <a:spLocks noGrp="1"/>
-          </p:cNvSpPr>
-          <p:nvPr>
-            <p:ph idx="1"/>
-          </p:nvPr>
-        </p:nvSpPr>
-        <p:spPr>
-          <a:xfrm>
-            <a:off x="5163671" y="838647"/>
-            <a:ext cx="5823328" cy="5180708"/>
-          </a:xfrm>
-        </p:spPr>
-        <p:txBody>
-          <a:bodyPr anchor="ctr">
-            <a:normAutofit/>
-          </a:bodyPr>
-          <a:lstStyle/>
-          <a:p>
-            <a:r>
-              <a:rPr lang="en-US" sz="2000" dirty="0">
-                <a:solidFill>
-                  <a:schemeClr val="tx2"/>
-                </a:solidFill>
-              </a:rPr>
-              <a:t>-Mug shot</a:t>
-            </a:r>
-          </a:p>
-          <a:p>
-            <a:r>
-              <a:rPr lang="en-US" sz="2000" dirty="0">
-                <a:solidFill>
-                  <a:schemeClr val="tx2"/>
-                </a:solidFill>
-              </a:rPr>
-              <a:t>Primary and secondary roles</a:t>
-            </a:r>
-          </a:p>
-          <a:p>
-            <a:pPr marL="0" indent="0">
-              <a:buNone/>
-            </a:pPr>
-            <a:endParaRPr lang="en-GB" sz="2000" dirty="0">
-              <a:solidFill>
-                <a:schemeClr val="tx2"/>
-              </a:solidFill>
-            </a:endParaRPr>
-          </a:p>
-        </p:txBody>
-      </p:sp>
-      <p:pic>
-        <p:nvPicPr>
-          <p:cNvPr id="6" name="Picture 5" descr="A picture containing drawing&#10;&#10;Description automatically generated">
-            <a:extLst>
-              <a:ext uri="{FF2B5EF4-FFF2-40B4-BE49-F238E27FC236}">
-                <a16:creationId xmlns:a16="http://schemas.microsoft.com/office/drawing/2014/main" id="{B0E9BDB5-DE26-407A-AE6C-E41B6BC86758}"/>
+                <a16:creationId xmlns:a16="http://schemas.microsoft.com/office/drawing/2014/main" id="{839C6121-12AD-D849-A561-4A9B2C0D3ABA}"/>
               </a:ext>
             </a:extLst>
           </p:cNvPr>
@@ -8225,7 +8097,7 @@
         </p:blipFill>
         <p:spPr>
           <a:xfrm>
-            <a:off x="0" y="-23639"/>
+            <a:off x="10588487" y="284176"/>
             <a:ext cx="1506507" cy="1506507"/>
           </a:xfrm>
           <a:prstGeom prst="rect">
@@ -8236,23 +8108,23 @@
     </p:spTree>
     <p:extLst>
       <p:ext uri="{BB962C8B-B14F-4D97-AF65-F5344CB8AC3E}">
-        <p14:creationId xmlns:p14="http://schemas.microsoft.com/office/powerpoint/2010/main" val="2008343651"/>
+        <p14:creationId xmlns:p14="http://schemas.microsoft.com/office/powerpoint/2010/main" val="724613322"/>
       </p:ext>
     </p:extLst>
   </p:cSld>
   <p:clrMapOvr>
-    <a:overrideClrMapping bg1="lt1" tx1="dk1" bg2="lt2" tx2="dk2" accent1="accent1" accent2="accent2" accent3="accent3" accent4="accent4" accent5="accent5" accent6="accent6" hlink="hlink" folHlink="folHlink"/>
+    <a:masterClrMapping/>
   </p:clrMapOvr>
 </p:sld>
 </file>
 
-<file path=ppt/slides/slide3.xml><?xml version="1.0" encoding="utf-8"?>
+<file path=ppt/slides/slide2.xml><?xml version="1.0" encoding="utf-8"?>
 <p:sld xmlns:a="http://schemas.openxmlformats.org/drawingml/2006/main" xmlns:r="http://schemas.openxmlformats.org/officeDocument/2006/relationships" xmlns:p="http://schemas.openxmlformats.org/presentationml/2006/main">
   <p:cSld>
     <p:bg>
       <p:bgPr>
         <a:solidFill>
-          <a:schemeClr val="bg1"/>
+          <a:schemeClr val="bg2"/>
         </a:solidFill>
         <a:effectLst/>
       </p:bgPr>
@@ -8273,10 +8145,10 @@
       </p:grpSpPr>
       <p:sp>
         <p:nvSpPr>
-          <p:cNvPr id="8" name="Rectangle 7">
+          <p:cNvPr id="80" name="Rectangle 73">
             <a:extLst>
               <a:ext uri="{FF2B5EF4-FFF2-40B4-BE49-F238E27FC236}">
-                <a16:creationId xmlns:a16="http://schemas.microsoft.com/office/drawing/2014/main" id="{1A6D86F0-98E0-4468-9315-41BF7B0F2E68}"/>
+                <a16:creationId xmlns:a16="http://schemas.microsoft.com/office/drawing/2014/main" id="{5F9F5EB8-AB42-47FD-8F4A-176C0A4B1B0A}"/>
               </a:ext>
               <a:ext uri="{C183D7F6-B498-43B3-948B-1728B52AA6E4}">
                 <adec:decorative xmlns:adec="http://schemas.microsoft.com/office/drawing/2017/decorative" val="1"/>
@@ -8296,14 +8168,14 @@
         </p:nvSpPr>
         <p:spPr>
           <a:xfrm>
-            <a:off x="0" y="0"/>
-            <a:ext cx="4654296" cy="6858000"/>
+            <a:off x="3048" y="2059012"/>
+            <a:ext cx="12188952" cy="1828800"/>
           </a:xfrm>
           <a:prstGeom prst="rect">
             <a:avLst/>
           </a:prstGeom>
           <a:solidFill>
-            <a:schemeClr val="tx2"/>
+            <a:schemeClr val="tx1"/>
           </a:solidFill>
           <a:ln>
             <a:noFill/>
@@ -8325,57 +8197,13 @@
             <a:schemeClr val="lt1"/>
           </a:fontRef>
         </p:style>
-        <p:txBody>
-          <a:bodyPr rtlCol="0" anchor="ctr"/>
-          <a:lstStyle/>
-          <a:p>
-            <a:pPr algn="ctr"/>
-            <a:endParaRPr lang="en-US"/>
-          </a:p>
-        </p:txBody>
-      </p:sp>
-      <p:sp>
-        <p:nvSpPr>
-          <p:cNvPr id="2" name="Title 1">
+      </p:sp>
+      <p:sp useBgFill="1">
+        <p:nvSpPr>
+          <p:cNvPr id="81" name="Rectangle 75">
             <a:extLst>
               <a:ext uri="{FF2B5EF4-FFF2-40B4-BE49-F238E27FC236}">
-                <a16:creationId xmlns:a16="http://schemas.microsoft.com/office/drawing/2014/main" id="{242AAF47-7888-478B-96F0-BEB85F97CDA6}"/>
-              </a:ext>
-            </a:extLst>
-          </p:cNvPr>
-          <p:cNvSpPr>
-            <a:spLocks noGrp="1"/>
-          </p:cNvSpPr>
-          <p:nvPr>
-            <p:ph type="title"/>
-          </p:nvPr>
-        </p:nvSpPr>
-        <p:spPr>
-          <a:xfrm>
-            <a:off x="622570" y="838646"/>
-            <a:ext cx="3709991" cy="5180709"/>
-          </a:xfrm>
-        </p:spPr>
-        <p:txBody>
-          <a:bodyPr>
-            <a:normAutofit/>
-          </a:bodyPr>
-          <a:lstStyle/>
-          <a:p>
-            <a:r>
-              <a:rPr lang="en-US" sz="3600" dirty="0"/>
-              <a:t>Team role introductions - josie</a:t>
-            </a:r>
-            <a:endParaRPr lang="en-GB" sz="3600" dirty="0"/>
-          </a:p>
-        </p:txBody>
-      </p:sp>
-      <p:sp useBgFill="1">
-        <p:nvSpPr>
-          <p:cNvPr id="10" name="Rectangle 9">
-            <a:extLst>
-              <a:ext uri="{FF2B5EF4-FFF2-40B4-BE49-F238E27FC236}">
-                <a16:creationId xmlns:a16="http://schemas.microsoft.com/office/drawing/2014/main" id="{CE957058-57AD-46A9-BAE9-7145CB3504F9}"/>
+                <a16:creationId xmlns:a16="http://schemas.microsoft.com/office/drawing/2014/main" id="{F5D04095-82A0-4203-9728-B32227226818}"/>
               </a:ext>
               <a:ext uri="{C183D7F6-B498-43B3-948B-1728B52AA6E4}">
                 <adec:decorative xmlns:adec="http://schemas.microsoft.com/office/drawing/2017/decorative" val="1"/>
@@ -8395,8 +8223,8 @@
         </p:nvSpPr>
         <p:spPr>
           <a:xfrm>
-            <a:off x="4654295" y="-2"/>
-            <a:ext cx="7537703" cy="6858002"/>
+            <a:off x="0" y="0"/>
+            <a:ext cx="12192000" cy="6858000"/>
           </a:xfrm>
           <a:prstGeom prst="rect">
             <a:avLst/>
@@ -8411,8 +8239,8 @@
               <a:shade val="50000"/>
             </a:schemeClr>
           </a:lnRef>
-          <a:fillRef idx="1">
-            <a:schemeClr val="accent1"/>
+          <a:fillRef idx="1001">
+            <a:schemeClr val="dk2"/>
           </a:fillRef>
           <a:effectRef idx="0">
             <a:schemeClr val="accent1"/>
@@ -8426,72 +8254,16 @@
           <a:lstStyle/>
           <a:p>
             <a:pPr algn="ctr"/>
-            <a:endParaRPr lang="en-US"/>
-          </a:p>
-        </p:txBody>
-      </p:sp>
-      <p:sp>
-        <p:nvSpPr>
-          <p:cNvPr id="3" name="Content Placeholder 2">
+            <a:endParaRPr lang="en-US" dirty="0"/>
+          </a:p>
+        </p:txBody>
+      </p:sp>
+      <p:pic>
+        <p:nvPicPr>
+          <p:cNvPr id="60" name="Graphic 59" descr="Users">
             <a:extLst>
               <a:ext uri="{FF2B5EF4-FFF2-40B4-BE49-F238E27FC236}">
-                <a16:creationId xmlns:a16="http://schemas.microsoft.com/office/drawing/2014/main" id="{471CCB88-6F1D-47AA-8042-15BB4B335CD2}"/>
-              </a:ext>
-            </a:extLst>
-          </p:cNvPr>
-          <p:cNvSpPr>
-            <a:spLocks noGrp="1"/>
-          </p:cNvSpPr>
-          <p:nvPr>
-            <p:ph idx="1"/>
-          </p:nvPr>
-        </p:nvSpPr>
-        <p:spPr>
-          <a:xfrm>
-            <a:off x="5163671" y="838647"/>
-            <a:ext cx="5823328" cy="5180708"/>
-          </a:xfrm>
-        </p:spPr>
-        <p:txBody>
-          <a:bodyPr anchor="ctr">
-            <a:normAutofit/>
-          </a:bodyPr>
-          <a:lstStyle/>
-          <a:p>
-            <a:r>
-              <a:rPr lang="en-US" sz="2000" dirty="0">
-                <a:solidFill>
-                  <a:schemeClr val="tx2"/>
-                </a:solidFill>
-              </a:rPr>
-              <a:t>-Mug shot</a:t>
-            </a:r>
-          </a:p>
-          <a:p>
-            <a:r>
-              <a:rPr lang="en-US" sz="2000" dirty="0">
-                <a:solidFill>
-                  <a:schemeClr val="tx2"/>
-                </a:solidFill>
-              </a:rPr>
-              <a:t>Primary and secondary roles</a:t>
-            </a:r>
-          </a:p>
-          <a:p>
-            <a:endParaRPr lang="en-GB" sz="2000" dirty="0">
-              <a:solidFill>
-                <a:schemeClr val="tx2"/>
-              </a:solidFill>
-            </a:endParaRPr>
-          </a:p>
-        </p:txBody>
-      </p:sp>
-      <p:pic>
-        <p:nvPicPr>
-          <p:cNvPr id="6" name="Picture 5" descr="A picture containing drawing&#10;&#10;Description automatically generated">
-            <a:extLst>
-              <a:ext uri="{FF2B5EF4-FFF2-40B4-BE49-F238E27FC236}">
-                <a16:creationId xmlns:a16="http://schemas.microsoft.com/office/drawing/2014/main" id="{3F35C615-30F3-43F1-888E-75D9E2438A69}"/>
+                <a16:creationId xmlns:a16="http://schemas.microsoft.com/office/drawing/2014/main" id="{FB4E85AE-7356-403C-BF18-77F4768B46C8}"/>
               </a:ext>
             </a:extLst>
           </p:cNvPr>
@@ -8506,6 +8278,9 @@
               <a:ext uri="{28A0092B-C50C-407E-A947-70E740481C1C}">
                 <a14:useLocalDpi xmlns:a14="http://schemas.microsoft.com/office/drawing/2010/main" val="0"/>
               </a:ext>
+              <a:ext uri="{96DAC541-7B7A-43D3-8B79-37D633B846F1}">
+                <asvg:svgBlip xmlns:asvg="http://schemas.microsoft.com/office/drawing/2016/SVG/main" r:embed="rId3"/>
+              </a:ext>
             </a:extLst>
           </a:blip>
           <a:stretch>
@@ -8514,58 +8289,20 @@
         </p:blipFill>
         <p:spPr>
           <a:xfrm>
-            <a:off x="0" y="-23639"/>
-            <a:ext cx="1506507" cy="1506507"/>
+            <a:off x="4743246" y="461365"/>
+            <a:ext cx="2702459" cy="2702459"/>
           </a:xfrm>
           <a:prstGeom prst="rect">
             <a:avLst/>
           </a:prstGeom>
         </p:spPr>
       </p:pic>
-    </p:spTree>
-    <p:extLst>
-      <p:ext uri="{BB962C8B-B14F-4D97-AF65-F5344CB8AC3E}">
-        <p14:creationId xmlns:p14="http://schemas.microsoft.com/office/powerpoint/2010/main" val="1217038663"/>
-      </p:ext>
-    </p:extLst>
-  </p:cSld>
-  <p:clrMapOvr>
-    <a:overrideClrMapping bg1="lt1" tx1="dk1" bg2="lt2" tx2="dk2" accent1="accent1" accent2="accent2" accent3="accent3" accent4="accent4" accent5="accent5" accent6="accent6" hlink="hlink" folHlink="folHlink"/>
-  </p:clrMapOvr>
-</p:sld>
-</file>
-
-<file path=ppt/slides/slide4.xml><?xml version="1.0" encoding="utf-8"?>
-<p:sld xmlns:a="http://schemas.openxmlformats.org/drawingml/2006/main" xmlns:r="http://schemas.openxmlformats.org/officeDocument/2006/relationships" xmlns:p="http://schemas.openxmlformats.org/presentationml/2006/main">
-  <p:cSld>
-    <p:bg>
-      <p:bgPr>
-        <a:solidFill>
-          <a:schemeClr val="bg1"/>
-        </a:solidFill>
-        <a:effectLst/>
-      </p:bgPr>
-    </p:bg>
-    <p:spTree>
-      <p:nvGrpSpPr>
-        <p:cNvPr id="1" name=""/>
-        <p:cNvGrpSpPr/>
-        <p:nvPr/>
-      </p:nvGrpSpPr>
-      <p:grpSpPr>
-        <a:xfrm>
-          <a:off x="0" y="0"/>
-          <a:ext cx="0" cy="0"/>
-          <a:chOff x="0" y="0"/>
-          <a:chExt cx="0" cy="0"/>
-        </a:xfrm>
-      </p:grpSpPr>
-      <p:sp>
-        <p:nvSpPr>
-          <p:cNvPr id="8" name="Rectangle 7">
+      <p:sp>
+        <p:nvSpPr>
+          <p:cNvPr id="82" name="Rectangle 77">
             <a:extLst>
               <a:ext uri="{FF2B5EF4-FFF2-40B4-BE49-F238E27FC236}">
-                <a16:creationId xmlns:a16="http://schemas.microsoft.com/office/drawing/2014/main" id="{1A6D86F0-98E0-4468-9315-41BF7B0F2E68}"/>
+                <a16:creationId xmlns:a16="http://schemas.microsoft.com/office/drawing/2014/main" id="{F6775829-84CA-4765-8BE1-88A69E91D940}"/>
               </a:ext>
               <a:ext uri="{C183D7F6-B498-43B3-948B-1728B52AA6E4}">
                 <adec:decorative xmlns:adec="http://schemas.microsoft.com/office/drawing/2017/decorative" val="1"/>
@@ -8585,14 +8322,14 @@
         </p:nvSpPr>
         <p:spPr>
           <a:xfrm>
-            <a:off x="0" y="0"/>
-            <a:ext cx="4654296" cy="6858000"/>
+            <a:off x="3048" y="3657600"/>
+            <a:ext cx="12188952" cy="1828800"/>
           </a:xfrm>
           <a:prstGeom prst="rect">
             <a:avLst/>
           </a:prstGeom>
           <a:solidFill>
-            <a:schemeClr val="tx2"/>
+            <a:schemeClr val="tx1"/>
           </a:solidFill>
           <a:ln>
             <a:noFill/>
@@ -8616,10 +8353,108 @@
         </p:style>
         <p:txBody>
           <a:bodyPr rtlCol="0" anchor="ctr"/>
-          <a:lstStyle/>
+          <a:lstStyle>
+            <a:defPPr>
+              <a:defRPr lang="en-US"/>
+            </a:defPPr>
+            <a:lvl1pPr marL="0" algn="l" defTabSz="914400" rtl="0" eaLnBrk="1" latinLnBrk="0" hangingPunct="1">
+              <a:defRPr sz="1800" kern="1200">
+                <a:solidFill>
+                  <a:schemeClr val="lt1"/>
+                </a:solidFill>
+                <a:latin typeface="+mn-lt"/>
+                <a:ea typeface="+mn-ea"/>
+                <a:cs typeface="+mn-cs"/>
+              </a:defRPr>
+            </a:lvl1pPr>
+            <a:lvl2pPr marL="457200" algn="l" defTabSz="914400" rtl="0" eaLnBrk="1" latinLnBrk="0" hangingPunct="1">
+              <a:defRPr sz="1800" kern="1200">
+                <a:solidFill>
+                  <a:schemeClr val="lt1"/>
+                </a:solidFill>
+                <a:latin typeface="+mn-lt"/>
+                <a:ea typeface="+mn-ea"/>
+                <a:cs typeface="+mn-cs"/>
+              </a:defRPr>
+            </a:lvl2pPr>
+            <a:lvl3pPr marL="914400" algn="l" defTabSz="914400" rtl="0" eaLnBrk="1" latinLnBrk="0" hangingPunct="1">
+              <a:defRPr sz="1800" kern="1200">
+                <a:solidFill>
+                  <a:schemeClr val="lt1"/>
+                </a:solidFill>
+                <a:latin typeface="+mn-lt"/>
+                <a:ea typeface="+mn-ea"/>
+                <a:cs typeface="+mn-cs"/>
+              </a:defRPr>
+            </a:lvl3pPr>
+            <a:lvl4pPr marL="1371600" algn="l" defTabSz="914400" rtl="0" eaLnBrk="1" latinLnBrk="0" hangingPunct="1">
+              <a:defRPr sz="1800" kern="1200">
+                <a:solidFill>
+                  <a:schemeClr val="lt1"/>
+                </a:solidFill>
+                <a:latin typeface="+mn-lt"/>
+                <a:ea typeface="+mn-ea"/>
+                <a:cs typeface="+mn-cs"/>
+              </a:defRPr>
+            </a:lvl4pPr>
+            <a:lvl5pPr marL="1828800" algn="l" defTabSz="914400" rtl="0" eaLnBrk="1" latinLnBrk="0" hangingPunct="1">
+              <a:defRPr sz="1800" kern="1200">
+                <a:solidFill>
+                  <a:schemeClr val="lt1"/>
+                </a:solidFill>
+                <a:latin typeface="+mn-lt"/>
+                <a:ea typeface="+mn-ea"/>
+                <a:cs typeface="+mn-cs"/>
+              </a:defRPr>
+            </a:lvl5pPr>
+            <a:lvl6pPr marL="2286000" algn="l" defTabSz="914400" rtl="0" eaLnBrk="1" latinLnBrk="0" hangingPunct="1">
+              <a:defRPr sz="1800" kern="1200">
+                <a:solidFill>
+                  <a:schemeClr val="lt1"/>
+                </a:solidFill>
+                <a:latin typeface="+mn-lt"/>
+                <a:ea typeface="+mn-ea"/>
+                <a:cs typeface="+mn-cs"/>
+              </a:defRPr>
+            </a:lvl6pPr>
+            <a:lvl7pPr marL="2743200" algn="l" defTabSz="914400" rtl="0" eaLnBrk="1" latinLnBrk="0" hangingPunct="1">
+              <a:defRPr sz="1800" kern="1200">
+                <a:solidFill>
+                  <a:schemeClr val="lt1"/>
+                </a:solidFill>
+                <a:latin typeface="+mn-lt"/>
+                <a:ea typeface="+mn-ea"/>
+                <a:cs typeface="+mn-cs"/>
+              </a:defRPr>
+            </a:lvl7pPr>
+            <a:lvl8pPr marL="3200400" algn="l" defTabSz="914400" rtl="0" eaLnBrk="1" latinLnBrk="0" hangingPunct="1">
+              <a:defRPr sz="1800" kern="1200">
+                <a:solidFill>
+                  <a:schemeClr val="lt1"/>
+                </a:solidFill>
+                <a:latin typeface="+mn-lt"/>
+                <a:ea typeface="+mn-ea"/>
+                <a:cs typeface="+mn-cs"/>
+              </a:defRPr>
+            </a:lvl8pPr>
+            <a:lvl9pPr marL="3657600" algn="l" defTabSz="914400" rtl="0" eaLnBrk="1" latinLnBrk="0" hangingPunct="1">
+              <a:defRPr sz="1800" kern="1200">
+                <a:solidFill>
+                  <a:schemeClr val="lt1"/>
+                </a:solidFill>
+                <a:latin typeface="+mn-lt"/>
+                <a:ea typeface="+mn-ea"/>
+                <a:cs typeface="+mn-cs"/>
+              </a:defRPr>
+            </a:lvl9pPr>
+          </a:lstStyle>
           <a:p>
             <a:pPr algn="ctr"/>
-            <a:endParaRPr lang="en-US"/>
+            <a:endParaRPr lang="en-US" dirty="0">
+              <a:solidFill>
+                <a:srgbClr val="FFFFFF"/>
+              </a:solidFill>
+            </a:endParaRPr>
           </a:p>
         </p:txBody>
       </p:sp>
@@ -8628,7 +8463,7 @@
           <p:cNvPr id="2" name="Title 1">
             <a:extLst>
               <a:ext uri="{FF2B5EF4-FFF2-40B4-BE49-F238E27FC236}">
-                <a16:creationId xmlns:a16="http://schemas.microsoft.com/office/drawing/2014/main" id="{242AAF47-7888-478B-96F0-BEB85F97CDA6}"/>
+                <a16:creationId xmlns:a16="http://schemas.microsoft.com/office/drawing/2014/main" id="{B146FBB2-EF63-1C4A-9711-9AE698FA7DDE}"/>
               </a:ext>
             </a:extLst>
           </p:cNvPr>
@@ -8641,200 +8476,48 @@
         </p:nvSpPr>
         <p:spPr>
           <a:xfrm>
-            <a:off x="622570" y="838646"/>
-            <a:ext cx="3709991" cy="5180709"/>
+            <a:off x="365759" y="3794760"/>
+            <a:ext cx="11471565" cy="1739347"/>
           </a:xfrm>
         </p:spPr>
         <p:txBody>
-          <a:bodyPr>
+          <a:bodyPr vert="horz" lIns="91440" tIns="45720" rIns="91440" bIns="45720" rtlCol="0" anchor="ctr">
             <a:normAutofit/>
           </a:bodyPr>
           <a:lstStyle/>
           <a:p>
+            <a:pPr algn="ctr">
+              <a:lnSpc>
+                <a:spcPct val="80000"/>
+              </a:lnSpc>
+            </a:pPr>
             <a:r>
-              <a:rPr lang="en-US" sz="3600" dirty="0"/>
-              <a:t>Team role introductions - </a:t>
+              <a:rPr lang="en-US" sz="6000" spc="150"/>
+              <a:t>TEAM ROLE INTRODUCTIONS</a:t>
             </a:r>
-            <a:r>
-              <a:rPr lang="en-US" sz="3600" dirty="0" err="1"/>
-              <a:t>alex</a:t>
-            </a:r>
-            <a:endParaRPr lang="en-GB" sz="3600" dirty="0"/>
-          </a:p>
-        </p:txBody>
-      </p:sp>
-      <p:sp useBgFill="1">
-        <p:nvSpPr>
-          <p:cNvPr id="10" name="Rectangle 9">
-            <a:extLst>
-              <a:ext uri="{FF2B5EF4-FFF2-40B4-BE49-F238E27FC236}">
-                <a16:creationId xmlns:a16="http://schemas.microsoft.com/office/drawing/2014/main" id="{CE957058-57AD-46A9-BAE9-7145CB3504F9}"/>
-              </a:ext>
-              <a:ext uri="{C183D7F6-B498-43B3-948B-1728B52AA6E4}">
-                <adec:decorative xmlns:adec="http://schemas.microsoft.com/office/drawing/2017/decorative" val="1"/>
-              </a:ext>
-            </a:extLst>
-          </p:cNvPr>
-          <p:cNvSpPr>
-            <a:spLocks noGrp="1" noRot="1" noChangeAspect="1" noMove="1" noResize="1" noEditPoints="1" noAdjustHandles="1" noChangeArrowheads="1" noChangeShapeType="1" noTextEdit="1"/>
-          </p:cNvSpPr>
-          <p:nvPr>
-            <p:extLst>
-              <p:ext uri="{386F3935-93C4-4BCD-93E2-E3B085C9AB24}">
-                <p16:designElem xmlns:p16="http://schemas.microsoft.com/office/powerpoint/2015/main" val="1"/>
-              </p:ext>
-            </p:extLst>
-          </p:nvPr>
-        </p:nvSpPr>
-        <p:spPr>
-          <a:xfrm>
-            <a:off x="4654295" y="-2"/>
-            <a:ext cx="7537703" cy="6858002"/>
-          </a:xfrm>
-          <a:prstGeom prst="rect">
-            <a:avLst/>
-          </a:prstGeom>
-          <a:ln>
-            <a:noFill/>
-          </a:ln>
-        </p:spPr>
-        <p:style>
-          <a:lnRef idx="2">
-            <a:schemeClr val="accent1">
-              <a:shade val="50000"/>
-            </a:schemeClr>
-          </a:lnRef>
-          <a:fillRef idx="1">
-            <a:schemeClr val="accent1"/>
-          </a:fillRef>
-          <a:effectRef idx="0">
-            <a:schemeClr val="accent1"/>
-          </a:effectRef>
-          <a:fontRef idx="minor">
-            <a:schemeClr val="lt1"/>
-          </a:fontRef>
-        </p:style>
-        <p:txBody>
-          <a:bodyPr rtlCol="0" anchor="ctr"/>
-          <a:lstStyle/>
-          <a:p>
-            <a:pPr algn="ctr"/>
-            <a:endParaRPr lang="en-US"/>
-          </a:p>
-        </p:txBody>
-      </p:sp>
-      <p:sp>
-        <p:nvSpPr>
-          <p:cNvPr id="3" name="Content Placeholder 2">
-            <a:extLst>
-              <a:ext uri="{FF2B5EF4-FFF2-40B4-BE49-F238E27FC236}">
-                <a16:creationId xmlns:a16="http://schemas.microsoft.com/office/drawing/2014/main" id="{471CCB88-6F1D-47AA-8042-15BB4B335CD2}"/>
-              </a:ext>
-            </a:extLst>
-          </p:cNvPr>
-          <p:cNvSpPr>
-            <a:spLocks noGrp="1"/>
-          </p:cNvSpPr>
-          <p:nvPr>
-            <p:ph idx="1"/>
-          </p:nvPr>
-        </p:nvSpPr>
-        <p:spPr>
-          <a:xfrm>
-            <a:off x="5163671" y="838647"/>
-            <a:ext cx="5823328" cy="5180708"/>
-          </a:xfrm>
-        </p:spPr>
-        <p:txBody>
-          <a:bodyPr anchor="ctr">
-            <a:normAutofit/>
-          </a:bodyPr>
-          <a:lstStyle/>
-          <a:p>
-            <a:r>
-              <a:rPr lang="en-US" sz="2000" dirty="0">
-                <a:solidFill>
-                  <a:schemeClr val="tx2"/>
-                </a:solidFill>
-              </a:rPr>
-              <a:t>-Mug shot</a:t>
-            </a:r>
-          </a:p>
-          <a:p>
-            <a:r>
-              <a:rPr lang="en-US" sz="2000" dirty="0">
-                <a:solidFill>
-                  <a:schemeClr val="tx2"/>
-                </a:solidFill>
-              </a:rPr>
-              <a:t>Primary and secondary roles</a:t>
-            </a:r>
-          </a:p>
-          <a:p>
-            <a:endParaRPr lang="en-GB" sz="2000" dirty="0">
-              <a:solidFill>
-                <a:schemeClr val="tx2"/>
-              </a:solidFill>
-            </a:endParaRPr>
-          </a:p>
-        </p:txBody>
-      </p:sp>
-      <p:pic>
-        <p:nvPicPr>
-          <p:cNvPr id="6" name="Picture 5" descr="A picture containing drawing&#10;&#10;Description automatically generated">
-            <a:extLst>
-              <a:ext uri="{FF2B5EF4-FFF2-40B4-BE49-F238E27FC236}">
-                <a16:creationId xmlns:a16="http://schemas.microsoft.com/office/drawing/2014/main" id="{430991FC-D000-4AA6-A9C3-0875854E3B4A}"/>
-              </a:ext>
-            </a:extLst>
-          </p:cNvPr>
-          <p:cNvPicPr>
-            <a:picLocks noChangeAspect="1"/>
-          </p:cNvPicPr>
-          <p:nvPr/>
-        </p:nvPicPr>
-        <p:blipFill>
-          <a:blip r:embed="rId2">
-            <a:extLst>
-              <a:ext uri="{28A0092B-C50C-407E-A947-70E740481C1C}">
-                <a14:useLocalDpi xmlns:a14="http://schemas.microsoft.com/office/drawing/2010/main" val="0"/>
-              </a:ext>
-            </a:extLst>
-          </a:blip>
-          <a:stretch>
-            <a:fillRect/>
-          </a:stretch>
-        </p:blipFill>
-        <p:spPr>
-          <a:xfrm>
-            <a:off x="0" y="-23639"/>
-            <a:ext cx="1506507" cy="1506507"/>
-          </a:xfrm>
-          <a:prstGeom prst="rect">
-            <a:avLst/>
-          </a:prstGeom>
-        </p:spPr>
-      </p:pic>
+          </a:p>
+        </p:txBody>
+      </p:sp>
     </p:spTree>
     <p:extLst>
       <p:ext uri="{BB962C8B-B14F-4D97-AF65-F5344CB8AC3E}">
-        <p14:creationId xmlns:p14="http://schemas.microsoft.com/office/powerpoint/2010/main" val="3333649028"/>
+        <p14:creationId xmlns:p14="http://schemas.microsoft.com/office/powerpoint/2010/main" val="1152158538"/>
       </p:ext>
     </p:extLst>
   </p:cSld>
   <p:clrMapOvr>
-    <a:overrideClrMapping bg1="lt1" tx1="dk1" bg2="lt2" tx2="dk2" accent1="accent1" accent2="accent2" accent3="accent3" accent4="accent4" accent5="accent5" accent6="accent6" hlink="hlink" folHlink="folHlink"/>
+    <a:masterClrMapping/>
   </p:clrMapOvr>
 </p:sld>
 </file>
 
-<file path=ppt/slides/slide5.xml><?xml version="1.0" encoding="utf-8"?>
+<file path=ppt/slides/slide3.xml><?xml version="1.0" encoding="utf-8"?>
 <p:sld xmlns:a="http://schemas.openxmlformats.org/drawingml/2006/main" xmlns:r="http://schemas.openxmlformats.org/officeDocument/2006/relationships" xmlns:p="http://schemas.openxmlformats.org/presentationml/2006/main">
   <p:cSld>
     <p:bg>
       <p:bgPr>
         <a:solidFill>
-          <a:schemeClr val="bg1"/>
+          <a:schemeClr val="bg2"/>
         </a:solidFill>
         <a:effectLst/>
       </p:bgPr>
@@ -8855,10 +8538,10 @@
       </p:grpSpPr>
       <p:sp>
         <p:nvSpPr>
-          <p:cNvPr id="8" name="Rectangle 7">
+          <p:cNvPr id="68" name="Rectangle 63">
             <a:extLst>
               <a:ext uri="{FF2B5EF4-FFF2-40B4-BE49-F238E27FC236}">
-                <a16:creationId xmlns:a16="http://schemas.microsoft.com/office/drawing/2014/main" id="{1A6D86F0-98E0-4468-9315-41BF7B0F2E68}"/>
+                <a16:creationId xmlns:a16="http://schemas.microsoft.com/office/drawing/2014/main" id="{53FD8994-38E8-4E51-9444-3447A171944C}"/>
               </a:ext>
               <a:ext uri="{C183D7F6-B498-43B3-948B-1728B52AA6E4}">
                 <adec:decorative xmlns:adec="http://schemas.microsoft.com/office/drawing/2017/decorative" val="1"/>
@@ -8879,13 +8562,75 @@
         <p:spPr>
           <a:xfrm>
             <a:off x="0" y="0"/>
-            <a:ext cx="4654296" cy="6858000"/>
+            <a:ext cx="6125497" cy="6858000"/>
+          </a:xfrm>
+          <a:prstGeom prst="rect">
+            <a:avLst/>
+          </a:prstGeom>
+          <a:ln>
+            <a:noFill/>
+          </a:ln>
+        </p:spPr>
+        <p:style>
+          <a:lnRef idx="2">
+            <a:schemeClr val="accent1">
+              <a:shade val="50000"/>
+            </a:schemeClr>
+          </a:lnRef>
+          <a:fillRef idx="1001">
+            <a:schemeClr val="lt1"/>
+          </a:fillRef>
+          <a:effectRef idx="0">
+            <a:schemeClr val="accent1"/>
+          </a:effectRef>
+          <a:fontRef idx="minor">
+            <a:schemeClr val="lt1"/>
+          </a:fontRef>
+        </p:style>
+        <p:txBody>
+          <a:bodyPr rtlCol="0" anchor="ctr"/>
+          <a:lstStyle/>
+          <a:p>
+            <a:pPr algn="ctr"/>
+            <a:endParaRPr lang="en-US" dirty="0"/>
+          </a:p>
+        </p:txBody>
+      </p:sp>
+      <p:sp>
+        <p:nvSpPr>
+          <p:cNvPr id="69" name="Rectangle 65">
+            <a:extLst>
+              <a:ext uri="{FF2B5EF4-FFF2-40B4-BE49-F238E27FC236}">
+                <a16:creationId xmlns:a16="http://schemas.microsoft.com/office/drawing/2014/main" id="{F71673FE-0587-4591-8D3B-D7F7345E8ACC}"/>
+              </a:ext>
+              <a:ext uri="{C183D7F6-B498-43B3-948B-1728B52AA6E4}">
+                <adec:decorative xmlns:adec="http://schemas.microsoft.com/office/drawing/2017/decorative" val="1"/>
+              </a:ext>
+            </a:extLst>
+          </p:cNvPr>
+          <p:cNvSpPr>
+            <a:spLocks noGrp="1" noRot="1" noChangeAspect="1" noMove="1" noResize="1" noEditPoints="1" noAdjustHandles="1" noChangeArrowheads="1" noChangeShapeType="1" noTextEdit="1"/>
+          </p:cNvSpPr>
+          <p:nvPr>
+            <p:extLst>
+              <p:ext uri="{386F3935-93C4-4BCD-93E2-E3B085C9AB24}">
+                <p16:designElem xmlns:p16="http://schemas.microsoft.com/office/powerpoint/2015/main" val="1"/>
+              </p:ext>
+            </p:extLst>
+          </p:nvPr>
+        </p:nvSpPr>
+        <p:spPr>
+          <a:xfrm>
+            <a:off x="6129910" y="176109"/>
+            <a:ext cx="6059524" cy="1645919"/>
           </a:xfrm>
           <a:prstGeom prst="rect">
             <a:avLst/>
           </a:prstGeom>
           <a:solidFill>
-            <a:schemeClr val="tx2"/>
+            <a:schemeClr val="tx1">
+              <a:alpha val="95000"/>
+            </a:schemeClr>
           </a:solidFill>
           <a:ln>
             <a:noFill/>
@@ -8909,10 +8654,108 @@
         </p:style>
         <p:txBody>
           <a:bodyPr rtlCol="0" anchor="ctr"/>
-          <a:lstStyle/>
+          <a:lstStyle>
+            <a:defPPr>
+              <a:defRPr lang="en-US"/>
+            </a:defPPr>
+            <a:lvl1pPr marL="0" algn="l" defTabSz="914400" rtl="0" eaLnBrk="1" latinLnBrk="0" hangingPunct="1">
+              <a:defRPr sz="1800" kern="1200">
+                <a:solidFill>
+                  <a:schemeClr val="lt1"/>
+                </a:solidFill>
+                <a:latin typeface="+mn-lt"/>
+                <a:ea typeface="+mn-ea"/>
+                <a:cs typeface="+mn-cs"/>
+              </a:defRPr>
+            </a:lvl1pPr>
+            <a:lvl2pPr marL="457200" algn="l" defTabSz="914400" rtl="0" eaLnBrk="1" latinLnBrk="0" hangingPunct="1">
+              <a:defRPr sz="1800" kern="1200">
+                <a:solidFill>
+                  <a:schemeClr val="lt1"/>
+                </a:solidFill>
+                <a:latin typeface="+mn-lt"/>
+                <a:ea typeface="+mn-ea"/>
+                <a:cs typeface="+mn-cs"/>
+              </a:defRPr>
+            </a:lvl2pPr>
+            <a:lvl3pPr marL="914400" algn="l" defTabSz="914400" rtl="0" eaLnBrk="1" latinLnBrk="0" hangingPunct="1">
+              <a:defRPr sz="1800" kern="1200">
+                <a:solidFill>
+                  <a:schemeClr val="lt1"/>
+                </a:solidFill>
+                <a:latin typeface="+mn-lt"/>
+                <a:ea typeface="+mn-ea"/>
+                <a:cs typeface="+mn-cs"/>
+              </a:defRPr>
+            </a:lvl3pPr>
+            <a:lvl4pPr marL="1371600" algn="l" defTabSz="914400" rtl="0" eaLnBrk="1" latinLnBrk="0" hangingPunct="1">
+              <a:defRPr sz="1800" kern="1200">
+                <a:solidFill>
+                  <a:schemeClr val="lt1"/>
+                </a:solidFill>
+                <a:latin typeface="+mn-lt"/>
+                <a:ea typeface="+mn-ea"/>
+                <a:cs typeface="+mn-cs"/>
+              </a:defRPr>
+            </a:lvl4pPr>
+            <a:lvl5pPr marL="1828800" algn="l" defTabSz="914400" rtl="0" eaLnBrk="1" latinLnBrk="0" hangingPunct="1">
+              <a:defRPr sz="1800" kern="1200">
+                <a:solidFill>
+                  <a:schemeClr val="lt1"/>
+                </a:solidFill>
+                <a:latin typeface="+mn-lt"/>
+                <a:ea typeface="+mn-ea"/>
+                <a:cs typeface="+mn-cs"/>
+              </a:defRPr>
+            </a:lvl5pPr>
+            <a:lvl6pPr marL="2286000" algn="l" defTabSz="914400" rtl="0" eaLnBrk="1" latinLnBrk="0" hangingPunct="1">
+              <a:defRPr sz="1800" kern="1200">
+                <a:solidFill>
+                  <a:schemeClr val="lt1"/>
+                </a:solidFill>
+                <a:latin typeface="+mn-lt"/>
+                <a:ea typeface="+mn-ea"/>
+                <a:cs typeface="+mn-cs"/>
+              </a:defRPr>
+            </a:lvl6pPr>
+            <a:lvl7pPr marL="2743200" algn="l" defTabSz="914400" rtl="0" eaLnBrk="1" latinLnBrk="0" hangingPunct="1">
+              <a:defRPr sz="1800" kern="1200">
+                <a:solidFill>
+                  <a:schemeClr val="lt1"/>
+                </a:solidFill>
+                <a:latin typeface="+mn-lt"/>
+                <a:ea typeface="+mn-ea"/>
+                <a:cs typeface="+mn-cs"/>
+              </a:defRPr>
+            </a:lvl7pPr>
+            <a:lvl8pPr marL="3200400" algn="l" defTabSz="914400" rtl="0" eaLnBrk="1" latinLnBrk="0" hangingPunct="1">
+              <a:defRPr sz="1800" kern="1200">
+                <a:solidFill>
+                  <a:schemeClr val="lt1"/>
+                </a:solidFill>
+                <a:latin typeface="+mn-lt"/>
+                <a:ea typeface="+mn-ea"/>
+                <a:cs typeface="+mn-cs"/>
+              </a:defRPr>
+            </a:lvl8pPr>
+            <a:lvl9pPr marL="3657600" algn="l" defTabSz="914400" rtl="0" eaLnBrk="1" latinLnBrk="0" hangingPunct="1">
+              <a:defRPr sz="1800" kern="1200">
+                <a:solidFill>
+                  <a:schemeClr val="lt1"/>
+                </a:solidFill>
+                <a:latin typeface="+mn-lt"/>
+                <a:ea typeface="+mn-ea"/>
+                <a:cs typeface="+mn-cs"/>
+              </a:defRPr>
+            </a:lvl9pPr>
+          </a:lstStyle>
           <a:p>
             <a:pPr algn="ctr"/>
-            <a:endParaRPr lang="en-US"/>
+            <a:endParaRPr lang="en-US" dirty="0">
+              <a:solidFill>
+                <a:srgbClr val="FFFFFF"/>
+              </a:solidFill>
+            </a:endParaRPr>
           </a:p>
         </p:txBody>
       </p:sp>
@@ -8934,8 +8777,8 @@
         </p:nvSpPr>
         <p:spPr>
           <a:xfrm>
-            <a:off x="622570" y="838646"/>
-            <a:ext cx="3709991" cy="5180709"/>
+            <a:off x="6449961" y="284176"/>
+            <a:ext cx="5094980" cy="1508760"/>
           </a:xfrm>
         </p:spPr>
         <p:txBody>
@@ -8945,30 +8788,267 @@
           <a:lstStyle/>
           <a:p>
             <a:r>
-              <a:rPr lang="en-US" sz="3600" dirty="0"/>
-              <a:t>Team role introductions</a:t>
+              <a:rPr lang="en-US"/>
+              <a:t>Zack</a:t>
             </a:r>
-            <a:br>
-              <a:rPr lang="en-US" sz="3600" dirty="0"/>
-            </a:br>
-            <a:r>
-              <a:rPr lang="en-US" sz="3600" dirty="0"/>
-              <a:t>- </a:t>
-            </a:r>
-            <a:r>
-              <a:rPr lang="en-US" sz="3600" dirty="0" err="1"/>
-              <a:t>solomon</a:t>
-            </a:r>
-            <a:endParaRPr lang="en-GB" sz="3600" dirty="0"/>
-          </a:p>
-        </p:txBody>
-      </p:sp>
-      <p:sp useBgFill="1">
-        <p:nvSpPr>
-          <p:cNvPr id="10" name="Rectangle 9">
+            <a:endParaRPr lang="en-GB" dirty="0"/>
+          </a:p>
+        </p:txBody>
+      </p:sp>
+      <p:sp>
+        <p:nvSpPr>
+          <p:cNvPr id="3" name="Content Placeholder 2">
             <a:extLst>
               <a:ext uri="{FF2B5EF4-FFF2-40B4-BE49-F238E27FC236}">
-                <a16:creationId xmlns:a16="http://schemas.microsoft.com/office/drawing/2014/main" id="{CE957058-57AD-46A9-BAE9-7145CB3504F9}"/>
+                <a16:creationId xmlns:a16="http://schemas.microsoft.com/office/drawing/2014/main" id="{471CCB88-6F1D-47AA-8042-15BB4B335CD2}"/>
+              </a:ext>
+            </a:extLst>
+          </p:cNvPr>
+          <p:cNvSpPr>
+            <a:spLocks noGrp="1"/>
+          </p:cNvSpPr>
+          <p:nvPr>
+            <p:ph idx="1"/>
+          </p:nvPr>
+        </p:nvSpPr>
+        <p:spPr>
+          <a:xfrm>
+            <a:off x="6454363" y="2011680"/>
+            <a:ext cx="5090578" cy="4206240"/>
+          </a:xfrm>
+        </p:spPr>
+        <p:txBody>
+          <a:bodyPr>
+            <a:normAutofit/>
+          </a:bodyPr>
+          <a:lstStyle/>
+          <a:p>
+            <a:pPr marL="0" indent="0">
+              <a:buNone/>
+            </a:pPr>
+            <a:r>
+              <a:rPr lang="en-US"/>
+              <a:t>Primary Role:</a:t>
+            </a:r>
+          </a:p>
+          <a:p>
+            <a:r>
+              <a:rPr lang="en-US"/>
+              <a:t>Product Owner</a:t>
+            </a:r>
+          </a:p>
+          <a:p>
+            <a:endParaRPr lang="en-US"/>
+          </a:p>
+          <a:p>
+            <a:pPr marL="0" indent="0">
+              <a:buNone/>
+            </a:pPr>
+            <a:r>
+              <a:rPr lang="en-US"/>
+              <a:t>Secondary Role(s):</a:t>
+            </a:r>
+          </a:p>
+          <a:p>
+            <a:r>
+              <a:rPr lang="en-US"/>
+              <a:t>Secondary Designer</a:t>
+            </a:r>
+          </a:p>
+          <a:p>
+            <a:r>
+              <a:rPr lang="en-US"/>
+              <a:t>Client Liason</a:t>
+            </a:r>
+          </a:p>
+          <a:p>
+            <a:endParaRPr lang="en-GB"/>
+          </a:p>
+        </p:txBody>
+      </p:sp>
+      <p:sp>
+        <p:nvSpPr>
+          <p:cNvPr id="7" name="TextBox 6">
+            <a:extLst>
+              <a:ext uri="{FF2B5EF4-FFF2-40B4-BE49-F238E27FC236}">
+                <a16:creationId xmlns:a16="http://schemas.microsoft.com/office/drawing/2014/main" id="{C06EABB7-F1A6-9A48-9ABF-EA1D3903213B}"/>
+              </a:ext>
+            </a:extLst>
+          </p:cNvPr>
+          <p:cNvSpPr txBox="1"/>
+          <p:nvPr/>
+        </p:nvSpPr>
+        <p:spPr>
+          <a:xfrm>
+            <a:off x="9879724" y="1902372"/>
+            <a:ext cx="184731" cy="369332"/>
+          </a:xfrm>
+          <a:prstGeom prst="rect">
+            <a:avLst/>
+          </a:prstGeom>
+          <a:noFill/>
+        </p:spPr>
+        <p:txBody>
+          <a:bodyPr wrap="none" rtlCol="0">
+            <a:spAutoFit/>
+          </a:bodyPr>
+          <a:lstStyle/>
+          <a:p>
+            <a:endParaRPr lang="en-US" dirty="0"/>
+          </a:p>
+        </p:txBody>
+      </p:sp>
+    </p:spTree>
+    <p:extLst>
+      <p:ext uri="{BB962C8B-B14F-4D97-AF65-F5344CB8AC3E}">
+        <p14:creationId xmlns:p14="http://schemas.microsoft.com/office/powerpoint/2010/main" val="3333649028"/>
+      </p:ext>
+    </p:extLst>
+  </p:cSld>
+  <p:clrMapOvr>
+    <a:masterClrMapping/>
+  </p:clrMapOvr>
+</p:sld>
+</file>
+
+<file path=ppt/slides/slide4.xml><?xml version="1.0" encoding="utf-8"?>
+<p:sld xmlns:a="http://schemas.openxmlformats.org/drawingml/2006/main" xmlns:r="http://schemas.openxmlformats.org/officeDocument/2006/relationships" xmlns:p="http://schemas.openxmlformats.org/presentationml/2006/main">
+  <p:cSld>
+    <p:bg>
+      <p:bgPr>
+        <a:solidFill>
+          <a:schemeClr val="bg2"/>
+        </a:solidFill>
+        <a:effectLst/>
+      </p:bgPr>
+    </p:bg>
+    <p:spTree>
+      <p:nvGrpSpPr>
+        <p:cNvPr id="1" name=""/>
+        <p:cNvGrpSpPr/>
+        <p:nvPr/>
+      </p:nvGrpSpPr>
+      <p:grpSpPr>
+        <a:xfrm>
+          <a:off x="0" y="0"/>
+          <a:ext cx="0" cy="0"/>
+          <a:chOff x="0" y="0"/>
+          <a:chExt cx="0" cy="0"/>
+        </a:xfrm>
+      </p:grpSpPr>
+      <p:sp>
+        <p:nvSpPr>
+          <p:cNvPr id="2" name="Title 1">
+            <a:extLst>
+              <a:ext uri="{FF2B5EF4-FFF2-40B4-BE49-F238E27FC236}">
+                <a16:creationId xmlns:a16="http://schemas.microsoft.com/office/drawing/2014/main" id="{242AAF47-7888-478B-96F0-BEB85F97CDA6}"/>
+              </a:ext>
+            </a:extLst>
+          </p:cNvPr>
+          <p:cNvSpPr>
+            <a:spLocks noGrp="1"/>
+          </p:cNvSpPr>
+          <p:nvPr>
+            <p:ph type="title"/>
+          </p:nvPr>
+        </p:nvSpPr>
+        <p:spPr>
+          <a:xfrm>
+            <a:off x="634277" y="284176"/>
+            <a:ext cx="3670874" cy="1508760"/>
+          </a:xfrm>
+        </p:spPr>
+        <p:txBody>
+          <a:bodyPr>
+            <a:normAutofit/>
+          </a:bodyPr>
+          <a:lstStyle/>
+          <a:p>
+            <a:r>
+              <a:rPr lang="en-US"/>
+              <a:t>Josie</a:t>
+            </a:r>
+            <a:endParaRPr lang="en-GB"/>
+          </a:p>
+        </p:txBody>
+      </p:sp>
+      <p:sp>
+        <p:nvSpPr>
+          <p:cNvPr id="3" name="Content Placeholder 2">
+            <a:extLst>
+              <a:ext uri="{FF2B5EF4-FFF2-40B4-BE49-F238E27FC236}">
+                <a16:creationId xmlns:a16="http://schemas.microsoft.com/office/drawing/2014/main" id="{471CCB88-6F1D-47AA-8042-15BB4B335CD2}"/>
+              </a:ext>
+            </a:extLst>
+          </p:cNvPr>
+          <p:cNvSpPr>
+            <a:spLocks noGrp="1"/>
+          </p:cNvSpPr>
+          <p:nvPr>
+            <p:ph idx="1"/>
+          </p:nvPr>
+        </p:nvSpPr>
+        <p:spPr>
+          <a:xfrm>
+            <a:off x="634277" y="2011680"/>
+            <a:ext cx="3676678" cy="4206240"/>
+          </a:xfrm>
+        </p:spPr>
+        <p:txBody>
+          <a:bodyPr>
+            <a:normAutofit/>
+          </a:bodyPr>
+          <a:lstStyle/>
+          <a:p>
+            <a:pPr marL="0" indent="0">
+              <a:buNone/>
+            </a:pPr>
+            <a:r>
+              <a:rPr lang="en-US"/>
+              <a:t>Primary Role:</a:t>
+            </a:r>
+          </a:p>
+          <a:p>
+            <a:r>
+              <a:rPr lang="en-US"/>
+              <a:t>Scrum Master</a:t>
+            </a:r>
+          </a:p>
+          <a:p>
+            <a:endParaRPr lang="en-US"/>
+          </a:p>
+          <a:p>
+            <a:pPr marL="0" indent="0">
+              <a:buNone/>
+            </a:pPr>
+            <a:r>
+              <a:rPr lang="en-US"/>
+              <a:t>Secondary Role(s):</a:t>
+            </a:r>
+          </a:p>
+          <a:p>
+            <a:r>
+              <a:rPr lang="en-US"/>
+              <a:t>Lead Designer</a:t>
+            </a:r>
+          </a:p>
+          <a:p>
+            <a:r>
+              <a:rPr lang="en-US"/>
+              <a:t>QA Tester</a:t>
+            </a:r>
+          </a:p>
+          <a:p>
+            <a:endParaRPr lang="en-GB"/>
+          </a:p>
+        </p:txBody>
+      </p:sp>
+      <p:sp>
+        <p:nvSpPr>
+          <p:cNvPr id="67" name="Rectangle 62">
+            <a:extLst>
+              <a:ext uri="{FF2B5EF4-FFF2-40B4-BE49-F238E27FC236}">
+                <a16:creationId xmlns:a16="http://schemas.microsoft.com/office/drawing/2014/main" id="{94DBFBD2-23B9-4007-B82F-D0C394407024}"/>
               </a:ext>
               <a:ext uri="{C183D7F6-B498-43B3-948B-1728B52AA6E4}">
                 <adec:decorative xmlns:adec="http://schemas.microsoft.com/office/drawing/2017/decorative" val="1"/>
@@ -8988,12 +9068,210 @@
         </p:nvSpPr>
         <p:spPr>
           <a:xfrm>
-            <a:off x="4654295" y="-2"/>
-            <a:ext cx="7537703" cy="6858002"/>
+            <a:off x="4625190" y="0"/>
+            <a:ext cx="7566810" cy="6858000"/>
           </a:xfrm>
           <a:prstGeom prst="rect">
             <a:avLst/>
           </a:prstGeom>
+          <a:solidFill>
+            <a:schemeClr val="tx1"/>
+          </a:solidFill>
+          <a:ln>
+            <a:noFill/>
+          </a:ln>
+        </p:spPr>
+        <p:style>
+          <a:lnRef idx="2">
+            <a:schemeClr val="accent1">
+              <a:shade val="50000"/>
+            </a:schemeClr>
+          </a:lnRef>
+          <a:fillRef idx="1001">
+            <a:schemeClr val="lt1"/>
+          </a:fillRef>
+          <a:effectRef idx="0">
+            <a:schemeClr val="accent1"/>
+          </a:effectRef>
+          <a:fontRef idx="minor">
+            <a:schemeClr val="lt1"/>
+          </a:fontRef>
+        </p:style>
+        <p:txBody>
+          <a:bodyPr rtlCol="0" anchor="ctr"/>
+          <a:lstStyle/>
+          <a:p>
+            <a:pPr algn="ctr"/>
+            <a:endParaRPr lang="en-US" dirty="0"/>
+          </a:p>
+        </p:txBody>
+      </p:sp>
+      <p:sp>
+        <p:nvSpPr>
+          <p:cNvPr id="7" name="TextBox 6">
+            <a:extLst>
+              <a:ext uri="{FF2B5EF4-FFF2-40B4-BE49-F238E27FC236}">
+                <a16:creationId xmlns:a16="http://schemas.microsoft.com/office/drawing/2014/main" id="{C06EABB7-F1A6-9A48-9ABF-EA1D3903213B}"/>
+              </a:ext>
+            </a:extLst>
+          </p:cNvPr>
+          <p:cNvSpPr txBox="1"/>
+          <p:nvPr/>
+        </p:nvSpPr>
+        <p:spPr>
+          <a:xfrm>
+            <a:off x="9879724" y="1902372"/>
+            <a:ext cx="184731" cy="369332"/>
+          </a:xfrm>
+          <a:prstGeom prst="rect">
+            <a:avLst/>
+          </a:prstGeom>
+          <a:noFill/>
+        </p:spPr>
+        <p:txBody>
+          <a:bodyPr wrap="none" rtlCol="0">
+            <a:spAutoFit/>
+          </a:bodyPr>
+          <a:lstStyle/>
+          <a:p>
+            <a:endParaRPr lang="en-US" dirty="0"/>
+          </a:p>
+        </p:txBody>
+      </p:sp>
+    </p:spTree>
+    <p:extLst>
+      <p:ext uri="{BB962C8B-B14F-4D97-AF65-F5344CB8AC3E}">
+        <p14:creationId xmlns:p14="http://schemas.microsoft.com/office/powerpoint/2010/main" val="3552337688"/>
+      </p:ext>
+    </p:extLst>
+  </p:cSld>
+  <p:clrMapOvr>
+    <a:masterClrMapping/>
+  </p:clrMapOvr>
+</p:sld>
+</file>
+
+<file path=ppt/slides/slide5.xml><?xml version="1.0" encoding="utf-8"?>
+<p:sld xmlns:a="http://schemas.openxmlformats.org/drawingml/2006/main" xmlns:r="http://schemas.openxmlformats.org/officeDocument/2006/relationships" xmlns:p="http://schemas.openxmlformats.org/presentationml/2006/main">
+  <p:cSld>
+    <p:bg>
+      <p:bgPr>
+        <a:solidFill>
+          <a:schemeClr val="bg2"/>
+        </a:solidFill>
+        <a:effectLst/>
+      </p:bgPr>
+    </p:bg>
+    <p:spTree>
+      <p:nvGrpSpPr>
+        <p:cNvPr id="1" name=""/>
+        <p:cNvGrpSpPr/>
+        <p:nvPr/>
+      </p:nvGrpSpPr>
+      <p:grpSpPr>
+        <a:xfrm>
+          <a:off x="0" y="0"/>
+          <a:ext cx="0" cy="0"/>
+          <a:chOff x="0" y="0"/>
+          <a:chExt cx="0" cy="0"/>
+        </a:xfrm>
+      </p:grpSpPr>
+      <p:sp>
+        <p:nvSpPr>
+          <p:cNvPr id="54" name="Rectangle 53">
+            <a:extLst>
+              <a:ext uri="{FF2B5EF4-FFF2-40B4-BE49-F238E27FC236}">
+                <a16:creationId xmlns:a16="http://schemas.microsoft.com/office/drawing/2014/main" id="{53FD8994-38E8-4E51-9444-3447A171944C}"/>
+              </a:ext>
+              <a:ext uri="{C183D7F6-B498-43B3-948B-1728B52AA6E4}">
+                <adec:decorative xmlns:adec="http://schemas.microsoft.com/office/drawing/2017/decorative" val="1"/>
+              </a:ext>
+            </a:extLst>
+          </p:cNvPr>
+          <p:cNvSpPr>
+            <a:spLocks noGrp="1" noRot="1" noChangeAspect="1" noMove="1" noResize="1" noEditPoints="1" noAdjustHandles="1" noChangeArrowheads="1" noChangeShapeType="1" noTextEdit="1"/>
+          </p:cNvSpPr>
+          <p:nvPr>
+            <p:extLst>
+              <p:ext uri="{386F3935-93C4-4BCD-93E2-E3B085C9AB24}">
+                <p16:designElem xmlns:p16="http://schemas.microsoft.com/office/powerpoint/2015/main" val="1"/>
+              </p:ext>
+            </p:extLst>
+          </p:nvPr>
+        </p:nvSpPr>
+        <p:spPr>
+          <a:xfrm>
+            <a:off x="0" y="0"/>
+            <a:ext cx="6125497" cy="6858000"/>
+          </a:xfrm>
+          <a:prstGeom prst="rect">
+            <a:avLst/>
+          </a:prstGeom>
+          <a:ln>
+            <a:noFill/>
+          </a:ln>
+        </p:spPr>
+        <p:style>
+          <a:lnRef idx="2">
+            <a:schemeClr val="accent1">
+              <a:shade val="50000"/>
+            </a:schemeClr>
+          </a:lnRef>
+          <a:fillRef idx="1001">
+            <a:schemeClr val="lt1"/>
+          </a:fillRef>
+          <a:effectRef idx="0">
+            <a:schemeClr val="accent1"/>
+          </a:effectRef>
+          <a:fontRef idx="minor">
+            <a:schemeClr val="lt1"/>
+          </a:fontRef>
+        </p:style>
+        <p:txBody>
+          <a:bodyPr rtlCol="0" anchor="ctr"/>
+          <a:lstStyle/>
+          <a:p>
+            <a:pPr algn="ctr"/>
+            <a:endParaRPr lang="en-US" dirty="0"/>
+          </a:p>
+        </p:txBody>
+      </p:sp>
+      <p:sp>
+        <p:nvSpPr>
+          <p:cNvPr id="56" name="Rectangle 55">
+            <a:extLst>
+              <a:ext uri="{FF2B5EF4-FFF2-40B4-BE49-F238E27FC236}">
+                <a16:creationId xmlns:a16="http://schemas.microsoft.com/office/drawing/2014/main" id="{F71673FE-0587-4591-8D3B-D7F7345E8ACC}"/>
+              </a:ext>
+              <a:ext uri="{C183D7F6-B498-43B3-948B-1728B52AA6E4}">
+                <adec:decorative xmlns:adec="http://schemas.microsoft.com/office/drawing/2017/decorative" val="1"/>
+              </a:ext>
+            </a:extLst>
+          </p:cNvPr>
+          <p:cNvSpPr>
+            <a:spLocks noGrp="1" noRot="1" noChangeAspect="1" noMove="1" noResize="1" noEditPoints="1" noAdjustHandles="1" noChangeArrowheads="1" noChangeShapeType="1" noTextEdit="1"/>
+          </p:cNvSpPr>
+          <p:nvPr>
+            <p:extLst>
+              <p:ext uri="{386F3935-93C4-4BCD-93E2-E3B085C9AB24}">
+                <p16:designElem xmlns:p16="http://schemas.microsoft.com/office/powerpoint/2015/main" val="1"/>
+              </p:ext>
+            </p:extLst>
+          </p:nvPr>
+        </p:nvSpPr>
+        <p:spPr>
+          <a:xfrm>
+            <a:off x="6129910" y="176109"/>
+            <a:ext cx="6059524" cy="1645919"/>
+          </a:xfrm>
+          <a:prstGeom prst="rect">
+            <a:avLst/>
+          </a:prstGeom>
+          <a:solidFill>
+            <a:schemeClr val="tx1">
+              <a:alpha val="95000"/>
+            </a:schemeClr>
+          </a:solidFill>
           <a:ln>
             <a:noFill/>
           </a:ln>
@@ -9016,19 +9294,117 @@
         </p:style>
         <p:txBody>
           <a:bodyPr rtlCol="0" anchor="ctr"/>
-          <a:lstStyle/>
+          <a:lstStyle>
+            <a:defPPr>
+              <a:defRPr lang="en-US"/>
+            </a:defPPr>
+            <a:lvl1pPr marL="0" algn="l" defTabSz="914400" rtl="0" eaLnBrk="1" latinLnBrk="0" hangingPunct="1">
+              <a:defRPr sz="1800" kern="1200">
+                <a:solidFill>
+                  <a:schemeClr val="lt1"/>
+                </a:solidFill>
+                <a:latin typeface="+mn-lt"/>
+                <a:ea typeface="+mn-ea"/>
+                <a:cs typeface="+mn-cs"/>
+              </a:defRPr>
+            </a:lvl1pPr>
+            <a:lvl2pPr marL="457200" algn="l" defTabSz="914400" rtl="0" eaLnBrk="1" latinLnBrk="0" hangingPunct="1">
+              <a:defRPr sz="1800" kern="1200">
+                <a:solidFill>
+                  <a:schemeClr val="lt1"/>
+                </a:solidFill>
+                <a:latin typeface="+mn-lt"/>
+                <a:ea typeface="+mn-ea"/>
+                <a:cs typeface="+mn-cs"/>
+              </a:defRPr>
+            </a:lvl2pPr>
+            <a:lvl3pPr marL="914400" algn="l" defTabSz="914400" rtl="0" eaLnBrk="1" latinLnBrk="0" hangingPunct="1">
+              <a:defRPr sz="1800" kern="1200">
+                <a:solidFill>
+                  <a:schemeClr val="lt1"/>
+                </a:solidFill>
+                <a:latin typeface="+mn-lt"/>
+                <a:ea typeface="+mn-ea"/>
+                <a:cs typeface="+mn-cs"/>
+              </a:defRPr>
+            </a:lvl3pPr>
+            <a:lvl4pPr marL="1371600" algn="l" defTabSz="914400" rtl="0" eaLnBrk="1" latinLnBrk="0" hangingPunct="1">
+              <a:defRPr sz="1800" kern="1200">
+                <a:solidFill>
+                  <a:schemeClr val="lt1"/>
+                </a:solidFill>
+                <a:latin typeface="+mn-lt"/>
+                <a:ea typeface="+mn-ea"/>
+                <a:cs typeface="+mn-cs"/>
+              </a:defRPr>
+            </a:lvl4pPr>
+            <a:lvl5pPr marL="1828800" algn="l" defTabSz="914400" rtl="0" eaLnBrk="1" latinLnBrk="0" hangingPunct="1">
+              <a:defRPr sz="1800" kern="1200">
+                <a:solidFill>
+                  <a:schemeClr val="lt1"/>
+                </a:solidFill>
+                <a:latin typeface="+mn-lt"/>
+                <a:ea typeface="+mn-ea"/>
+                <a:cs typeface="+mn-cs"/>
+              </a:defRPr>
+            </a:lvl5pPr>
+            <a:lvl6pPr marL="2286000" algn="l" defTabSz="914400" rtl="0" eaLnBrk="1" latinLnBrk="0" hangingPunct="1">
+              <a:defRPr sz="1800" kern="1200">
+                <a:solidFill>
+                  <a:schemeClr val="lt1"/>
+                </a:solidFill>
+                <a:latin typeface="+mn-lt"/>
+                <a:ea typeface="+mn-ea"/>
+                <a:cs typeface="+mn-cs"/>
+              </a:defRPr>
+            </a:lvl6pPr>
+            <a:lvl7pPr marL="2743200" algn="l" defTabSz="914400" rtl="0" eaLnBrk="1" latinLnBrk="0" hangingPunct="1">
+              <a:defRPr sz="1800" kern="1200">
+                <a:solidFill>
+                  <a:schemeClr val="lt1"/>
+                </a:solidFill>
+                <a:latin typeface="+mn-lt"/>
+                <a:ea typeface="+mn-ea"/>
+                <a:cs typeface="+mn-cs"/>
+              </a:defRPr>
+            </a:lvl7pPr>
+            <a:lvl8pPr marL="3200400" algn="l" defTabSz="914400" rtl="0" eaLnBrk="1" latinLnBrk="0" hangingPunct="1">
+              <a:defRPr sz="1800" kern="1200">
+                <a:solidFill>
+                  <a:schemeClr val="lt1"/>
+                </a:solidFill>
+                <a:latin typeface="+mn-lt"/>
+                <a:ea typeface="+mn-ea"/>
+                <a:cs typeface="+mn-cs"/>
+              </a:defRPr>
+            </a:lvl8pPr>
+            <a:lvl9pPr marL="3657600" algn="l" defTabSz="914400" rtl="0" eaLnBrk="1" latinLnBrk="0" hangingPunct="1">
+              <a:defRPr sz="1800" kern="1200">
+                <a:solidFill>
+                  <a:schemeClr val="lt1"/>
+                </a:solidFill>
+                <a:latin typeface="+mn-lt"/>
+                <a:ea typeface="+mn-ea"/>
+                <a:cs typeface="+mn-cs"/>
+              </a:defRPr>
+            </a:lvl9pPr>
+          </a:lstStyle>
           <a:p>
             <a:pPr algn="ctr"/>
-            <a:endParaRPr lang="en-US"/>
-          </a:p>
-        </p:txBody>
-      </p:sp>
-      <p:sp>
-        <p:nvSpPr>
-          <p:cNvPr id="3" name="Content Placeholder 2">
+            <a:endParaRPr lang="en-US" dirty="0">
+              <a:solidFill>
+                <a:srgbClr val="FFFFFF"/>
+              </a:solidFill>
+            </a:endParaRPr>
+          </a:p>
+        </p:txBody>
+      </p:sp>
+      <p:sp>
+        <p:nvSpPr>
+          <p:cNvPr id="2" name="Title 1">
             <a:extLst>
               <a:ext uri="{FF2B5EF4-FFF2-40B4-BE49-F238E27FC236}">
-                <a16:creationId xmlns:a16="http://schemas.microsoft.com/office/drawing/2014/main" id="{471CCB88-6F1D-47AA-8042-15BB4B335CD2}"/>
+                <a16:creationId xmlns:a16="http://schemas.microsoft.com/office/drawing/2014/main" id="{242AAF47-7888-478B-96F0-BEB85F97CDA6}"/>
               </a:ext>
             </a:extLst>
           </p:cNvPr>
@@ -9036,55 +9412,35 @@
             <a:spLocks noGrp="1"/>
           </p:cNvSpPr>
           <p:nvPr>
-            <p:ph idx="1"/>
+            <p:ph type="title"/>
           </p:nvPr>
         </p:nvSpPr>
         <p:spPr>
           <a:xfrm>
-            <a:off x="5163671" y="838647"/>
-            <a:ext cx="5823328" cy="5180708"/>
+            <a:off x="6449961" y="284176"/>
+            <a:ext cx="5094980" cy="1508760"/>
           </a:xfrm>
         </p:spPr>
         <p:txBody>
-          <a:bodyPr anchor="ctr">
+          <a:bodyPr>
             <a:normAutofit/>
           </a:bodyPr>
           <a:lstStyle/>
           <a:p>
             <a:r>
-              <a:rPr lang="en-US" sz="2000" dirty="0">
-                <a:solidFill>
-                  <a:schemeClr val="tx2"/>
-                </a:solidFill>
-              </a:rPr>
-              <a:t>-Mug shot</a:t>
+              <a:rPr lang="en-US"/>
+              <a:t>ALEX</a:t>
             </a:r>
-          </a:p>
-          <a:p>
-            <a:r>
-              <a:rPr lang="en-US" sz="2000" dirty="0">
-                <a:solidFill>
-                  <a:schemeClr val="tx2"/>
-                </a:solidFill>
-              </a:rPr>
-              <a:t>Primary and secondary roles</a:t>
-            </a:r>
-          </a:p>
-          <a:p>
-            <a:endParaRPr lang="en-GB" sz="2000" dirty="0">
-              <a:solidFill>
-                <a:schemeClr val="tx2"/>
-              </a:solidFill>
-            </a:endParaRPr>
+            <a:endParaRPr lang="en-GB"/>
           </a:p>
         </p:txBody>
       </p:sp>
       <p:pic>
         <p:nvPicPr>
-          <p:cNvPr id="6" name="Picture 5" descr="A picture containing drawing&#10;&#10;Description automatically generated">
+          <p:cNvPr id="5" name="Picture 4" descr="A person smiling for the camera&#10;&#10;Description automatically generated">
             <a:extLst>
               <a:ext uri="{FF2B5EF4-FFF2-40B4-BE49-F238E27FC236}">
-                <a16:creationId xmlns:a16="http://schemas.microsoft.com/office/drawing/2014/main" id="{5A70A6DB-3878-413C-A361-C13FEEEB03C5}"/>
+                <a16:creationId xmlns:a16="http://schemas.microsoft.com/office/drawing/2014/main" id="{A5218F41-AD27-DD42-9CE1-D8A453B176B6}"/>
               </a:ext>
             </a:extLst>
           </p:cNvPr>
@@ -9093,7 +9449,7 @@
           </p:cNvPicPr>
           <p:nvPr/>
         </p:nvPicPr>
-        <p:blipFill>
+        <p:blipFill rotWithShape="1">
           <a:blip r:embed="rId2">
             <a:extLst>
               <a:ext uri="{28A0092B-C50C-407E-A947-70E740481C1C}">
@@ -9101,20 +9457,330 @@
               </a:ext>
             </a:extLst>
           </a:blip>
-          <a:stretch>
-            <a:fillRect/>
-          </a:stretch>
+          <a:srcRect t="5471" r="-3" b="9968"/>
+          <a:stretch/>
         </p:blipFill>
         <p:spPr>
           <a:xfrm>
-            <a:off x="0" y="-23639"/>
-            <a:ext cx="1506507" cy="1506507"/>
+            <a:off x="634275" y="598634"/>
+            <a:ext cx="4851141" cy="5619286"/>
           </a:xfrm>
           <a:prstGeom prst="rect">
             <a:avLst/>
           </a:prstGeom>
         </p:spPr>
       </p:pic>
+      <p:sp>
+        <p:nvSpPr>
+          <p:cNvPr id="3" name="Content Placeholder 2">
+            <a:extLst>
+              <a:ext uri="{FF2B5EF4-FFF2-40B4-BE49-F238E27FC236}">
+                <a16:creationId xmlns:a16="http://schemas.microsoft.com/office/drawing/2014/main" id="{471CCB88-6F1D-47AA-8042-15BB4B335CD2}"/>
+              </a:ext>
+            </a:extLst>
+          </p:cNvPr>
+          <p:cNvSpPr>
+            <a:spLocks noGrp="1"/>
+          </p:cNvSpPr>
+          <p:nvPr>
+            <p:ph idx="1"/>
+          </p:nvPr>
+        </p:nvSpPr>
+        <p:spPr>
+          <a:xfrm>
+            <a:off x="6454363" y="2011680"/>
+            <a:ext cx="5090578" cy="4206240"/>
+          </a:xfrm>
+        </p:spPr>
+        <p:txBody>
+          <a:bodyPr>
+            <a:normAutofit/>
+          </a:bodyPr>
+          <a:lstStyle/>
+          <a:p>
+            <a:pPr marL="0" indent="0">
+              <a:buNone/>
+            </a:pPr>
+            <a:r>
+              <a:rPr lang="en-US"/>
+              <a:t>Primary Role:</a:t>
+            </a:r>
+          </a:p>
+          <a:p>
+            <a:r>
+              <a:rPr lang="en-US"/>
+              <a:t>Technical Lead</a:t>
+            </a:r>
+          </a:p>
+          <a:p>
+            <a:endParaRPr lang="en-US"/>
+          </a:p>
+          <a:p>
+            <a:pPr marL="0" indent="0">
+              <a:buNone/>
+            </a:pPr>
+            <a:r>
+              <a:rPr lang="en-US"/>
+              <a:t>Secondary Role(s):</a:t>
+            </a:r>
+          </a:p>
+          <a:p>
+            <a:r>
+              <a:rPr lang="en-US"/>
+              <a:t>Codebase Manager</a:t>
+            </a:r>
+          </a:p>
+          <a:p>
+            <a:r>
+              <a:rPr lang="en-US"/>
+              <a:t>QA Tester</a:t>
+            </a:r>
+          </a:p>
+          <a:p>
+            <a:endParaRPr lang="en-GB"/>
+          </a:p>
+        </p:txBody>
+      </p:sp>
+      <p:sp>
+        <p:nvSpPr>
+          <p:cNvPr id="7" name="TextBox 6">
+            <a:extLst>
+              <a:ext uri="{FF2B5EF4-FFF2-40B4-BE49-F238E27FC236}">
+                <a16:creationId xmlns:a16="http://schemas.microsoft.com/office/drawing/2014/main" id="{C06EABB7-F1A6-9A48-9ABF-EA1D3903213B}"/>
+              </a:ext>
+            </a:extLst>
+          </p:cNvPr>
+          <p:cNvSpPr txBox="1"/>
+          <p:nvPr/>
+        </p:nvSpPr>
+        <p:spPr>
+          <a:xfrm>
+            <a:off x="9879724" y="1902372"/>
+            <a:ext cx="184731" cy="369332"/>
+          </a:xfrm>
+          <a:prstGeom prst="rect">
+            <a:avLst/>
+          </a:prstGeom>
+          <a:noFill/>
+        </p:spPr>
+        <p:txBody>
+          <a:bodyPr wrap="none" rtlCol="0">
+            <a:spAutoFit/>
+          </a:bodyPr>
+          <a:lstStyle/>
+          <a:p>
+            <a:endParaRPr lang="en-US" dirty="0"/>
+          </a:p>
+        </p:txBody>
+      </p:sp>
+    </p:spTree>
+    <p:extLst>
+      <p:ext uri="{BB962C8B-B14F-4D97-AF65-F5344CB8AC3E}">
+        <p14:creationId xmlns:p14="http://schemas.microsoft.com/office/powerpoint/2010/main" val="1156835308"/>
+      </p:ext>
+    </p:extLst>
+  </p:cSld>
+  <p:clrMapOvr>
+    <a:masterClrMapping/>
+  </p:clrMapOvr>
+</p:sld>
+</file>
+
+<file path=ppt/slides/slide6.xml><?xml version="1.0" encoding="utf-8"?>
+<p:sld xmlns:a="http://schemas.openxmlformats.org/drawingml/2006/main" xmlns:r="http://schemas.openxmlformats.org/officeDocument/2006/relationships" xmlns:p="http://schemas.openxmlformats.org/presentationml/2006/main">
+  <p:cSld>
+    <p:bg>
+      <p:bgPr>
+        <a:solidFill>
+          <a:schemeClr val="bg2"/>
+        </a:solidFill>
+        <a:effectLst/>
+      </p:bgPr>
+    </p:bg>
+    <p:spTree>
+      <p:nvGrpSpPr>
+        <p:cNvPr id="1" name=""/>
+        <p:cNvGrpSpPr/>
+        <p:nvPr/>
+      </p:nvGrpSpPr>
+      <p:grpSpPr>
+        <a:xfrm>
+          <a:off x="0" y="0"/>
+          <a:ext cx="0" cy="0"/>
+          <a:chOff x="0" y="0"/>
+          <a:chExt cx="0" cy="0"/>
+        </a:xfrm>
+      </p:grpSpPr>
+      <p:sp>
+        <p:nvSpPr>
+          <p:cNvPr id="2" name="Title 1">
+            <a:extLst>
+              <a:ext uri="{FF2B5EF4-FFF2-40B4-BE49-F238E27FC236}">
+                <a16:creationId xmlns:a16="http://schemas.microsoft.com/office/drawing/2014/main" id="{242AAF47-7888-478B-96F0-BEB85F97CDA6}"/>
+              </a:ext>
+            </a:extLst>
+          </p:cNvPr>
+          <p:cNvSpPr>
+            <a:spLocks noGrp="1"/>
+          </p:cNvSpPr>
+          <p:nvPr>
+            <p:ph type="title"/>
+          </p:nvPr>
+        </p:nvSpPr>
+        <p:spPr>
+          <a:xfrm>
+            <a:off x="634277" y="284176"/>
+            <a:ext cx="3670874" cy="1508760"/>
+          </a:xfrm>
+        </p:spPr>
+        <p:txBody>
+          <a:bodyPr>
+            <a:normAutofit/>
+          </a:bodyPr>
+          <a:lstStyle/>
+          <a:p>
+            <a:r>
+              <a:rPr lang="en-US"/>
+              <a:t>SOLOMON</a:t>
+            </a:r>
+            <a:endParaRPr lang="en-GB"/>
+          </a:p>
+        </p:txBody>
+      </p:sp>
+      <p:sp>
+        <p:nvSpPr>
+          <p:cNvPr id="3" name="Content Placeholder 2">
+            <a:extLst>
+              <a:ext uri="{FF2B5EF4-FFF2-40B4-BE49-F238E27FC236}">
+                <a16:creationId xmlns:a16="http://schemas.microsoft.com/office/drawing/2014/main" id="{471CCB88-6F1D-47AA-8042-15BB4B335CD2}"/>
+              </a:ext>
+            </a:extLst>
+          </p:cNvPr>
+          <p:cNvSpPr>
+            <a:spLocks noGrp="1"/>
+          </p:cNvSpPr>
+          <p:nvPr>
+            <p:ph idx="1"/>
+          </p:nvPr>
+        </p:nvSpPr>
+        <p:spPr>
+          <a:xfrm>
+            <a:off x="634277" y="2011680"/>
+            <a:ext cx="3676678" cy="4206240"/>
+          </a:xfrm>
+        </p:spPr>
+        <p:txBody>
+          <a:bodyPr>
+            <a:normAutofit/>
+          </a:bodyPr>
+          <a:lstStyle/>
+          <a:p>
+            <a:pPr marL="0" indent="0">
+              <a:buNone/>
+            </a:pPr>
+            <a:r>
+              <a:rPr lang="en-US"/>
+              <a:t>Primary Role:</a:t>
+            </a:r>
+          </a:p>
+          <a:p>
+            <a:r>
+              <a:rPr lang="en-US"/>
+              <a:t>Technical Lead</a:t>
+            </a:r>
+          </a:p>
+          <a:p>
+            <a:endParaRPr lang="en-US"/>
+          </a:p>
+          <a:p>
+            <a:pPr marL="0" indent="0">
+              <a:buNone/>
+            </a:pPr>
+            <a:r>
+              <a:rPr lang="en-US"/>
+              <a:t>Secondary Role(s):</a:t>
+            </a:r>
+          </a:p>
+          <a:p>
+            <a:r>
+              <a:rPr lang="en-US"/>
+              <a:t>Repo Manager</a:t>
+            </a:r>
+          </a:p>
+          <a:p>
+            <a:r>
+              <a:rPr lang="en-US"/>
+              <a:t>Technical Relations Manager</a:t>
+            </a:r>
+          </a:p>
+          <a:p>
+            <a:endParaRPr lang="en-GB"/>
+          </a:p>
+        </p:txBody>
+      </p:sp>
+      <p:sp>
+        <p:nvSpPr>
+          <p:cNvPr id="55" name="Rectangle 48">
+            <a:extLst>
+              <a:ext uri="{FF2B5EF4-FFF2-40B4-BE49-F238E27FC236}">
+                <a16:creationId xmlns:a16="http://schemas.microsoft.com/office/drawing/2014/main" id="{94DBFBD2-23B9-4007-B82F-D0C394407024}"/>
+              </a:ext>
+              <a:ext uri="{C183D7F6-B498-43B3-948B-1728B52AA6E4}">
+                <adec:decorative xmlns:adec="http://schemas.microsoft.com/office/drawing/2017/decorative" val="1"/>
+              </a:ext>
+            </a:extLst>
+          </p:cNvPr>
+          <p:cNvSpPr>
+            <a:spLocks noGrp="1" noRot="1" noChangeAspect="1" noMove="1" noResize="1" noEditPoints="1" noAdjustHandles="1" noChangeArrowheads="1" noChangeShapeType="1" noTextEdit="1"/>
+          </p:cNvSpPr>
+          <p:nvPr>
+            <p:extLst>
+              <p:ext uri="{386F3935-93C4-4BCD-93E2-E3B085C9AB24}">
+                <p16:designElem xmlns:p16="http://schemas.microsoft.com/office/powerpoint/2015/main" val="1"/>
+              </p:ext>
+            </p:extLst>
+          </p:nvPr>
+        </p:nvSpPr>
+        <p:spPr>
+          <a:xfrm>
+            <a:off x="4625190" y="0"/>
+            <a:ext cx="7566810" cy="6858000"/>
+          </a:xfrm>
+          <a:prstGeom prst="rect">
+            <a:avLst/>
+          </a:prstGeom>
+          <a:solidFill>
+            <a:schemeClr val="tx1"/>
+          </a:solidFill>
+          <a:ln>
+            <a:noFill/>
+          </a:ln>
+        </p:spPr>
+        <p:style>
+          <a:lnRef idx="2">
+            <a:schemeClr val="accent1">
+              <a:shade val="50000"/>
+            </a:schemeClr>
+          </a:lnRef>
+          <a:fillRef idx="1001">
+            <a:schemeClr val="lt1"/>
+          </a:fillRef>
+          <a:effectRef idx="0">
+            <a:schemeClr val="accent1"/>
+          </a:effectRef>
+          <a:fontRef idx="minor">
+            <a:schemeClr val="lt1"/>
+          </a:fontRef>
+        </p:style>
+        <p:txBody>
+          <a:bodyPr rtlCol="0" anchor="ctr"/>
+          <a:lstStyle/>
+          <a:p>
+            <a:pPr algn="ctr"/>
+            <a:endParaRPr lang="en-US" dirty="0"/>
+          </a:p>
+        </p:txBody>
+      </p:sp>
     </p:spTree>
     <p:extLst>
       <p:ext uri="{BB962C8B-B14F-4D97-AF65-F5344CB8AC3E}">
@@ -9123,12 +9789,12 @@
     </p:extLst>
   </p:cSld>
   <p:clrMapOvr>
-    <a:overrideClrMapping bg1="lt1" tx1="dk1" bg2="lt2" tx2="dk2" accent1="accent1" accent2="accent2" accent3="accent3" accent4="accent4" accent5="accent5" accent6="accent6" hlink="hlink" folHlink="folHlink"/>
+    <a:masterClrMapping/>
   </p:clrMapOvr>
 </p:sld>
 </file>
 
-<file path=ppt/slides/slide6.xml><?xml version="1.0" encoding="utf-8"?>
+<file path=ppt/slides/slide7.xml><?xml version="1.0" encoding="utf-8"?>
 <p:sld xmlns:a="http://schemas.openxmlformats.org/drawingml/2006/main" xmlns:r="http://schemas.openxmlformats.org/officeDocument/2006/relationships" xmlns:p="http://schemas.openxmlformats.org/presentationml/2006/main">
   <p:cSld>
     <p:spTree>
@@ -9250,7 +9916,7 @@
 </p:sld>
 </file>
 
-<file path=ppt/slides/slide7.xml><?xml version="1.0" encoding="utf-8"?>
+<file path=ppt/slides/slide8.xml><?xml version="1.0" encoding="utf-8"?>
 <p:sld xmlns:a="http://schemas.openxmlformats.org/drawingml/2006/main" xmlns:r="http://schemas.openxmlformats.org/officeDocument/2006/relationships" xmlns:p="http://schemas.openxmlformats.org/presentationml/2006/main">
   <p:cSld>
     <p:spTree>
@@ -9370,7 +10036,7 @@
 </p:sld>
 </file>
 
-<file path=ppt/slides/slide8.xml><?xml version="1.0" encoding="utf-8"?>
+<file path=ppt/slides/slide9.xml><?xml version="1.0" encoding="utf-8"?>
 <p:sld xmlns:a="http://schemas.openxmlformats.org/drawingml/2006/main" xmlns:r="http://schemas.openxmlformats.org/officeDocument/2006/relationships" xmlns:p="http://schemas.openxmlformats.org/presentationml/2006/main">
   <p:cSld>
     <p:bg>
@@ -9705,126 +10371,6 @@
   </p:cSld>
   <p:clrMapOvr>
     <a:overrideClrMapping bg1="lt1" tx1="dk1" bg2="lt2" tx2="dk2" accent1="accent1" accent2="accent2" accent3="accent3" accent4="accent4" accent5="accent5" accent6="accent6" hlink="hlink" folHlink="folHlink"/>
-  </p:clrMapOvr>
-</p:sld>
-</file>
-
-<file path=ppt/slides/slide9.xml><?xml version="1.0" encoding="utf-8"?>
-<p:sld xmlns:a="http://schemas.openxmlformats.org/drawingml/2006/main" xmlns:r="http://schemas.openxmlformats.org/officeDocument/2006/relationships" xmlns:p="http://schemas.openxmlformats.org/presentationml/2006/main">
-  <p:cSld>
-    <p:spTree>
-      <p:nvGrpSpPr>
-        <p:cNvPr id="1" name=""/>
-        <p:cNvGrpSpPr/>
-        <p:nvPr/>
-      </p:nvGrpSpPr>
-      <p:grpSpPr>
-        <a:xfrm>
-          <a:off x="0" y="0"/>
-          <a:ext cx="0" cy="0"/>
-          <a:chOff x="0" y="0"/>
-          <a:chExt cx="0" cy="0"/>
-        </a:xfrm>
-      </p:grpSpPr>
-      <p:sp>
-        <p:nvSpPr>
-          <p:cNvPr id="2" name="Title 1">
-            <a:extLst>
-              <a:ext uri="{FF2B5EF4-FFF2-40B4-BE49-F238E27FC236}">
-                <a16:creationId xmlns:a16="http://schemas.microsoft.com/office/drawing/2014/main" id="{2BD3129F-8361-4AE5-B2A4-0C52571BB84E}"/>
-              </a:ext>
-            </a:extLst>
-          </p:cNvPr>
-          <p:cNvSpPr>
-            <a:spLocks noGrp="1"/>
-          </p:cNvSpPr>
-          <p:nvPr>
-            <p:ph type="title"/>
-          </p:nvPr>
-        </p:nvSpPr>
-        <p:spPr/>
-        <p:txBody>
-          <a:bodyPr/>
-          <a:lstStyle/>
-          <a:p>
-            <a:r>
-              <a:rPr lang="en-US" dirty="0"/>
-              <a:t>Processes used</a:t>
-            </a:r>
-            <a:endParaRPr lang="en-GB" dirty="0"/>
-          </a:p>
-        </p:txBody>
-      </p:sp>
-      <p:sp>
-        <p:nvSpPr>
-          <p:cNvPr id="3" name="Content Placeholder 2">
-            <a:extLst>
-              <a:ext uri="{FF2B5EF4-FFF2-40B4-BE49-F238E27FC236}">
-                <a16:creationId xmlns:a16="http://schemas.microsoft.com/office/drawing/2014/main" id="{E6490FFA-79CB-4876-8987-89C5113E0593}"/>
-              </a:ext>
-            </a:extLst>
-          </p:cNvPr>
-          <p:cNvSpPr>
-            <a:spLocks noGrp="1"/>
-          </p:cNvSpPr>
-          <p:nvPr>
-            <p:ph idx="1"/>
-          </p:nvPr>
-        </p:nvSpPr>
-        <p:spPr/>
-        <p:txBody>
-          <a:bodyPr/>
-          <a:lstStyle/>
-          <a:p>
-            <a:endParaRPr lang="en-GB" dirty="0"/>
-          </a:p>
-        </p:txBody>
-      </p:sp>
-      <p:pic>
-        <p:nvPicPr>
-          <p:cNvPr id="4" name="Picture 3" descr="A picture containing drawing&#10;&#10;Description automatically generated">
-            <a:extLst>
-              <a:ext uri="{FF2B5EF4-FFF2-40B4-BE49-F238E27FC236}">
-                <a16:creationId xmlns:a16="http://schemas.microsoft.com/office/drawing/2014/main" id="{0C72EFB7-E9E3-4B9A-B96F-4F33E41B3944}"/>
-              </a:ext>
-            </a:extLst>
-          </p:cNvPr>
-          <p:cNvPicPr>
-            <a:picLocks noChangeAspect="1"/>
-          </p:cNvPicPr>
-          <p:nvPr/>
-        </p:nvPicPr>
-        <p:blipFill>
-          <a:blip r:embed="rId2">
-            <a:extLst>
-              <a:ext uri="{28A0092B-C50C-407E-A947-70E740481C1C}">
-                <a14:useLocalDpi xmlns:a14="http://schemas.microsoft.com/office/drawing/2010/main" val="0"/>
-              </a:ext>
-            </a:extLst>
-          </a:blip>
-          <a:stretch>
-            <a:fillRect/>
-          </a:stretch>
-        </p:blipFill>
-        <p:spPr>
-          <a:xfrm>
-            <a:off x="10588487" y="284176"/>
-            <a:ext cx="1506507" cy="1506507"/>
-          </a:xfrm>
-          <a:prstGeom prst="rect">
-            <a:avLst/>
-          </a:prstGeom>
-        </p:spPr>
-      </p:pic>
-    </p:spTree>
-    <p:extLst>
-      <p:ext uri="{BB962C8B-B14F-4D97-AF65-F5344CB8AC3E}">
-        <p14:creationId xmlns:p14="http://schemas.microsoft.com/office/powerpoint/2010/main" val="1207510954"/>
-      </p:ext>
-    </p:extLst>
-  </p:cSld>
-  <p:clrMapOvr>
-    <a:masterClrMapping/>
   </p:clrMapOvr>
 </p:sld>
 </file>

--- a/Documentation/Team Presentation.pptx
+++ b/Documentation/Team Presentation.pptx
@@ -8938,247 +8938,7 @@
       </p:grpSpPr>
       <p:sp>
         <p:nvSpPr>
-          <p:cNvPr id="2" name="Title 1">
-            <a:extLst>
-              <a:ext uri="{FF2B5EF4-FFF2-40B4-BE49-F238E27FC236}">
-                <a16:creationId xmlns:a16="http://schemas.microsoft.com/office/drawing/2014/main" id="{242AAF47-7888-478B-96F0-BEB85F97CDA6}"/>
-              </a:ext>
-            </a:extLst>
-          </p:cNvPr>
-          <p:cNvSpPr>
-            <a:spLocks noGrp="1"/>
-          </p:cNvSpPr>
-          <p:nvPr>
-            <p:ph type="title"/>
-          </p:nvPr>
-        </p:nvSpPr>
-        <p:spPr>
-          <a:xfrm>
-            <a:off x="634277" y="284176"/>
-            <a:ext cx="3670874" cy="1508760"/>
-          </a:xfrm>
-        </p:spPr>
-        <p:txBody>
-          <a:bodyPr>
-            <a:normAutofit/>
-          </a:bodyPr>
-          <a:lstStyle/>
-          <a:p>
-            <a:r>
-              <a:rPr lang="en-US"/>
-              <a:t>Josie</a:t>
-            </a:r>
-            <a:endParaRPr lang="en-GB"/>
-          </a:p>
-        </p:txBody>
-      </p:sp>
-      <p:sp>
-        <p:nvSpPr>
-          <p:cNvPr id="3" name="Content Placeholder 2">
-            <a:extLst>
-              <a:ext uri="{FF2B5EF4-FFF2-40B4-BE49-F238E27FC236}">
-                <a16:creationId xmlns:a16="http://schemas.microsoft.com/office/drawing/2014/main" id="{471CCB88-6F1D-47AA-8042-15BB4B335CD2}"/>
-              </a:ext>
-            </a:extLst>
-          </p:cNvPr>
-          <p:cNvSpPr>
-            <a:spLocks noGrp="1"/>
-          </p:cNvSpPr>
-          <p:nvPr>
-            <p:ph idx="1"/>
-          </p:nvPr>
-        </p:nvSpPr>
-        <p:spPr>
-          <a:xfrm>
-            <a:off x="634277" y="2011680"/>
-            <a:ext cx="3676678" cy="4206240"/>
-          </a:xfrm>
-        </p:spPr>
-        <p:txBody>
-          <a:bodyPr>
-            <a:normAutofit/>
-          </a:bodyPr>
-          <a:lstStyle/>
-          <a:p>
-            <a:pPr marL="0" indent="0">
-              <a:buNone/>
-            </a:pPr>
-            <a:r>
-              <a:rPr lang="en-US"/>
-              <a:t>Primary Role:</a:t>
-            </a:r>
-          </a:p>
-          <a:p>
-            <a:r>
-              <a:rPr lang="en-US"/>
-              <a:t>Scrum Master</a:t>
-            </a:r>
-          </a:p>
-          <a:p>
-            <a:endParaRPr lang="en-US"/>
-          </a:p>
-          <a:p>
-            <a:pPr marL="0" indent="0">
-              <a:buNone/>
-            </a:pPr>
-            <a:r>
-              <a:rPr lang="en-US"/>
-              <a:t>Secondary Role(s):</a:t>
-            </a:r>
-          </a:p>
-          <a:p>
-            <a:r>
-              <a:rPr lang="en-US"/>
-              <a:t>Lead Designer</a:t>
-            </a:r>
-          </a:p>
-          <a:p>
-            <a:r>
-              <a:rPr lang="en-US"/>
-              <a:t>QA Tester</a:t>
-            </a:r>
-          </a:p>
-          <a:p>
-            <a:endParaRPr lang="en-GB"/>
-          </a:p>
-        </p:txBody>
-      </p:sp>
-      <p:sp>
-        <p:nvSpPr>
-          <p:cNvPr id="67" name="Rectangle 62">
-            <a:extLst>
-              <a:ext uri="{FF2B5EF4-FFF2-40B4-BE49-F238E27FC236}">
-                <a16:creationId xmlns:a16="http://schemas.microsoft.com/office/drawing/2014/main" id="{94DBFBD2-23B9-4007-B82F-D0C394407024}"/>
-              </a:ext>
-              <a:ext uri="{C183D7F6-B498-43B3-948B-1728B52AA6E4}">
-                <adec:decorative xmlns:adec="http://schemas.microsoft.com/office/drawing/2017/decorative" val="1"/>
-              </a:ext>
-            </a:extLst>
-          </p:cNvPr>
-          <p:cNvSpPr>
-            <a:spLocks noGrp="1" noRot="1" noChangeAspect="1" noMove="1" noResize="1" noEditPoints="1" noAdjustHandles="1" noChangeArrowheads="1" noChangeShapeType="1" noTextEdit="1"/>
-          </p:cNvSpPr>
-          <p:nvPr>
-            <p:extLst>
-              <p:ext uri="{386F3935-93C4-4BCD-93E2-E3B085C9AB24}">
-                <p16:designElem xmlns:p16="http://schemas.microsoft.com/office/powerpoint/2015/main" val="1"/>
-              </p:ext>
-            </p:extLst>
-          </p:nvPr>
-        </p:nvSpPr>
-        <p:spPr>
-          <a:xfrm>
-            <a:off x="4625190" y="0"/>
-            <a:ext cx="7566810" cy="6858000"/>
-          </a:xfrm>
-          <a:prstGeom prst="rect">
-            <a:avLst/>
-          </a:prstGeom>
-          <a:solidFill>
-            <a:schemeClr val="tx1"/>
-          </a:solidFill>
-          <a:ln>
-            <a:noFill/>
-          </a:ln>
-        </p:spPr>
-        <p:style>
-          <a:lnRef idx="2">
-            <a:schemeClr val="accent1">
-              <a:shade val="50000"/>
-            </a:schemeClr>
-          </a:lnRef>
-          <a:fillRef idx="1001">
-            <a:schemeClr val="lt1"/>
-          </a:fillRef>
-          <a:effectRef idx="0">
-            <a:schemeClr val="accent1"/>
-          </a:effectRef>
-          <a:fontRef idx="minor">
-            <a:schemeClr val="lt1"/>
-          </a:fontRef>
-        </p:style>
-        <p:txBody>
-          <a:bodyPr rtlCol="0" anchor="ctr"/>
-          <a:lstStyle/>
-          <a:p>
-            <a:pPr algn="ctr"/>
-            <a:endParaRPr lang="en-US" dirty="0"/>
-          </a:p>
-        </p:txBody>
-      </p:sp>
-      <p:sp>
-        <p:nvSpPr>
-          <p:cNvPr id="7" name="TextBox 6">
-            <a:extLst>
-              <a:ext uri="{FF2B5EF4-FFF2-40B4-BE49-F238E27FC236}">
-                <a16:creationId xmlns:a16="http://schemas.microsoft.com/office/drawing/2014/main" id="{C06EABB7-F1A6-9A48-9ABF-EA1D3903213B}"/>
-              </a:ext>
-            </a:extLst>
-          </p:cNvPr>
-          <p:cNvSpPr txBox="1"/>
-          <p:nvPr/>
-        </p:nvSpPr>
-        <p:spPr>
-          <a:xfrm>
-            <a:off x="9879724" y="1902372"/>
-            <a:ext cx="184731" cy="369332"/>
-          </a:xfrm>
-          <a:prstGeom prst="rect">
-            <a:avLst/>
-          </a:prstGeom>
-          <a:noFill/>
-        </p:spPr>
-        <p:txBody>
-          <a:bodyPr wrap="none" rtlCol="0">
-            <a:spAutoFit/>
-          </a:bodyPr>
-          <a:lstStyle/>
-          <a:p>
-            <a:endParaRPr lang="en-US" dirty="0"/>
-          </a:p>
-        </p:txBody>
-      </p:sp>
-    </p:spTree>
-    <p:extLst>
-      <p:ext uri="{BB962C8B-B14F-4D97-AF65-F5344CB8AC3E}">
-        <p14:creationId xmlns:p14="http://schemas.microsoft.com/office/powerpoint/2010/main" val="3552337688"/>
-      </p:ext>
-    </p:extLst>
-  </p:cSld>
-  <p:clrMapOvr>
-    <a:masterClrMapping/>
-  </p:clrMapOvr>
-</p:sld>
-</file>
-
-<file path=ppt/slides/slide5.xml><?xml version="1.0" encoding="utf-8"?>
-<p:sld xmlns:a="http://schemas.openxmlformats.org/drawingml/2006/main" xmlns:r="http://schemas.openxmlformats.org/officeDocument/2006/relationships" xmlns:p="http://schemas.openxmlformats.org/presentationml/2006/main">
-  <p:cSld>
-    <p:bg>
-      <p:bgPr>
-        <a:solidFill>
-          <a:schemeClr val="bg2"/>
-        </a:solidFill>
-        <a:effectLst/>
-      </p:bgPr>
-    </p:bg>
-    <p:spTree>
-      <p:nvGrpSpPr>
-        <p:cNvPr id="1" name=""/>
-        <p:cNvGrpSpPr/>
-        <p:nvPr/>
-      </p:nvGrpSpPr>
-      <p:grpSpPr>
-        <a:xfrm>
-          <a:off x="0" y="0"/>
-          <a:ext cx="0" cy="0"/>
-          <a:chOff x="0" y="0"/>
-          <a:chExt cx="0" cy="0"/>
-        </a:xfrm>
-      </p:grpSpPr>
-      <p:sp>
-        <p:nvSpPr>
-          <p:cNvPr id="54" name="Rectangle 53">
+          <p:cNvPr id="72" name="Rectangle 71">
             <a:extLst>
               <a:ext uri="{FF2B5EF4-FFF2-40B4-BE49-F238E27FC236}">
                 <a16:creationId xmlns:a16="http://schemas.microsoft.com/office/drawing/2014/main" id="{53FD8994-38E8-4E51-9444-3447A171944C}"/>
@@ -9238,7 +8998,7 @@
       </p:sp>
       <p:sp>
         <p:nvSpPr>
-          <p:cNvPr id="56" name="Rectangle 55">
+          <p:cNvPr id="74" name="Rectangle 73">
             <a:extLst>
               <a:ext uri="{FF2B5EF4-FFF2-40B4-BE49-F238E27FC236}">
                 <a16:creationId xmlns:a16="http://schemas.microsoft.com/office/drawing/2014/main" id="{F71673FE-0587-4591-8D3B-D7F7345E8ACC}"/>
@@ -9429,6 +9189,406 @@
           <a:p>
             <a:r>
               <a:rPr lang="en-US"/>
+              <a:t>Josie</a:t>
+            </a:r>
+            <a:endParaRPr lang="en-GB"/>
+          </a:p>
+        </p:txBody>
+      </p:sp>
+      <p:sp>
+        <p:nvSpPr>
+          <p:cNvPr id="3" name="Content Placeholder 2">
+            <a:extLst>
+              <a:ext uri="{FF2B5EF4-FFF2-40B4-BE49-F238E27FC236}">
+                <a16:creationId xmlns:a16="http://schemas.microsoft.com/office/drawing/2014/main" id="{471CCB88-6F1D-47AA-8042-15BB4B335CD2}"/>
+              </a:ext>
+            </a:extLst>
+          </p:cNvPr>
+          <p:cNvSpPr>
+            <a:spLocks noGrp="1"/>
+          </p:cNvSpPr>
+          <p:nvPr>
+            <p:ph idx="1"/>
+          </p:nvPr>
+        </p:nvSpPr>
+        <p:spPr>
+          <a:xfrm>
+            <a:off x="6454363" y="2011680"/>
+            <a:ext cx="5090578" cy="4206240"/>
+          </a:xfrm>
+        </p:spPr>
+        <p:txBody>
+          <a:bodyPr>
+            <a:normAutofit/>
+          </a:bodyPr>
+          <a:lstStyle/>
+          <a:p>
+            <a:pPr marL="0" indent="0">
+              <a:buNone/>
+            </a:pPr>
+            <a:r>
+              <a:rPr lang="en-US"/>
+              <a:t>Primary Role:</a:t>
+            </a:r>
+          </a:p>
+          <a:p>
+            <a:r>
+              <a:rPr lang="en-US"/>
+              <a:t>Scrum Master</a:t>
+            </a:r>
+          </a:p>
+          <a:p>
+            <a:endParaRPr lang="en-US"/>
+          </a:p>
+          <a:p>
+            <a:pPr marL="0" indent="0">
+              <a:buNone/>
+            </a:pPr>
+            <a:r>
+              <a:rPr lang="en-US"/>
+              <a:t>Secondary Role(s):</a:t>
+            </a:r>
+          </a:p>
+          <a:p>
+            <a:r>
+              <a:rPr lang="en-US"/>
+              <a:t>Lead Designer</a:t>
+            </a:r>
+          </a:p>
+          <a:p>
+            <a:r>
+              <a:rPr lang="en-US"/>
+              <a:t>QA Tester</a:t>
+            </a:r>
+          </a:p>
+          <a:p>
+            <a:endParaRPr lang="en-GB"/>
+          </a:p>
+        </p:txBody>
+      </p:sp>
+      <p:sp>
+        <p:nvSpPr>
+          <p:cNvPr id="7" name="TextBox 6">
+            <a:extLst>
+              <a:ext uri="{FF2B5EF4-FFF2-40B4-BE49-F238E27FC236}">
+                <a16:creationId xmlns:a16="http://schemas.microsoft.com/office/drawing/2014/main" id="{C06EABB7-F1A6-9A48-9ABF-EA1D3903213B}"/>
+              </a:ext>
+            </a:extLst>
+          </p:cNvPr>
+          <p:cNvSpPr txBox="1"/>
+          <p:nvPr/>
+        </p:nvSpPr>
+        <p:spPr>
+          <a:xfrm>
+            <a:off x="9879724" y="1902372"/>
+            <a:ext cx="184731" cy="369332"/>
+          </a:xfrm>
+          <a:prstGeom prst="rect">
+            <a:avLst/>
+          </a:prstGeom>
+          <a:noFill/>
+        </p:spPr>
+        <p:txBody>
+          <a:bodyPr wrap="none" rtlCol="0">
+            <a:spAutoFit/>
+          </a:bodyPr>
+          <a:lstStyle/>
+          <a:p>
+            <a:endParaRPr lang="en-US" dirty="0"/>
+          </a:p>
+        </p:txBody>
+      </p:sp>
+    </p:spTree>
+    <p:extLst>
+      <p:ext uri="{BB962C8B-B14F-4D97-AF65-F5344CB8AC3E}">
+        <p14:creationId xmlns:p14="http://schemas.microsoft.com/office/powerpoint/2010/main" val="3552337688"/>
+      </p:ext>
+    </p:extLst>
+  </p:cSld>
+  <p:clrMapOvr>
+    <a:masterClrMapping/>
+  </p:clrMapOvr>
+</p:sld>
+</file>
+
+<file path=ppt/slides/slide5.xml><?xml version="1.0" encoding="utf-8"?>
+<p:sld xmlns:a="http://schemas.openxmlformats.org/drawingml/2006/main" xmlns:r="http://schemas.openxmlformats.org/officeDocument/2006/relationships" xmlns:p="http://schemas.openxmlformats.org/presentationml/2006/main">
+  <p:cSld>
+    <p:bg>
+      <p:bgPr>
+        <a:solidFill>
+          <a:schemeClr val="bg2"/>
+        </a:solidFill>
+        <a:effectLst/>
+      </p:bgPr>
+    </p:bg>
+    <p:spTree>
+      <p:nvGrpSpPr>
+        <p:cNvPr id="1" name=""/>
+        <p:cNvGrpSpPr/>
+        <p:nvPr/>
+      </p:nvGrpSpPr>
+      <p:grpSpPr>
+        <a:xfrm>
+          <a:off x="0" y="0"/>
+          <a:ext cx="0" cy="0"/>
+          <a:chOff x="0" y="0"/>
+          <a:chExt cx="0" cy="0"/>
+        </a:xfrm>
+      </p:grpSpPr>
+      <p:sp>
+        <p:nvSpPr>
+          <p:cNvPr id="54" name="Rectangle 53">
+            <a:extLst>
+              <a:ext uri="{FF2B5EF4-FFF2-40B4-BE49-F238E27FC236}">
+                <a16:creationId xmlns:a16="http://schemas.microsoft.com/office/drawing/2014/main" id="{53FD8994-38E8-4E51-9444-3447A171944C}"/>
+              </a:ext>
+              <a:ext uri="{C183D7F6-B498-43B3-948B-1728B52AA6E4}">
+                <adec:decorative xmlns:adec="http://schemas.microsoft.com/office/drawing/2017/decorative" val="1"/>
+              </a:ext>
+            </a:extLst>
+          </p:cNvPr>
+          <p:cNvSpPr>
+            <a:spLocks noGrp="1" noRot="1" noChangeAspect="1" noMove="1" noResize="1" noEditPoints="1" noAdjustHandles="1" noChangeArrowheads="1" noChangeShapeType="1" noTextEdit="1"/>
+          </p:cNvSpPr>
+          <p:nvPr>
+            <p:extLst>
+              <p:ext uri="{386F3935-93C4-4BCD-93E2-E3B085C9AB24}">
+                <p16:designElem xmlns:p16="http://schemas.microsoft.com/office/powerpoint/2015/main" val="1"/>
+              </p:ext>
+            </p:extLst>
+          </p:nvPr>
+        </p:nvSpPr>
+        <p:spPr>
+          <a:xfrm>
+            <a:off x="0" y="0"/>
+            <a:ext cx="6125497" cy="6858000"/>
+          </a:xfrm>
+          <a:prstGeom prst="rect">
+            <a:avLst/>
+          </a:prstGeom>
+          <a:ln>
+            <a:noFill/>
+          </a:ln>
+        </p:spPr>
+        <p:style>
+          <a:lnRef idx="2">
+            <a:schemeClr val="accent1">
+              <a:shade val="50000"/>
+            </a:schemeClr>
+          </a:lnRef>
+          <a:fillRef idx="1001">
+            <a:schemeClr val="lt1"/>
+          </a:fillRef>
+          <a:effectRef idx="0">
+            <a:schemeClr val="accent1"/>
+          </a:effectRef>
+          <a:fontRef idx="minor">
+            <a:schemeClr val="lt1"/>
+          </a:fontRef>
+        </p:style>
+        <p:txBody>
+          <a:bodyPr rtlCol="0" anchor="ctr"/>
+          <a:lstStyle/>
+          <a:p>
+            <a:pPr algn="ctr"/>
+            <a:endParaRPr lang="en-US" dirty="0"/>
+          </a:p>
+        </p:txBody>
+      </p:sp>
+      <p:sp>
+        <p:nvSpPr>
+          <p:cNvPr id="56" name="Rectangle 55">
+            <a:extLst>
+              <a:ext uri="{FF2B5EF4-FFF2-40B4-BE49-F238E27FC236}">
+                <a16:creationId xmlns:a16="http://schemas.microsoft.com/office/drawing/2014/main" id="{F71673FE-0587-4591-8D3B-D7F7345E8ACC}"/>
+              </a:ext>
+              <a:ext uri="{C183D7F6-B498-43B3-948B-1728B52AA6E4}">
+                <adec:decorative xmlns:adec="http://schemas.microsoft.com/office/drawing/2017/decorative" val="1"/>
+              </a:ext>
+            </a:extLst>
+          </p:cNvPr>
+          <p:cNvSpPr>
+            <a:spLocks noGrp="1" noRot="1" noChangeAspect="1" noMove="1" noResize="1" noEditPoints="1" noAdjustHandles="1" noChangeArrowheads="1" noChangeShapeType="1" noTextEdit="1"/>
+          </p:cNvSpPr>
+          <p:nvPr>
+            <p:extLst>
+              <p:ext uri="{386F3935-93C4-4BCD-93E2-E3B085C9AB24}">
+                <p16:designElem xmlns:p16="http://schemas.microsoft.com/office/powerpoint/2015/main" val="1"/>
+              </p:ext>
+            </p:extLst>
+          </p:nvPr>
+        </p:nvSpPr>
+        <p:spPr>
+          <a:xfrm>
+            <a:off x="6129910" y="176109"/>
+            <a:ext cx="6059524" cy="1645919"/>
+          </a:xfrm>
+          <a:prstGeom prst="rect">
+            <a:avLst/>
+          </a:prstGeom>
+          <a:solidFill>
+            <a:schemeClr val="tx1">
+              <a:alpha val="95000"/>
+            </a:schemeClr>
+          </a:solidFill>
+          <a:ln>
+            <a:noFill/>
+          </a:ln>
+        </p:spPr>
+        <p:style>
+          <a:lnRef idx="2">
+            <a:schemeClr val="accent1">
+              <a:shade val="50000"/>
+            </a:schemeClr>
+          </a:lnRef>
+          <a:fillRef idx="1">
+            <a:schemeClr val="accent1"/>
+          </a:fillRef>
+          <a:effectRef idx="0">
+            <a:schemeClr val="accent1"/>
+          </a:effectRef>
+          <a:fontRef idx="minor">
+            <a:schemeClr val="lt1"/>
+          </a:fontRef>
+        </p:style>
+        <p:txBody>
+          <a:bodyPr rtlCol="0" anchor="ctr"/>
+          <a:lstStyle>
+            <a:defPPr>
+              <a:defRPr lang="en-US"/>
+            </a:defPPr>
+            <a:lvl1pPr marL="0" algn="l" defTabSz="914400" rtl="0" eaLnBrk="1" latinLnBrk="0" hangingPunct="1">
+              <a:defRPr sz="1800" kern="1200">
+                <a:solidFill>
+                  <a:schemeClr val="lt1"/>
+                </a:solidFill>
+                <a:latin typeface="+mn-lt"/>
+                <a:ea typeface="+mn-ea"/>
+                <a:cs typeface="+mn-cs"/>
+              </a:defRPr>
+            </a:lvl1pPr>
+            <a:lvl2pPr marL="457200" algn="l" defTabSz="914400" rtl="0" eaLnBrk="1" latinLnBrk="0" hangingPunct="1">
+              <a:defRPr sz="1800" kern="1200">
+                <a:solidFill>
+                  <a:schemeClr val="lt1"/>
+                </a:solidFill>
+                <a:latin typeface="+mn-lt"/>
+                <a:ea typeface="+mn-ea"/>
+                <a:cs typeface="+mn-cs"/>
+              </a:defRPr>
+            </a:lvl2pPr>
+            <a:lvl3pPr marL="914400" algn="l" defTabSz="914400" rtl="0" eaLnBrk="1" latinLnBrk="0" hangingPunct="1">
+              <a:defRPr sz="1800" kern="1200">
+                <a:solidFill>
+                  <a:schemeClr val="lt1"/>
+                </a:solidFill>
+                <a:latin typeface="+mn-lt"/>
+                <a:ea typeface="+mn-ea"/>
+                <a:cs typeface="+mn-cs"/>
+              </a:defRPr>
+            </a:lvl3pPr>
+            <a:lvl4pPr marL="1371600" algn="l" defTabSz="914400" rtl="0" eaLnBrk="1" latinLnBrk="0" hangingPunct="1">
+              <a:defRPr sz="1800" kern="1200">
+                <a:solidFill>
+                  <a:schemeClr val="lt1"/>
+                </a:solidFill>
+                <a:latin typeface="+mn-lt"/>
+                <a:ea typeface="+mn-ea"/>
+                <a:cs typeface="+mn-cs"/>
+              </a:defRPr>
+            </a:lvl4pPr>
+            <a:lvl5pPr marL="1828800" algn="l" defTabSz="914400" rtl="0" eaLnBrk="1" latinLnBrk="0" hangingPunct="1">
+              <a:defRPr sz="1800" kern="1200">
+                <a:solidFill>
+                  <a:schemeClr val="lt1"/>
+                </a:solidFill>
+                <a:latin typeface="+mn-lt"/>
+                <a:ea typeface="+mn-ea"/>
+                <a:cs typeface="+mn-cs"/>
+              </a:defRPr>
+            </a:lvl5pPr>
+            <a:lvl6pPr marL="2286000" algn="l" defTabSz="914400" rtl="0" eaLnBrk="1" latinLnBrk="0" hangingPunct="1">
+              <a:defRPr sz="1800" kern="1200">
+                <a:solidFill>
+                  <a:schemeClr val="lt1"/>
+                </a:solidFill>
+                <a:latin typeface="+mn-lt"/>
+                <a:ea typeface="+mn-ea"/>
+                <a:cs typeface="+mn-cs"/>
+              </a:defRPr>
+            </a:lvl6pPr>
+            <a:lvl7pPr marL="2743200" algn="l" defTabSz="914400" rtl="0" eaLnBrk="1" latinLnBrk="0" hangingPunct="1">
+              <a:defRPr sz="1800" kern="1200">
+                <a:solidFill>
+                  <a:schemeClr val="lt1"/>
+                </a:solidFill>
+                <a:latin typeface="+mn-lt"/>
+                <a:ea typeface="+mn-ea"/>
+                <a:cs typeface="+mn-cs"/>
+              </a:defRPr>
+            </a:lvl7pPr>
+            <a:lvl8pPr marL="3200400" algn="l" defTabSz="914400" rtl="0" eaLnBrk="1" latinLnBrk="0" hangingPunct="1">
+              <a:defRPr sz="1800" kern="1200">
+                <a:solidFill>
+                  <a:schemeClr val="lt1"/>
+                </a:solidFill>
+                <a:latin typeface="+mn-lt"/>
+                <a:ea typeface="+mn-ea"/>
+                <a:cs typeface="+mn-cs"/>
+              </a:defRPr>
+            </a:lvl8pPr>
+            <a:lvl9pPr marL="3657600" algn="l" defTabSz="914400" rtl="0" eaLnBrk="1" latinLnBrk="0" hangingPunct="1">
+              <a:defRPr sz="1800" kern="1200">
+                <a:solidFill>
+                  <a:schemeClr val="lt1"/>
+                </a:solidFill>
+                <a:latin typeface="+mn-lt"/>
+                <a:ea typeface="+mn-ea"/>
+                <a:cs typeface="+mn-cs"/>
+              </a:defRPr>
+            </a:lvl9pPr>
+          </a:lstStyle>
+          <a:p>
+            <a:pPr algn="ctr"/>
+            <a:endParaRPr lang="en-US" dirty="0">
+              <a:solidFill>
+                <a:srgbClr val="FFFFFF"/>
+              </a:solidFill>
+            </a:endParaRPr>
+          </a:p>
+        </p:txBody>
+      </p:sp>
+      <p:sp>
+        <p:nvSpPr>
+          <p:cNvPr id="2" name="Title 1">
+            <a:extLst>
+              <a:ext uri="{FF2B5EF4-FFF2-40B4-BE49-F238E27FC236}">
+                <a16:creationId xmlns:a16="http://schemas.microsoft.com/office/drawing/2014/main" id="{242AAF47-7888-478B-96F0-BEB85F97CDA6}"/>
+              </a:ext>
+            </a:extLst>
+          </p:cNvPr>
+          <p:cNvSpPr>
+            <a:spLocks noGrp="1"/>
+          </p:cNvSpPr>
+          <p:nvPr>
+            <p:ph type="title"/>
+          </p:nvPr>
+        </p:nvSpPr>
+        <p:spPr>
+          <a:xfrm>
+            <a:off x="6449961" y="284176"/>
+            <a:ext cx="5094980" cy="1508760"/>
+          </a:xfrm>
+        </p:spPr>
+        <p:txBody>
+          <a:bodyPr>
+            <a:normAutofit/>
+          </a:bodyPr>
+          <a:lstStyle/>
+          <a:p>
+            <a:r>
+              <a:rPr lang="en-US"/>
               <a:t>ALEX</a:t>
             </a:r>
             <a:endParaRPr lang="en-GB"/>
@@ -9613,117 +9773,10 @@
       </p:grpSpPr>
       <p:sp>
         <p:nvSpPr>
-          <p:cNvPr id="2" name="Title 1">
+          <p:cNvPr id="67" name="Rectangle 66">
             <a:extLst>
               <a:ext uri="{FF2B5EF4-FFF2-40B4-BE49-F238E27FC236}">
-                <a16:creationId xmlns:a16="http://schemas.microsoft.com/office/drawing/2014/main" id="{242AAF47-7888-478B-96F0-BEB85F97CDA6}"/>
-              </a:ext>
-            </a:extLst>
-          </p:cNvPr>
-          <p:cNvSpPr>
-            <a:spLocks noGrp="1"/>
-          </p:cNvSpPr>
-          <p:nvPr>
-            <p:ph type="title"/>
-          </p:nvPr>
-        </p:nvSpPr>
-        <p:spPr>
-          <a:xfrm>
-            <a:off x="634277" y="284176"/>
-            <a:ext cx="3670874" cy="1508760"/>
-          </a:xfrm>
-        </p:spPr>
-        <p:txBody>
-          <a:bodyPr>
-            <a:normAutofit/>
-          </a:bodyPr>
-          <a:lstStyle/>
-          <a:p>
-            <a:r>
-              <a:rPr lang="en-US"/>
-              <a:t>SOLOMON</a:t>
-            </a:r>
-            <a:endParaRPr lang="en-GB"/>
-          </a:p>
-        </p:txBody>
-      </p:sp>
-      <p:sp>
-        <p:nvSpPr>
-          <p:cNvPr id="3" name="Content Placeholder 2">
-            <a:extLst>
-              <a:ext uri="{FF2B5EF4-FFF2-40B4-BE49-F238E27FC236}">
-                <a16:creationId xmlns:a16="http://schemas.microsoft.com/office/drawing/2014/main" id="{471CCB88-6F1D-47AA-8042-15BB4B335CD2}"/>
-              </a:ext>
-            </a:extLst>
-          </p:cNvPr>
-          <p:cNvSpPr>
-            <a:spLocks noGrp="1"/>
-          </p:cNvSpPr>
-          <p:nvPr>
-            <p:ph idx="1"/>
-          </p:nvPr>
-        </p:nvSpPr>
-        <p:spPr>
-          <a:xfrm>
-            <a:off x="634277" y="2011680"/>
-            <a:ext cx="3676678" cy="4206240"/>
-          </a:xfrm>
-        </p:spPr>
-        <p:txBody>
-          <a:bodyPr>
-            <a:normAutofit/>
-          </a:bodyPr>
-          <a:lstStyle/>
-          <a:p>
-            <a:pPr marL="0" indent="0">
-              <a:buNone/>
-            </a:pPr>
-            <a:r>
-              <a:rPr lang="en-US"/>
-              <a:t>Primary Role:</a:t>
-            </a:r>
-          </a:p>
-          <a:p>
-            <a:r>
-              <a:rPr lang="en-US"/>
-              <a:t>Technical Lead</a:t>
-            </a:r>
-          </a:p>
-          <a:p>
-            <a:endParaRPr lang="en-US"/>
-          </a:p>
-          <a:p>
-            <a:pPr marL="0" indent="0">
-              <a:buNone/>
-            </a:pPr>
-            <a:r>
-              <a:rPr lang="en-US"/>
-              <a:t>Secondary Role(s):</a:t>
-            </a:r>
-          </a:p>
-          <a:p>
-            <a:r>
-              <a:rPr lang="en-US"/>
-              <a:t>Repo Manager</a:t>
-            </a:r>
-          </a:p>
-          <a:p>
-            <a:r>
-              <a:rPr lang="en-US"/>
-              <a:t>Technical Relations Manager</a:t>
-            </a:r>
-          </a:p>
-          <a:p>
-            <a:endParaRPr lang="en-GB"/>
-          </a:p>
-        </p:txBody>
-      </p:sp>
-      <p:sp>
-        <p:nvSpPr>
-          <p:cNvPr id="55" name="Rectangle 48">
-            <a:extLst>
-              <a:ext uri="{FF2B5EF4-FFF2-40B4-BE49-F238E27FC236}">
-                <a16:creationId xmlns:a16="http://schemas.microsoft.com/office/drawing/2014/main" id="{94DBFBD2-23B9-4007-B82F-D0C394407024}"/>
+                <a16:creationId xmlns:a16="http://schemas.microsoft.com/office/drawing/2014/main" id="{53FD8994-38E8-4E51-9444-3447A171944C}"/>
               </a:ext>
               <a:ext uri="{C183D7F6-B498-43B3-948B-1728B52AA6E4}">
                 <adec:decorative xmlns:adec="http://schemas.microsoft.com/office/drawing/2017/decorative" val="1"/>
@@ -9743,15 +9796,12 @@
         </p:nvSpPr>
         <p:spPr>
           <a:xfrm>
-            <a:off x="4625190" y="0"/>
-            <a:ext cx="7566810" cy="6858000"/>
+            <a:off x="0" y="0"/>
+            <a:ext cx="6125497" cy="6858000"/>
           </a:xfrm>
           <a:prstGeom prst="rect">
             <a:avLst/>
           </a:prstGeom>
-          <a:solidFill>
-            <a:schemeClr val="tx1"/>
-          </a:solidFill>
           <a:ln>
             <a:noFill/>
           </a:ln>
@@ -9778,6 +9828,311 @@
           <a:p>
             <a:pPr algn="ctr"/>
             <a:endParaRPr lang="en-US" dirty="0"/>
+          </a:p>
+        </p:txBody>
+      </p:sp>
+      <p:sp>
+        <p:nvSpPr>
+          <p:cNvPr id="69" name="Rectangle 68">
+            <a:extLst>
+              <a:ext uri="{FF2B5EF4-FFF2-40B4-BE49-F238E27FC236}">
+                <a16:creationId xmlns:a16="http://schemas.microsoft.com/office/drawing/2014/main" id="{F71673FE-0587-4591-8D3B-D7F7345E8ACC}"/>
+              </a:ext>
+              <a:ext uri="{C183D7F6-B498-43B3-948B-1728B52AA6E4}">
+                <adec:decorative xmlns:adec="http://schemas.microsoft.com/office/drawing/2017/decorative" val="1"/>
+              </a:ext>
+            </a:extLst>
+          </p:cNvPr>
+          <p:cNvSpPr>
+            <a:spLocks noGrp="1" noRot="1" noChangeAspect="1" noMove="1" noResize="1" noEditPoints="1" noAdjustHandles="1" noChangeArrowheads="1" noChangeShapeType="1" noTextEdit="1"/>
+          </p:cNvSpPr>
+          <p:nvPr>
+            <p:extLst>
+              <p:ext uri="{386F3935-93C4-4BCD-93E2-E3B085C9AB24}">
+                <p16:designElem xmlns:p16="http://schemas.microsoft.com/office/powerpoint/2015/main" val="1"/>
+              </p:ext>
+            </p:extLst>
+          </p:nvPr>
+        </p:nvSpPr>
+        <p:spPr>
+          <a:xfrm>
+            <a:off x="6129910" y="176109"/>
+            <a:ext cx="6059524" cy="1645919"/>
+          </a:xfrm>
+          <a:prstGeom prst="rect">
+            <a:avLst/>
+          </a:prstGeom>
+          <a:solidFill>
+            <a:schemeClr val="tx1">
+              <a:alpha val="95000"/>
+            </a:schemeClr>
+          </a:solidFill>
+          <a:ln>
+            <a:noFill/>
+          </a:ln>
+        </p:spPr>
+        <p:style>
+          <a:lnRef idx="2">
+            <a:schemeClr val="accent1">
+              <a:shade val="50000"/>
+            </a:schemeClr>
+          </a:lnRef>
+          <a:fillRef idx="1">
+            <a:schemeClr val="accent1"/>
+          </a:fillRef>
+          <a:effectRef idx="0">
+            <a:schemeClr val="accent1"/>
+          </a:effectRef>
+          <a:fontRef idx="minor">
+            <a:schemeClr val="lt1"/>
+          </a:fontRef>
+        </p:style>
+        <p:txBody>
+          <a:bodyPr rtlCol="0" anchor="ctr"/>
+          <a:lstStyle>
+            <a:defPPr>
+              <a:defRPr lang="en-US"/>
+            </a:defPPr>
+            <a:lvl1pPr marL="0" algn="l" defTabSz="914400" rtl="0" eaLnBrk="1" latinLnBrk="0" hangingPunct="1">
+              <a:defRPr sz="1800" kern="1200">
+                <a:solidFill>
+                  <a:schemeClr val="lt1"/>
+                </a:solidFill>
+                <a:latin typeface="+mn-lt"/>
+                <a:ea typeface="+mn-ea"/>
+                <a:cs typeface="+mn-cs"/>
+              </a:defRPr>
+            </a:lvl1pPr>
+            <a:lvl2pPr marL="457200" algn="l" defTabSz="914400" rtl="0" eaLnBrk="1" latinLnBrk="0" hangingPunct="1">
+              <a:defRPr sz="1800" kern="1200">
+                <a:solidFill>
+                  <a:schemeClr val="lt1"/>
+                </a:solidFill>
+                <a:latin typeface="+mn-lt"/>
+                <a:ea typeface="+mn-ea"/>
+                <a:cs typeface="+mn-cs"/>
+              </a:defRPr>
+            </a:lvl2pPr>
+            <a:lvl3pPr marL="914400" algn="l" defTabSz="914400" rtl="0" eaLnBrk="1" latinLnBrk="0" hangingPunct="1">
+              <a:defRPr sz="1800" kern="1200">
+                <a:solidFill>
+                  <a:schemeClr val="lt1"/>
+                </a:solidFill>
+                <a:latin typeface="+mn-lt"/>
+                <a:ea typeface="+mn-ea"/>
+                <a:cs typeface="+mn-cs"/>
+              </a:defRPr>
+            </a:lvl3pPr>
+            <a:lvl4pPr marL="1371600" algn="l" defTabSz="914400" rtl="0" eaLnBrk="1" latinLnBrk="0" hangingPunct="1">
+              <a:defRPr sz="1800" kern="1200">
+                <a:solidFill>
+                  <a:schemeClr val="lt1"/>
+                </a:solidFill>
+                <a:latin typeface="+mn-lt"/>
+                <a:ea typeface="+mn-ea"/>
+                <a:cs typeface="+mn-cs"/>
+              </a:defRPr>
+            </a:lvl4pPr>
+            <a:lvl5pPr marL="1828800" algn="l" defTabSz="914400" rtl="0" eaLnBrk="1" latinLnBrk="0" hangingPunct="1">
+              <a:defRPr sz="1800" kern="1200">
+                <a:solidFill>
+                  <a:schemeClr val="lt1"/>
+                </a:solidFill>
+                <a:latin typeface="+mn-lt"/>
+                <a:ea typeface="+mn-ea"/>
+                <a:cs typeface="+mn-cs"/>
+              </a:defRPr>
+            </a:lvl5pPr>
+            <a:lvl6pPr marL="2286000" algn="l" defTabSz="914400" rtl="0" eaLnBrk="1" latinLnBrk="0" hangingPunct="1">
+              <a:defRPr sz="1800" kern="1200">
+                <a:solidFill>
+                  <a:schemeClr val="lt1"/>
+                </a:solidFill>
+                <a:latin typeface="+mn-lt"/>
+                <a:ea typeface="+mn-ea"/>
+                <a:cs typeface="+mn-cs"/>
+              </a:defRPr>
+            </a:lvl6pPr>
+            <a:lvl7pPr marL="2743200" algn="l" defTabSz="914400" rtl="0" eaLnBrk="1" latinLnBrk="0" hangingPunct="1">
+              <a:defRPr sz="1800" kern="1200">
+                <a:solidFill>
+                  <a:schemeClr val="lt1"/>
+                </a:solidFill>
+                <a:latin typeface="+mn-lt"/>
+                <a:ea typeface="+mn-ea"/>
+                <a:cs typeface="+mn-cs"/>
+              </a:defRPr>
+            </a:lvl7pPr>
+            <a:lvl8pPr marL="3200400" algn="l" defTabSz="914400" rtl="0" eaLnBrk="1" latinLnBrk="0" hangingPunct="1">
+              <a:defRPr sz="1800" kern="1200">
+                <a:solidFill>
+                  <a:schemeClr val="lt1"/>
+                </a:solidFill>
+                <a:latin typeface="+mn-lt"/>
+                <a:ea typeface="+mn-ea"/>
+                <a:cs typeface="+mn-cs"/>
+              </a:defRPr>
+            </a:lvl8pPr>
+            <a:lvl9pPr marL="3657600" algn="l" defTabSz="914400" rtl="0" eaLnBrk="1" latinLnBrk="0" hangingPunct="1">
+              <a:defRPr sz="1800" kern="1200">
+                <a:solidFill>
+                  <a:schemeClr val="lt1"/>
+                </a:solidFill>
+                <a:latin typeface="+mn-lt"/>
+                <a:ea typeface="+mn-ea"/>
+                <a:cs typeface="+mn-cs"/>
+              </a:defRPr>
+            </a:lvl9pPr>
+          </a:lstStyle>
+          <a:p>
+            <a:pPr algn="ctr"/>
+            <a:endParaRPr lang="en-US" dirty="0">
+              <a:solidFill>
+                <a:srgbClr val="FFFFFF"/>
+              </a:solidFill>
+            </a:endParaRPr>
+          </a:p>
+        </p:txBody>
+      </p:sp>
+      <p:sp>
+        <p:nvSpPr>
+          <p:cNvPr id="2" name="Title 1">
+            <a:extLst>
+              <a:ext uri="{FF2B5EF4-FFF2-40B4-BE49-F238E27FC236}">
+                <a16:creationId xmlns:a16="http://schemas.microsoft.com/office/drawing/2014/main" id="{242AAF47-7888-478B-96F0-BEB85F97CDA6}"/>
+              </a:ext>
+            </a:extLst>
+          </p:cNvPr>
+          <p:cNvSpPr>
+            <a:spLocks noGrp="1"/>
+          </p:cNvSpPr>
+          <p:nvPr>
+            <p:ph type="title"/>
+          </p:nvPr>
+        </p:nvSpPr>
+        <p:spPr>
+          <a:xfrm>
+            <a:off x="6449961" y="284176"/>
+            <a:ext cx="5094980" cy="1508760"/>
+          </a:xfrm>
+        </p:spPr>
+        <p:txBody>
+          <a:bodyPr>
+            <a:normAutofit/>
+          </a:bodyPr>
+          <a:lstStyle/>
+          <a:p>
+            <a:r>
+              <a:rPr lang="en-US"/>
+              <a:t>SOLOMON</a:t>
+            </a:r>
+            <a:endParaRPr lang="en-GB"/>
+          </a:p>
+        </p:txBody>
+      </p:sp>
+      <p:pic>
+        <p:nvPicPr>
+          <p:cNvPr id="12" name="Picture 11" descr="A picture containing indoor, person, window, table&#10;&#10;Description automatically generated">
+            <a:extLst>
+              <a:ext uri="{FF2B5EF4-FFF2-40B4-BE49-F238E27FC236}">
+                <a16:creationId xmlns:a16="http://schemas.microsoft.com/office/drawing/2014/main" id="{DD3DBD26-3209-BA47-BC0D-0F985BBF2B89}"/>
+              </a:ext>
+            </a:extLst>
+          </p:cNvPr>
+          <p:cNvPicPr>
+            <a:picLocks noChangeAspect="1"/>
+          </p:cNvPicPr>
+          <p:nvPr/>
+        </p:nvPicPr>
+        <p:blipFill rotWithShape="1">
+          <a:blip r:embed="rId2">
+            <a:extLst>
+              <a:ext uri="{28A0092B-C50C-407E-A947-70E740481C1C}">
+                <a14:useLocalDpi xmlns:a14="http://schemas.microsoft.com/office/drawing/2010/main" val="0"/>
+              </a:ext>
+            </a:extLst>
+          </a:blip>
+          <a:srcRect l="1" r="13121" b="-3"/>
+          <a:stretch/>
+        </p:blipFill>
+        <p:spPr>
+          <a:xfrm rot="5400000">
+            <a:off x="250202" y="982706"/>
+            <a:ext cx="5619286" cy="4851141"/>
+          </a:xfrm>
+          <a:prstGeom prst="rect">
+            <a:avLst/>
+          </a:prstGeom>
+        </p:spPr>
+      </p:pic>
+      <p:sp>
+        <p:nvSpPr>
+          <p:cNvPr id="3" name="Content Placeholder 2">
+            <a:extLst>
+              <a:ext uri="{FF2B5EF4-FFF2-40B4-BE49-F238E27FC236}">
+                <a16:creationId xmlns:a16="http://schemas.microsoft.com/office/drawing/2014/main" id="{471CCB88-6F1D-47AA-8042-15BB4B335CD2}"/>
+              </a:ext>
+            </a:extLst>
+          </p:cNvPr>
+          <p:cNvSpPr>
+            <a:spLocks noGrp="1"/>
+          </p:cNvSpPr>
+          <p:nvPr>
+            <p:ph idx="1"/>
+          </p:nvPr>
+        </p:nvSpPr>
+        <p:spPr>
+          <a:xfrm>
+            <a:off x="6454363" y="2011680"/>
+            <a:ext cx="5090578" cy="4206240"/>
+          </a:xfrm>
+        </p:spPr>
+        <p:txBody>
+          <a:bodyPr>
+            <a:normAutofit/>
+          </a:bodyPr>
+          <a:lstStyle/>
+          <a:p>
+            <a:pPr marL="0" indent="0">
+              <a:buNone/>
+            </a:pPr>
+            <a:r>
+              <a:rPr lang="en-US"/>
+              <a:t>Primary Role:</a:t>
+            </a:r>
+          </a:p>
+          <a:p>
+            <a:r>
+              <a:rPr lang="en-US"/>
+              <a:t>Technical Lead</a:t>
+            </a:r>
+          </a:p>
+          <a:p>
+            <a:endParaRPr lang="en-US"/>
+          </a:p>
+          <a:p>
+            <a:pPr marL="0" indent="0">
+              <a:buNone/>
+            </a:pPr>
+            <a:r>
+              <a:rPr lang="en-US"/>
+              <a:t>Secondary Role(s):</a:t>
+            </a:r>
+          </a:p>
+          <a:p>
+            <a:r>
+              <a:rPr lang="en-US"/>
+              <a:t>Repo Manager</a:t>
+            </a:r>
+          </a:p>
+          <a:p>
+            <a:r>
+              <a:rPr lang="en-US"/>
+              <a:t>Technical Relations Manager</a:t>
+            </a:r>
+          </a:p>
+          <a:p>
+            <a:endParaRPr lang="en-GB"/>
           </a:p>
         </p:txBody>
       </p:sp>

--- a/Documentation/Team Presentation.pptx
+++ b/Documentation/Team Presentation.pptx
@@ -1262,15 +1262,7 @@
         <a:p>
           <a:r>
             <a:rPr lang="en-GB" dirty="0"/>
-            <a:t>Dungeon Crawler game which works as a single player game (</a:t>
-          </a:r>
-          <a:r>
-            <a:rPr lang="en-GB" dirty="0" err="1"/>
-            <a:t>gameloop</a:t>
-          </a:r>
-          <a:r>
-            <a:rPr lang="en-GB" dirty="0"/>
-            <a:t> isn’t dependant on player 2, can still win or lose without them)</a:t>
+            <a:t>Dungeon Crawler game which works as a single player game (game loop isn’t dependant on player 2, can still win or lose without them)</a:t>
           </a:r>
           <a:endParaRPr lang="en-US" dirty="0"/>
         </a:p>
@@ -1306,7 +1298,7 @@
         <a:lstStyle/>
         <a:p>
           <a:r>
-            <a:rPr lang="en-GB" dirty="0"/>
+            <a:rPr lang="en-GB"/>
             <a:t>Child can connect to game using a webapp on a tablet with a unique code, like Jackbox games</a:t>
           </a:r>
           <a:endParaRPr lang="en-US" dirty="0"/>
@@ -1454,7 +1446,7 @@
         <a:lstStyle/>
         <a:p>
           <a:r>
-            <a:rPr lang="en-GB" dirty="0"/>
+            <a:rPr lang="en-GB"/>
             <a:t>Webapp has limited text and basic controls so it’s easy for young children to understand</a:t>
           </a:r>
           <a:endParaRPr lang="en-US" dirty="0"/>
@@ -1491,9 +1483,10 @@
         <a:lstStyle/>
         <a:p>
           <a:r>
-            <a:rPr lang="en-US" dirty="0"/>
+            <a:rPr lang="en-US"/>
             <a:t>Child-friendly gameplay – no graphic violence </a:t>
           </a:r>
+          <a:endParaRPr lang="en-US" dirty="0"/>
         </a:p>
       </dgm:t>
     </dgm:pt>
@@ -1617,34 +1610,34 @@
     </dgm:pt>
   </dgm:ptLst>
   <dgm:cxnLst>
-    <dgm:cxn modelId="{A73E1E02-A971-4CE6-88B8-0C3CDDA11D02}" type="presOf" srcId="{AAA63983-D68E-4A8B-B03B-3C1FFF76F581}" destId="{C8DAC8D9-9149-4362-BF7E-15A36EC0D026}" srcOrd="0" destOrd="0" presId="urn:microsoft.com/office/officeart/2005/8/layout/vList2"/>
-    <dgm:cxn modelId="{76B2151B-AFE0-4C96-8D4C-C1C93E24AD52}" type="presOf" srcId="{D35016B1-1E58-49A6-A90F-AE164845F484}" destId="{E9D7CDE4-31A3-4EA3-9AA5-9F1E46B4D453}" srcOrd="0" destOrd="0" presId="urn:microsoft.com/office/officeart/2005/8/layout/vList2"/>
-    <dgm:cxn modelId="{7AB02045-C918-48AF-84E8-540E49876297}" type="presOf" srcId="{1399077D-786A-4A8B-96FF-069E374D53A4}" destId="{12C1BE6B-9C21-4880-AEEB-69E89095A044}" srcOrd="0" destOrd="0" presId="urn:microsoft.com/office/officeart/2005/8/layout/vList2"/>
+    <dgm:cxn modelId="{D4D7920A-7E7F-8A4E-905C-B6B67BE60E88}" type="presOf" srcId="{AAA63983-D68E-4A8B-B03B-3C1FFF76F581}" destId="{C8DAC8D9-9149-4362-BF7E-15A36EC0D026}" srcOrd="0" destOrd="0" presId="urn:microsoft.com/office/officeart/2005/8/layout/vList2"/>
     <dgm:cxn modelId="{618CBC57-B66C-4BCA-9B9F-8C70431F07BD}" srcId="{1399077D-786A-4A8B-96FF-069E374D53A4}" destId="{DA7A2490-46D7-4DF8-ABD8-87418D4B2495}" srcOrd="4" destOrd="0" parTransId="{A0088338-F937-4DFD-BD92-056BC1050153}" sibTransId="{49CF1918-330B-42E1-B11D-DD018F493333}"/>
     <dgm:cxn modelId="{514F6B5E-7D1E-42B4-BFB5-47566781C3FE}" srcId="{1399077D-786A-4A8B-96FF-069E374D53A4}" destId="{D35016B1-1E58-49A6-A90F-AE164845F484}" srcOrd="5" destOrd="0" parTransId="{F5BCEC52-3827-497E-9913-5B11897E8705}" sibTransId="{4D21F759-526B-4D9C-A30C-8F75A23453D6}"/>
-    <dgm:cxn modelId="{B4C5CA5E-67C0-4FF0-8E4C-8988B9A6A6FF}" type="presOf" srcId="{A97F382E-B46E-4B12-AFF9-C171B34D570D}" destId="{B2C7831D-91AA-4608-A9F2-D7744E57A1E0}" srcOrd="0" destOrd="0" presId="urn:microsoft.com/office/officeart/2005/8/layout/vList2"/>
-    <dgm:cxn modelId="{7B62C962-134D-43F1-8959-05C07C26F7CE}" type="presOf" srcId="{5584A5D7-B605-44C9-955D-3F896FD47551}" destId="{ACC9DE83-3321-4C36-A664-56ED41D8F075}" srcOrd="0" destOrd="0" presId="urn:microsoft.com/office/officeart/2005/8/layout/vList2"/>
+    <dgm:cxn modelId="{8311C271-4DC2-7A42-93F4-F0BE9DF04C7E}" type="presOf" srcId="{A97F382E-B46E-4B12-AFF9-C171B34D570D}" destId="{B2C7831D-91AA-4608-A9F2-D7744E57A1E0}" srcOrd="0" destOrd="0" presId="urn:microsoft.com/office/officeart/2005/8/layout/vList2"/>
+    <dgm:cxn modelId="{47CFC781-EA7D-CF4C-A81A-1FA3A3050653}" type="presOf" srcId="{DA7A2490-46D7-4DF8-ABD8-87418D4B2495}" destId="{1A927C6C-BE6F-498A-8253-F9FFC1C8FAE9}" srcOrd="0" destOrd="0" presId="urn:microsoft.com/office/officeart/2005/8/layout/vList2"/>
+    <dgm:cxn modelId="{68C13D8A-7354-3943-94F6-4336B7F8F39F}" type="presOf" srcId="{1399077D-786A-4A8B-96FF-069E374D53A4}" destId="{12C1BE6B-9C21-4880-AEEB-69E89095A044}" srcOrd="0" destOrd="0" presId="urn:microsoft.com/office/officeart/2005/8/layout/vList2"/>
     <dgm:cxn modelId="{D7359991-6172-4228-A54B-423423ABA43E}" srcId="{1399077D-786A-4A8B-96FF-069E374D53A4}" destId="{AAA63983-D68E-4A8B-B03B-3C1FFF76F581}" srcOrd="2" destOrd="0" parTransId="{5E7AE698-1A13-4559-A5B2-496E37CA8EB5}" sibTransId="{E208EA3F-3668-403E-BDC2-EEADFB43121B}"/>
-    <dgm:cxn modelId="{31DA9B9A-5B3B-42CD-96BA-E4464C03DCBC}" type="presOf" srcId="{1464B62F-AD34-4446-A166-B5AC6A86121F}" destId="{13C36F74-2D6C-45C2-A57B-6728B59BBE28}" srcOrd="0" destOrd="0" presId="urn:microsoft.com/office/officeart/2005/8/layout/vList2"/>
     <dgm:cxn modelId="{36918A9E-33FE-4F4B-8072-D75DA79E183F}" srcId="{1399077D-786A-4A8B-96FF-069E374D53A4}" destId="{A97F382E-B46E-4B12-AFF9-C171B34D570D}" srcOrd="1" destOrd="0" parTransId="{E1B6F5AA-8ECB-453A-8AB2-F8EEC09303E7}" sibTransId="{0E4ADDD4-ACA6-4BC5-8841-A56C2BC59A57}"/>
     <dgm:cxn modelId="{B9683CA2-4D99-4F86-8785-878076F5D587}" srcId="{1399077D-786A-4A8B-96FF-069E374D53A4}" destId="{C1351C93-E590-457C-9D65-C35D0BF68CC0}" srcOrd="0" destOrd="0" parTransId="{A03DF863-6B74-45C7-9827-558392FBF48C}" sibTransId="{EB8891D4-789E-4ADE-A679-9ACA27C476D5}"/>
-    <dgm:cxn modelId="{7F197DAB-A9A0-4A9D-A737-54446BE5DBB6}" type="presOf" srcId="{DA7A2490-46D7-4DF8-ABD8-87418D4B2495}" destId="{1A927C6C-BE6F-498A-8253-F9FFC1C8FAE9}" srcOrd="0" destOrd="0" presId="urn:microsoft.com/office/officeart/2005/8/layout/vList2"/>
-    <dgm:cxn modelId="{044946C3-251E-41E2-A229-A672902EE134}" type="presOf" srcId="{C1351C93-E590-457C-9D65-C35D0BF68CC0}" destId="{579B61E3-97D9-4014-B3F7-2ECFE58C6DAC}" srcOrd="0" destOrd="0" presId="urn:microsoft.com/office/officeart/2005/8/layout/vList2"/>
+    <dgm:cxn modelId="{7699BEBE-8137-1A45-BB78-F9308C2C840E}" type="presOf" srcId="{C1351C93-E590-457C-9D65-C35D0BF68CC0}" destId="{579B61E3-97D9-4014-B3F7-2ECFE58C6DAC}" srcOrd="0" destOrd="0" presId="urn:microsoft.com/office/officeart/2005/8/layout/vList2"/>
+    <dgm:cxn modelId="{895B87C4-99D2-8846-99B5-2243E22E94CF}" type="presOf" srcId="{1464B62F-AD34-4446-A166-B5AC6A86121F}" destId="{13C36F74-2D6C-45C2-A57B-6728B59BBE28}" srcOrd="0" destOrd="0" presId="urn:microsoft.com/office/officeart/2005/8/layout/vList2"/>
     <dgm:cxn modelId="{472443F4-ABFB-43BD-918E-976A2CE01493}" srcId="{1399077D-786A-4A8B-96FF-069E374D53A4}" destId="{5584A5D7-B605-44C9-955D-3F896FD47551}" srcOrd="3" destOrd="0" parTransId="{C0791B48-3D26-43B4-95AF-1E6FFEEFB813}" sibTransId="{4FD54D5D-668A-46B5-B271-283C1D3B1F1F}"/>
+    <dgm:cxn modelId="{F0AB9AF4-9A33-DF42-B896-C89824C9EE32}" type="presOf" srcId="{D35016B1-1E58-49A6-A90F-AE164845F484}" destId="{E9D7CDE4-31A3-4EA3-9AA5-9F1E46B4D453}" srcOrd="0" destOrd="0" presId="urn:microsoft.com/office/officeart/2005/8/layout/vList2"/>
     <dgm:cxn modelId="{6D4C4DF6-1E54-42F9-AE7A-FCA0B647D196}" srcId="{1399077D-786A-4A8B-96FF-069E374D53A4}" destId="{1464B62F-AD34-4446-A166-B5AC6A86121F}" srcOrd="6" destOrd="0" parTransId="{70397BED-57B6-49F0-93DA-6EBE599BB5C6}" sibTransId="{53ACF281-4F7B-4212-9A18-F0C8234509C6}"/>
-    <dgm:cxn modelId="{E66D18D9-4B7B-41CC-B019-5D8B4261C8FB}" type="presParOf" srcId="{12C1BE6B-9C21-4880-AEEB-69E89095A044}" destId="{579B61E3-97D9-4014-B3F7-2ECFE58C6DAC}" srcOrd="0" destOrd="0" presId="urn:microsoft.com/office/officeart/2005/8/layout/vList2"/>
-    <dgm:cxn modelId="{C1076882-8AC1-47A6-BE26-D40E7CEEF66F}" type="presParOf" srcId="{12C1BE6B-9C21-4880-AEEB-69E89095A044}" destId="{8299C7DE-BD4D-4958-93F6-F5258074CC2B}" srcOrd="1" destOrd="0" presId="urn:microsoft.com/office/officeart/2005/8/layout/vList2"/>
-    <dgm:cxn modelId="{F738D6C3-84C7-4E69-BA43-D55C76BC54A4}" type="presParOf" srcId="{12C1BE6B-9C21-4880-AEEB-69E89095A044}" destId="{B2C7831D-91AA-4608-A9F2-D7744E57A1E0}" srcOrd="2" destOrd="0" presId="urn:microsoft.com/office/officeart/2005/8/layout/vList2"/>
-    <dgm:cxn modelId="{7BDFF23E-AB20-4C61-8A57-DE01C9E43D97}" type="presParOf" srcId="{12C1BE6B-9C21-4880-AEEB-69E89095A044}" destId="{A58B1F16-1AA2-418B-9526-C8441DEBDFEB}" srcOrd="3" destOrd="0" presId="urn:microsoft.com/office/officeart/2005/8/layout/vList2"/>
-    <dgm:cxn modelId="{69B5205D-BE8A-453C-9A52-0885DB96C955}" type="presParOf" srcId="{12C1BE6B-9C21-4880-AEEB-69E89095A044}" destId="{C8DAC8D9-9149-4362-BF7E-15A36EC0D026}" srcOrd="4" destOrd="0" presId="urn:microsoft.com/office/officeart/2005/8/layout/vList2"/>
-    <dgm:cxn modelId="{F197677C-A228-4BB6-91EA-6BC0BF204D21}" type="presParOf" srcId="{12C1BE6B-9C21-4880-AEEB-69E89095A044}" destId="{BAE5A896-8A9B-4511-9AC4-435624B97DAA}" srcOrd="5" destOrd="0" presId="urn:microsoft.com/office/officeart/2005/8/layout/vList2"/>
-    <dgm:cxn modelId="{72530042-92B1-4378-95D2-4D73F84AD6F7}" type="presParOf" srcId="{12C1BE6B-9C21-4880-AEEB-69E89095A044}" destId="{ACC9DE83-3321-4C36-A664-56ED41D8F075}" srcOrd="6" destOrd="0" presId="urn:microsoft.com/office/officeart/2005/8/layout/vList2"/>
-    <dgm:cxn modelId="{F6BBBC13-07B6-4598-811F-08399764084E}" type="presParOf" srcId="{12C1BE6B-9C21-4880-AEEB-69E89095A044}" destId="{37D24F4E-2FD4-41C0-88D7-874333AA76CE}" srcOrd="7" destOrd="0" presId="urn:microsoft.com/office/officeart/2005/8/layout/vList2"/>
-    <dgm:cxn modelId="{32030724-C50F-4839-A918-70862462E049}" type="presParOf" srcId="{12C1BE6B-9C21-4880-AEEB-69E89095A044}" destId="{1A927C6C-BE6F-498A-8253-F9FFC1C8FAE9}" srcOrd="8" destOrd="0" presId="urn:microsoft.com/office/officeart/2005/8/layout/vList2"/>
-    <dgm:cxn modelId="{986B8633-4BD5-4038-9A71-E9B21F8FB7F8}" type="presParOf" srcId="{12C1BE6B-9C21-4880-AEEB-69E89095A044}" destId="{9A3CC798-18BE-43CB-B5B0-21845E52891B}" srcOrd="9" destOrd="0" presId="urn:microsoft.com/office/officeart/2005/8/layout/vList2"/>
-    <dgm:cxn modelId="{1AE2F43E-65A4-4101-A48F-A59A19495BF9}" type="presParOf" srcId="{12C1BE6B-9C21-4880-AEEB-69E89095A044}" destId="{E9D7CDE4-31A3-4EA3-9AA5-9F1E46B4D453}" srcOrd="10" destOrd="0" presId="urn:microsoft.com/office/officeart/2005/8/layout/vList2"/>
-    <dgm:cxn modelId="{8F5E6B6B-A3F7-42BF-ADE2-45FF2CBCF4BC}" type="presParOf" srcId="{12C1BE6B-9C21-4880-AEEB-69E89095A044}" destId="{927C8E09-9A8F-48A4-B16A-9361783B18F9}" srcOrd="11" destOrd="0" presId="urn:microsoft.com/office/officeart/2005/8/layout/vList2"/>
-    <dgm:cxn modelId="{23F5F31C-CF3D-4A93-91C1-7FC4D821A88F}" type="presParOf" srcId="{12C1BE6B-9C21-4880-AEEB-69E89095A044}" destId="{13C36F74-2D6C-45C2-A57B-6728B59BBE28}" srcOrd="12" destOrd="0" presId="urn:microsoft.com/office/officeart/2005/8/layout/vList2"/>
+    <dgm:cxn modelId="{8E00D2F8-C77F-1F4C-AC89-BB0986C1F25A}" type="presOf" srcId="{5584A5D7-B605-44C9-955D-3F896FD47551}" destId="{ACC9DE83-3321-4C36-A664-56ED41D8F075}" srcOrd="0" destOrd="0" presId="urn:microsoft.com/office/officeart/2005/8/layout/vList2"/>
+    <dgm:cxn modelId="{049C0D70-B689-8D4A-B2CD-3F186EA550B5}" type="presParOf" srcId="{12C1BE6B-9C21-4880-AEEB-69E89095A044}" destId="{579B61E3-97D9-4014-B3F7-2ECFE58C6DAC}" srcOrd="0" destOrd="0" presId="urn:microsoft.com/office/officeart/2005/8/layout/vList2"/>
+    <dgm:cxn modelId="{D79FB485-4FD3-D24A-891E-C59DBC70AB48}" type="presParOf" srcId="{12C1BE6B-9C21-4880-AEEB-69E89095A044}" destId="{8299C7DE-BD4D-4958-93F6-F5258074CC2B}" srcOrd="1" destOrd="0" presId="urn:microsoft.com/office/officeart/2005/8/layout/vList2"/>
+    <dgm:cxn modelId="{E5291F84-E927-8C47-9F62-1213BABF1B90}" type="presParOf" srcId="{12C1BE6B-9C21-4880-AEEB-69E89095A044}" destId="{B2C7831D-91AA-4608-A9F2-D7744E57A1E0}" srcOrd="2" destOrd="0" presId="urn:microsoft.com/office/officeart/2005/8/layout/vList2"/>
+    <dgm:cxn modelId="{09B6A321-2879-FC45-A038-27C0A09EF257}" type="presParOf" srcId="{12C1BE6B-9C21-4880-AEEB-69E89095A044}" destId="{A58B1F16-1AA2-418B-9526-C8441DEBDFEB}" srcOrd="3" destOrd="0" presId="urn:microsoft.com/office/officeart/2005/8/layout/vList2"/>
+    <dgm:cxn modelId="{9F1A0DA0-42B4-034C-84F2-7CF9BC614AF6}" type="presParOf" srcId="{12C1BE6B-9C21-4880-AEEB-69E89095A044}" destId="{C8DAC8D9-9149-4362-BF7E-15A36EC0D026}" srcOrd="4" destOrd="0" presId="urn:microsoft.com/office/officeart/2005/8/layout/vList2"/>
+    <dgm:cxn modelId="{21E70BC5-7C24-FC4F-B460-485496672273}" type="presParOf" srcId="{12C1BE6B-9C21-4880-AEEB-69E89095A044}" destId="{BAE5A896-8A9B-4511-9AC4-435624B97DAA}" srcOrd="5" destOrd="0" presId="urn:microsoft.com/office/officeart/2005/8/layout/vList2"/>
+    <dgm:cxn modelId="{2509834A-60BE-0A40-933E-EDD002EA5A7C}" type="presParOf" srcId="{12C1BE6B-9C21-4880-AEEB-69E89095A044}" destId="{ACC9DE83-3321-4C36-A664-56ED41D8F075}" srcOrd="6" destOrd="0" presId="urn:microsoft.com/office/officeart/2005/8/layout/vList2"/>
+    <dgm:cxn modelId="{4F48080E-0EA7-3B44-8BBC-54D9C1731099}" type="presParOf" srcId="{12C1BE6B-9C21-4880-AEEB-69E89095A044}" destId="{37D24F4E-2FD4-41C0-88D7-874333AA76CE}" srcOrd="7" destOrd="0" presId="urn:microsoft.com/office/officeart/2005/8/layout/vList2"/>
+    <dgm:cxn modelId="{1EADD665-2729-224C-83AB-993EE3182B72}" type="presParOf" srcId="{12C1BE6B-9C21-4880-AEEB-69E89095A044}" destId="{1A927C6C-BE6F-498A-8253-F9FFC1C8FAE9}" srcOrd="8" destOrd="0" presId="urn:microsoft.com/office/officeart/2005/8/layout/vList2"/>
+    <dgm:cxn modelId="{0043EBF8-D023-2E46-A391-34949A4D2CB7}" type="presParOf" srcId="{12C1BE6B-9C21-4880-AEEB-69E89095A044}" destId="{9A3CC798-18BE-43CB-B5B0-21845E52891B}" srcOrd="9" destOrd="0" presId="urn:microsoft.com/office/officeart/2005/8/layout/vList2"/>
+    <dgm:cxn modelId="{F7C3F46E-7CFD-3345-B8B6-7144096540E5}" type="presParOf" srcId="{12C1BE6B-9C21-4880-AEEB-69E89095A044}" destId="{E9D7CDE4-31A3-4EA3-9AA5-9F1E46B4D453}" srcOrd="10" destOrd="0" presId="urn:microsoft.com/office/officeart/2005/8/layout/vList2"/>
+    <dgm:cxn modelId="{1EB4FB48-B95B-5B4E-AEF7-33D0D140098F}" type="presParOf" srcId="{12C1BE6B-9C21-4880-AEEB-69E89095A044}" destId="{927C8E09-9A8F-48A4-B16A-9361783B18F9}" srcOrd="11" destOrd="0" presId="urn:microsoft.com/office/officeart/2005/8/layout/vList2"/>
+    <dgm:cxn modelId="{6485C9CA-7863-B64B-8722-7789E31315F5}" type="presParOf" srcId="{12C1BE6B-9C21-4880-AEEB-69E89095A044}" destId="{13C36F74-2D6C-45C2-A57B-6728B59BBE28}" srcOrd="12" destOrd="0" presId="urn:microsoft.com/office/officeart/2005/8/layout/vList2"/>
   </dgm:cxnLst>
   <dgm:bg/>
   <dgm:whole/>
@@ -1671,8 +1664,8 @@
       </dsp:nvSpPr>
       <dsp:spPr>
         <a:xfrm>
-          <a:off x="0" y="713829"/>
-          <a:ext cx="6261099" cy="636480"/>
+          <a:off x="0" y="565959"/>
+          <a:ext cx="6261099" cy="676260"/>
         </a:xfrm>
         <a:prstGeom prst="roundRect">
           <a:avLst/>
@@ -1713,12 +1706,12 @@
         </a:fontRef>
       </dsp:style>
       <dsp:txBody>
-        <a:bodyPr spcFirstLastPara="0" vert="horz" wrap="square" lIns="60960" tIns="60960" rIns="60960" bIns="60960" numCol="1" spcCol="1270" anchor="ctr" anchorCtr="0">
+        <a:bodyPr spcFirstLastPara="0" vert="horz" wrap="square" lIns="64770" tIns="64770" rIns="64770" bIns="64770" numCol="1" spcCol="1270" anchor="ctr" anchorCtr="0">
           <a:noAutofit/>
         </a:bodyPr>
         <a:lstStyle/>
         <a:p>
-          <a:pPr marL="0" lvl="0" indent="0" algn="l" defTabSz="711200">
+          <a:pPr marL="0" lvl="0" indent="0" algn="l" defTabSz="755650">
             <a:lnSpc>
               <a:spcPct val="90000"/>
             </a:lnSpc>
@@ -1731,23 +1724,15 @@
             <a:buNone/>
           </a:pPr>
           <a:r>
-            <a:rPr lang="en-GB" sz="1600" kern="1200" dirty="0"/>
-            <a:t>Dungeon Crawler game which works as a single player game (</a:t>
+            <a:rPr lang="en-GB" sz="1700" kern="1200" dirty="0"/>
+            <a:t>Dungeon Crawler game which works as a single player game (game loop isn’t dependant on player 2, can still win or lose without them)</a:t>
           </a:r>
-          <a:r>
-            <a:rPr lang="en-GB" sz="1600" kern="1200" dirty="0" err="1"/>
-            <a:t>gameloop</a:t>
-          </a:r>
-          <a:r>
-            <a:rPr lang="en-GB" sz="1600" kern="1200" dirty="0"/>
-            <a:t> isn’t dependant on player 2, can still win or lose without them)</a:t>
-          </a:r>
-          <a:endParaRPr lang="en-US" sz="1600" kern="1200" dirty="0"/>
+          <a:endParaRPr lang="en-US" sz="1700" kern="1200" dirty="0"/>
         </a:p>
       </dsp:txBody>
       <dsp:txXfrm>
-        <a:off x="31070" y="744899"/>
-        <a:ext cx="6198959" cy="574340"/>
+        <a:off x="33012" y="598971"/>
+        <a:ext cx="6195075" cy="610236"/>
       </dsp:txXfrm>
     </dsp:sp>
     <dsp:sp modelId="{B2C7831D-91AA-4608-A9F2-D7744E57A1E0}">
@@ -1757,8 +1742,8 @@
       </dsp:nvSpPr>
       <dsp:spPr>
         <a:xfrm>
-          <a:off x="0" y="1396389"/>
-          <a:ext cx="6261099" cy="636480"/>
+          <a:off x="0" y="1291179"/>
+          <a:ext cx="6261099" cy="676260"/>
         </a:xfrm>
         <a:prstGeom prst="roundRect">
           <a:avLst/>
@@ -1799,12 +1784,12 @@
         </a:fontRef>
       </dsp:style>
       <dsp:txBody>
-        <a:bodyPr spcFirstLastPara="0" vert="horz" wrap="square" lIns="60960" tIns="60960" rIns="60960" bIns="60960" numCol="1" spcCol="1270" anchor="ctr" anchorCtr="0">
+        <a:bodyPr spcFirstLastPara="0" vert="horz" wrap="square" lIns="64770" tIns="64770" rIns="64770" bIns="64770" numCol="1" spcCol="1270" anchor="ctr" anchorCtr="0">
           <a:noAutofit/>
         </a:bodyPr>
         <a:lstStyle/>
         <a:p>
-          <a:pPr marL="0" lvl="0" indent="0" algn="l" defTabSz="711200">
+          <a:pPr marL="0" lvl="0" indent="0" algn="l" defTabSz="755650">
             <a:lnSpc>
               <a:spcPct val="90000"/>
             </a:lnSpc>
@@ -1817,15 +1802,15 @@
             <a:buNone/>
           </a:pPr>
           <a:r>
-            <a:rPr lang="en-GB" sz="1600" kern="1200" dirty="0"/>
+            <a:rPr lang="en-GB" sz="1700" kern="1200"/>
             <a:t>Child can connect to game using a webapp on a tablet with a unique code, like Jackbox games</a:t>
           </a:r>
-          <a:endParaRPr lang="en-US" sz="1600" kern="1200" dirty="0"/>
+          <a:endParaRPr lang="en-US" sz="1700" kern="1200" dirty="0"/>
         </a:p>
       </dsp:txBody>
       <dsp:txXfrm>
-        <a:off x="31070" y="1427459"/>
-        <a:ext cx="6198959" cy="574340"/>
+        <a:off x="33012" y="1324191"/>
+        <a:ext cx="6195075" cy="610236"/>
       </dsp:txXfrm>
     </dsp:sp>
     <dsp:sp modelId="{C8DAC8D9-9149-4362-BF7E-15A36EC0D026}">
@@ -1835,8 +1820,8 @@
       </dsp:nvSpPr>
       <dsp:spPr>
         <a:xfrm>
-          <a:off x="0" y="2078949"/>
-          <a:ext cx="6261099" cy="636480"/>
+          <a:off x="0" y="2016399"/>
+          <a:ext cx="6261099" cy="676260"/>
         </a:xfrm>
         <a:prstGeom prst="roundRect">
           <a:avLst/>
@@ -1877,12 +1862,12 @@
         </a:fontRef>
       </dsp:style>
       <dsp:txBody>
-        <a:bodyPr spcFirstLastPara="0" vert="horz" wrap="square" lIns="60960" tIns="60960" rIns="60960" bIns="60960" numCol="1" spcCol="1270" anchor="ctr" anchorCtr="0">
+        <a:bodyPr spcFirstLastPara="0" vert="horz" wrap="square" lIns="64770" tIns="64770" rIns="64770" bIns="64770" numCol="1" spcCol="1270" anchor="ctr" anchorCtr="0">
           <a:noAutofit/>
         </a:bodyPr>
         <a:lstStyle/>
         <a:p>
-          <a:pPr marL="0" lvl="0" indent="0" algn="l" defTabSz="711200">
+          <a:pPr marL="0" lvl="0" indent="0" algn="l" defTabSz="755650">
             <a:lnSpc>
               <a:spcPct val="90000"/>
             </a:lnSpc>
@@ -1895,15 +1880,15 @@
             <a:buNone/>
           </a:pPr>
           <a:r>
-            <a:rPr lang="en-GB" sz="1600" kern="1200" dirty="0"/>
+            <a:rPr lang="en-GB" sz="1700" kern="1200"/>
             <a:t>Webapp has limited text and basic controls so it’s easy for young children to understand</a:t>
           </a:r>
-          <a:endParaRPr lang="en-US" sz="1600" kern="1200" dirty="0"/>
+          <a:endParaRPr lang="en-US" sz="1700" kern="1200" dirty="0"/>
         </a:p>
       </dsp:txBody>
       <dsp:txXfrm>
-        <a:off x="31070" y="2110019"/>
-        <a:ext cx="6198959" cy="574340"/>
+        <a:off x="33012" y="2049411"/>
+        <a:ext cx="6195075" cy="610236"/>
       </dsp:txXfrm>
     </dsp:sp>
     <dsp:sp modelId="{ACC9DE83-3321-4C36-A664-56ED41D8F075}">
@@ -1913,8 +1898,8 @@
       </dsp:nvSpPr>
       <dsp:spPr>
         <a:xfrm>
-          <a:off x="0" y="2761509"/>
-          <a:ext cx="6261099" cy="636480"/>
+          <a:off x="0" y="2741619"/>
+          <a:ext cx="6261099" cy="676260"/>
         </a:xfrm>
         <a:prstGeom prst="roundRect">
           <a:avLst/>
@@ -1955,12 +1940,12 @@
         </a:fontRef>
       </dsp:style>
       <dsp:txBody>
-        <a:bodyPr spcFirstLastPara="0" vert="horz" wrap="square" lIns="60960" tIns="60960" rIns="60960" bIns="60960" numCol="1" spcCol="1270" anchor="ctr" anchorCtr="0">
+        <a:bodyPr spcFirstLastPara="0" vert="horz" wrap="square" lIns="64770" tIns="64770" rIns="64770" bIns="64770" numCol="1" spcCol="1270" anchor="ctr" anchorCtr="0">
           <a:noAutofit/>
         </a:bodyPr>
         <a:lstStyle/>
         <a:p>
-          <a:pPr marL="0" lvl="0" indent="0" algn="l" defTabSz="711200">
+          <a:pPr marL="0" lvl="0" indent="0" algn="l" defTabSz="755650">
             <a:lnSpc>
               <a:spcPct val="90000"/>
             </a:lnSpc>
@@ -1973,14 +1958,15 @@
             <a:buNone/>
           </a:pPr>
           <a:r>
-            <a:rPr lang="en-US" sz="1600" kern="1200" dirty="0"/>
+            <a:rPr lang="en-US" sz="1700" kern="1200"/>
             <a:t>Child-friendly gameplay – no graphic violence </a:t>
           </a:r>
+          <a:endParaRPr lang="en-US" sz="1700" kern="1200" dirty="0"/>
         </a:p>
       </dsp:txBody>
       <dsp:txXfrm>
-        <a:off x="31070" y="2792579"/>
-        <a:ext cx="6198959" cy="574340"/>
+        <a:off x="33012" y="2774631"/>
+        <a:ext cx="6195075" cy="610236"/>
       </dsp:txXfrm>
     </dsp:sp>
     <dsp:sp modelId="{1A927C6C-BE6F-498A-8253-F9FFC1C8FAE9}">
@@ -1990,8 +1976,8 @@
       </dsp:nvSpPr>
       <dsp:spPr>
         <a:xfrm>
-          <a:off x="0" y="3444069"/>
-          <a:ext cx="6261099" cy="636480"/>
+          <a:off x="0" y="3466839"/>
+          <a:ext cx="6261099" cy="676260"/>
         </a:xfrm>
         <a:prstGeom prst="roundRect">
           <a:avLst/>
@@ -2032,12 +2018,12 @@
         </a:fontRef>
       </dsp:style>
       <dsp:txBody>
-        <a:bodyPr spcFirstLastPara="0" vert="horz" wrap="square" lIns="60960" tIns="60960" rIns="60960" bIns="60960" numCol="1" spcCol="1270" anchor="ctr" anchorCtr="0">
+        <a:bodyPr spcFirstLastPara="0" vert="horz" wrap="square" lIns="64770" tIns="64770" rIns="64770" bIns="64770" numCol="1" spcCol="1270" anchor="ctr" anchorCtr="0">
           <a:noAutofit/>
         </a:bodyPr>
         <a:lstStyle/>
         <a:p>
-          <a:pPr marL="0" lvl="0" indent="0" algn="l" defTabSz="711200">
+          <a:pPr marL="0" lvl="0" indent="0" algn="l" defTabSz="755650">
             <a:lnSpc>
               <a:spcPct val="90000"/>
             </a:lnSpc>
@@ -2050,15 +2036,15 @@
             <a:buNone/>
           </a:pPr>
           <a:r>
-            <a:rPr lang="en-GB" sz="1600" kern="1200"/>
+            <a:rPr lang="en-GB" sz="1700" kern="1200"/>
             <a:t>At least 3 levels of varying difficulty to keep gameplay interesting</a:t>
           </a:r>
-          <a:endParaRPr lang="en-US" sz="1600" kern="1200"/>
+          <a:endParaRPr lang="en-US" sz="1700" kern="1200"/>
         </a:p>
       </dsp:txBody>
       <dsp:txXfrm>
-        <a:off x="31070" y="3475139"/>
-        <a:ext cx="6198959" cy="574340"/>
+        <a:off x="33012" y="3499851"/>
+        <a:ext cx="6195075" cy="610236"/>
       </dsp:txXfrm>
     </dsp:sp>
     <dsp:sp modelId="{E9D7CDE4-31A3-4EA3-9AA5-9F1E46B4D453}">
@@ -2068,8 +2054,8 @@
       </dsp:nvSpPr>
       <dsp:spPr>
         <a:xfrm>
-          <a:off x="0" y="4126629"/>
-          <a:ext cx="6261099" cy="636480"/>
+          <a:off x="0" y="4192059"/>
+          <a:ext cx="6261099" cy="676260"/>
         </a:xfrm>
         <a:prstGeom prst="roundRect">
           <a:avLst/>
@@ -2110,12 +2096,12 @@
         </a:fontRef>
       </dsp:style>
       <dsp:txBody>
-        <a:bodyPr spcFirstLastPara="0" vert="horz" wrap="square" lIns="60960" tIns="60960" rIns="60960" bIns="60960" numCol="1" spcCol="1270" anchor="ctr" anchorCtr="0">
+        <a:bodyPr spcFirstLastPara="0" vert="horz" wrap="square" lIns="64770" tIns="64770" rIns="64770" bIns="64770" numCol="1" spcCol="1270" anchor="ctr" anchorCtr="0">
           <a:noAutofit/>
         </a:bodyPr>
         <a:lstStyle/>
         <a:p>
-          <a:pPr marL="0" lvl="0" indent="0" algn="l" defTabSz="711200">
+          <a:pPr marL="0" lvl="0" indent="0" algn="l" defTabSz="755650">
             <a:lnSpc>
               <a:spcPct val="90000"/>
             </a:lnSpc>
@@ -2128,15 +2114,15 @@
             <a:buNone/>
           </a:pPr>
           <a:r>
-            <a:rPr lang="en-GB" sz="1600" kern="1200"/>
+            <a:rPr lang="en-GB" sz="1700" kern="1200"/>
             <a:t>Random generation of rooms to vary gameplay</a:t>
           </a:r>
-          <a:endParaRPr lang="en-US" sz="1600" kern="1200"/>
+          <a:endParaRPr lang="en-US" sz="1700" kern="1200"/>
         </a:p>
       </dsp:txBody>
       <dsp:txXfrm>
-        <a:off x="31070" y="4157699"/>
-        <a:ext cx="6198959" cy="574340"/>
+        <a:off x="33012" y="4225071"/>
+        <a:ext cx="6195075" cy="610236"/>
       </dsp:txXfrm>
     </dsp:sp>
     <dsp:sp modelId="{13C36F74-2D6C-45C2-A57B-6728B59BBE28}">
@@ -2146,8 +2132,8 @@
       </dsp:nvSpPr>
       <dsp:spPr>
         <a:xfrm>
-          <a:off x="0" y="4809189"/>
-          <a:ext cx="6261099" cy="636480"/>
+          <a:off x="0" y="4917279"/>
+          <a:ext cx="6261099" cy="676260"/>
         </a:xfrm>
         <a:prstGeom prst="roundRect">
           <a:avLst/>
@@ -2188,12 +2174,12 @@
         </a:fontRef>
       </dsp:style>
       <dsp:txBody>
-        <a:bodyPr spcFirstLastPara="0" vert="horz" wrap="square" lIns="60960" tIns="60960" rIns="60960" bIns="60960" numCol="1" spcCol="1270" anchor="ctr" anchorCtr="0">
+        <a:bodyPr spcFirstLastPara="0" vert="horz" wrap="square" lIns="64770" tIns="64770" rIns="64770" bIns="64770" numCol="1" spcCol="1270" anchor="ctr" anchorCtr="0">
           <a:noAutofit/>
         </a:bodyPr>
         <a:lstStyle/>
         <a:p>
-          <a:pPr marL="0" lvl="0" indent="0" algn="l" defTabSz="711200">
+          <a:pPr marL="0" lvl="0" indent="0" algn="l" defTabSz="755650">
             <a:lnSpc>
               <a:spcPct val="90000"/>
             </a:lnSpc>
@@ -2206,15 +2192,15 @@
             <a:buNone/>
           </a:pPr>
           <a:r>
-            <a:rPr lang="en-GB" sz="1600" kern="1200"/>
+            <a:rPr lang="en-GB" sz="1700" kern="1200"/>
             <a:t>At least 2 variants of enemies, with animations </a:t>
           </a:r>
-          <a:endParaRPr lang="en-US" sz="1600" kern="1200"/>
+          <a:endParaRPr lang="en-US" sz="1700" kern="1200"/>
         </a:p>
       </dsp:txBody>
       <dsp:txXfrm>
-        <a:off x="31070" y="4840259"/>
-        <a:ext cx="6198959" cy="574340"/>
+        <a:off x="33012" y="4950291"/>
+        <a:ext cx="6195075" cy="610236"/>
       </dsp:txXfrm>
     </dsp:sp>
   </dsp:spTree>
@@ -10097,42 +10083,42 @@
               <a:buNone/>
             </a:pPr>
             <a:r>
-              <a:rPr lang="en-US"/>
+              <a:rPr lang="en-US" dirty="0"/>
               <a:t>Primary Role:</a:t>
             </a:r>
           </a:p>
           <a:p>
             <a:r>
-              <a:rPr lang="en-US"/>
+              <a:rPr lang="en-US" dirty="0"/>
               <a:t>Technical Lead</a:t>
             </a:r>
           </a:p>
           <a:p>
-            <a:endParaRPr lang="en-US"/>
+            <a:endParaRPr lang="en-US" dirty="0"/>
           </a:p>
           <a:p>
             <a:pPr marL="0" indent="0">
               <a:buNone/>
             </a:pPr>
             <a:r>
-              <a:rPr lang="en-US"/>
+              <a:rPr lang="en-US" dirty="0"/>
               <a:t>Secondary Role(s):</a:t>
             </a:r>
           </a:p>
           <a:p>
             <a:r>
-              <a:rPr lang="en-US"/>
+              <a:rPr lang="en-US" dirty="0"/>
               <a:t>Repo Manager</a:t>
             </a:r>
           </a:p>
           <a:p>
             <a:r>
-              <a:rPr lang="en-US"/>
+              <a:rPr lang="en-US" dirty="0"/>
               <a:t>Technical Relations Manager</a:t>
             </a:r>
           </a:p>
           <a:p>
-            <a:endParaRPr lang="en-GB"/>
+            <a:endParaRPr lang="en-GB" dirty="0"/>
           </a:p>
         </p:txBody>
       </p:sp>
@@ -10628,7 +10614,7 @@
           <a:lstStyle/>
           <a:p>
             <a:r>
-              <a:rPr lang="en-US" sz="3400">
+              <a:rPr lang="en-US" sz="3400" dirty="0">
                 <a:solidFill>
                   <a:schemeClr val="tx2"/>
                 </a:solidFill>
@@ -10636,13 +10622,13 @@
               <a:t>Agreed objectives</a:t>
             </a:r>
             <a:br>
-              <a:rPr lang="en-US" sz="3400">
+              <a:rPr lang="en-US" sz="3400" dirty="0">
                 <a:solidFill>
                   <a:schemeClr val="tx2"/>
                 </a:solidFill>
               </a:rPr>
             </a:br>
-            <a:endParaRPr lang="en-GB" sz="3400">
+            <a:endParaRPr lang="en-GB" sz="3400" dirty="0">
               <a:solidFill>
                 <a:schemeClr val="tx2"/>
               </a:solidFill>
@@ -10666,7 +10652,7 @@
             <p:ph idx="1"/>
             <p:extLst>
               <p:ext uri="{D42A27DB-BD31-4B8C-83A1-F6EECF244321}">
-                <p14:modId xmlns:p14="http://schemas.microsoft.com/office/powerpoint/2010/main" val="4155591021"/>
+                <p14:modId xmlns:p14="http://schemas.microsoft.com/office/powerpoint/2010/main" val="3240283486"/>
               </p:ext>
             </p:extLst>
           </p:nvPr>

--- a/Documentation/Team Presentation.pptx
+++ b/Documentation/Team Presentation.pptx
@@ -6856,6 +6856,26 @@
                   <a:schemeClr val="bg2"/>
                 </a:solidFill>
               </a:rPr>
+              <a:t>Zack Hawkins</a:t>
+            </a:r>
+          </a:p>
+          <a:p>
+            <a:r>
+              <a:rPr lang="en-US" sz="1800" dirty="0">
+                <a:solidFill>
+                  <a:schemeClr val="bg2"/>
+                </a:solidFill>
+              </a:rPr>
+              <a:t>Josie Wood</a:t>
+            </a:r>
+          </a:p>
+          <a:p>
+            <a:r>
+              <a:rPr lang="en-US" sz="1800" dirty="0">
+                <a:solidFill>
+                  <a:schemeClr val="bg2"/>
+                </a:solidFill>
+              </a:rPr>
               <a:t>Alexander Pritchard</a:t>
             </a:r>
           </a:p>
@@ -6869,7 +6889,7 @@
               <a:t>Solomon </a:t>
             </a:r>
             <a:r>
-              <a:rPr lang="en-US" sz="1800" dirty="0" err="1">
+              <a:rPr lang="en-US" sz="1800">
                 <a:solidFill>
                   <a:schemeClr val="bg2"/>
                 </a:solidFill>
@@ -6877,31 +6897,6 @@
               <a:t>Cammack</a:t>
             </a:r>
             <a:endParaRPr lang="en-US" sz="1800" dirty="0">
-              <a:solidFill>
-                <a:schemeClr val="bg2"/>
-              </a:solidFill>
-            </a:endParaRPr>
-          </a:p>
-          <a:p>
-            <a:r>
-              <a:rPr lang="en-US" sz="1800" dirty="0">
-                <a:solidFill>
-                  <a:schemeClr val="bg2"/>
-                </a:solidFill>
-              </a:rPr>
-              <a:t>Josie Wood</a:t>
-            </a:r>
-          </a:p>
-          <a:p>
-            <a:r>
-              <a:rPr lang="en-US" sz="1800" dirty="0">
-                <a:solidFill>
-                  <a:schemeClr val="bg2"/>
-                </a:solidFill>
-              </a:rPr>
-              <a:t>Zack Hawkins</a:t>
-            </a:r>
-            <a:endParaRPr lang="en-GB" sz="1800" dirty="0">
               <a:solidFill>
                 <a:schemeClr val="bg2"/>
               </a:solidFill>

--- a/Documentation/Team Presentation.pptx
+++ b/Documentation/Team Presentation.pptx
@@ -6889,7 +6889,7 @@
               <a:t>Solomon </a:t>
             </a:r>
             <a:r>
-              <a:rPr lang="en-US" sz="1800">
+              <a:rPr lang="en-US" sz="1800" dirty="0" err="1">
                 <a:solidFill>
                   <a:schemeClr val="bg2"/>
                 </a:solidFill>
@@ -9569,10 +9569,10 @@
           <a:lstStyle/>
           <a:p>
             <a:r>
-              <a:rPr lang="en-US"/>
-              <a:t>ALEX</a:t>
+              <a:rPr lang="en-US" dirty="0"/>
+              <a:t>ALEXANDER</a:t>
             </a:r>
-            <a:endParaRPr lang="en-GB"/>
+            <a:endParaRPr lang="en-GB" dirty="0"/>
           </a:p>
         </p:txBody>
       </p:sp>
@@ -9643,42 +9643,42 @@
               <a:buNone/>
             </a:pPr>
             <a:r>
-              <a:rPr lang="en-US"/>
+              <a:rPr lang="en-US" dirty="0"/>
               <a:t>Primary Role:</a:t>
             </a:r>
           </a:p>
           <a:p>
             <a:r>
-              <a:rPr lang="en-US"/>
+              <a:rPr lang="en-US" dirty="0"/>
               <a:t>Technical Lead</a:t>
             </a:r>
           </a:p>
           <a:p>
-            <a:endParaRPr lang="en-US"/>
+            <a:endParaRPr lang="en-US" dirty="0"/>
           </a:p>
           <a:p>
             <a:pPr marL="0" indent="0">
               <a:buNone/>
             </a:pPr>
             <a:r>
-              <a:rPr lang="en-US"/>
+              <a:rPr lang="en-US" dirty="0"/>
               <a:t>Secondary Role(s):</a:t>
             </a:r>
           </a:p>
           <a:p>
             <a:r>
-              <a:rPr lang="en-US"/>
+              <a:rPr lang="en-US" dirty="0"/>
               <a:t>Codebase Manager</a:t>
             </a:r>
           </a:p>
           <a:p>
             <a:r>
-              <a:rPr lang="en-US"/>
+              <a:rPr lang="en-US" dirty="0"/>
               <a:t>QA Tester</a:t>
             </a:r>
           </a:p>
           <a:p>
-            <a:endParaRPr lang="en-GB"/>
+            <a:endParaRPr lang="en-GB" dirty="0"/>
           </a:p>
         </p:txBody>
       </p:sp>
